--- a/Project 4_Group 8_Slide Deck.pptx
+++ b/Project 4_Group 8_Slide Deck.pptx
@@ -14,10 +14,11 @@
     <p:sldId id="258" r:id="rId8"/>
     <p:sldId id="259" r:id="rId9"/>
     <p:sldId id="260" r:id="rId10"/>
-    <p:sldId id="261" r:id="rId11"/>
-    <p:sldId id="264" r:id="rId12"/>
-    <p:sldId id="262" r:id="rId13"/>
-    <p:sldId id="263" r:id="rId14"/>
+    <p:sldId id="270" r:id="rId11"/>
+    <p:sldId id="261" r:id="rId12"/>
+    <p:sldId id="264" r:id="rId13"/>
+    <p:sldId id="262" r:id="rId14"/>
+    <p:sldId id="263" r:id="rId15"/>
   </p:sldIdLst>
   <p:sldSz cx="12192000" cy="6858000"/>
   <p:notesSz cx="6858000" cy="9144000"/>
@@ -128,6 +129,7 @@
 <p1510:revInfo xmlns:a="http://schemas.openxmlformats.org/drawingml/2006/main" xmlns:r="http://schemas.openxmlformats.org/officeDocument/2006/relationships" xmlns:p1510="http://schemas.microsoft.com/office/powerpoint/2015/10/main">
   <p1510:revLst>
     <p1510:client id="{2097147D-7F3E-4BAA-A137-5C21ECE2DD43}" v="647" dt="2024-10-01T03:41:36.043"/>
+    <p1510:client id="{385EF587-D4F5-4A65-9464-A987A02548CC}" v="128" dt="2024-10-02T00:12:19.516"/>
     <p1510:client id="{B7878E07-9FE0-457B-86CD-8216E8595628}" v="99" dt="2024-10-01T01:41:09.769"/>
   </p1510:revLst>
 </p1510:revInfo>
@@ -162,6 +164,175 @@
             <pc:docMk/>
             <pc:sldMk cId="3180097618" sldId="256"/>
             <ac:spMk id="3" creationId="{CE49DEAC-C5CF-2BED-7A2C-F633D375E8B4}"/>
+          </ac:spMkLst>
+        </pc:spChg>
+      </pc:sldChg>
+    </pc:docChg>
+  </pc:docChgLst>
+  <pc:docChgLst>
+    <pc:chgData name="Judith Landa" userId="12b9e8b93ae54123" providerId="Windows Live" clId="Web-{385EF587-D4F5-4A65-9464-A987A02548CC}"/>
+    <pc:docChg chg="addSld modSld">
+      <pc:chgData name="Judith Landa" userId="12b9e8b93ae54123" providerId="Windows Live" clId="Web-{385EF587-D4F5-4A65-9464-A987A02548CC}" dt="2024-10-02T00:12:19.516" v="102" actId="14100"/>
+      <pc:docMkLst>
+        <pc:docMk/>
+      </pc:docMkLst>
+      <pc:sldChg chg="modSp">
+        <pc:chgData name="Judith Landa" userId="12b9e8b93ae54123" providerId="Windows Live" clId="Web-{385EF587-D4F5-4A65-9464-A987A02548CC}" dt="2024-10-01T23:56:17.193" v="16" actId="20577"/>
+        <pc:sldMkLst>
+          <pc:docMk/>
+          <pc:sldMk cId="1492970871" sldId="258"/>
+        </pc:sldMkLst>
+        <pc:spChg chg="mod">
+          <ac:chgData name="Judith Landa" userId="12b9e8b93ae54123" providerId="Windows Live" clId="Web-{385EF587-D4F5-4A65-9464-A987A02548CC}" dt="2024-10-01T23:56:17.193" v="16" actId="20577"/>
+          <ac:spMkLst>
+            <pc:docMk/>
+            <pc:sldMk cId="1492970871" sldId="258"/>
+            <ac:spMk id="3" creationId="{AE6A74FB-295B-5866-FC2D-F905DF7A2A66}"/>
+          </ac:spMkLst>
+        </pc:spChg>
+      </pc:sldChg>
+      <pc:sldChg chg="modSp">
+        <pc:chgData name="Judith Landa" userId="12b9e8b93ae54123" providerId="Windows Live" clId="Web-{385EF587-D4F5-4A65-9464-A987A02548CC}" dt="2024-10-01T23:59:44.949" v="38" actId="20577"/>
+        <pc:sldMkLst>
+          <pc:docMk/>
+          <pc:sldMk cId="3006699998" sldId="260"/>
+        </pc:sldMkLst>
+        <pc:spChg chg="mod">
+          <ac:chgData name="Judith Landa" userId="12b9e8b93ae54123" providerId="Windows Live" clId="Web-{385EF587-D4F5-4A65-9464-A987A02548CC}" dt="2024-10-01T23:59:18.292" v="34" actId="20577"/>
+          <ac:spMkLst>
+            <pc:docMk/>
+            <pc:sldMk cId="3006699998" sldId="260"/>
+            <ac:spMk id="2" creationId="{F8E0A64B-7633-5C32-336C-B025736EF223}"/>
+          </ac:spMkLst>
+        </pc:spChg>
+        <pc:spChg chg="mod">
+          <ac:chgData name="Judith Landa" userId="12b9e8b93ae54123" providerId="Windows Live" clId="Web-{385EF587-D4F5-4A65-9464-A987A02548CC}" dt="2024-10-01T23:59:44.949" v="38" actId="20577"/>
+          <ac:spMkLst>
+            <pc:docMk/>
+            <pc:sldMk cId="3006699998" sldId="260"/>
+            <ac:spMk id="3" creationId="{EF6C9BD8-56C2-C557-558C-01D86D3AE0EE}"/>
+          </ac:spMkLst>
+        </pc:spChg>
+      </pc:sldChg>
+      <pc:sldChg chg="modSp">
+        <pc:chgData name="Judith Landa" userId="12b9e8b93ae54123" providerId="Windows Live" clId="Web-{385EF587-D4F5-4A65-9464-A987A02548CC}" dt="2024-10-02T00:01:24.108" v="50" actId="20577"/>
+        <pc:sldMkLst>
+          <pc:docMk/>
+          <pc:sldMk cId="2060292827" sldId="262"/>
+        </pc:sldMkLst>
+        <pc:spChg chg="mod">
+          <ac:chgData name="Judith Landa" userId="12b9e8b93ae54123" providerId="Windows Live" clId="Web-{385EF587-D4F5-4A65-9464-A987A02548CC}" dt="2024-10-02T00:01:24.108" v="50" actId="20577"/>
+          <ac:spMkLst>
+            <pc:docMk/>
+            <pc:sldMk cId="2060292827" sldId="262"/>
+            <ac:spMk id="3" creationId="{451D657F-B9AF-12A7-077C-2D2737950203}"/>
+          </ac:spMkLst>
+        </pc:spChg>
+      </pc:sldChg>
+      <pc:sldChg chg="modSp">
+        <pc:chgData name="Judith Landa" userId="12b9e8b93ae54123" providerId="Windows Live" clId="Web-{385EF587-D4F5-4A65-9464-A987A02548CC}" dt="2024-10-02T00:03:39.955" v="57" actId="20577"/>
+        <pc:sldMkLst>
+          <pc:docMk/>
+          <pc:sldMk cId="312204452" sldId="263"/>
+        </pc:sldMkLst>
+        <pc:spChg chg="mod">
+          <ac:chgData name="Judith Landa" userId="12b9e8b93ae54123" providerId="Windows Live" clId="Web-{385EF587-D4F5-4A65-9464-A987A02548CC}" dt="2024-10-02T00:03:39.955" v="57" actId="20577"/>
+          <ac:spMkLst>
+            <pc:docMk/>
+            <pc:sldMk cId="312204452" sldId="263"/>
+            <ac:spMk id="3" creationId="{86CC9155-6697-746B-DB51-E36ABE79744F}"/>
+          </ac:spMkLst>
+        </pc:spChg>
+      </pc:sldChg>
+      <pc:sldChg chg="modSp">
+        <pc:chgData name="Judith Landa" userId="12b9e8b93ae54123" providerId="Windows Live" clId="Web-{385EF587-D4F5-4A65-9464-A987A02548CC}" dt="2024-10-02T00:00:43.966" v="44" actId="20577"/>
+        <pc:sldMkLst>
+          <pc:docMk/>
+          <pc:sldMk cId="2790612178" sldId="264"/>
+        </pc:sldMkLst>
+        <pc:spChg chg="mod">
+          <ac:chgData name="Judith Landa" userId="12b9e8b93ae54123" providerId="Windows Live" clId="Web-{385EF587-D4F5-4A65-9464-A987A02548CC}" dt="2024-10-02T00:00:43.966" v="44" actId="20577"/>
+          <ac:spMkLst>
+            <pc:docMk/>
+            <pc:sldMk cId="2790612178" sldId="264"/>
+            <ac:spMk id="3" creationId="{C94314EF-5629-E51D-1B12-06D336D4779E}"/>
+          </ac:spMkLst>
+        </pc:spChg>
+      </pc:sldChg>
+      <pc:sldChg chg="delSp modSp">
+        <pc:chgData name="Judith Landa" userId="12b9e8b93ae54123" providerId="Windows Live" clId="Web-{385EF587-D4F5-4A65-9464-A987A02548CC}" dt="2024-10-02T00:12:19.516" v="102" actId="14100"/>
+        <pc:sldMkLst>
+          <pc:docMk/>
+          <pc:sldMk cId="18364481" sldId="265"/>
+        </pc:sldMkLst>
+        <pc:spChg chg="del">
+          <ac:chgData name="Judith Landa" userId="12b9e8b93ae54123" providerId="Windows Live" clId="Web-{385EF587-D4F5-4A65-9464-A987A02548CC}" dt="2024-10-02T00:10:27.466" v="58"/>
+          <ac:spMkLst>
+            <pc:docMk/>
+            <pc:sldMk cId="18364481" sldId="265"/>
+            <ac:spMk id="10" creationId="{3EBAFF6C-A4B2-000C-4353-D603D9A32698}"/>
+          </ac:spMkLst>
+        </pc:spChg>
+        <pc:spChg chg="mod">
+          <ac:chgData name="Judith Landa" userId="12b9e8b93ae54123" providerId="Windows Live" clId="Web-{385EF587-D4F5-4A65-9464-A987A02548CC}" dt="2024-10-02T00:12:15.953" v="101" actId="14100"/>
+          <ac:spMkLst>
+            <pc:docMk/>
+            <pc:sldMk cId="18364481" sldId="265"/>
+            <ac:spMk id="14" creationId="{2BB29A27-33BF-0EFE-2751-6FAE0DBAE9CE}"/>
+          </ac:spMkLst>
+        </pc:spChg>
+        <pc:spChg chg="mod">
+          <ac:chgData name="Judith Landa" userId="12b9e8b93ae54123" providerId="Windows Live" clId="Web-{385EF587-D4F5-4A65-9464-A987A02548CC}" dt="2024-10-02T00:12:19.516" v="102" actId="14100"/>
+          <ac:spMkLst>
+            <pc:docMk/>
+            <pc:sldMk cId="18364481" sldId="265"/>
+            <ac:spMk id="15" creationId="{B8AFC993-0A4B-D325-A469-28F71385FF17}"/>
+          </ac:spMkLst>
+        </pc:spChg>
+        <pc:spChg chg="mod">
+          <ac:chgData name="Judith Landa" userId="12b9e8b93ae54123" providerId="Windows Live" clId="Web-{385EF587-D4F5-4A65-9464-A987A02548CC}" dt="2024-10-02T00:11:14.858" v="73" actId="20577"/>
+          <ac:spMkLst>
+            <pc:docMk/>
+            <pc:sldMk cId="18364481" sldId="265"/>
+            <ac:spMk id="16" creationId="{2F499EF0-FB45-C58B-CF1B-D10C2563A439}"/>
+          </ac:spMkLst>
+        </pc:spChg>
+      </pc:sldChg>
+      <pc:sldChg chg="modSp">
+        <pc:chgData name="Judith Landa" userId="12b9e8b93ae54123" providerId="Windows Live" clId="Web-{385EF587-D4F5-4A65-9464-A987A02548CC}" dt="2024-10-01T23:56:20.818" v="18" actId="20577"/>
+        <pc:sldMkLst>
+          <pc:docMk/>
+          <pc:sldMk cId="3606985356" sldId="268"/>
+        </pc:sldMkLst>
+        <pc:spChg chg="mod">
+          <ac:chgData name="Judith Landa" userId="12b9e8b93ae54123" providerId="Windows Live" clId="Web-{385EF587-D4F5-4A65-9464-A987A02548CC}" dt="2024-10-01T23:56:20.818" v="18" actId="20577"/>
+          <ac:spMkLst>
+            <pc:docMk/>
+            <pc:sldMk cId="3606985356" sldId="268"/>
+            <ac:spMk id="3" creationId="{976BB7BB-FF72-E0B6-6843-106EA108B8A3}"/>
+          </ac:spMkLst>
+        </pc:spChg>
+      </pc:sldChg>
+      <pc:sldChg chg="modSp add replId">
+        <pc:chgData name="Judith Landa" userId="12b9e8b93ae54123" providerId="Windows Live" clId="Web-{385EF587-D4F5-4A65-9464-A987A02548CC}" dt="2024-10-01T23:59:39.980" v="37" actId="20577"/>
+        <pc:sldMkLst>
+          <pc:docMk/>
+          <pc:sldMk cId="3617778244" sldId="270"/>
+        </pc:sldMkLst>
+        <pc:spChg chg="mod">
+          <ac:chgData name="Judith Landa" userId="12b9e8b93ae54123" providerId="Windows Live" clId="Web-{385EF587-D4F5-4A65-9464-A987A02548CC}" dt="2024-10-01T23:59:26.167" v="36" actId="20577"/>
+          <ac:spMkLst>
+            <pc:docMk/>
+            <pc:sldMk cId="3617778244" sldId="270"/>
+            <ac:spMk id="2" creationId="{F8E0A64B-7633-5C32-336C-B025736EF223}"/>
+          </ac:spMkLst>
+        </pc:spChg>
+        <pc:spChg chg="mod">
+          <ac:chgData name="Judith Landa" userId="12b9e8b93ae54123" providerId="Windows Live" clId="Web-{385EF587-D4F5-4A65-9464-A987A02548CC}" dt="2024-10-01T23:59:39.980" v="37" actId="20577"/>
+          <ac:spMkLst>
+            <pc:docMk/>
+            <pc:sldMk cId="3617778244" sldId="270"/>
+            <ac:spMk id="3" creationId="{EF6C9BD8-56C2-C557-558C-01D86D3AE0EE}"/>
           </ac:spMkLst>
         </pc:spChg>
       </pc:sldChg>
@@ -920,7 +1091,7 @@
           <a:p>
             <a:fld id="{D5FAF2F3-5FFD-4171-A536-BBDEB88D6CD8}" type="datetimeFigureOut">
               <a:rPr lang="en-US" smtClean="0"/>
-              <a:t>9/30/2024</a:t>
+              <a:t>10/1/2024</a:t>
             </a:fld>
             <a:endParaRPr lang="en-US"/>
           </a:p>
@@ -1118,7 +1289,7 @@
           <a:p>
             <a:fld id="{D5FAF2F3-5FFD-4171-A536-BBDEB88D6CD8}" type="datetimeFigureOut">
               <a:rPr lang="en-US" smtClean="0"/>
-              <a:t>9/30/2024</a:t>
+              <a:t>10/1/2024</a:t>
             </a:fld>
             <a:endParaRPr lang="en-US"/>
           </a:p>
@@ -1326,7 +1497,7 @@
           <a:p>
             <a:fld id="{D5FAF2F3-5FFD-4171-A536-BBDEB88D6CD8}" type="datetimeFigureOut">
               <a:rPr lang="en-US" smtClean="0"/>
-              <a:t>9/30/2024</a:t>
+              <a:t>10/1/2024</a:t>
             </a:fld>
             <a:endParaRPr lang="en-US"/>
           </a:p>
@@ -1524,7 +1695,7 @@
           <a:p>
             <a:fld id="{D5FAF2F3-5FFD-4171-A536-BBDEB88D6CD8}" type="datetimeFigureOut">
               <a:rPr lang="en-US" smtClean="0"/>
-              <a:t>9/30/2024</a:t>
+              <a:t>10/1/2024</a:t>
             </a:fld>
             <a:endParaRPr lang="en-US"/>
           </a:p>
@@ -1799,7 +1970,7 @@
           <a:p>
             <a:fld id="{D5FAF2F3-5FFD-4171-A536-BBDEB88D6CD8}" type="datetimeFigureOut">
               <a:rPr lang="en-US" smtClean="0"/>
-              <a:t>9/30/2024</a:t>
+              <a:t>10/1/2024</a:t>
             </a:fld>
             <a:endParaRPr lang="en-US"/>
           </a:p>
@@ -2064,7 +2235,7 @@
           <a:p>
             <a:fld id="{D5FAF2F3-5FFD-4171-A536-BBDEB88D6CD8}" type="datetimeFigureOut">
               <a:rPr lang="en-US" smtClean="0"/>
-              <a:t>9/30/2024</a:t>
+              <a:t>10/1/2024</a:t>
             </a:fld>
             <a:endParaRPr lang="en-US"/>
           </a:p>
@@ -2476,7 +2647,7 @@
           <a:p>
             <a:fld id="{D5FAF2F3-5FFD-4171-A536-BBDEB88D6CD8}" type="datetimeFigureOut">
               <a:rPr lang="en-US" smtClean="0"/>
-              <a:t>9/30/2024</a:t>
+              <a:t>10/1/2024</a:t>
             </a:fld>
             <a:endParaRPr lang="en-US"/>
           </a:p>
@@ -2617,7 +2788,7 @@
           <a:p>
             <a:fld id="{D5FAF2F3-5FFD-4171-A536-BBDEB88D6CD8}" type="datetimeFigureOut">
               <a:rPr lang="en-US" smtClean="0"/>
-              <a:t>9/30/2024</a:t>
+              <a:t>10/1/2024</a:t>
             </a:fld>
             <a:endParaRPr lang="en-US"/>
           </a:p>
@@ -2730,7 +2901,7 @@
           <a:p>
             <a:fld id="{D5FAF2F3-5FFD-4171-A536-BBDEB88D6CD8}" type="datetimeFigureOut">
               <a:rPr lang="en-US" smtClean="0"/>
-              <a:t>9/30/2024</a:t>
+              <a:t>10/1/2024</a:t>
             </a:fld>
             <a:endParaRPr lang="en-US"/>
           </a:p>
@@ -3041,7 +3212,7 @@
           <a:p>
             <a:fld id="{D5FAF2F3-5FFD-4171-A536-BBDEB88D6CD8}" type="datetimeFigureOut">
               <a:rPr lang="en-US" smtClean="0"/>
-              <a:t>9/30/2024</a:t>
+              <a:t>10/1/2024</a:t>
             </a:fld>
             <a:endParaRPr lang="en-US"/>
           </a:p>
@@ -3329,7 +3500,7 @@
           <a:p>
             <a:fld id="{D5FAF2F3-5FFD-4171-A536-BBDEB88D6CD8}" type="datetimeFigureOut">
               <a:rPr lang="en-US" smtClean="0"/>
-              <a:t>9/30/2024</a:t>
+              <a:t>10/1/2024</a:t>
             </a:fld>
             <a:endParaRPr lang="en-US"/>
           </a:p>
@@ -3570,7 +3741,7 @@
           <a:p>
             <a:fld id="{D5FAF2F3-5FFD-4171-A536-BBDEB88D6CD8}" type="datetimeFigureOut">
               <a:rPr lang="en-US" smtClean="0"/>
-              <a:t>9/30/2024</a:t>
+              <a:t>10/1/2024</a:t>
             </a:fld>
             <a:endParaRPr lang="en-US"/>
           </a:p>
@@ -4195,7 +4366,7 @@
           <p:cNvPr id="2" name="Title 1">
             <a:extLst>
               <a:ext uri="{FF2B5EF4-FFF2-40B4-BE49-F238E27FC236}">
-                <a16:creationId xmlns:a16="http://schemas.microsoft.com/office/drawing/2014/main" id="{908B2730-DBE8-C6FE-4F49-E41E25D685C2}"/>
+                <a16:creationId xmlns:a16="http://schemas.microsoft.com/office/drawing/2014/main" id="{F8E0A64B-7633-5C32-336C-B025736EF223}"/>
               </a:ext>
             </a:extLst>
           </p:cNvPr>
@@ -4213,7 +4384,7 @@
           <a:p>
             <a:r>
               <a:rPr lang="en-US"/>
-              <a:t>PIVOT TO LIVE DEMO</a:t>
+              <a:t>Research Question #2</a:t>
             </a:r>
           </a:p>
           <a:p>
@@ -4226,7 +4397,7 @@
           <p:cNvPr id="3" name="Content Placeholder 2">
             <a:extLst>
               <a:ext uri="{FF2B5EF4-FFF2-40B4-BE49-F238E27FC236}">
-                <a16:creationId xmlns:a16="http://schemas.microsoft.com/office/drawing/2014/main" id="{25F71317-AD60-4EE0-2F06-665FEB1446DD}"/>
+                <a16:creationId xmlns:a16="http://schemas.microsoft.com/office/drawing/2014/main" id="{EF6C9BD8-56C2-C557-558C-01D86D3AE0EE}"/>
               </a:ext>
             </a:extLst>
           </p:cNvPr>
@@ -4237,52 +4408,42 @@
             <p:ph idx="1"/>
           </p:nvPr>
         </p:nvSpPr>
-        <p:spPr/>
+        <p:spPr>
+          <a:xfrm>
+            <a:off x="678426" y="1346302"/>
+            <a:ext cx="10515600" cy="4351338"/>
+          </a:xfrm>
+        </p:spPr>
         <p:txBody>
           <a:bodyPr vert="horz" lIns="91440" tIns="45720" rIns="91440" bIns="45720" rtlCol="0" anchor="t">
             <a:normAutofit/>
           </a:bodyPr>
           <a:lstStyle/>
           <a:p>
-            <a:endParaRPr lang="en-US" sz="1100">
-              <a:solidFill>
-                <a:srgbClr val="D1D2D3"/>
-              </a:solidFill>
-            </a:endParaRPr>
-          </a:p>
-          <a:p>
-            <a:r>
-              <a:rPr lang="en-US"/>
-              <a:t>Walk us through all the html pages of your application</a:t>
-            </a:r>
-          </a:p>
-          <a:p>
-            <a:r>
-              <a:rPr lang="en-US" dirty="0"/>
-              <a:t>Show us how live ML page performs</a:t>
-            </a:r>
-          </a:p>
-          <a:p>
-            <a:r>
-              <a:rPr lang="en-US"/>
-              <a:t>Show us your BI visuals</a:t>
-            </a:r>
-          </a:p>
-          <a:p>
-            <a:r>
-              <a:rPr lang="en-US"/>
-              <a:t>How does this answer your research questions?</a:t>
-            </a:r>
-          </a:p>
-          <a:p>
-            <a:endParaRPr lang="en-US"/>
+            <a:r>
+              <a:rPr lang="en-US" sz="1800">
+                <a:ea typeface="+mn-lt"/>
+                <a:cs typeface="+mn-lt"/>
+              </a:rPr>
+              <a:t>Second, what are the most popular genres over time, and how do their ratings compare? </a:t>
+            </a:r>
+          </a:p>
+          <a:p>
+            <a:r>
+              <a:rPr lang="en-US" sz="1800">
+                <a:ea typeface="+mn-lt"/>
+                <a:cs typeface="+mn-lt"/>
+              </a:rPr>
+              <a:t>These questions guided the development of our dashboards and visualizations, allowing us to explore directorial success and trends in genre popularity in greater detail.</a:t>
+            </a:r>
+            <a:endParaRPr lang="en-US" sz="1800"/>
           </a:p>
         </p:txBody>
       </p:sp>
     </p:spTree>
     <p:extLst>
       <p:ext uri="{BB962C8B-B14F-4D97-AF65-F5344CB8AC3E}">
-        <p14:creationId xmlns:p14="http://schemas.microsoft.com/office/powerpoint/2010/main" val="1221304455"/>
+        <p14:creationId xmlns:p14="http://schemas.microsoft.com/office/powerpoint/2010/main" val="3617778244"/>
       </p:ext>
     </p:extLst>
   </p:cSld>
@@ -4314,7 +4475,7 @@
           <p:cNvPr id="2" name="Title 1">
             <a:extLst>
               <a:ext uri="{FF2B5EF4-FFF2-40B4-BE49-F238E27FC236}">
-                <a16:creationId xmlns:a16="http://schemas.microsoft.com/office/drawing/2014/main" id="{F488BC05-9C34-B3E7-170F-618212A7F008}"/>
+                <a16:creationId xmlns:a16="http://schemas.microsoft.com/office/drawing/2014/main" id="{908B2730-DBE8-C6FE-4F49-E41E25D685C2}"/>
               </a:ext>
             </a:extLst>
           </p:cNvPr>
@@ -4332,7 +4493,7 @@
           <a:p>
             <a:r>
               <a:rPr lang="en-US"/>
-              <a:t>Conclusions</a:t>
+              <a:t>PIVOT TO LIVE DEMO</a:t>
             </a:r>
           </a:p>
           <a:p>
@@ -4345,7 +4506,7 @@
           <p:cNvPr id="3" name="Content Placeholder 2">
             <a:extLst>
               <a:ext uri="{FF2B5EF4-FFF2-40B4-BE49-F238E27FC236}">
-                <a16:creationId xmlns:a16="http://schemas.microsoft.com/office/drawing/2014/main" id="{C94314EF-5629-E51D-1B12-06D336D4779E}"/>
+                <a16:creationId xmlns:a16="http://schemas.microsoft.com/office/drawing/2014/main" id="{25F71317-AD60-4EE0-2F06-665FEB1446DD}"/>
               </a:ext>
             </a:extLst>
           </p:cNvPr>
@@ -4358,8 +4519,41 @@
         </p:nvSpPr>
         <p:spPr/>
         <p:txBody>
-          <a:bodyPr/>
-          <a:lstStyle/>
+          <a:bodyPr vert="horz" lIns="91440" tIns="45720" rIns="91440" bIns="45720" rtlCol="0" anchor="t">
+            <a:normAutofit/>
+          </a:bodyPr>
+          <a:lstStyle/>
+          <a:p>
+            <a:endParaRPr lang="en-US" sz="1100">
+              <a:solidFill>
+                <a:srgbClr val="D1D2D3"/>
+              </a:solidFill>
+            </a:endParaRPr>
+          </a:p>
+          <a:p>
+            <a:r>
+              <a:rPr lang="en-US"/>
+              <a:t>Walk us through all the html pages of your application</a:t>
+            </a:r>
+          </a:p>
+          <a:p>
+            <a:r>
+              <a:rPr lang="en-US"/>
+              <a:t>Show us how live ML page performs</a:t>
+            </a:r>
+          </a:p>
+          <a:p>
+            <a:r>
+              <a:rPr lang="en-US"/>
+              <a:t>Show us your BI visuals</a:t>
+            </a:r>
+          </a:p>
+          <a:p>
+            <a:r>
+              <a:rPr lang="en-US"/>
+              <a:t>How does this answer your research questions?</a:t>
+            </a:r>
+          </a:p>
           <a:p>
             <a:endParaRPr lang="en-US"/>
           </a:p>
@@ -4368,7 +4562,7 @@
     </p:spTree>
     <p:extLst>
       <p:ext uri="{BB962C8B-B14F-4D97-AF65-F5344CB8AC3E}">
-        <p14:creationId xmlns:p14="http://schemas.microsoft.com/office/powerpoint/2010/main" val="2790612178"/>
+        <p14:creationId xmlns:p14="http://schemas.microsoft.com/office/powerpoint/2010/main" val="1221304455"/>
       </p:ext>
     </p:extLst>
   </p:cSld>
@@ -4400,7 +4594,7 @@
           <p:cNvPr id="2" name="Title 1">
             <a:extLst>
               <a:ext uri="{FF2B5EF4-FFF2-40B4-BE49-F238E27FC236}">
-                <a16:creationId xmlns:a16="http://schemas.microsoft.com/office/drawing/2014/main" id="{1AE6F879-327F-6E0E-0340-0A299004CCDF}"/>
+                <a16:creationId xmlns:a16="http://schemas.microsoft.com/office/drawing/2014/main" id="{F488BC05-9C34-B3E7-170F-618212A7F008}"/>
               </a:ext>
             </a:extLst>
           </p:cNvPr>
@@ -4418,7 +4612,7 @@
           <a:p>
             <a:r>
               <a:rPr lang="en-US"/>
-              <a:t>limitations/bias</a:t>
+              <a:t>Conclusions</a:t>
             </a:r>
           </a:p>
           <a:p>
@@ -4431,7 +4625,7 @@
           <p:cNvPr id="3" name="Content Placeholder 2">
             <a:extLst>
               <a:ext uri="{FF2B5EF4-FFF2-40B4-BE49-F238E27FC236}">
-                <a16:creationId xmlns:a16="http://schemas.microsoft.com/office/drawing/2014/main" id="{451D657F-B9AF-12A7-077C-2D2737950203}"/>
+                <a16:creationId xmlns:a16="http://schemas.microsoft.com/office/drawing/2014/main" id="{C94314EF-5629-E51D-1B12-06D336D4779E}"/>
               </a:ext>
             </a:extLst>
           </p:cNvPr>
@@ -4444,17 +4638,53 @@
         </p:nvSpPr>
         <p:spPr/>
         <p:txBody>
-          <a:bodyPr/>
-          <a:lstStyle/>
-          <a:p>
-            <a:endParaRPr lang="en-US"/>
+          <a:bodyPr vert="horz" lIns="91440" tIns="45720" rIns="91440" bIns="45720" rtlCol="0" anchor="t">
+            <a:normAutofit/>
+          </a:bodyPr>
+          <a:lstStyle/>
+          <a:p>
+            <a:r>
+              <a:rPr lang="en-US" sz="1800">
+                <a:ea typeface="+mn-lt"/>
+                <a:cs typeface="+mn-lt"/>
+              </a:rPr>
+              <a:t>From our analysis, we found that directors with higher average ratings often also receive more votes, suggesting that audience engagement is linked to perceived quality. </a:t>
+            </a:r>
+          </a:p>
+          <a:p>
+            <a:r>
+              <a:rPr lang="en-US" sz="1800">
+                <a:ea typeface="+mn-lt"/>
+                <a:cs typeface="+mn-lt"/>
+              </a:rPr>
+              <a:t>We also saw that certain genres have remained consistently popular, while others have fluctuated over time. </a:t>
+            </a:r>
+          </a:p>
+          <a:p>
+            <a:r>
+              <a:rPr lang="en-US" sz="1800">
+                <a:ea typeface="+mn-lt"/>
+                <a:cs typeface="+mn-lt"/>
+              </a:rPr>
+              <a:t>Additionally, cultural factors and the availability of platforms like IMDb and Rotten Tomatoes have influenced which directors and movies receive the most attention. </a:t>
+            </a:r>
+          </a:p>
+          <a:p>
+            <a:r>
+              <a:rPr lang="en-US" sz="1800">
+                <a:ea typeface="+mn-lt"/>
+                <a:cs typeface="+mn-lt"/>
+              </a:rPr>
+              <a:t>This suggests that both quality and accessibility play a role in how movies are rated and remembered.</a:t>
+            </a:r>
+            <a:endParaRPr lang="en-US" sz="1800"/>
           </a:p>
         </p:txBody>
       </p:sp>
     </p:spTree>
     <p:extLst>
       <p:ext uri="{BB962C8B-B14F-4D97-AF65-F5344CB8AC3E}">
-        <p14:creationId xmlns:p14="http://schemas.microsoft.com/office/powerpoint/2010/main" val="2060292827"/>
+        <p14:creationId xmlns:p14="http://schemas.microsoft.com/office/powerpoint/2010/main" val="2790612178"/>
       </p:ext>
     </p:extLst>
   </p:cSld>
@@ -4486,6 +4716,137 @@
           <p:cNvPr id="2" name="Title 1">
             <a:extLst>
               <a:ext uri="{FF2B5EF4-FFF2-40B4-BE49-F238E27FC236}">
+                <a16:creationId xmlns:a16="http://schemas.microsoft.com/office/drawing/2014/main" id="{1AE6F879-327F-6E0E-0340-0A299004CCDF}"/>
+              </a:ext>
+            </a:extLst>
+          </p:cNvPr>
+          <p:cNvSpPr>
+            <a:spLocks noGrp="1"/>
+          </p:cNvSpPr>
+          <p:nvPr>
+            <p:ph type="title"/>
+          </p:nvPr>
+        </p:nvSpPr>
+        <p:spPr/>
+        <p:txBody>
+          <a:bodyPr/>
+          <a:lstStyle/>
+          <a:p>
+            <a:r>
+              <a:rPr lang="en-US"/>
+              <a:t>limitations/bias</a:t>
+            </a:r>
+          </a:p>
+          <a:p>
+            <a:endParaRPr lang="en-US"/>
+          </a:p>
+        </p:txBody>
+      </p:sp>
+      <p:sp>
+        <p:nvSpPr>
+          <p:cNvPr id="3" name="Content Placeholder 2">
+            <a:extLst>
+              <a:ext uri="{FF2B5EF4-FFF2-40B4-BE49-F238E27FC236}">
+                <a16:creationId xmlns:a16="http://schemas.microsoft.com/office/drawing/2014/main" id="{451D657F-B9AF-12A7-077C-2D2737950203}"/>
+              </a:ext>
+            </a:extLst>
+          </p:cNvPr>
+          <p:cNvSpPr>
+            <a:spLocks noGrp="1"/>
+          </p:cNvSpPr>
+          <p:nvPr>
+            <p:ph idx="1"/>
+          </p:nvPr>
+        </p:nvSpPr>
+        <p:spPr/>
+        <p:txBody>
+          <a:bodyPr vert="horz" lIns="91440" tIns="45720" rIns="91440" bIns="45720" rtlCol="0" anchor="t">
+            <a:normAutofit/>
+          </a:bodyPr>
+          <a:lstStyle/>
+          <a:p>
+            <a:r>
+              <a:rPr lang="en-US" sz="1800">
+                <a:ea typeface="+mn-lt"/>
+                <a:cs typeface="+mn-lt"/>
+              </a:rPr>
+              <a:t>As with any dataset, there are some limitations and biases to consider. </a:t>
+            </a:r>
+          </a:p>
+          <a:p>
+            <a:r>
+              <a:rPr lang="en-US" sz="1800">
+                <a:ea typeface="+mn-lt"/>
+                <a:cs typeface="+mn-lt"/>
+              </a:rPr>
+              <a:t>First, there’s a time-period bias, where more recent movies tend to get more ratings due to easier access on modern platforms. </a:t>
+            </a:r>
+          </a:p>
+          <a:p>
+            <a:r>
+              <a:rPr lang="en-US" sz="1800">
+                <a:ea typeface="+mn-lt"/>
+                <a:cs typeface="+mn-lt"/>
+              </a:rPr>
+              <a:t>Then we have cultural bias, where films and directors from certain regions are more represented than others, which could skew our results. </a:t>
+            </a:r>
+          </a:p>
+          <a:p>
+            <a:r>
+              <a:rPr lang="en-US" sz="1800">
+                <a:ea typeface="+mn-lt"/>
+                <a:cs typeface="+mn-lt"/>
+              </a:rPr>
+              <a:t>Finally, there’s a rating aggregation bias, where averaging ratings for each director oversimplifies the variation within their individual films. </a:t>
+            </a:r>
+          </a:p>
+          <a:p>
+            <a:r>
+              <a:rPr lang="en-US" sz="1800">
+                <a:ea typeface="+mn-lt"/>
+                <a:cs typeface="+mn-lt"/>
+              </a:rPr>
+              <a:t>These biases are important to keep in mind as they may affect the conclusions we’ve drawn.</a:t>
+            </a:r>
+            <a:endParaRPr lang="en-US" sz="1800"/>
+          </a:p>
+        </p:txBody>
+      </p:sp>
+    </p:spTree>
+    <p:extLst>
+      <p:ext uri="{BB962C8B-B14F-4D97-AF65-F5344CB8AC3E}">
+        <p14:creationId xmlns:p14="http://schemas.microsoft.com/office/powerpoint/2010/main" val="2060292827"/>
+      </p:ext>
+    </p:extLst>
+  </p:cSld>
+  <p:clrMapOvr>
+    <a:masterClrMapping/>
+  </p:clrMapOvr>
+</p:sld>
+</file>
+
+<file path=ppt/slides/slide14.xml><?xml version="1.0" encoding="utf-8"?>
+<p:sld xmlns:a="http://schemas.openxmlformats.org/drawingml/2006/main" xmlns:r="http://schemas.openxmlformats.org/officeDocument/2006/relationships" xmlns:p="http://schemas.openxmlformats.org/presentationml/2006/main">
+  <p:cSld>
+    <p:spTree>
+      <p:nvGrpSpPr>
+        <p:cNvPr id="1" name=""/>
+        <p:cNvGrpSpPr/>
+        <p:nvPr/>
+      </p:nvGrpSpPr>
+      <p:grpSpPr>
+        <a:xfrm>
+          <a:off x="0" y="0"/>
+          <a:ext cx="0" cy="0"/>
+          <a:chOff x="0" y="0"/>
+          <a:chExt cx="0" cy="0"/>
+        </a:xfrm>
+      </p:grpSpPr>
+      <p:sp>
+        <p:nvSpPr>
+          <p:cNvPr id="2" name="Title 1">
+            <a:extLst>
+              <a:ext uri="{FF2B5EF4-FFF2-40B4-BE49-F238E27FC236}">
                 <a16:creationId xmlns:a16="http://schemas.microsoft.com/office/drawing/2014/main" id="{5A3272FD-6D90-B5CD-6439-EB787809B30D}"/>
               </a:ext>
             </a:extLst>
@@ -4537,10 +4898,55 @@
         </p:nvSpPr>
         <p:spPr/>
         <p:txBody>
-          <a:bodyPr/>
-          <a:lstStyle/>
-          <a:p>
-            <a:endParaRPr lang="en-US"/>
+          <a:bodyPr vert="horz" lIns="91440" tIns="45720" rIns="91440" bIns="45720" rtlCol="0" anchor="t">
+            <a:normAutofit/>
+          </a:bodyPr>
+          <a:lstStyle/>
+          <a:p>
+            <a:r>
+              <a:rPr lang="en-US" sz="1800">
+                <a:ea typeface="+mn-lt"/>
+                <a:cs typeface="+mn-lt"/>
+              </a:rPr>
+              <a:t>Looking ahead, we see several opportunities for expanding this project. </a:t>
+            </a:r>
+          </a:p>
+          <a:p>
+            <a:r>
+              <a:rPr lang="en-US" sz="1800">
+                <a:ea typeface="+mn-lt"/>
+                <a:cs typeface="+mn-lt"/>
+              </a:rPr>
+              <a:t>We could use machine learning models to predict future trends in movie genres and directorial success. </a:t>
+            </a:r>
+          </a:p>
+          <a:p>
+            <a:r>
+              <a:rPr lang="en-US" sz="1800">
+                <a:ea typeface="+mn-lt"/>
+                <a:cs typeface="+mn-lt"/>
+              </a:rPr>
+              <a:t>Incorporating additional factors, such as actor popularity or box office performance, could give us a more complete picture. </a:t>
+            </a:r>
+          </a:p>
+          <a:p>
+            <a:r>
+              <a:rPr lang="en-US" sz="1800">
+                <a:ea typeface="+mn-lt"/>
+                <a:cs typeface="+mn-lt"/>
+              </a:rPr>
+              <a:t>Lastly, addressing the biases we identified by weighing ratings or votes based on the time period or cultural context would provide more accurate insights. </a:t>
+            </a:r>
+          </a:p>
+          <a:p>
+            <a:r>
+              <a:rPr lang="en-US" sz="1800">
+                <a:ea typeface="+mn-lt"/>
+                <a:cs typeface="+mn-lt"/>
+              </a:rPr>
+              <a:t>These steps could further refine our analysis and help us draw even stronger conclusions.</a:t>
+            </a:r>
+            <a:endParaRPr lang="en-US" sz="1800"/>
           </a:p>
         </p:txBody>
       </p:sp>
@@ -4626,8 +5032,8 @@
         </p:nvSpPr>
         <p:spPr>
           <a:xfrm>
-            <a:off x="1688450" y="4173089"/>
-            <a:ext cx="910166" cy="369332"/>
+            <a:off x="1328618" y="4215422"/>
+            <a:ext cx="1714498" cy="667497"/>
           </a:xfrm>
           <a:prstGeom prst="rect">
             <a:avLst/>
@@ -4650,9 +5056,8 @@
                   <a:schemeClr val="bg1"/>
                 </a:solidFill>
               </a:rPr>
-              <a:t>Name</a:t>
-            </a:r>
-            <a:endParaRPr lang="en-US"/>
+              <a:t>Mason DeJesus</a:t>
+            </a:r>
           </a:p>
         </p:txBody>
       </p:sp>
@@ -4670,8 +5075,8 @@
         </p:nvSpPr>
         <p:spPr>
           <a:xfrm>
-            <a:off x="3646366" y="4173088"/>
-            <a:ext cx="910166" cy="369332"/>
+            <a:off x="3275950" y="4215421"/>
+            <a:ext cx="1714498" cy="667497"/>
           </a:xfrm>
           <a:prstGeom prst="rect">
             <a:avLst/>
@@ -4694,9 +5099,8 @@
                   <a:schemeClr val="bg1"/>
                 </a:solidFill>
               </a:rPr>
-              <a:t>Name</a:t>
-            </a:r>
-            <a:endParaRPr lang="en-US"/>
+              <a:t>Mathias Carnero</a:t>
+            </a:r>
           </a:p>
         </p:txBody>
       </p:sp>
@@ -4714,8 +5118,8 @@
         </p:nvSpPr>
         <p:spPr>
           <a:xfrm>
-            <a:off x="5635219" y="4212166"/>
-            <a:ext cx="910166" cy="369332"/>
+            <a:off x="5307136" y="4233332"/>
+            <a:ext cx="1598082" cy="646331"/>
           </a:xfrm>
           <a:prstGeom prst="rect">
             <a:avLst/>
@@ -4738,9 +5142,8 @@
                   <a:schemeClr val="bg1"/>
                 </a:solidFill>
               </a:rPr>
-              <a:t>Name</a:t>
-            </a:r>
-            <a:endParaRPr lang="en-US"/>
+              <a:t>Andrew Montemayor</a:t>
+            </a:r>
           </a:p>
         </p:txBody>
       </p:sp>
@@ -5071,50 +5474,6 @@
           </a:prstGeom>
         </p:spPr>
       </p:pic>
-      <p:sp>
-        <p:nvSpPr>
-          <p:cNvPr id="10" name="TextBox 9">
-            <a:extLst>
-              <a:ext uri="{FF2B5EF4-FFF2-40B4-BE49-F238E27FC236}">
-                <a16:creationId xmlns:a16="http://schemas.microsoft.com/office/drawing/2014/main" id="{3EBAFF6C-A4B2-000C-4353-D603D9A32698}"/>
-              </a:ext>
-            </a:extLst>
-          </p:cNvPr>
-          <p:cNvSpPr txBox="1"/>
-          <p:nvPr/>
-        </p:nvSpPr>
-        <p:spPr>
-          <a:xfrm>
-            <a:off x="1986986" y="4938531"/>
-            <a:ext cx="6645797" cy="369332"/>
-          </a:xfrm>
-          <a:prstGeom prst="rect">
-            <a:avLst/>
-          </a:prstGeom>
-          <a:noFill/>
-        </p:spPr>
-        <p:txBody>
-          <a:bodyPr rot="0" spcFirstLastPara="0" vertOverflow="overflow" horzOverflow="overflow" vert="horz" wrap="square" lIns="91440" tIns="45720" rIns="91440" bIns="45720" numCol="1" spcCol="0" rtlCol="0" fromWordArt="0" anchor="t" anchorCtr="0" forceAA="0" compatLnSpc="1">
-            <a:prstTxWarp prst="textNoShape">
-              <a:avLst/>
-            </a:prstTxWarp>
-            <a:spAutoFit/>
-          </a:bodyPr>
-          <a:lstStyle/>
-          <a:p>
-            <a:r>
-              <a:rPr lang="en-US" i="1" dirty="0">
-                <a:solidFill>
-                  <a:schemeClr val="bg1">
-                    <a:lumMod val="65000"/>
-                  </a:schemeClr>
-                </a:solidFill>
-              </a:rPr>
-              <a:t>FYI: The profile pictures can be changed. This is just an example.</a:t>
-            </a:r>
-          </a:p>
-        </p:txBody>
-      </p:sp>
     </p:spTree>
     <p:extLst>
       <p:ext uri="{BB962C8B-B14F-4D97-AF65-F5344CB8AC3E}">
@@ -5305,14 +5664,14 @@
           <a:lstStyle/>
           <a:p>
             <a:r>
-              <a:rPr lang="en-US" i="1" dirty="0">
+              <a:rPr lang="en-US" i="1">
                 <a:solidFill>
                   <a:srgbClr val="A6A6A6"/>
                 </a:solidFill>
               </a:rPr>
               <a:t>Note: I was thinking to use this background throughout our slides? And change the profile picture on the top right to reflect whoever is speaking for that slide.</a:t>
             </a:r>
-            <a:endParaRPr lang="en-US" dirty="0"/>
+            <a:endParaRPr lang="en-US"/>
           </a:p>
         </p:txBody>
       </p:sp>
@@ -5462,7 +5821,7 @@
           <a:p>
             <a:pPr algn="ctr"/>
             <a:r>
-              <a:rPr lang="en-US" sz="5400" dirty="0">
+              <a:rPr lang="en-US" sz="5400">
                 <a:solidFill>
                   <a:schemeClr val="bg1"/>
                 </a:solidFill>
@@ -5640,7 +5999,7 @@
             </a:r>
           </a:p>
           <a:p>
-            <a:endParaRPr lang="en-US" dirty="0"/>
+            <a:endParaRPr lang="en-US"/>
           </a:p>
         </p:txBody>
       </p:sp>
@@ -5660,12 +6019,44 @@
             <p:ph idx="1"/>
           </p:nvPr>
         </p:nvSpPr>
-        <p:spPr/>
-        <p:txBody>
-          <a:bodyPr/>
-          <a:lstStyle/>
-          <a:p>
-            <a:endParaRPr lang="en-US"/>
+        <p:spPr>
+          <a:xfrm>
+            <a:off x="838200" y="1825625"/>
+            <a:ext cx="5253487" cy="4351338"/>
+          </a:xfrm>
+        </p:spPr>
+        <p:txBody>
+          <a:bodyPr vert="horz" lIns="91440" tIns="45720" rIns="91440" bIns="45720" rtlCol="0" anchor="t">
+            <a:normAutofit/>
+          </a:bodyPr>
+          <a:lstStyle/>
+          <a:p>
+            <a:r>
+              <a:rPr lang="en-US" sz="1600">
+                <a:ea typeface="+mn-lt"/>
+                <a:cs typeface="+mn-lt"/>
+              </a:rPr>
+              <a:t>We chose this dataset because it offers a comprehensive collection of over 16,000 movies from 1910 to 2024, giving us a large timeline to explore trends in movie ratings, popularity, and the impact of directors. </a:t>
+            </a:r>
+          </a:p>
+          <a:p>
+            <a:r>
+              <a:rPr lang="en-US" sz="1600">
+                <a:ea typeface="+mn-lt"/>
+                <a:cs typeface="+mn-lt"/>
+              </a:rPr>
+              <a:t>By analyzing this data, we can see how ratings and votes have varied across different directors, time periods, and cultural backgrounds. </a:t>
+            </a:r>
+          </a:p>
+          <a:p>
+            <a:r>
+              <a:rPr lang="en-US" sz="1600">
+                <a:ea typeface="+mn-lt"/>
+                <a:cs typeface="+mn-lt"/>
+              </a:rPr>
+              <a:t>Our primary focus is to understand how directorial influence and genres have shaped movie reception over the years.</a:t>
+            </a:r>
+            <a:endParaRPr lang="en-US" sz="1600"/>
           </a:p>
         </p:txBody>
       </p:sp>
@@ -5746,12 +6137,55 @@
             <p:ph idx="1"/>
           </p:nvPr>
         </p:nvSpPr>
-        <p:spPr/>
-        <p:txBody>
-          <a:bodyPr/>
-          <a:lstStyle/>
-          <a:p>
-            <a:endParaRPr lang="en-US"/>
+        <p:spPr>
+          <a:xfrm>
+            <a:off x="838200" y="1825625"/>
+            <a:ext cx="6029633" cy="4351338"/>
+          </a:xfrm>
+        </p:spPr>
+        <p:txBody>
+          <a:bodyPr vert="horz" lIns="91440" tIns="45720" rIns="91440" bIns="45720" rtlCol="0" anchor="t">
+            <a:normAutofit/>
+          </a:bodyPr>
+          <a:lstStyle/>
+          <a:p>
+            <a:r>
+              <a:rPr lang="en-US" sz="1600">
+                <a:ea typeface="+mn-lt"/>
+                <a:cs typeface="+mn-lt"/>
+              </a:rPr>
+              <a:t>For our visualizations, we drew inspiration from several Tableau Public dashboards. </a:t>
+            </a:r>
+          </a:p>
+          <a:p>
+            <a:r>
+              <a:rPr lang="en-US" sz="1600">
+                <a:ea typeface="+mn-lt"/>
+                <a:cs typeface="+mn-lt"/>
+              </a:rPr>
+              <a:t>These examples showcase different approaches to analyzing time-series data and genre trends. </a:t>
+            </a:r>
+            <a:endParaRPr lang="en-US" sz="1600"/>
+          </a:p>
+          <a:p>
+            <a:r>
+              <a:rPr lang="en-US" sz="1600">
+                <a:ea typeface="+mn-lt"/>
+                <a:cs typeface="+mn-lt"/>
+              </a:rPr>
+              <a:t>One example helped us understand how to present long-term trends, while others offered ways to visualize ratings and popularity in genres similar to our movie dataset. </a:t>
+            </a:r>
+            <a:endParaRPr lang="en-US" sz="1600"/>
+          </a:p>
+          <a:p>
+            <a:r>
+              <a:rPr lang="en-US" sz="1600">
+                <a:ea typeface="+mn-lt"/>
+                <a:cs typeface="+mn-lt"/>
+              </a:rPr>
+              <a:t>These sources guided us in designing dashboards that clearly show the patterns we wanted to explore in our dataset.</a:t>
+            </a:r>
+            <a:endParaRPr lang="en-US" sz="1400"/>
           </a:p>
         </p:txBody>
       </p:sp>
@@ -5894,7 +6328,7 @@
           <a:p>
             <a:r>
               <a:rPr lang="en-US"/>
-              <a:t>Research Questions</a:t>
+              <a:t>Research Question #1</a:t>
             </a:r>
           </a:p>
           <a:p>
@@ -5918,12 +6352,35 @@
             <p:ph idx="1"/>
           </p:nvPr>
         </p:nvSpPr>
-        <p:spPr/>
-        <p:txBody>
-          <a:bodyPr/>
-          <a:lstStyle/>
-          <a:p>
-            <a:endParaRPr lang="en-US"/>
+        <p:spPr>
+          <a:xfrm>
+            <a:off x="678426" y="1346302"/>
+            <a:ext cx="10515600" cy="4351338"/>
+          </a:xfrm>
+        </p:spPr>
+        <p:txBody>
+          <a:bodyPr vert="horz" lIns="91440" tIns="45720" rIns="91440" bIns="45720" rtlCol="0" anchor="t">
+            <a:normAutofit/>
+          </a:bodyPr>
+          <a:lstStyle/>
+          <a:p>
+            <a:r>
+              <a:rPr lang="en-US" sz="1800">
+                <a:ea typeface="+mn-lt"/>
+                <a:cs typeface="+mn-lt"/>
+              </a:rPr>
+              <a:t>Our analysis focused on two primary research questions: </a:t>
+            </a:r>
+          </a:p>
+          <a:p>
+            <a:r>
+              <a:rPr lang="en-US" sz="1800">
+                <a:ea typeface="+mn-lt"/>
+                <a:cs typeface="+mn-lt"/>
+              </a:rPr>
+              <a:t>First, which directors have the highest average ratings and the most votes? </a:t>
+            </a:r>
+            <a:endParaRPr lang="en-US" sz="1800"/>
           </a:p>
         </p:txBody>
       </p:sp>

--- a/Project 4_Group 8_Slide Deck.pptx
+++ b/Project 4_Group 8_Slide Deck.pptx
@@ -7,18 +7,16 @@
   <p:sldIdLst>
     <p:sldId id="269" r:id="rId2"/>
     <p:sldId id="265" r:id="rId3"/>
-    <p:sldId id="257" r:id="rId4"/>
-    <p:sldId id="267" r:id="rId5"/>
-    <p:sldId id="256" r:id="rId6"/>
-    <p:sldId id="268" r:id="rId7"/>
-    <p:sldId id="258" r:id="rId8"/>
-    <p:sldId id="259" r:id="rId9"/>
-    <p:sldId id="260" r:id="rId10"/>
-    <p:sldId id="270" r:id="rId11"/>
-    <p:sldId id="261" r:id="rId12"/>
-    <p:sldId id="264" r:id="rId13"/>
-    <p:sldId id="262" r:id="rId14"/>
-    <p:sldId id="263" r:id="rId15"/>
+    <p:sldId id="271" r:id="rId4"/>
+    <p:sldId id="257" r:id="rId5"/>
+    <p:sldId id="272" r:id="rId6"/>
+    <p:sldId id="274" r:id="rId7"/>
+    <p:sldId id="275" r:id="rId8"/>
+    <p:sldId id="276" r:id="rId9"/>
+    <p:sldId id="273" r:id="rId10"/>
+    <p:sldId id="278" r:id="rId11"/>
+    <p:sldId id="277" r:id="rId12"/>
+    <p:sldId id="267" r:id="rId13"/>
   </p:sldIdLst>
   <p:sldSz cx="12192000" cy="6858000"/>
   <p:notesSz cx="6858000" cy="9144000"/>
@@ -129,7 +127,7 @@
 <p1510:revInfo xmlns:a="http://schemas.openxmlformats.org/drawingml/2006/main" xmlns:r="http://schemas.openxmlformats.org/officeDocument/2006/relationships" xmlns:p1510="http://schemas.microsoft.com/office/powerpoint/2015/10/main">
   <p1510:revLst>
     <p1510:client id="{2097147D-7F3E-4BAA-A137-5C21ECE2DD43}" v="647" dt="2024-10-01T03:41:36.043"/>
-    <p1510:client id="{385EF587-D4F5-4A65-9464-A987A02548CC}" v="128" dt="2024-10-02T00:12:19.516"/>
+    <p1510:client id="{385EF587-D4F5-4A65-9464-A987A02548CC}" v="605" dt="2024-10-02T02:05:22.798"/>
     <p1510:client id="{B7878E07-9FE0-457B-86CD-8216E8595628}" v="99" dt="2024-10-01T01:41:09.769"/>
   </p1510:revLst>
 </p1510:revInfo>
@@ -164,175 +162,6 @@
             <pc:docMk/>
             <pc:sldMk cId="3180097618" sldId="256"/>
             <ac:spMk id="3" creationId="{CE49DEAC-C5CF-2BED-7A2C-F633D375E8B4}"/>
-          </ac:spMkLst>
-        </pc:spChg>
-      </pc:sldChg>
-    </pc:docChg>
-  </pc:docChgLst>
-  <pc:docChgLst>
-    <pc:chgData name="Judith Landa" userId="12b9e8b93ae54123" providerId="Windows Live" clId="Web-{385EF587-D4F5-4A65-9464-A987A02548CC}"/>
-    <pc:docChg chg="addSld modSld">
-      <pc:chgData name="Judith Landa" userId="12b9e8b93ae54123" providerId="Windows Live" clId="Web-{385EF587-D4F5-4A65-9464-A987A02548CC}" dt="2024-10-02T00:12:19.516" v="102" actId="14100"/>
-      <pc:docMkLst>
-        <pc:docMk/>
-      </pc:docMkLst>
-      <pc:sldChg chg="modSp">
-        <pc:chgData name="Judith Landa" userId="12b9e8b93ae54123" providerId="Windows Live" clId="Web-{385EF587-D4F5-4A65-9464-A987A02548CC}" dt="2024-10-01T23:56:17.193" v="16" actId="20577"/>
-        <pc:sldMkLst>
-          <pc:docMk/>
-          <pc:sldMk cId="1492970871" sldId="258"/>
-        </pc:sldMkLst>
-        <pc:spChg chg="mod">
-          <ac:chgData name="Judith Landa" userId="12b9e8b93ae54123" providerId="Windows Live" clId="Web-{385EF587-D4F5-4A65-9464-A987A02548CC}" dt="2024-10-01T23:56:17.193" v="16" actId="20577"/>
-          <ac:spMkLst>
-            <pc:docMk/>
-            <pc:sldMk cId="1492970871" sldId="258"/>
-            <ac:spMk id="3" creationId="{AE6A74FB-295B-5866-FC2D-F905DF7A2A66}"/>
-          </ac:spMkLst>
-        </pc:spChg>
-      </pc:sldChg>
-      <pc:sldChg chg="modSp">
-        <pc:chgData name="Judith Landa" userId="12b9e8b93ae54123" providerId="Windows Live" clId="Web-{385EF587-D4F5-4A65-9464-A987A02548CC}" dt="2024-10-01T23:59:44.949" v="38" actId="20577"/>
-        <pc:sldMkLst>
-          <pc:docMk/>
-          <pc:sldMk cId="3006699998" sldId="260"/>
-        </pc:sldMkLst>
-        <pc:spChg chg="mod">
-          <ac:chgData name="Judith Landa" userId="12b9e8b93ae54123" providerId="Windows Live" clId="Web-{385EF587-D4F5-4A65-9464-A987A02548CC}" dt="2024-10-01T23:59:18.292" v="34" actId="20577"/>
-          <ac:spMkLst>
-            <pc:docMk/>
-            <pc:sldMk cId="3006699998" sldId="260"/>
-            <ac:spMk id="2" creationId="{F8E0A64B-7633-5C32-336C-B025736EF223}"/>
-          </ac:spMkLst>
-        </pc:spChg>
-        <pc:spChg chg="mod">
-          <ac:chgData name="Judith Landa" userId="12b9e8b93ae54123" providerId="Windows Live" clId="Web-{385EF587-D4F5-4A65-9464-A987A02548CC}" dt="2024-10-01T23:59:44.949" v="38" actId="20577"/>
-          <ac:spMkLst>
-            <pc:docMk/>
-            <pc:sldMk cId="3006699998" sldId="260"/>
-            <ac:spMk id="3" creationId="{EF6C9BD8-56C2-C557-558C-01D86D3AE0EE}"/>
-          </ac:spMkLst>
-        </pc:spChg>
-      </pc:sldChg>
-      <pc:sldChg chg="modSp">
-        <pc:chgData name="Judith Landa" userId="12b9e8b93ae54123" providerId="Windows Live" clId="Web-{385EF587-D4F5-4A65-9464-A987A02548CC}" dt="2024-10-02T00:01:24.108" v="50" actId="20577"/>
-        <pc:sldMkLst>
-          <pc:docMk/>
-          <pc:sldMk cId="2060292827" sldId="262"/>
-        </pc:sldMkLst>
-        <pc:spChg chg="mod">
-          <ac:chgData name="Judith Landa" userId="12b9e8b93ae54123" providerId="Windows Live" clId="Web-{385EF587-D4F5-4A65-9464-A987A02548CC}" dt="2024-10-02T00:01:24.108" v="50" actId="20577"/>
-          <ac:spMkLst>
-            <pc:docMk/>
-            <pc:sldMk cId="2060292827" sldId="262"/>
-            <ac:spMk id="3" creationId="{451D657F-B9AF-12A7-077C-2D2737950203}"/>
-          </ac:spMkLst>
-        </pc:spChg>
-      </pc:sldChg>
-      <pc:sldChg chg="modSp">
-        <pc:chgData name="Judith Landa" userId="12b9e8b93ae54123" providerId="Windows Live" clId="Web-{385EF587-D4F5-4A65-9464-A987A02548CC}" dt="2024-10-02T00:03:39.955" v="57" actId="20577"/>
-        <pc:sldMkLst>
-          <pc:docMk/>
-          <pc:sldMk cId="312204452" sldId="263"/>
-        </pc:sldMkLst>
-        <pc:spChg chg="mod">
-          <ac:chgData name="Judith Landa" userId="12b9e8b93ae54123" providerId="Windows Live" clId="Web-{385EF587-D4F5-4A65-9464-A987A02548CC}" dt="2024-10-02T00:03:39.955" v="57" actId="20577"/>
-          <ac:spMkLst>
-            <pc:docMk/>
-            <pc:sldMk cId="312204452" sldId="263"/>
-            <ac:spMk id="3" creationId="{86CC9155-6697-746B-DB51-E36ABE79744F}"/>
-          </ac:spMkLst>
-        </pc:spChg>
-      </pc:sldChg>
-      <pc:sldChg chg="modSp">
-        <pc:chgData name="Judith Landa" userId="12b9e8b93ae54123" providerId="Windows Live" clId="Web-{385EF587-D4F5-4A65-9464-A987A02548CC}" dt="2024-10-02T00:00:43.966" v="44" actId="20577"/>
-        <pc:sldMkLst>
-          <pc:docMk/>
-          <pc:sldMk cId="2790612178" sldId="264"/>
-        </pc:sldMkLst>
-        <pc:spChg chg="mod">
-          <ac:chgData name="Judith Landa" userId="12b9e8b93ae54123" providerId="Windows Live" clId="Web-{385EF587-D4F5-4A65-9464-A987A02548CC}" dt="2024-10-02T00:00:43.966" v="44" actId="20577"/>
-          <ac:spMkLst>
-            <pc:docMk/>
-            <pc:sldMk cId="2790612178" sldId="264"/>
-            <ac:spMk id="3" creationId="{C94314EF-5629-E51D-1B12-06D336D4779E}"/>
-          </ac:spMkLst>
-        </pc:spChg>
-      </pc:sldChg>
-      <pc:sldChg chg="delSp modSp">
-        <pc:chgData name="Judith Landa" userId="12b9e8b93ae54123" providerId="Windows Live" clId="Web-{385EF587-D4F5-4A65-9464-A987A02548CC}" dt="2024-10-02T00:12:19.516" v="102" actId="14100"/>
-        <pc:sldMkLst>
-          <pc:docMk/>
-          <pc:sldMk cId="18364481" sldId="265"/>
-        </pc:sldMkLst>
-        <pc:spChg chg="del">
-          <ac:chgData name="Judith Landa" userId="12b9e8b93ae54123" providerId="Windows Live" clId="Web-{385EF587-D4F5-4A65-9464-A987A02548CC}" dt="2024-10-02T00:10:27.466" v="58"/>
-          <ac:spMkLst>
-            <pc:docMk/>
-            <pc:sldMk cId="18364481" sldId="265"/>
-            <ac:spMk id="10" creationId="{3EBAFF6C-A4B2-000C-4353-D603D9A32698}"/>
-          </ac:spMkLst>
-        </pc:spChg>
-        <pc:spChg chg="mod">
-          <ac:chgData name="Judith Landa" userId="12b9e8b93ae54123" providerId="Windows Live" clId="Web-{385EF587-D4F5-4A65-9464-A987A02548CC}" dt="2024-10-02T00:12:15.953" v="101" actId="14100"/>
-          <ac:spMkLst>
-            <pc:docMk/>
-            <pc:sldMk cId="18364481" sldId="265"/>
-            <ac:spMk id="14" creationId="{2BB29A27-33BF-0EFE-2751-6FAE0DBAE9CE}"/>
-          </ac:spMkLst>
-        </pc:spChg>
-        <pc:spChg chg="mod">
-          <ac:chgData name="Judith Landa" userId="12b9e8b93ae54123" providerId="Windows Live" clId="Web-{385EF587-D4F5-4A65-9464-A987A02548CC}" dt="2024-10-02T00:12:19.516" v="102" actId="14100"/>
-          <ac:spMkLst>
-            <pc:docMk/>
-            <pc:sldMk cId="18364481" sldId="265"/>
-            <ac:spMk id="15" creationId="{B8AFC993-0A4B-D325-A469-28F71385FF17}"/>
-          </ac:spMkLst>
-        </pc:spChg>
-        <pc:spChg chg="mod">
-          <ac:chgData name="Judith Landa" userId="12b9e8b93ae54123" providerId="Windows Live" clId="Web-{385EF587-D4F5-4A65-9464-A987A02548CC}" dt="2024-10-02T00:11:14.858" v="73" actId="20577"/>
-          <ac:spMkLst>
-            <pc:docMk/>
-            <pc:sldMk cId="18364481" sldId="265"/>
-            <ac:spMk id="16" creationId="{2F499EF0-FB45-C58B-CF1B-D10C2563A439}"/>
-          </ac:spMkLst>
-        </pc:spChg>
-      </pc:sldChg>
-      <pc:sldChg chg="modSp">
-        <pc:chgData name="Judith Landa" userId="12b9e8b93ae54123" providerId="Windows Live" clId="Web-{385EF587-D4F5-4A65-9464-A987A02548CC}" dt="2024-10-01T23:56:20.818" v="18" actId="20577"/>
-        <pc:sldMkLst>
-          <pc:docMk/>
-          <pc:sldMk cId="3606985356" sldId="268"/>
-        </pc:sldMkLst>
-        <pc:spChg chg="mod">
-          <ac:chgData name="Judith Landa" userId="12b9e8b93ae54123" providerId="Windows Live" clId="Web-{385EF587-D4F5-4A65-9464-A987A02548CC}" dt="2024-10-01T23:56:20.818" v="18" actId="20577"/>
-          <ac:spMkLst>
-            <pc:docMk/>
-            <pc:sldMk cId="3606985356" sldId="268"/>
-            <ac:spMk id="3" creationId="{976BB7BB-FF72-E0B6-6843-106EA108B8A3}"/>
-          </ac:spMkLst>
-        </pc:spChg>
-      </pc:sldChg>
-      <pc:sldChg chg="modSp add replId">
-        <pc:chgData name="Judith Landa" userId="12b9e8b93ae54123" providerId="Windows Live" clId="Web-{385EF587-D4F5-4A65-9464-A987A02548CC}" dt="2024-10-01T23:59:39.980" v="37" actId="20577"/>
-        <pc:sldMkLst>
-          <pc:docMk/>
-          <pc:sldMk cId="3617778244" sldId="270"/>
-        </pc:sldMkLst>
-        <pc:spChg chg="mod">
-          <ac:chgData name="Judith Landa" userId="12b9e8b93ae54123" providerId="Windows Live" clId="Web-{385EF587-D4F5-4A65-9464-A987A02548CC}" dt="2024-10-01T23:59:26.167" v="36" actId="20577"/>
-          <ac:spMkLst>
-            <pc:docMk/>
-            <pc:sldMk cId="3617778244" sldId="270"/>
-            <ac:spMk id="2" creationId="{F8E0A64B-7633-5C32-336C-B025736EF223}"/>
-          </ac:spMkLst>
-        </pc:spChg>
-        <pc:spChg chg="mod">
-          <ac:chgData name="Judith Landa" userId="12b9e8b93ae54123" providerId="Windows Live" clId="Web-{385EF587-D4F5-4A65-9464-A987A02548CC}" dt="2024-10-01T23:59:39.980" v="37" actId="20577"/>
-          <ac:spMkLst>
-            <pc:docMk/>
-            <pc:sldMk cId="3617778244" sldId="270"/>
-            <ac:spMk id="3" creationId="{EF6C9BD8-56C2-C557-558C-01D86D3AE0EE}"/>
           </ac:spMkLst>
         </pc:spChg>
       </pc:sldChg>
@@ -936,6 +765,848 @@
             <pc:docMk/>
             <pc:sldMk cId="1232789346" sldId="269"/>
             <ac:picMk id="3" creationId="{9D2AD7FD-8F29-962C-6D86-CEFCD8DC6E6B}"/>
+          </ac:picMkLst>
+        </pc:picChg>
+      </pc:sldChg>
+    </pc:docChg>
+  </pc:docChgLst>
+  <pc:docChgLst>
+    <pc:chgData name="Judith Landa" userId="12b9e8b93ae54123" providerId="Windows Live" clId="Web-{385EF587-D4F5-4A65-9464-A987A02548CC}"/>
+    <pc:docChg chg="addSld delSld modSld sldOrd">
+      <pc:chgData name="Judith Landa" userId="12b9e8b93ae54123" providerId="Windows Live" clId="Web-{385EF587-D4F5-4A65-9464-A987A02548CC}" dt="2024-10-02T02:05:22.798" v="556"/>
+      <pc:docMkLst>
+        <pc:docMk/>
+      </pc:docMkLst>
+      <pc:sldChg chg="del">
+        <pc:chgData name="Judith Landa" userId="12b9e8b93ae54123" providerId="Windows Live" clId="Web-{385EF587-D4F5-4A65-9464-A987A02548CC}" dt="2024-10-02T00:56:40.623" v="136"/>
+        <pc:sldMkLst>
+          <pc:docMk/>
+          <pc:sldMk cId="3180097618" sldId="256"/>
+        </pc:sldMkLst>
+      </pc:sldChg>
+      <pc:sldChg chg="addSp delSp modSp">
+        <pc:chgData name="Judith Landa" userId="12b9e8b93ae54123" providerId="Windows Live" clId="Web-{385EF587-D4F5-4A65-9464-A987A02548CC}" dt="2024-10-02T01:56:37.076" v="447" actId="1076"/>
+        <pc:sldMkLst>
+          <pc:docMk/>
+          <pc:sldMk cId="2615286322" sldId="257"/>
+        </pc:sldMkLst>
+        <pc:spChg chg="del mod">
+          <ac:chgData name="Judith Landa" userId="12b9e8b93ae54123" providerId="Windows Live" clId="Web-{385EF587-D4F5-4A65-9464-A987A02548CC}" dt="2024-10-02T00:45:52.799" v="104"/>
+          <ac:spMkLst>
+            <pc:docMk/>
+            <pc:sldMk cId="2615286322" sldId="257"/>
+            <ac:spMk id="4" creationId="{A16AACDC-19BF-868C-5E6B-EB980EA91FA0}"/>
+          </ac:spMkLst>
+        </pc:spChg>
+        <pc:spChg chg="add mod">
+          <ac:chgData name="Judith Landa" userId="12b9e8b93ae54123" providerId="Windows Live" clId="Web-{385EF587-D4F5-4A65-9464-A987A02548CC}" dt="2024-10-02T01:54:48.198" v="427" actId="1076"/>
+          <ac:spMkLst>
+            <pc:docMk/>
+            <pc:sldMk cId="2615286322" sldId="257"/>
+            <ac:spMk id="6" creationId="{9C4548D2-5F19-57BA-9C69-02528552C436}"/>
+          </ac:spMkLst>
+        </pc:spChg>
+        <pc:spChg chg="add del mod">
+          <ac:chgData name="Judith Landa" userId="12b9e8b93ae54123" providerId="Windows Live" clId="Web-{385EF587-D4F5-4A65-9464-A987A02548CC}" dt="2024-10-02T01:56:37.076" v="447" actId="1076"/>
+          <ac:spMkLst>
+            <pc:docMk/>
+            <pc:sldMk cId="2615286322" sldId="257"/>
+            <ac:spMk id="8" creationId="{0E27D051-C264-2BA6-959D-64D8A83E034C}"/>
+          </ac:spMkLst>
+        </pc:spChg>
+        <pc:spChg chg="add mod">
+          <ac:chgData name="Judith Landa" userId="12b9e8b93ae54123" providerId="Windows Live" clId="Web-{385EF587-D4F5-4A65-9464-A987A02548CC}" dt="2024-10-02T01:56:10.638" v="439" actId="14100"/>
+          <ac:spMkLst>
+            <pc:docMk/>
+            <pc:sldMk cId="2615286322" sldId="257"/>
+            <ac:spMk id="30" creationId="{DFDB0F88-12D8-8E06-00C3-776A4011E5C7}"/>
+          </ac:spMkLst>
+        </pc:spChg>
+        <pc:graphicFrameChg chg="add del">
+          <ac:chgData name="Judith Landa" userId="12b9e8b93ae54123" providerId="Windows Live" clId="Web-{385EF587-D4F5-4A65-9464-A987A02548CC}" dt="2024-10-02T01:48:41.685" v="404"/>
+          <ac:graphicFrameMkLst>
+            <pc:docMk/>
+            <pc:sldMk cId="2615286322" sldId="257"/>
+            <ac:graphicFrameMk id="15" creationId="{37D66B78-07E0-FC2B-E176-78BCE5D9C973}"/>
+          </ac:graphicFrameMkLst>
+        </pc:graphicFrameChg>
+        <pc:picChg chg="mod">
+          <ac:chgData name="Judith Landa" userId="12b9e8b93ae54123" providerId="Windows Live" clId="Web-{385EF587-D4F5-4A65-9464-A987A02548CC}" dt="2024-10-02T01:48:41.685" v="404"/>
+          <ac:picMkLst>
+            <pc:docMk/>
+            <pc:sldMk cId="2615286322" sldId="257"/>
+            <ac:picMk id="9" creationId="{9619230F-463F-E28A-A19D-A99CA2FEC8AF}"/>
+          </ac:picMkLst>
+        </pc:picChg>
+        <pc:picChg chg="add mod">
+          <ac:chgData name="Judith Landa" userId="12b9e8b93ae54123" providerId="Windows Live" clId="Web-{385EF587-D4F5-4A65-9464-A987A02548CC}" dt="2024-10-02T01:36:34.581" v="389" actId="1076"/>
+          <ac:picMkLst>
+            <pc:docMk/>
+            <pc:sldMk cId="2615286322" sldId="257"/>
+            <ac:picMk id="13" creationId="{753890CD-DCD5-8FE7-98D1-3C7F049336C0}"/>
+          </ac:picMkLst>
+        </pc:picChg>
+        <pc:picChg chg="add del mod">
+          <ac:chgData name="Judith Landa" userId="12b9e8b93ae54123" providerId="Windows Live" clId="Web-{385EF587-D4F5-4A65-9464-A987A02548CC}" dt="2024-10-02T01:56:11.982" v="441"/>
+          <ac:picMkLst>
+            <pc:docMk/>
+            <pc:sldMk cId="2615286322" sldId="257"/>
+            <ac:picMk id="28" creationId="{A3A91EF3-34AC-F24E-578E-51E2F1056D98}"/>
+          </ac:picMkLst>
+        </pc:picChg>
+        <pc:picChg chg="add mod">
+          <ac:chgData name="Judith Landa" userId="12b9e8b93ae54123" providerId="Windows Live" clId="Web-{385EF587-D4F5-4A65-9464-A987A02548CC}" dt="2024-10-02T01:56:21.123" v="446"/>
+          <ac:picMkLst>
+            <pc:docMk/>
+            <pc:sldMk cId="2615286322" sldId="257"/>
+            <ac:picMk id="29" creationId="{C1C3BF3A-6959-1595-64CF-BC5FEA03A7C9}"/>
+          </ac:picMkLst>
+        </pc:picChg>
+        <pc:cxnChg chg="del">
+          <ac:chgData name="Judith Landa" userId="12b9e8b93ae54123" providerId="Windows Live" clId="Web-{385EF587-D4F5-4A65-9464-A987A02548CC}" dt="2024-10-02T00:45:54.799" v="105"/>
+          <ac:cxnSpMkLst>
+            <pc:docMk/>
+            <pc:sldMk cId="2615286322" sldId="257"/>
+            <ac:cxnSpMk id="5" creationId="{26DA8520-10F8-0167-8570-0CE00A558E12}"/>
+          </ac:cxnSpMkLst>
+        </pc:cxnChg>
+      </pc:sldChg>
+      <pc:sldChg chg="modSp del">
+        <pc:chgData name="Judith Landa" userId="12b9e8b93ae54123" providerId="Windows Live" clId="Web-{385EF587-D4F5-4A65-9464-A987A02548CC}" dt="2024-10-02T00:57:43.453" v="156"/>
+        <pc:sldMkLst>
+          <pc:docMk/>
+          <pc:sldMk cId="1492970871" sldId="258"/>
+        </pc:sldMkLst>
+        <pc:spChg chg="mod">
+          <ac:chgData name="Judith Landa" userId="12b9e8b93ae54123" providerId="Windows Live" clId="Web-{385EF587-D4F5-4A65-9464-A987A02548CC}" dt="2024-10-02T00:57:23.422" v="147" actId="20577"/>
+          <ac:spMkLst>
+            <pc:docMk/>
+            <pc:sldMk cId="1492970871" sldId="258"/>
+            <ac:spMk id="2" creationId="{B2920169-6750-EA8A-568F-8A86E87135F5}"/>
+          </ac:spMkLst>
+        </pc:spChg>
+        <pc:spChg chg="mod">
+          <ac:chgData name="Judith Landa" userId="12b9e8b93ae54123" providerId="Windows Live" clId="Web-{385EF587-D4F5-4A65-9464-A987A02548CC}" dt="2024-10-02T00:57:20.703" v="145" actId="20577"/>
+          <ac:spMkLst>
+            <pc:docMk/>
+            <pc:sldMk cId="1492970871" sldId="258"/>
+            <ac:spMk id="3" creationId="{AE6A74FB-295B-5866-FC2D-F905DF7A2A66}"/>
+          </ac:spMkLst>
+        </pc:spChg>
+      </pc:sldChg>
+      <pc:sldChg chg="modSp del">
+        <pc:chgData name="Judith Landa" userId="12b9e8b93ae54123" providerId="Windows Live" clId="Web-{385EF587-D4F5-4A65-9464-A987A02548CC}" dt="2024-10-02T00:58:38.580" v="169"/>
+        <pc:sldMkLst>
+          <pc:docMk/>
+          <pc:sldMk cId="2054291234" sldId="259"/>
+        </pc:sldMkLst>
+        <pc:spChg chg="mod">
+          <ac:chgData name="Judith Landa" userId="12b9e8b93ae54123" providerId="Windows Live" clId="Web-{385EF587-D4F5-4A65-9464-A987A02548CC}" dt="2024-10-02T00:58:19.486" v="166" actId="20577"/>
+          <ac:spMkLst>
+            <pc:docMk/>
+            <pc:sldMk cId="2054291234" sldId="259"/>
+            <ac:spMk id="2" creationId="{105BE496-0F3A-16EF-BD83-365E89CEF816}"/>
+          </ac:spMkLst>
+        </pc:spChg>
+      </pc:sldChg>
+      <pc:sldChg chg="modSp del">
+        <pc:chgData name="Judith Landa" userId="12b9e8b93ae54123" providerId="Windows Live" clId="Web-{385EF587-D4F5-4A65-9464-A987A02548CC}" dt="2024-10-02T00:59:09.019" v="179"/>
+        <pc:sldMkLst>
+          <pc:docMk/>
+          <pc:sldMk cId="3006699998" sldId="260"/>
+        </pc:sldMkLst>
+        <pc:spChg chg="mod">
+          <ac:chgData name="Judith Landa" userId="12b9e8b93ae54123" providerId="Windows Live" clId="Web-{385EF587-D4F5-4A65-9464-A987A02548CC}" dt="2024-10-02T00:58:52.800" v="172" actId="20577"/>
+          <ac:spMkLst>
+            <pc:docMk/>
+            <pc:sldMk cId="3006699998" sldId="260"/>
+            <ac:spMk id="2" creationId="{F8E0A64B-7633-5C32-336C-B025736EF223}"/>
+          </ac:spMkLst>
+        </pc:spChg>
+        <pc:spChg chg="mod">
+          <ac:chgData name="Judith Landa" userId="12b9e8b93ae54123" providerId="Windows Live" clId="Web-{385EF587-D4F5-4A65-9464-A987A02548CC}" dt="2024-10-02T00:58:57.456" v="174" actId="14100"/>
+          <ac:spMkLst>
+            <pc:docMk/>
+            <pc:sldMk cId="3006699998" sldId="260"/>
+            <ac:spMk id="3" creationId="{EF6C9BD8-56C2-C557-558C-01D86D3AE0EE}"/>
+          </ac:spMkLst>
+        </pc:spChg>
+      </pc:sldChg>
+      <pc:sldChg chg="modSp del">
+        <pc:chgData name="Judith Landa" userId="12b9e8b93ae54123" providerId="Windows Live" clId="Web-{385EF587-D4F5-4A65-9464-A987A02548CC}" dt="2024-10-02T00:59:51.927" v="197"/>
+        <pc:sldMkLst>
+          <pc:docMk/>
+          <pc:sldMk cId="1221304455" sldId="261"/>
+        </pc:sldMkLst>
+        <pc:spChg chg="mod">
+          <ac:chgData name="Judith Landa" userId="12b9e8b93ae54123" providerId="Windows Live" clId="Web-{385EF587-D4F5-4A65-9464-A987A02548CC}" dt="2024-10-02T00:59:40.254" v="191" actId="20577"/>
+          <ac:spMkLst>
+            <pc:docMk/>
+            <pc:sldMk cId="1221304455" sldId="261"/>
+            <ac:spMk id="2" creationId="{908B2730-DBE8-C6FE-4F49-E41E25D685C2}"/>
+          </ac:spMkLst>
+        </pc:spChg>
+        <pc:spChg chg="mod">
+          <ac:chgData name="Judith Landa" userId="12b9e8b93ae54123" providerId="Windows Live" clId="Web-{385EF587-D4F5-4A65-9464-A987A02548CC}" dt="2024-10-02T00:59:42.786" v="192" actId="14100"/>
+          <ac:spMkLst>
+            <pc:docMk/>
+            <pc:sldMk cId="1221304455" sldId="261"/>
+            <ac:spMk id="3" creationId="{25F71317-AD60-4EE0-2F06-665FEB1446DD}"/>
+          </ac:spMkLst>
+        </pc:spChg>
+      </pc:sldChg>
+      <pc:sldChg chg="modSp del">
+        <pc:chgData name="Judith Landa" userId="12b9e8b93ae54123" providerId="Windows Live" clId="Web-{385EF587-D4F5-4A65-9464-A987A02548CC}" dt="2024-10-02T01:00:36.428" v="217"/>
+        <pc:sldMkLst>
+          <pc:docMk/>
+          <pc:sldMk cId="2060292827" sldId="262"/>
+        </pc:sldMkLst>
+        <pc:spChg chg="mod">
+          <ac:chgData name="Judith Landa" userId="12b9e8b93ae54123" providerId="Windows Live" clId="Web-{385EF587-D4F5-4A65-9464-A987A02548CC}" dt="2024-10-02T01:00:28.506" v="212" actId="20577"/>
+          <ac:spMkLst>
+            <pc:docMk/>
+            <pc:sldMk cId="2060292827" sldId="262"/>
+            <ac:spMk id="2" creationId="{1AE6F879-327F-6E0E-0340-0A299004CCDF}"/>
+          </ac:spMkLst>
+        </pc:spChg>
+        <pc:spChg chg="mod">
+          <ac:chgData name="Judith Landa" userId="12b9e8b93ae54123" providerId="Windows Live" clId="Web-{385EF587-D4F5-4A65-9464-A987A02548CC}" dt="2024-10-02T01:00:25.897" v="210" actId="20577"/>
+          <ac:spMkLst>
+            <pc:docMk/>
+            <pc:sldMk cId="2060292827" sldId="262"/>
+            <ac:spMk id="3" creationId="{451D657F-B9AF-12A7-077C-2D2737950203}"/>
+          </ac:spMkLst>
+        </pc:spChg>
+      </pc:sldChg>
+      <pc:sldChg chg="modSp del">
+        <pc:chgData name="Judith Landa" userId="12b9e8b93ae54123" providerId="Windows Live" clId="Web-{385EF587-D4F5-4A65-9464-A987A02548CC}" dt="2024-10-02T01:00:54.085" v="225"/>
+        <pc:sldMkLst>
+          <pc:docMk/>
+          <pc:sldMk cId="312204452" sldId="263"/>
+        </pc:sldMkLst>
+        <pc:spChg chg="mod">
+          <ac:chgData name="Judith Landa" userId="12b9e8b93ae54123" providerId="Windows Live" clId="Web-{385EF587-D4F5-4A65-9464-A987A02548CC}" dt="2024-10-02T01:00:45.538" v="220" actId="20577"/>
+          <ac:spMkLst>
+            <pc:docMk/>
+            <pc:sldMk cId="312204452" sldId="263"/>
+            <ac:spMk id="2" creationId="{5A3272FD-6D90-B5CD-6439-EB787809B30D}"/>
+          </ac:spMkLst>
+        </pc:spChg>
+        <pc:spChg chg="mod">
+          <ac:chgData name="Judith Landa" userId="12b9e8b93ae54123" providerId="Windows Live" clId="Web-{385EF587-D4F5-4A65-9464-A987A02548CC}" dt="2024-10-02T01:00:42.944" v="219" actId="14100"/>
+          <ac:spMkLst>
+            <pc:docMk/>
+            <pc:sldMk cId="312204452" sldId="263"/>
+            <ac:spMk id="3" creationId="{86CC9155-6697-746B-DB51-E36ABE79744F}"/>
+          </ac:spMkLst>
+        </pc:spChg>
+      </pc:sldChg>
+      <pc:sldChg chg="modSp del">
+        <pc:chgData name="Judith Landa" userId="12b9e8b93ae54123" providerId="Windows Live" clId="Web-{385EF587-D4F5-4A65-9464-A987A02548CC}" dt="2024-10-02T01:00:19.053" v="208"/>
+        <pc:sldMkLst>
+          <pc:docMk/>
+          <pc:sldMk cId="2790612178" sldId="264"/>
+        </pc:sldMkLst>
+        <pc:spChg chg="mod">
+          <ac:chgData name="Judith Landa" userId="12b9e8b93ae54123" providerId="Windows Live" clId="Web-{385EF587-D4F5-4A65-9464-A987A02548CC}" dt="2024-10-02T01:00:08.755" v="203" actId="20577"/>
+          <ac:spMkLst>
+            <pc:docMk/>
+            <pc:sldMk cId="2790612178" sldId="264"/>
+            <ac:spMk id="2" creationId="{F488BC05-9C34-B3E7-170F-618212A7F008}"/>
+          </ac:spMkLst>
+        </pc:spChg>
+        <pc:spChg chg="mod">
+          <ac:chgData name="Judith Landa" userId="12b9e8b93ae54123" providerId="Windows Live" clId="Web-{385EF587-D4F5-4A65-9464-A987A02548CC}" dt="2024-10-02T01:00:06.333" v="201" actId="20577"/>
+          <ac:spMkLst>
+            <pc:docMk/>
+            <pc:sldMk cId="2790612178" sldId="264"/>
+            <ac:spMk id="3" creationId="{C94314EF-5629-E51D-1B12-06D336D4779E}"/>
+          </ac:spMkLst>
+        </pc:spChg>
+      </pc:sldChg>
+      <pc:sldChg chg="delSp modSp">
+        <pc:chgData name="Judith Landa" userId="12b9e8b93ae54123" providerId="Windows Live" clId="Web-{385EF587-D4F5-4A65-9464-A987A02548CC}" dt="2024-10-02T01:48:04.637" v="402" actId="1076"/>
+        <pc:sldMkLst>
+          <pc:docMk/>
+          <pc:sldMk cId="18364481" sldId="265"/>
+        </pc:sldMkLst>
+        <pc:spChg chg="del">
+          <ac:chgData name="Judith Landa" userId="12b9e8b93ae54123" providerId="Windows Live" clId="Web-{385EF587-D4F5-4A65-9464-A987A02548CC}" dt="2024-10-02T00:10:27.466" v="58"/>
+          <ac:spMkLst>
+            <pc:docMk/>
+            <pc:sldMk cId="18364481" sldId="265"/>
+            <ac:spMk id="10" creationId="{3EBAFF6C-A4B2-000C-4353-D603D9A32698}"/>
+          </ac:spMkLst>
+        </pc:spChg>
+        <pc:spChg chg="mod">
+          <ac:chgData name="Judith Landa" userId="12b9e8b93ae54123" providerId="Windows Live" clId="Web-{385EF587-D4F5-4A65-9464-A987A02548CC}" dt="2024-10-02T00:46:06.050" v="109" actId="20577"/>
+          <ac:spMkLst>
+            <pc:docMk/>
+            <pc:sldMk cId="18364481" sldId="265"/>
+            <ac:spMk id="14" creationId="{2BB29A27-33BF-0EFE-2751-6FAE0DBAE9CE}"/>
+          </ac:spMkLst>
+        </pc:spChg>
+        <pc:spChg chg="mod">
+          <ac:chgData name="Judith Landa" userId="12b9e8b93ae54123" providerId="Windows Live" clId="Web-{385EF587-D4F5-4A65-9464-A987A02548CC}" dt="2024-10-02T00:46:00.971" v="107" actId="20577"/>
+          <ac:spMkLst>
+            <pc:docMk/>
+            <pc:sldMk cId="18364481" sldId="265"/>
+            <ac:spMk id="15" creationId="{B8AFC993-0A4B-D325-A469-28F71385FF17}"/>
+          </ac:spMkLst>
+        </pc:spChg>
+        <pc:spChg chg="mod">
+          <ac:chgData name="Judith Landa" userId="12b9e8b93ae54123" providerId="Windows Live" clId="Web-{385EF587-D4F5-4A65-9464-A987A02548CC}" dt="2024-10-02T00:46:20.019" v="120" actId="14100"/>
+          <ac:spMkLst>
+            <pc:docMk/>
+            <pc:sldMk cId="18364481" sldId="265"/>
+            <ac:spMk id="16" creationId="{2F499EF0-FB45-C58B-CF1B-D10C2563A439}"/>
+          </ac:spMkLst>
+        </pc:spChg>
+        <pc:spChg chg="mod">
+          <ac:chgData name="Judith Landa" userId="12b9e8b93ae54123" providerId="Windows Live" clId="Web-{385EF587-D4F5-4A65-9464-A987A02548CC}" dt="2024-10-02T00:46:48.426" v="126" actId="1076"/>
+          <ac:spMkLst>
+            <pc:docMk/>
+            <pc:sldMk cId="18364481" sldId="265"/>
+            <ac:spMk id="17" creationId="{7F5A264C-92E4-0939-0F87-46F77E89C634}"/>
+          </ac:spMkLst>
+        </pc:spChg>
+        <pc:spChg chg="mod">
+          <ac:chgData name="Judith Landa" userId="12b9e8b93ae54123" providerId="Windows Live" clId="Web-{385EF587-D4F5-4A65-9464-A987A02548CC}" dt="2024-10-02T00:46:58.223" v="129" actId="20577"/>
+          <ac:spMkLst>
+            <pc:docMk/>
+            <pc:sldMk cId="18364481" sldId="265"/>
+            <ac:spMk id="18" creationId="{E8378DB9-9913-F01B-1DB1-CE13C1572819}"/>
+          </ac:spMkLst>
+        </pc:spChg>
+        <pc:spChg chg="mod">
+          <ac:chgData name="Judith Landa" userId="12b9e8b93ae54123" providerId="Windows Live" clId="Web-{385EF587-D4F5-4A65-9464-A987A02548CC}" dt="2024-10-02T01:48:04.637" v="402" actId="1076"/>
+          <ac:spMkLst>
+            <pc:docMk/>
+            <pc:sldMk cId="18364481" sldId="265"/>
+            <ac:spMk id="20" creationId="{B02CB944-C7F6-5268-F2E1-99C182D51672}"/>
+          </ac:spMkLst>
+        </pc:spChg>
+        <pc:picChg chg="mod">
+          <ac:chgData name="Judith Landa" userId="12b9e8b93ae54123" providerId="Windows Live" clId="Web-{385EF587-D4F5-4A65-9464-A987A02548CC}" dt="2024-10-02T00:46:44.004" v="125" actId="1076"/>
+          <ac:picMkLst>
+            <pc:docMk/>
+            <pc:sldMk cId="18364481" sldId="265"/>
+            <ac:picMk id="6" creationId="{B9477B21-419F-F9B9-7DFB-E22251F249CF}"/>
+          </ac:picMkLst>
+        </pc:picChg>
+        <pc:picChg chg="mod">
+          <ac:chgData name="Judith Landa" userId="12b9e8b93ae54123" providerId="Windows Live" clId="Web-{385EF587-D4F5-4A65-9464-A987A02548CC}" dt="2024-10-02T00:46:35.894" v="123" actId="1076"/>
+          <ac:picMkLst>
+            <pc:docMk/>
+            <pc:sldMk cId="18364481" sldId="265"/>
+            <ac:picMk id="9" creationId="{3129D332-F3CC-9D22-F8BB-2E27D6A84823}"/>
+          </ac:picMkLst>
+        </pc:picChg>
+        <pc:picChg chg="mod">
+          <ac:chgData name="Judith Landa" userId="12b9e8b93ae54123" providerId="Windows Live" clId="Web-{385EF587-D4F5-4A65-9464-A987A02548CC}" dt="2024-10-02T01:27:45.766" v="345"/>
+          <ac:picMkLst>
+            <pc:docMk/>
+            <pc:sldMk cId="18364481" sldId="265"/>
+            <ac:picMk id="19" creationId="{A9536C5F-16F1-E042-AD6E-5C7A6146AEFE}"/>
+          </ac:picMkLst>
+        </pc:picChg>
+      </pc:sldChg>
+      <pc:sldChg chg="ord">
+        <pc:chgData name="Judith Landa" userId="12b9e8b93ae54123" providerId="Windows Live" clId="Web-{385EF587-D4F5-4A65-9464-A987A02548CC}" dt="2024-10-02T00:47:36.147" v="130"/>
+        <pc:sldMkLst>
+          <pc:docMk/>
+          <pc:sldMk cId="2072904181" sldId="267"/>
+        </pc:sldMkLst>
+      </pc:sldChg>
+      <pc:sldChg chg="modSp del">
+        <pc:chgData name="Judith Landa" userId="12b9e8b93ae54123" providerId="Windows Live" clId="Web-{385EF587-D4F5-4A65-9464-A987A02548CC}" dt="2024-10-02T00:57:12.671" v="143"/>
+        <pc:sldMkLst>
+          <pc:docMk/>
+          <pc:sldMk cId="3606985356" sldId="268"/>
+        </pc:sldMkLst>
+        <pc:spChg chg="mod">
+          <ac:chgData name="Judith Landa" userId="12b9e8b93ae54123" providerId="Windows Live" clId="Web-{385EF587-D4F5-4A65-9464-A987A02548CC}" dt="2024-10-01T23:56:20.818" v="18" actId="20577"/>
+          <ac:spMkLst>
+            <pc:docMk/>
+            <pc:sldMk cId="3606985356" sldId="268"/>
+            <ac:spMk id="3" creationId="{976BB7BB-FF72-E0B6-6843-106EA108B8A3}"/>
+          </ac:spMkLst>
+        </pc:spChg>
+      </pc:sldChg>
+      <pc:sldChg chg="modSp add del replId">
+        <pc:chgData name="Judith Landa" userId="12b9e8b93ae54123" providerId="Windows Live" clId="Web-{385EF587-D4F5-4A65-9464-A987A02548CC}" dt="2024-10-02T00:59:31.785" v="189"/>
+        <pc:sldMkLst>
+          <pc:docMk/>
+          <pc:sldMk cId="3617778244" sldId="270"/>
+        </pc:sldMkLst>
+        <pc:spChg chg="mod">
+          <ac:chgData name="Judith Landa" userId="12b9e8b93ae54123" providerId="Windows Live" clId="Web-{385EF587-D4F5-4A65-9464-A987A02548CC}" dt="2024-10-02T00:59:18.660" v="182" actId="20577"/>
+          <ac:spMkLst>
+            <pc:docMk/>
+            <pc:sldMk cId="3617778244" sldId="270"/>
+            <ac:spMk id="2" creationId="{F8E0A64B-7633-5C32-336C-B025736EF223}"/>
+          </ac:spMkLst>
+        </pc:spChg>
+        <pc:spChg chg="mod">
+          <ac:chgData name="Judith Landa" userId="12b9e8b93ae54123" providerId="Windows Live" clId="Web-{385EF587-D4F5-4A65-9464-A987A02548CC}" dt="2024-10-02T00:59:16.300" v="180" actId="20577"/>
+          <ac:spMkLst>
+            <pc:docMk/>
+            <pc:sldMk cId="3617778244" sldId="270"/>
+            <ac:spMk id="3" creationId="{EF6C9BD8-56C2-C557-558C-01D86D3AE0EE}"/>
+          </ac:spMkLst>
+        </pc:spChg>
+      </pc:sldChg>
+      <pc:sldChg chg="addSp delSp modSp add ord replId">
+        <pc:chgData name="Judith Landa" userId="12b9e8b93ae54123" providerId="Windows Live" clId="Web-{385EF587-D4F5-4A65-9464-A987A02548CC}" dt="2024-10-02T01:35:13.360" v="383"/>
+        <pc:sldMkLst>
+          <pc:docMk/>
+          <pc:sldMk cId="6790699" sldId="271"/>
+        </pc:sldMkLst>
+        <pc:spChg chg="add mod">
+          <ac:chgData name="Judith Landa" userId="12b9e8b93ae54123" providerId="Windows Live" clId="Web-{385EF587-D4F5-4A65-9464-A987A02548CC}" dt="2024-10-02T01:01:22.024" v="226" actId="1076"/>
+          <ac:spMkLst>
+            <pc:docMk/>
+            <pc:sldMk cId="6790699" sldId="271"/>
+            <ac:spMk id="4" creationId="{73546959-CD07-3910-80A4-C574D6DD46D7}"/>
+          </ac:spMkLst>
+        </pc:spChg>
+        <pc:spChg chg="add mod">
+          <ac:chgData name="Judith Landa" userId="12b9e8b93ae54123" providerId="Windows Live" clId="Web-{385EF587-D4F5-4A65-9464-A987A02548CC}" dt="2024-10-02T01:34:00.654" v="373" actId="1076"/>
+          <ac:spMkLst>
+            <pc:docMk/>
+            <pc:sldMk cId="6790699" sldId="271"/>
+            <ac:spMk id="6" creationId="{D83DAF73-77FD-5EE3-2D3F-CF6E519CCF26}"/>
+          </ac:spMkLst>
+        </pc:spChg>
+        <pc:spChg chg="add mod">
+          <ac:chgData name="Judith Landa" userId="12b9e8b93ae54123" providerId="Windows Live" clId="Web-{385EF587-D4F5-4A65-9464-A987A02548CC}" dt="2024-10-02T01:34:49.515" v="380" actId="1076"/>
+          <ac:spMkLst>
+            <pc:docMk/>
+            <pc:sldMk cId="6790699" sldId="271"/>
+            <ac:spMk id="15" creationId="{ED085321-62BA-E54A-680E-8B6AA5DE8321}"/>
+          </ac:spMkLst>
+        </pc:spChg>
+        <pc:picChg chg="add del">
+          <ac:chgData name="Judith Landa" userId="12b9e8b93ae54123" providerId="Windows Live" clId="Web-{385EF587-D4F5-4A65-9464-A987A02548CC}" dt="2024-10-02T01:21:31.786" v="317"/>
+          <ac:picMkLst>
+            <pc:docMk/>
+            <pc:sldMk cId="6790699" sldId="271"/>
+            <ac:picMk id="8" creationId="{35A3A8D1-ECB7-7282-827D-615E7E6ED823}"/>
+          </ac:picMkLst>
+        </pc:picChg>
+        <pc:picChg chg="mod">
+          <ac:chgData name="Judith Landa" userId="12b9e8b93ae54123" providerId="Windows Live" clId="Web-{385EF587-D4F5-4A65-9464-A987A02548CC}" dt="2024-10-02T01:23:04.741" v="322"/>
+          <ac:picMkLst>
+            <pc:docMk/>
+            <pc:sldMk cId="6790699" sldId="271"/>
+            <ac:picMk id="9" creationId="{9619230F-463F-E28A-A19D-A99CA2FEC8AF}"/>
+          </ac:picMkLst>
+        </pc:picChg>
+        <pc:picChg chg="add del">
+          <ac:chgData name="Judith Landa" userId="12b9e8b93ae54123" providerId="Windows Live" clId="Web-{385EF587-D4F5-4A65-9464-A987A02548CC}" dt="2024-10-02T01:21:35.300" v="319"/>
+          <ac:picMkLst>
+            <pc:docMk/>
+            <pc:sldMk cId="6790699" sldId="271"/>
+            <ac:picMk id="13" creationId="{2D17DFCE-EB97-8782-EC0E-61FE575D6ECB}"/>
+          </ac:picMkLst>
+        </pc:picChg>
+        <pc:picChg chg="add mod">
+          <ac:chgData name="Judith Landa" userId="12b9e8b93ae54123" providerId="Windows Live" clId="Web-{385EF587-D4F5-4A65-9464-A987A02548CC}" dt="2024-10-02T01:35:13.360" v="383"/>
+          <ac:picMkLst>
+            <pc:docMk/>
+            <pc:sldMk cId="6790699" sldId="271"/>
+            <ac:picMk id="14" creationId="{F22A6546-A0C9-8E8A-63E3-75C780067D62}"/>
+          </ac:picMkLst>
+        </pc:picChg>
+      </pc:sldChg>
+      <pc:sldChg chg="add del">
+        <pc:chgData name="Judith Landa" userId="12b9e8b93ae54123" providerId="Windows Live" clId="Web-{385EF587-D4F5-4A65-9464-A987A02548CC}" dt="2024-10-02T00:47:59.304" v="132"/>
+        <pc:sldMkLst>
+          <pc:docMk/>
+          <pc:sldMk cId="1863102329" sldId="271"/>
+        </pc:sldMkLst>
+      </pc:sldChg>
+      <pc:sldChg chg="add del replId">
+        <pc:chgData name="Judith Landa" userId="12b9e8b93ae54123" providerId="Windows Live" clId="Web-{385EF587-D4F5-4A65-9464-A987A02548CC}" dt="2024-10-02T00:48:10.570" v="134"/>
+        <pc:sldMkLst>
+          <pc:docMk/>
+          <pc:sldMk cId="3442813400" sldId="271"/>
+        </pc:sldMkLst>
+      </pc:sldChg>
+      <pc:sldChg chg="addSp delSp modSp add replId">
+        <pc:chgData name="Judith Landa" userId="12b9e8b93ae54123" providerId="Windows Live" clId="Web-{385EF587-D4F5-4A65-9464-A987A02548CC}" dt="2024-10-02T01:44:59.849" v="397"/>
+        <pc:sldMkLst>
+          <pc:docMk/>
+          <pc:sldMk cId="4263720766" sldId="272"/>
+        </pc:sldMkLst>
+        <pc:spChg chg="add del mod">
+          <ac:chgData name="Judith Landa" userId="12b9e8b93ae54123" providerId="Windows Live" clId="Web-{385EF587-D4F5-4A65-9464-A987A02548CC}" dt="2024-10-02T00:57:56.970" v="160"/>
+          <ac:spMkLst>
+            <pc:docMk/>
+            <pc:sldMk cId="4263720766" sldId="272"/>
+            <ac:spMk id="4" creationId="{8BAAF9D8-BB6B-855D-A545-C9AE7686B6E0}"/>
+          </ac:spMkLst>
+        </pc:spChg>
+        <pc:spChg chg="del">
+          <ac:chgData name="Judith Landa" userId="12b9e8b93ae54123" providerId="Windows Live" clId="Web-{385EF587-D4F5-4A65-9464-A987A02548CC}" dt="2024-10-02T00:57:55.391" v="159"/>
+          <ac:spMkLst>
+            <pc:docMk/>
+            <pc:sldMk cId="4263720766" sldId="272"/>
+            <ac:spMk id="6" creationId="{9C4548D2-5F19-57BA-9C69-02528552C436}"/>
+          </ac:spMkLst>
+        </pc:spChg>
+        <pc:spChg chg="add del mod">
+          <ac:chgData name="Judith Landa" userId="12b9e8b93ae54123" providerId="Windows Live" clId="Web-{385EF587-D4F5-4A65-9464-A987A02548CC}" dt="2024-10-02T00:58:00.626" v="161"/>
+          <ac:spMkLst>
+            <pc:docMk/>
+            <pc:sldMk cId="4263720766" sldId="272"/>
+            <ac:spMk id="7" creationId="{793097F5-57B1-144A-B09A-16B8B699CD18}"/>
+          </ac:spMkLst>
+        </pc:spChg>
+        <pc:spChg chg="del">
+          <ac:chgData name="Judith Landa" userId="12b9e8b93ae54123" providerId="Windows Live" clId="Web-{385EF587-D4F5-4A65-9464-A987A02548CC}" dt="2024-10-02T00:57:52.048" v="158"/>
+          <ac:spMkLst>
+            <pc:docMk/>
+            <pc:sldMk cId="4263720766" sldId="272"/>
+            <ac:spMk id="8" creationId="{0E27D051-C264-2BA6-959D-64D8A83E034C}"/>
+          </ac:spMkLst>
+        </pc:spChg>
+        <pc:spChg chg="add mod">
+          <ac:chgData name="Judith Landa" userId="12b9e8b93ae54123" providerId="Windows Live" clId="Web-{385EF587-D4F5-4A65-9464-A987A02548CC}" dt="2024-10-02T01:03:26.919" v="238" actId="1076"/>
+          <ac:spMkLst>
+            <pc:docMk/>
+            <pc:sldMk cId="4263720766" sldId="272"/>
+            <ac:spMk id="13" creationId="{6E8E6165-6E2E-2EEF-1D8B-07676E157FA0}"/>
+          </ac:spMkLst>
+        </pc:spChg>
+        <pc:picChg chg="mod">
+          <ac:chgData name="Judith Landa" userId="12b9e8b93ae54123" providerId="Windows Live" clId="Web-{385EF587-D4F5-4A65-9464-A987A02548CC}" dt="2024-10-02T01:24:07.571" v="326"/>
+          <ac:picMkLst>
+            <pc:docMk/>
+            <pc:sldMk cId="4263720766" sldId="272"/>
+            <ac:picMk id="9" creationId="{9619230F-463F-E28A-A19D-A99CA2FEC8AF}"/>
+          </ac:picMkLst>
+        </pc:picChg>
+        <pc:picChg chg="add">
+          <ac:chgData name="Judith Landa" userId="12b9e8b93ae54123" providerId="Windows Live" clId="Web-{385EF587-D4F5-4A65-9464-A987A02548CC}" dt="2024-10-02T01:44:59.849" v="397"/>
+          <ac:picMkLst>
+            <pc:docMk/>
+            <pc:sldMk cId="4263720766" sldId="272"/>
+            <ac:picMk id="15" creationId="{0B05822D-07FF-7A79-84D2-5AD65B3E05D5}"/>
+          </ac:picMkLst>
+        </pc:picChg>
+      </pc:sldChg>
+      <pc:sldChg chg="addSp modSp add replId">
+        <pc:chgData name="Judith Landa" userId="12b9e8b93ae54123" providerId="Windows Live" clId="Web-{385EF587-D4F5-4A65-9464-A987A02548CC}" dt="2024-10-02T01:47:18.713" v="401" actId="1076"/>
+        <pc:sldMkLst>
+          <pc:docMk/>
+          <pc:sldMk cId="2293221413" sldId="273"/>
+        </pc:sldMkLst>
+        <pc:spChg chg="add mod">
+          <ac:chgData name="Judith Landa" userId="12b9e8b93ae54123" providerId="Windows Live" clId="Web-{385EF587-D4F5-4A65-9464-A987A02548CC}" dt="2024-10-02T01:07:28.724" v="258" actId="1076"/>
+          <ac:spMkLst>
+            <pc:docMk/>
+            <pc:sldMk cId="2293221413" sldId="273"/>
+            <ac:spMk id="4" creationId="{FD042849-23EE-BDB4-5B77-9DF3695D518D}"/>
+          </ac:spMkLst>
+        </pc:spChg>
+        <pc:spChg chg="add mod">
+          <ac:chgData name="Judith Landa" userId="12b9e8b93ae54123" providerId="Windows Live" clId="Web-{385EF587-D4F5-4A65-9464-A987A02548CC}" dt="2024-10-02T01:07:28.739" v="259" actId="1076"/>
+          <ac:spMkLst>
+            <pc:docMk/>
+            <pc:sldMk cId="2293221413" sldId="273"/>
+            <ac:spMk id="6" creationId="{1DF9DA9E-10FB-B333-2938-F4D569AB339E}"/>
+          </ac:spMkLst>
+        </pc:spChg>
+        <pc:picChg chg="add mod">
+          <ac:chgData name="Judith Landa" userId="12b9e8b93ae54123" providerId="Windows Live" clId="Web-{385EF587-D4F5-4A65-9464-A987A02548CC}" dt="2024-10-02T01:47:18.713" v="401" actId="1076"/>
+          <ac:picMkLst>
+            <pc:docMk/>
+            <pc:sldMk cId="2293221413" sldId="273"/>
+            <ac:picMk id="8" creationId="{92B6D090-DB4D-7F0C-6527-B1A13467ACB0}"/>
+          </ac:picMkLst>
+        </pc:picChg>
+        <pc:picChg chg="mod">
+          <ac:chgData name="Judith Landa" userId="12b9e8b93ae54123" providerId="Windows Live" clId="Web-{385EF587-D4F5-4A65-9464-A987A02548CC}" dt="2024-10-02T01:26:12.372" v="338"/>
+          <ac:picMkLst>
+            <pc:docMk/>
+            <pc:sldMk cId="2293221413" sldId="273"/>
+            <ac:picMk id="9" creationId="{9619230F-463F-E28A-A19D-A99CA2FEC8AF}"/>
+          </ac:picMkLst>
+        </pc:picChg>
+      </pc:sldChg>
+      <pc:sldChg chg="addSp modSp add replId">
+        <pc:chgData name="Judith Landa" userId="12b9e8b93ae54123" providerId="Windows Live" clId="Web-{385EF587-D4F5-4A65-9464-A987A02548CC}" dt="2024-10-02T01:31:05.757" v="359" actId="1076"/>
+        <pc:sldMkLst>
+          <pc:docMk/>
+          <pc:sldMk cId="1574859843" sldId="274"/>
+        </pc:sldMkLst>
+        <pc:spChg chg="add mod">
+          <ac:chgData name="Judith Landa" userId="12b9e8b93ae54123" providerId="Windows Live" clId="Web-{385EF587-D4F5-4A65-9464-A987A02548CC}" dt="2024-10-02T01:04:50.140" v="242" actId="1076"/>
+          <ac:spMkLst>
+            <pc:docMk/>
+            <pc:sldMk cId="1574859843" sldId="274"/>
+            <ac:spMk id="4" creationId="{CD76FFA8-6D60-5C05-CB53-C728B6C5AA38}"/>
+          </ac:spMkLst>
+        </pc:spChg>
+        <pc:spChg chg="add mod">
+          <ac:chgData name="Judith Landa" userId="12b9e8b93ae54123" providerId="Windows Live" clId="Web-{385EF587-D4F5-4A65-9464-A987A02548CC}" dt="2024-10-02T01:04:50.140" v="243" actId="1076"/>
+          <ac:spMkLst>
+            <pc:docMk/>
+            <pc:sldMk cId="1574859843" sldId="274"/>
+            <ac:spMk id="6" creationId="{53251867-A632-55FD-D7F8-6A7B54504BD0}"/>
+          </ac:spMkLst>
+        </pc:spChg>
+        <pc:picChg chg="add mod modCrop">
+          <ac:chgData name="Judith Landa" userId="12b9e8b93ae54123" providerId="Windows Live" clId="Web-{385EF587-D4F5-4A65-9464-A987A02548CC}" dt="2024-10-02T01:31:05.757" v="359" actId="1076"/>
+          <ac:picMkLst>
+            <pc:docMk/>
+            <pc:sldMk cId="1574859843" sldId="274"/>
+            <ac:picMk id="8" creationId="{C9809CCE-5C9A-06C9-0060-97A94D8A4C46}"/>
+          </ac:picMkLst>
+        </pc:picChg>
+        <pc:picChg chg="mod">
+          <ac:chgData name="Judith Landa" userId="12b9e8b93ae54123" providerId="Windows Live" clId="Web-{385EF587-D4F5-4A65-9464-A987A02548CC}" dt="2024-10-02T01:24:30.634" v="328"/>
+          <ac:picMkLst>
+            <pc:docMk/>
+            <pc:sldMk cId="1574859843" sldId="274"/>
+            <ac:picMk id="9" creationId="{9619230F-463F-E28A-A19D-A99CA2FEC8AF}"/>
+          </ac:picMkLst>
+        </pc:picChg>
+      </pc:sldChg>
+      <pc:sldChg chg="addSp delSp modSp add replId">
+        <pc:chgData name="Judith Landa" userId="12b9e8b93ae54123" providerId="Windows Live" clId="Web-{385EF587-D4F5-4A65-9464-A987A02548CC}" dt="2024-10-02T02:05:22.798" v="556"/>
+        <pc:sldMkLst>
+          <pc:docMk/>
+          <pc:sldMk cId="825667891" sldId="275"/>
+        </pc:sldMkLst>
+        <pc:spChg chg="add mod">
+          <ac:chgData name="Judith Landa" userId="12b9e8b93ae54123" providerId="Windows Live" clId="Web-{385EF587-D4F5-4A65-9464-A987A02548CC}" dt="2024-10-02T01:07:01.332" v="254" actId="1076"/>
+          <ac:spMkLst>
+            <pc:docMk/>
+            <pc:sldMk cId="825667891" sldId="275"/>
+            <ac:spMk id="4" creationId="{6AFA14BB-EB0A-2E48-0763-F1DB55F547DC}"/>
+          </ac:spMkLst>
+        </pc:spChg>
+        <pc:spChg chg="add mod">
+          <ac:chgData name="Judith Landa" userId="12b9e8b93ae54123" providerId="Windows Live" clId="Web-{385EF587-D4F5-4A65-9464-A987A02548CC}" dt="2024-10-02T02:00:59.867" v="532" actId="20577"/>
+          <ac:spMkLst>
+            <pc:docMk/>
+            <pc:sldMk cId="825667891" sldId="275"/>
+            <ac:spMk id="6" creationId="{03805CBD-6CEC-ABAB-0222-2B70E79A74F2}"/>
+          </ac:spMkLst>
+        </pc:spChg>
+        <pc:spChg chg="add mod">
+          <ac:chgData name="Judith Landa" userId="12b9e8b93ae54123" providerId="Windows Live" clId="Web-{385EF587-D4F5-4A65-9464-A987A02548CC}" dt="2024-10-02T02:04:07.781" v="553" actId="1076"/>
+          <ac:spMkLst>
+            <pc:docMk/>
+            <pc:sldMk cId="825667891" sldId="275"/>
+            <ac:spMk id="18" creationId="{3A48D459-5C20-025E-DBD0-2E0BD38EFF58}"/>
+          </ac:spMkLst>
+        </pc:spChg>
+        <pc:picChg chg="del">
+          <ac:chgData name="Judith Landa" userId="12b9e8b93ae54123" providerId="Windows Live" clId="Web-{385EF587-D4F5-4A65-9464-A987A02548CC}" dt="2024-10-02T01:31:56.665" v="369"/>
+          <ac:picMkLst>
+            <pc:docMk/>
+            <pc:sldMk cId="825667891" sldId="275"/>
+            <ac:picMk id="3" creationId="{620E36F0-E02D-0B62-91A8-9C72896CE469}"/>
+          </ac:picMkLst>
+        </pc:picChg>
+        <pc:picChg chg="add del mod">
+          <ac:chgData name="Judith Landa" userId="12b9e8b93ae54123" providerId="Windows Live" clId="Web-{385EF587-D4F5-4A65-9464-A987A02548CC}" dt="2024-10-02T01:18:24.247" v="297"/>
+          <ac:picMkLst>
+            <pc:docMk/>
+            <pc:sldMk cId="825667891" sldId="275"/>
+            <ac:picMk id="7" creationId="{8BC45DD5-014A-3CFB-E2BB-0835CA5DB7A9}"/>
+          </ac:picMkLst>
+        </pc:picChg>
+        <pc:picChg chg="add del mod">
+          <ac:chgData name="Judith Landa" userId="12b9e8b93ae54123" providerId="Windows Live" clId="Web-{385EF587-D4F5-4A65-9464-A987A02548CC}" dt="2024-10-02T01:20:07.063" v="305"/>
+          <ac:picMkLst>
+            <pc:docMk/>
+            <pc:sldMk cId="825667891" sldId="275"/>
+            <ac:picMk id="8" creationId="{E3A10E6A-25A0-21C3-A074-4CB23D246195}"/>
+          </ac:picMkLst>
+        </pc:picChg>
+        <pc:picChg chg="del">
+          <ac:chgData name="Judith Landa" userId="12b9e8b93ae54123" providerId="Windows Live" clId="Web-{385EF587-D4F5-4A65-9464-A987A02548CC}" dt="2024-10-02T01:19:20.545" v="301"/>
+          <ac:picMkLst>
+            <pc:docMk/>
+            <pc:sldMk cId="825667891" sldId="275"/>
+            <ac:picMk id="9" creationId="{9619230F-463F-E28A-A19D-A99CA2FEC8AF}"/>
+          </ac:picMkLst>
+        </pc:picChg>
+        <pc:picChg chg="add del mod">
+          <ac:chgData name="Judith Landa" userId="12b9e8b93ae54123" providerId="Windows Live" clId="Web-{385EF587-D4F5-4A65-9464-A987A02548CC}" dt="2024-10-02T01:24:57.404" v="332"/>
+          <ac:picMkLst>
+            <pc:docMk/>
+            <pc:sldMk cId="825667891" sldId="275"/>
+            <ac:picMk id="11" creationId="{93992B86-0FC9-1DBA-AADF-54127D91EDA2}"/>
+          </ac:picMkLst>
+        </pc:picChg>
+        <pc:picChg chg="add mod">
+          <ac:chgData name="Judith Landa" userId="12b9e8b93ae54123" providerId="Windows Live" clId="Web-{385EF587-D4F5-4A65-9464-A987A02548CC}" dt="2024-10-02T01:25:07.683" v="334" actId="1076"/>
+          <ac:picMkLst>
+            <pc:docMk/>
+            <pc:sldMk cId="825667891" sldId="275"/>
+            <ac:picMk id="14" creationId="{D2C12464-B888-CB19-0632-084675763A80}"/>
+          </ac:picMkLst>
+        </pc:picChg>
+        <pc:picChg chg="add mod">
+          <ac:chgData name="Judith Landa" userId="12b9e8b93ae54123" providerId="Windows Live" clId="Web-{385EF587-D4F5-4A65-9464-A987A02548CC}" dt="2024-10-02T01:32:25.479" v="372" actId="1076"/>
+          <ac:picMkLst>
+            <pc:docMk/>
+            <pc:sldMk cId="825667891" sldId="275"/>
+            <ac:picMk id="16" creationId="{6EE0C1D2-0A49-ECF2-1D44-16D5CC13CAA9}"/>
+          </ac:picMkLst>
+        </pc:picChg>
+        <pc:picChg chg="add mod">
+          <ac:chgData name="Judith Landa" userId="12b9e8b93ae54123" providerId="Windows Live" clId="Web-{385EF587-D4F5-4A65-9464-A987A02548CC}" dt="2024-10-02T02:05:22.798" v="556"/>
+          <ac:picMkLst>
+            <pc:docMk/>
+            <pc:sldMk cId="825667891" sldId="275"/>
+            <ac:picMk id="17" creationId="{A315506D-5A6A-A4B2-9B5B-A38978BC43B9}"/>
+          </ac:picMkLst>
+        </pc:picChg>
+        <pc:picChg chg="add mod">
+          <ac:chgData name="Judith Landa" userId="12b9e8b93ae54123" providerId="Windows Live" clId="Web-{385EF587-D4F5-4A65-9464-A987A02548CC}" dt="2024-10-02T02:03:53.841" v="550" actId="14100"/>
+          <ac:picMkLst>
+            <pc:docMk/>
+            <pc:sldMk cId="825667891" sldId="275"/>
+            <ac:picMk id="19" creationId="{5FF4C8AE-D397-7553-1293-33512C64E026}"/>
+          </ac:picMkLst>
+        </pc:picChg>
+        <pc:picChg chg="add mod">
+          <ac:chgData name="Judith Landa" userId="12b9e8b93ae54123" providerId="Windows Live" clId="Web-{385EF587-D4F5-4A65-9464-A987A02548CC}" dt="2024-10-02T02:03:59.982" v="552" actId="14100"/>
+          <ac:picMkLst>
+            <pc:docMk/>
+            <pc:sldMk cId="825667891" sldId="275"/>
+            <ac:picMk id="20" creationId="{4BA2A86D-9DD7-1ADB-6401-F378DE6562CD}"/>
+          </ac:picMkLst>
+        </pc:picChg>
+      </pc:sldChg>
+      <pc:sldChg chg="addSp modSp add replId">
+        <pc:chgData name="Judith Landa" userId="12b9e8b93ae54123" providerId="Windows Live" clId="Web-{385EF587-D4F5-4A65-9464-A987A02548CC}" dt="2024-10-02T01:41:37.154" v="395" actId="1076"/>
+        <pc:sldMkLst>
+          <pc:docMk/>
+          <pc:sldMk cId="2168197265" sldId="276"/>
+        </pc:sldMkLst>
+        <pc:spChg chg="add mod">
+          <ac:chgData name="Judith Landa" userId="12b9e8b93ae54123" providerId="Windows Live" clId="Web-{385EF587-D4F5-4A65-9464-A987A02548CC}" dt="2024-10-02T01:07:14.661" v="256" actId="1076"/>
+          <ac:spMkLst>
+            <pc:docMk/>
+            <pc:sldMk cId="2168197265" sldId="276"/>
+            <ac:spMk id="4" creationId="{BD9D08F5-6038-CB9C-17E3-A9D2BEA9E2C8}"/>
+          </ac:spMkLst>
+        </pc:spChg>
+        <pc:spChg chg="add mod">
+          <ac:chgData name="Judith Landa" userId="12b9e8b93ae54123" providerId="Windows Live" clId="Web-{385EF587-D4F5-4A65-9464-A987A02548CC}" dt="2024-10-02T01:07:14.661" v="257" actId="1076"/>
+          <ac:spMkLst>
+            <pc:docMk/>
+            <pc:sldMk cId="2168197265" sldId="276"/>
+            <ac:spMk id="6" creationId="{80951F0A-493F-C95E-7CB3-6A1814168FDA}"/>
+          </ac:spMkLst>
+        </pc:spChg>
+        <pc:picChg chg="add mod">
+          <ac:chgData name="Judith Landa" userId="12b9e8b93ae54123" providerId="Windows Live" clId="Web-{385EF587-D4F5-4A65-9464-A987A02548CC}" dt="2024-10-02T01:41:37.154" v="395" actId="1076"/>
+          <ac:picMkLst>
+            <pc:docMk/>
+            <pc:sldMk cId="2168197265" sldId="276"/>
+            <ac:picMk id="8" creationId="{8EDD6CBD-C817-DCE3-41AF-498FC1B5E0AC}"/>
+          </ac:picMkLst>
+        </pc:picChg>
+        <pc:picChg chg="mod">
+          <ac:chgData name="Judith Landa" userId="12b9e8b93ae54123" providerId="Windows Live" clId="Web-{385EF587-D4F5-4A65-9464-A987A02548CC}" dt="2024-10-02T01:25:28.105" v="336"/>
+          <ac:picMkLst>
+            <pc:docMk/>
+            <pc:sldMk cId="2168197265" sldId="276"/>
+            <ac:picMk id="9" creationId="{9619230F-463F-E28A-A19D-A99CA2FEC8AF}"/>
+          </ac:picMkLst>
+        </pc:picChg>
+      </pc:sldChg>
+      <pc:sldChg chg="addSp delSp modSp add replId">
+        <pc:chgData name="Judith Landa" userId="12b9e8b93ae54123" providerId="Windows Live" clId="Web-{385EF587-D4F5-4A65-9464-A987A02548CC}" dt="2024-10-02T01:26:44.248" v="343"/>
+        <pc:sldMkLst>
+          <pc:docMk/>
+          <pc:sldMk cId="3267295080" sldId="277"/>
+        </pc:sldMkLst>
+        <pc:spChg chg="add mod">
+          <ac:chgData name="Judith Landa" userId="12b9e8b93ae54123" providerId="Windows Live" clId="Web-{385EF587-D4F5-4A65-9464-A987A02548CC}" dt="2024-10-02T01:08:55.383" v="274" actId="1076"/>
+          <ac:spMkLst>
+            <pc:docMk/>
+            <pc:sldMk cId="3267295080" sldId="277"/>
+            <ac:spMk id="4" creationId="{90ECA6D2-29DB-C705-3607-5257F02F00BD}"/>
+          </ac:spMkLst>
+        </pc:spChg>
+        <pc:spChg chg="add mod">
+          <ac:chgData name="Judith Landa" userId="12b9e8b93ae54123" providerId="Windows Live" clId="Web-{385EF587-D4F5-4A65-9464-A987A02548CC}" dt="2024-10-02T01:08:55.399" v="275" actId="1076"/>
+          <ac:spMkLst>
+            <pc:docMk/>
+            <pc:sldMk cId="3267295080" sldId="277"/>
+            <ac:spMk id="6" creationId="{8B090B5B-2AF2-D5D1-20E1-EA81CC242B87}"/>
+          </ac:spMkLst>
+        </pc:spChg>
+        <pc:spChg chg="add del mod">
+          <ac:chgData name="Judith Landa" userId="12b9e8b93ae54123" providerId="Windows Live" clId="Web-{385EF587-D4F5-4A65-9464-A987A02548CC}" dt="2024-10-02T01:13:43.002" v="289"/>
+          <ac:spMkLst>
+            <pc:docMk/>
+            <pc:sldMk cId="3267295080" sldId="277"/>
+            <ac:spMk id="7" creationId="{BAE726BC-8851-E004-E3B3-AF74F81F87EB}"/>
+          </ac:spMkLst>
+        </pc:spChg>
+        <pc:picChg chg="mod">
+          <ac:chgData name="Judith Landa" userId="12b9e8b93ae54123" providerId="Windows Live" clId="Web-{385EF587-D4F5-4A65-9464-A987A02548CC}" dt="2024-10-02T01:26:44.248" v="343"/>
+          <ac:picMkLst>
+            <pc:docMk/>
+            <pc:sldMk cId="3267295080" sldId="277"/>
+            <ac:picMk id="9" creationId="{9619230F-463F-E28A-A19D-A99CA2FEC8AF}"/>
+          </ac:picMkLst>
+        </pc:picChg>
+      </pc:sldChg>
+      <pc:sldChg chg="addSp modSp add replId">
+        <pc:chgData name="Judith Landa" userId="12b9e8b93ae54123" providerId="Windows Live" clId="Web-{385EF587-D4F5-4A65-9464-A987A02548CC}" dt="2024-10-02T01:46:40.509" v="400" actId="14100"/>
+        <pc:sldMkLst>
+          <pc:docMk/>
+          <pc:sldMk cId="1878095641" sldId="278"/>
+        </pc:sldMkLst>
+        <pc:spChg chg="add mod">
+          <ac:chgData name="Judith Landa" userId="12b9e8b93ae54123" providerId="Windows Live" clId="Web-{385EF587-D4F5-4A65-9464-A987A02548CC}" dt="2024-10-02T01:07:52.068" v="264" actId="1076"/>
+          <ac:spMkLst>
+            <pc:docMk/>
+            <pc:sldMk cId="1878095641" sldId="278"/>
+            <ac:spMk id="4" creationId="{3EBB228B-9F7E-10B4-E474-A692E17E2318}"/>
+          </ac:spMkLst>
+        </pc:spChg>
+        <pc:spChg chg="add mod">
+          <ac:chgData name="Judith Landa" userId="12b9e8b93ae54123" providerId="Windows Live" clId="Web-{385EF587-D4F5-4A65-9464-A987A02548CC}" dt="2024-10-02T01:07:52.084" v="265" actId="1076"/>
+          <ac:spMkLst>
+            <pc:docMk/>
+            <pc:sldMk cId="1878095641" sldId="278"/>
+            <ac:spMk id="6" creationId="{77D2A317-3AB5-77F2-B640-81E756873C05}"/>
+          </ac:spMkLst>
+        </pc:spChg>
+        <pc:picChg chg="add">
+          <ac:chgData name="Judith Landa" userId="12b9e8b93ae54123" providerId="Windows Live" clId="Web-{385EF587-D4F5-4A65-9464-A987A02548CC}" dt="2024-10-02T01:42:07.921" v="396"/>
+          <ac:picMkLst>
+            <pc:docMk/>
+            <pc:sldMk cId="1878095641" sldId="278"/>
+            <ac:picMk id="8" creationId="{17550F57-0B0E-1AC3-F96B-5F02F7521BBC}"/>
+          </ac:picMkLst>
+        </pc:picChg>
+        <pc:picChg chg="mod">
+          <ac:chgData name="Judith Landa" userId="12b9e8b93ae54123" providerId="Windows Live" clId="Web-{385EF587-D4F5-4A65-9464-A987A02548CC}" dt="2024-10-02T01:26:28.670" v="341"/>
+          <ac:picMkLst>
+            <pc:docMk/>
+            <pc:sldMk cId="1878095641" sldId="278"/>
+            <ac:picMk id="9" creationId="{9619230F-463F-E28A-A19D-A99CA2FEC8AF}"/>
+          </ac:picMkLst>
+        </pc:picChg>
+        <pc:picChg chg="add mod">
+          <ac:chgData name="Judith Landa" userId="12b9e8b93ae54123" providerId="Windows Live" clId="Web-{385EF587-D4F5-4A65-9464-A987A02548CC}" dt="2024-10-02T01:46:40.509" v="400" actId="14100"/>
+          <ac:picMkLst>
+            <pc:docMk/>
+            <pc:sldMk cId="1878095641" sldId="278"/>
+            <ac:picMk id="13" creationId="{9D85EC63-FD2A-4E2D-A0EC-3316B020079F}"/>
           </ac:picMkLst>
         </pc:picChg>
       </pc:sldChg>
@@ -4347,6 +5018,14 @@
 <file path=ppt/slides/slide10.xml><?xml version="1.0" encoding="utf-8"?>
 <p:sld xmlns:a="http://schemas.openxmlformats.org/drawingml/2006/main" xmlns:r="http://schemas.openxmlformats.org/officeDocument/2006/relationships" xmlns:p="http://schemas.openxmlformats.org/presentationml/2006/main">
   <p:cSld>
+    <p:bg>
+      <p:bgPr>
+        <a:solidFill>
+          <a:schemeClr val="tx1"/>
+        </a:solidFill>
+        <a:effectLst/>
+      </p:bgPr>
+    </p:bg>
     <p:spTree>
       <p:nvGrpSpPr>
         <p:cNvPr id="1" name=""/>
@@ -4361,12 +5040,144 @@
           <a:chExt cx="0" cy="0"/>
         </a:xfrm>
       </p:grpSpPr>
+      <p:pic>
+        <p:nvPicPr>
+          <p:cNvPr id="9" name="Picture 8" descr="A red text on a black background&#10;&#10;Description automatically generated">
+            <a:extLst>
+              <a:ext uri="{FF2B5EF4-FFF2-40B4-BE49-F238E27FC236}">
+                <a16:creationId xmlns:a16="http://schemas.microsoft.com/office/drawing/2014/main" id="{9619230F-463F-E28A-A19D-A99CA2FEC8AF}"/>
+              </a:ext>
+            </a:extLst>
+          </p:cNvPr>
+          <p:cNvPicPr>
+            <a:picLocks noChangeAspect="1"/>
+          </p:cNvPicPr>
+          <p:nvPr/>
+        </p:nvPicPr>
+        <p:blipFill>
+          <a:blip r:embed="rId2">
+            <a:extLst>
+              <a:ext uri="{BEBA8EAE-BF5A-486C-A8C5-ECC9F3942E4B}">
+                <a14:imgProps xmlns:a14="http://schemas.microsoft.com/office/drawing/2010/main">
+                  <a14:imgLayer r:embed="rId3">
+                    <a14:imgEffect>
+                      <a14:brightnessContrast contrast="25000"/>
+                    </a14:imgEffect>
+                  </a14:imgLayer>
+                </a14:imgProps>
+              </a:ext>
+            </a:extLst>
+          </a:blip>
+          <a:stretch>
+            <a:fillRect/>
+          </a:stretch>
+        </p:blipFill>
+        <p:spPr>
+          <a:xfrm>
+            <a:off x="500063" y="500683"/>
+            <a:ext cx="2047875" cy="607300"/>
+          </a:xfrm>
+          <a:prstGeom prst="rect">
+            <a:avLst/>
+          </a:prstGeom>
+        </p:spPr>
+      </p:pic>
+      <p:pic>
+        <p:nvPicPr>
+          <p:cNvPr id="10" name="Picture 9">
+            <a:extLst>
+              <a:ext uri="{FF2B5EF4-FFF2-40B4-BE49-F238E27FC236}">
+                <a16:creationId xmlns:a16="http://schemas.microsoft.com/office/drawing/2014/main" id="{89EE9E6A-6BFC-58D0-BEA7-A1C49B29A47C}"/>
+              </a:ext>
+            </a:extLst>
+          </p:cNvPr>
+          <p:cNvPicPr>
+            <a:picLocks noChangeAspect="1"/>
+          </p:cNvPicPr>
+          <p:nvPr/>
+        </p:nvPicPr>
+        <p:blipFill>
+          <a:blip r:embed="rId4"/>
+          <a:stretch>
+            <a:fillRect/>
+          </a:stretch>
+        </p:blipFill>
+        <p:spPr>
+          <a:xfrm>
+            <a:off x="2550583" y="693168"/>
+            <a:ext cx="11250084" cy="433998"/>
+          </a:xfrm>
+          <a:prstGeom prst="rect">
+            <a:avLst/>
+          </a:prstGeom>
+        </p:spPr>
+      </p:pic>
+      <p:pic>
+        <p:nvPicPr>
+          <p:cNvPr id="12" name="Picture 11" descr="A group on a black background&#10;&#10;Description automatically generated">
+            <a:extLst>
+              <a:ext uri="{FF2B5EF4-FFF2-40B4-BE49-F238E27FC236}">
+                <a16:creationId xmlns:a16="http://schemas.microsoft.com/office/drawing/2014/main" id="{5DF28C49-F5D8-7CB2-1C75-76D1DD7C3C3F}"/>
+              </a:ext>
+            </a:extLst>
+          </p:cNvPr>
+          <p:cNvPicPr>
+            <a:picLocks noChangeAspect="1"/>
+          </p:cNvPicPr>
+          <p:nvPr/>
+        </p:nvPicPr>
+        <p:blipFill>
+          <a:blip r:embed="rId5"/>
+          <a:stretch>
+            <a:fillRect/>
+          </a:stretch>
+        </p:blipFill>
+        <p:spPr>
+          <a:xfrm>
+            <a:off x="9271000" y="695854"/>
+            <a:ext cx="1460500" cy="449792"/>
+          </a:xfrm>
+          <a:prstGeom prst="rect">
+            <a:avLst/>
+          </a:prstGeom>
+        </p:spPr>
+      </p:pic>
+      <p:pic>
+        <p:nvPicPr>
+          <p:cNvPr id="3" name="Picture 2" descr="A cartoon face with a red mask&#10;&#10;Description automatically generated">
+            <a:extLst>
+              <a:ext uri="{FF2B5EF4-FFF2-40B4-BE49-F238E27FC236}">
+                <a16:creationId xmlns:a16="http://schemas.microsoft.com/office/drawing/2014/main" id="{620E36F0-E02D-0B62-91A8-9C72896CE469}"/>
+              </a:ext>
+            </a:extLst>
+          </p:cNvPr>
+          <p:cNvPicPr>
+            <a:picLocks noChangeAspect="1"/>
+          </p:cNvPicPr>
+          <p:nvPr/>
+        </p:nvPicPr>
+        <p:blipFill>
+          <a:blip r:embed="rId6"/>
+          <a:stretch>
+            <a:fillRect/>
+          </a:stretch>
+        </p:blipFill>
+        <p:spPr>
+          <a:xfrm>
+            <a:off x="10876044" y="616845"/>
+            <a:ext cx="506293" cy="513375"/>
+          </a:xfrm>
+          <a:prstGeom prst="rect">
+            <a:avLst/>
+          </a:prstGeom>
+        </p:spPr>
+      </p:pic>
       <p:sp>
         <p:nvSpPr>
-          <p:cNvPr id="2" name="Title 1">
-            <a:extLst>
-              <a:ext uri="{FF2B5EF4-FFF2-40B4-BE49-F238E27FC236}">
-                <a16:creationId xmlns:a16="http://schemas.microsoft.com/office/drawing/2014/main" id="{F8E0A64B-7633-5C32-336C-B025736EF223}"/>
+          <p:cNvPr id="4" name="Title 1">
+            <a:extLst>
+              <a:ext uri="{FF2B5EF4-FFF2-40B4-BE49-F238E27FC236}">
+                <a16:creationId xmlns:a16="http://schemas.microsoft.com/office/drawing/2014/main" id="{3EBB228B-9F7E-10B4-E474-A692E17E2318}"/>
               </a:ext>
             </a:extLst>
           </p:cNvPr>
@@ -4377,14 +5188,23 @@
             <p:ph type="title"/>
           </p:nvPr>
         </p:nvSpPr>
-        <p:spPr/>
+        <p:spPr>
+          <a:xfrm>
+            <a:off x="552450" y="1359958"/>
+            <a:ext cx="10515600" cy="1325563"/>
+          </a:xfrm>
+        </p:spPr>
         <p:txBody>
           <a:bodyPr/>
           <a:lstStyle/>
           <a:p>
             <a:r>
-              <a:rPr lang="en-US"/>
-              <a:t>Research Question #2</a:t>
+              <a:rPr lang="en-US">
+                <a:solidFill>
+                  <a:schemeClr val="bg1"/>
+                </a:solidFill>
+              </a:rPr>
+              <a:t>limitations/bias</a:t>
             </a:r>
           </a:p>
           <a:p>
@@ -4394,10 +5214,10 @@
       </p:sp>
       <p:sp>
         <p:nvSpPr>
-          <p:cNvPr id="3" name="Content Placeholder 2">
-            <a:extLst>
-              <a:ext uri="{FF2B5EF4-FFF2-40B4-BE49-F238E27FC236}">
-                <a16:creationId xmlns:a16="http://schemas.microsoft.com/office/drawing/2014/main" id="{EF6C9BD8-56C2-C557-558C-01D86D3AE0EE}"/>
+          <p:cNvPr id="6" name="Content Placeholder 2">
+            <a:extLst>
+              <a:ext uri="{FF2B5EF4-FFF2-40B4-BE49-F238E27FC236}">
+                <a16:creationId xmlns:a16="http://schemas.microsoft.com/office/drawing/2014/main" id="{77D2A317-3AB5-77F2-B640-81E756873C05}"/>
               </a:ext>
             </a:extLst>
           </p:cNvPr>
@@ -4410,8 +5230,8 @@
         </p:nvSpPr>
         <p:spPr>
           <a:xfrm>
-            <a:off x="678426" y="1346302"/>
-            <a:ext cx="10515600" cy="4351338"/>
+            <a:off x="552450" y="2820458"/>
+            <a:ext cx="10515600" cy="2848505"/>
           </a:xfrm>
         </p:spPr>
         <p:txBody>
@@ -4422,28 +5242,134 @@
           <a:p>
             <a:r>
               <a:rPr lang="en-US" sz="1800">
+                <a:solidFill>
+                  <a:schemeClr val="bg1"/>
+                </a:solidFill>
                 <a:ea typeface="+mn-lt"/>
                 <a:cs typeface="+mn-lt"/>
               </a:rPr>
-              <a:t>Second, what are the most popular genres over time, and how do their ratings compare? </a:t>
+              <a:t>As with any dataset, there are some limitations and biases to consider. </a:t>
             </a:r>
           </a:p>
           <a:p>
             <a:r>
               <a:rPr lang="en-US" sz="1800">
+                <a:solidFill>
+                  <a:schemeClr val="bg1"/>
+                </a:solidFill>
                 <a:ea typeface="+mn-lt"/>
                 <a:cs typeface="+mn-lt"/>
               </a:rPr>
-              <a:t>These questions guided the development of our dashboards and visualizations, allowing us to explore directorial success and trends in genre popularity in greater detail.</a:t>
-            </a:r>
-            <a:endParaRPr lang="en-US" sz="1800"/>
+              <a:t>First, there’s a time-period bias, where more recent movies tend to get more ratings due to easier access on modern platforms. </a:t>
+            </a:r>
+          </a:p>
+          <a:p>
+            <a:r>
+              <a:rPr lang="en-US" sz="1800">
+                <a:solidFill>
+                  <a:schemeClr val="bg1"/>
+                </a:solidFill>
+                <a:ea typeface="+mn-lt"/>
+                <a:cs typeface="+mn-lt"/>
+              </a:rPr>
+              <a:t>Then we have cultural bias, where films and directors from certain regions are more represented than others, which could skew our results. </a:t>
+            </a:r>
+          </a:p>
+          <a:p>
+            <a:r>
+              <a:rPr lang="en-US" sz="1800">
+                <a:solidFill>
+                  <a:schemeClr val="bg1"/>
+                </a:solidFill>
+                <a:ea typeface="+mn-lt"/>
+                <a:cs typeface="+mn-lt"/>
+              </a:rPr>
+              <a:t>Finally, there’s a rating aggregation bias, where averaging ratings for each director oversimplifies the variation within their individual films. </a:t>
+            </a:r>
+          </a:p>
+          <a:p>
+            <a:r>
+              <a:rPr lang="en-US" sz="1800">
+                <a:solidFill>
+                  <a:schemeClr val="bg1"/>
+                </a:solidFill>
+                <a:ea typeface="+mn-lt"/>
+                <a:cs typeface="+mn-lt"/>
+              </a:rPr>
+              <a:t>These biases are important to keep in mind as they may affect the conclusions we’ve drawn.</a:t>
+            </a:r>
+            <a:endParaRPr lang="en-US" sz="1800">
+              <a:solidFill>
+                <a:schemeClr val="bg1"/>
+              </a:solidFill>
+            </a:endParaRPr>
           </a:p>
         </p:txBody>
       </p:sp>
+      <p:pic>
+        <p:nvPicPr>
+          <p:cNvPr id="8" name="Picture 7" descr="A cartoon character of a blue hedgehog&#10;&#10;Description automatically generated">
+            <a:extLst>
+              <a:ext uri="{FF2B5EF4-FFF2-40B4-BE49-F238E27FC236}">
+                <a16:creationId xmlns:a16="http://schemas.microsoft.com/office/drawing/2014/main" id="{17550F57-0B0E-1AC3-F96B-5F02F7521BBC}"/>
+              </a:ext>
+            </a:extLst>
+          </p:cNvPr>
+          <p:cNvPicPr>
+            <a:picLocks noChangeAspect="1"/>
+          </p:cNvPicPr>
+          <p:nvPr/>
+        </p:nvPicPr>
+        <p:blipFill>
+          <a:blip r:embed="rId7"/>
+          <a:stretch>
+            <a:fillRect/>
+          </a:stretch>
+        </p:blipFill>
+        <p:spPr>
+          <a:xfrm>
+            <a:off x="10872786" y="598934"/>
+            <a:ext cx="552694" cy="541868"/>
+          </a:xfrm>
+          <a:prstGeom prst="rect">
+            <a:avLst/>
+          </a:prstGeom>
+        </p:spPr>
+      </p:pic>
+      <p:pic>
+        <p:nvPicPr>
+          <p:cNvPr id="13" name="Picture 12" descr="A cartoon character with arms and legs&#10;&#10;Description automatically generated">
+            <a:extLst>
+              <a:ext uri="{FF2B5EF4-FFF2-40B4-BE49-F238E27FC236}">
+                <a16:creationId xmlns:a16="http://schemas.microsoft.com/office/drawing/2014/main" id="{9D85EC63-FD2A-4E2D-A0EC-3316B020079F}"/>
+              </a:ext>
+            </a:extLst>
+          </p:cNvPr>
+          <p:cNvPicPr>
+            <a:picLocks noChangeAspect="1"/>
+          </p:cNvPicPr>
+          <p:nvPr/>
+        </p:nvPicPr>
+        <p:blipFill>
+          <a:blip r:embed="rId8"/>
+          <a:stretch>
+            <a:fillRect/>
+          </a:stretch>
+        </p:blipFill>
+        <p:spPr>
+          <a:xfrm>
+            <a:off x="10875495" y="595197"/>
+            <a:ext cx="561693" cy="540000"/>
+          </a:xfrm>
+          <a:prstGeom prst="rect">
+            <a:avLst/>
+          </a:prstGeom>
+        </p:spPr>
+      </p:pic>
     </p:spTree>
     <p:extLst>
       <p:ext uri="{BB962C8B-B14F-4D97-AF65-F5344CB8AC3E}">
-        <p14:creationId xmlns:p14="http://schemas.microsoft.com/office/powerpoint/2010/main" val="3617778244"/>
+        <p14:creationId xmlns:p14="http://schemas.microsoft.com/office/powerpoint/2010/main" val="1878095641"/>
       </p:ext>
     </p:extLst>
   </p:cSld>
@@ -4456,6 +5382,14 @@
 <file path=ppt/slides/slide11.xml><?xml version="1.0" encoding="utf-8"?>
 <p:sld xmlns:a="http://schemas.openxmlformats.org/drawingml/2006/main" xmlns:r="http://schemas.openxmlformats.org/officeDocument/2006/relationships" xmlns:p="http://schemas.openxmlformats.org/presentationml/2006/main">
   <p:cSld>
+    <p:bg>
+      <p:bgPr>
+        <a:solidFill>
+          <a:schemeClr val="tx1"/>
+        </a:solidFill>
+        <a:effectLst/>
+      </p:bgPr>
+    </p:bg>
     <p:spTree>
       <p:nvGrpSpPr>
         <p:cNvPr id="1" name=""/>
@@ -4470,12 +5404,144 @@
           <a:chExt cx="0" cy="0"/>
         </a:xfrm>
       </p:grpSpPr>
+      <p:pic>
+        <p:nvPicPr>
+          <p:cNvPr id="9" name="Picture 8" descr="A red text on a black background&#10;&#10;Description automatically generated">
+            <a:extLst>
+              <a:ext uri="{FF2B5EF4-FFF2-40B4-BE49-F238E27FC236}">
+                <a16:creationId xmlns:a16="http://schemas.microsoft.com/office/drawing/2014/main" id="{9619230F-463F-E28A-A19D-A99CA2FEC8AF}"/>
+              </a:ext>
+            </a:extLst>
+          </p:cNvPr>
+          <p:cNvPicPr>
+            <a:picLocks noChangeAspect="1"/>
+          </p:cNvPicPr>
+          <p:nvPr/>
+        </p:nvPicPr>
+        <p:blipFill>
+          <a:blip r:embed="rId2">
+            <a:extLst>
+              <a:ext uri="{BEBA8EAE-BF5A-486C-A8C5-ECC9F3942E4B}">
+                <a14:imgProps xmlns:a14="http://schemas.microsoft.com/office/drawing/2010/main">
+                  <a14:imgLayer r:embed="rId3">
+                    <a14:imgEffect>
+                      <a14:brightnessContrast contrast="25000"/>
+                    </a14:imgEffect>
+                  </a14:imgLayer>
+                </a14:imgProps>
+              </a:ext>
+            </a:extLst>
+          </a:blip>
+          <a:stretch>
+            <a:fillRect/>
+          </a:stretch>
+        </p:blipFill>
+        <p:spPr>
+          <a:xfrm>
+            <a:off x="500063" y="500683"/>
+            <a:ext cx="2047875" cy="607300"/>
+          </a:xfrm>
+          <a:prstGeom prst="rect">
+            <a:avLst/>
+          </a:prstGeom>
+        </p:spPr>
+      </p:pic>
+      <p:pic>
+        <p:nvPicPr>
+          <p:cNvPr id="10" name="Picture 9">
+            <a:extLst>
+              <a:ext uri="{FF2B5EF4-FFF2-40B4-BE49-F238E27FC236}">
+                <a16:creationId xmlns:a16="http://schemas.microsoft.com/office/drawing/2014/main" id="{89EE9E6A-6BFC-58D0-BEA7-A1C49B29A47C}"/>
+              </a:ext>
+            </a:extLst>
+          </p:cNvPr>
+          <p:cNvPicPr>
+            <a:picLocks noChangeAspect="1"/>
+          </p:cNvPicPr>
+          <p:nvPr/>
+        </p:nvPicPr>
+        <p:blipFill>
+          <a:blip r:embed="rId4"/>
+          <a:stretch>
+            <a:fillRect/>
+          </a:stretch>
+        </p:blipFill>
+        <p:spPr>
+          <a:xfrm>
+            <a:off x="2550583" y="693168"/>
+            <a:ext cx="11250084" cy="433998"/>
+          </a:xfrm>
+          <a:prstGeom prst="rect">
+            <a:avLst/>
+          </a:prstGeom>
+        </p:spPr>
+      </p:pic>
+      <p:pic>
+        <p:nvPicPr>
+          <p:cNvPr id="12" name="Picture 11" descr="A group on a black background&#10;&#10;Description automatically generated">
+            <a:extLst>
+              <a:ext uri="{FF2B5EF4-FFF2-40B4-BE49-F238E27FC236}">
+                <a16:creationId xmlns:a16="http://schemas.microsoft.com/office/drawing/2014/main" id="{5DF28C49-F5D8-7CB2-1C75-76D1DD7C3C3F}"/>
+              </a:ext>
+            </a:extLst>
+          </p:cNvPr>
+          <p:cNvPicPr>
+            <a:picLocks noChangeAspect="1"/>
+          </p:cNvPicPr>
+          <p:nvPr/>
+        </p:nvPicPr>
+        <p:blipFill>
+          <a:blip r:embed="rId5"/>
+          <a:stretch>
+            <a:fillRect/>
+          </a:stretch>
+        </p:blipFill>
+        <p:spPr>
+          <a:xfrm>
+            <a:off x="9271000" y="695854"/>
+            <a:ext cx="1460500" cy="449792"/>
+          </a:xfrm>
+          <a:prstGeom prst="rect">
+            <a:avLst/>
+          </a:prstGeom>
+        </p:spPr>
+      </p:pic>
+      <p:pic>
+        <p:nvPicPr>
+          <p:cNvPr id="3" name="Picture 2" descr="A cartoon face with a red mask&#10;&#10;Description automatically generated">
+            <a:extLst>
+              <a:ext uri="{FF2B5EF4-FFF2-40B4-BE49-F238E27FC236}">
+                <a16:creationId xmlns:a16="http://schemas.microsoft.com/office/drawing/2014/main" id="{620E36F0-E02D-0B62-91A8-9C72896CE469}"/>
+              </a:ext>
+            </a:extLst>
+          </p:cNvPr>
+          <p:cNvPicPr>
+            <a:picLocks noChangeAspect="1"/>
+          </p:cNvPicPr>
+          <p:nvPr/>
+        </p:nvPicPr>
+        <p:blipFill>
+          <a:blip r:embed="rId6"/>
+          <a:stretch>
+            <a:fillRect/>
+          </a:stretch>
+        </p:blipFill>
+        <p:spPr>
+          <a:xfrm>
+            <a:off x="10876044" y="616845"/>
+            <a:ext cx="506293" cy="513375"/>
+          </a:xfrm>
+          <a:prstGeom prst="rect">
+            <a:avLst/>
+          </a:prstGeom>
+        </p:spPr>
+      </p:pic>
       <p:sp>
         <p:nvSpPr>
-          <p:cNvPr id="2" name="Title 1">
-            <a:extLst>
-              <a:ext uri="{FF2B5EF4-FFF2-40B4-BE49-F238E27FC236}">
-                <a16:creationId xmlns:a16="http://schemas.microsoft.com/office/drawing/2014/main" id="{908B2730-DBE8-C6FE-4F49-E41E25D685C2}"/>
+          <p:cNvPr id="4" name="Title 1">
+            <a:extLst>
+              <a:ext uri="{FF2B5EF4-FFF2-40B4-BE49-F238E27FC236}">
+                <a16:creationId xmlns:a16="http://schemas.microsoft.com/office/drawing/2014/main" id="{90ECA6D2-29DB-C705-3607-5257F02F00BD}"/>
               </a:ext>
             </a:extLst>
           </p:cNvPr>
@@ -4486,15 +5552,31 @@
             <p:ph type="title"/>
           </p:nvPr>
         </p:nvSpPr>
-        <p:spPr/>
+        <p:spPr>
+          <a:xfrm>
+            <a:off x="531284" y="1603375"/>
+            <a:ext cx="10515600" cy="870480"/>
+          </a:xfrm>
+        </p:spPr>
         <p:txBody>
           <a:bodyPr/>
           <a:lstStyle/>
           <a:p>
             <a:r>
-              <a:rPr lang="en-US"/>
-              <a:t>PIVOT TO LIVE DEMO</a:t>
-            </a:r>
+              <a:rPr lang="en-US">
+                <a:solidFill>
+                  <a:schemeClr val="bg1"/>
+                </a:solidFill>
+                <a:ea typeface="+mj-lt"/>
+                <a:cs typeface="+mj-lt"/>
+              </a:rPr>
+              <a:t>Future work</a:t>
+            </a:r>
+            <a:endParaRPr lang="en-US">
+              <a:solidFill>
+                <a:schemeClr val="bg1"/>
+              </a:solidFill>
+            </a:endParaRPr>
           </a:p>
           <a:p>
             <a:endParaRPr lang="en-US"/>
@@ -4503,10 +5585,10 @@
       </p:sp>
       <p:sp>
         <p:nvSpPr>
-          <p:cNvPr id="3" name="Content Placeholder 2">
-            <a:extLst>
-              <a:ext uri="{FF2B5EF4-FFF2-40B4-BE49-F238E27FC236}">
-                <a16:creationId xmlns:a16="http://schemas.microsoft.com/office/drawing/2014/main" id="{25F71317-AD60-4EE0-2F06-665FEB1446DD}"/>
+          <p:cNvPr id="6" name="Content Placeholder 2">
+            <a:extLst>
+              <a:ext uri="{FF2B5EF4-FFF2-40B4-BE49-F238E27FC236}">
+                <a16:creationId xmlns:a16="http://schemas.microsoft.com/office/drawing/2014/main" id="{8B090B5B-2AF2-D5D1-20E1-EA81CC242B87}"/>
               </a:ext>
             </a:extLst>
           </p:cNvPr>
@@ -4517,52 +5599,88 @@
             <p:ph idx="1"/>
           </p:nvPr>
         </p:nvSpPr>
-        <p:spPr/>
+        <p:spPr>
+          <a:xfrm>
+            <a:off x="531284" y="2481792"/>
+            <a:ext cx="10515600" cy="2816755"/>
+          </a:xfrm>
+        </p:spPr>
         <p:txBody>
           <a:bodyPr vert="horz" lIns="91440" tIns="45720" rIns="91440" bIns="45720" rtlCol="0" anchor="t">
             <a:normAutofit/>
           </a:bodyPr>
           <a:lstStyle/>
           <a:p>
-            <a:endParaRPr lang="en-US" sz="1100">
+            <a:r>
+              <a:rPr lang="en-US" sz="1800">
+                <a:solidFill>
+                  <a:schemeClr val="bg1"/>
+                </a:solidFill>
+                <a:ea typeface="+mn-lt"/>
+                <a:cs typeface="+mn-lt"/>
+              </a:rPr>
+              <a:t>Looking ahead, we see several opportunities for expanding this project. </a:t>
+            </a:r>
+          </a:p>
+          <a:p>
+            <a:r>
+              <a:rPr lang="en-US" sz="1800">
+                <a:solidFill>
+                  <a:schemeClr val="bg1"/>
+                </a:solidFill>
+                <a:ea typeface="+mn-lt"/>
+                <a:cs typeface="+mn-lt"/>
+              </a:rPr>
+              <a:t>We could use machine learning models to predict future trends in movie genres and directorial success. </a:t>
+            </a:r>
+          </a:p>
+          <a:p>
+            <a:r>
+              <a:rPr lang="en-US" sz="1800">
+                <a:solidFill>
+                  <a:schemeClr val="bg1"/>
+                </a:solidFill>
+                <a:ea typeface="+mn-lt"/>
+                <a:cs typeface="+mn-lt"/>
+              </a:rPr>
+              <a:t>Incorporating additional factors, such as actor popularity or box office performance, could give us a more complete picture. </a:t>
+            </a:r>
+          </a:p>
+          <a:p>
+            <a:r>
+              <a:rPr lang="en-US" sz="1800">
+                <a:solidFill>
+                  <a:schemeClr val="bg1"/>
+                </a:solidFill>
+                <a:ea typeface="+mn-lt"/>
+                <a:cs typeface="+mn-lt"/>
+              </a:rPr>
+              <a:t>Lastly, addressing the biases we identified by weighing ratings or votes based on the time period or cultural context would provide more accurate insights. </a:t>
+            </a:r>
+          </a:p>
+          <a:p>
+            <a:r>
+              <a:rPr lang="en-US" sz="1800">
+                <a:solidFill>
+                  <a:schemeClr val="bg1"/>
+                </a:solidFill>
+                <a:ea typeface="+mn-lt"/>
+                <a:cs typeface="+mn-lt"/>
+              </a:rPr>
+              <a:t>These steps could further refine our analysis and help us draw even stronger conclusions.</a:t>
+            </a:r>
+            <a:endParaRPr lang="en-US" sz="1800">
               <a:solidFill>
-                <a:srgbClr val="D1D2D3"/>
+                <a:schemeClr val="bg1"/>
               </a:solidFill>
             </a:endParaRPr>
-          </a:p>
-          <a:p>
-            <a:r>
-              <a:rPr lang="en-US"/>
-              <a:t>Walk us through all the html pages of your application</a:t>
-            </a:r>
-          </a:p>
-          <a:p>
-            <a:r>
-              <a:rPr lang="en-US"/>
-              <a:t>Show us how live ML page performs</a:t>
-            </a:r>
-          </a:p>
-          <a:p>
-            <a:r>
-              <a:rPr lang="en-US"/>
-              <a:t>Show us your BI visuals</a:t>
-            </a:r>
-          </a:p>
-          <a:p>
-            <a:r>
-              <a:rPr lang="en-US"/>
-              <a:t>How does this answer your research questions?</a:t>
-            </a:r>
-          </a:p>
-          <a:p>
-            <a:endParaRPr lang="en-US"/>
           </a:p>
         </p:txBody>
       </p:sp>
     </p:spTree>
     <p:extLst>
       <p:ext uri="{BB962C8B-B14F-4D97-AF65-F5344CB8AC3E}">
-        <p14:creationId xmlns:p14="http://schemas.microsoft.com/office/powerpoint/2010/main" val="1221304455"/>
+        <p14:creationId xmlns:p14="http://schemas.microsoft.com/office/powerpoint/2010/main" val="3267295080"/>
       </p:ext>
     </p:extLst>
   </p:cSld>
@@ -4575,6 +5693,14 @@
 <file path=ppt/slides/slide12.xml><?xml version="1.0" encoding="utf-8"?>
 <p:sld xmlns:a="http://schemas.openxmlformats.org/drawingml/2006/main" xmlns:r="http://schemas.openxmlformats.org/officeDocument/2006/relationships" xmlns:p="http://schemas.openxmlformats.org/presentationml/2006/main">
   <p:cSld>
+    <p:bg>
+      <p:bgPr>
+        <a:solidFill>
+          <a:schemeClr val="tx1"/>
+        </a:solidFill>
+        <a:effectLst/>
+      </p:bgPr>
+    </p:bg>
     <p:spTree>
       <p:nvGrpSpPr>
         <p:cNvPr id="1" name=""/>
@@ -4589,371 +5715,90 @@
           <a:chExt cx="0" cy="0"/>
         </a:xfrm>
       </p:grpSpPr>
+      <p:pic>
+        <p:nvPicPr>
+          <p:cNvPr id="2" name="Picture 1" descr="Netflix">
+            <a:extLst>
+              <a:ext uri="{FF2B5EF4-FFF2-40B4-BE49-F238E27FC236}">
+                <a16:creationId xmlns:a16="http://schemas.microsoft.com/office/drawing/2014/main" id="{D66DC450-3382-91B5-5E23-A63ADA790576}"/>
+              </a:ext>
+            </a:extLst>
+          </p:cNvPr>
+          <p:cNvPicPr>
+            <a:picLocks noChangeAspect="1"/>
+          </p:cNvPicPr>
+          <p:nvPr/>
+        </p:nvPicPr>
+        <p:blipFill>
+          <a:blip r:embed="rId2"/>
+          <a:stretch>
+            <a:fillRect/>
+          </a:stretch>
+        </p:blipFill>
+        <p:spPr>
+          <a:xfrm>
+            <a:off x="1524000" y="391967"/>
+            <a:ext cx="9144000" cy="6074065"/>
+          </a:xfrm>
+          <a:prstGeom prst="rect">
+            <a:avLst/>
+          </a:prstGeom>
+          <a:ln>
+            <a:noFill/>
+          </a:ln>
+          <a:effectLst>
+            <a:softEdge rad="112500"/>
+          </a:effectLst>
+        </p:spPr>
+      </p:pic>
       <p:sp>
         <p:nvSpPr>
-          <p:cNvPr id="2" name="Title 1">
-            <a:extLst>
-              <a:ext uri="{FF2B5EF4-FFF2-40B4-BE49-F238E27FC236}">
-                <a16:creationId xmlns:a16="http://schemas.microsoft.com/office/drawing/2014/main" id="{F488BC05-9C34-B3E7-170F-618212A7F008}"/>
-              </a:ext>
-            </a:extLst>
-          </p:cNvPr>
-          <p:cNvSpPr>
-            <a:spLocks noGrp="1"/>
-          </p:cNvSpPr>
-          <p:nvPr>
-            <p:ph type="title"/>
-          </p:nvPr>
+          <p:cNvPr id="3" name="TextBox 2">
+            <a:extLst>
+              <a:ext uri="{FF2B5EF4-FFF2-40B4-BE49-F238E27FC236}">
+                <a16:creationId xmlns:a16="http://schemas.microsoft.com/office/drawing/2014/main" id="{C4F8EE46-DD0F-F157-7794-73E9DB591183}"/>
+              </a:ext>
+            </a:extLst>
+          </p:cNvPr>
+          <p:cNvSpPr txBox="1"/>
+          <p:nvPr/>
         </p:nvSpPr>
-        <p:spPr/>
+        <p:spPr>
+          <a:xfrm>
+            <a:off x="5683249" y="2328334"/>
+            <a:ext cx="4106333" cy="1754326"/>
+          </a:xfrm>
+          <a:prstGeom prst="rect">
+            <a:avLst/>
+          </a:prstGeom>
+          <a:noFill/>
+        </p:spPr>
         <p:txBody>
-          <a:bodyPr/>
-          <a:lstStyle/>
-          <a:p>
-            <a:r>
-              <a:rPr lang="en-US"/>
-              <a:t>Conclusions</a:t>
-            </a:r>
-          </a:p>
-          <a:p>
-            <a:endParaRPr lang="en-US"/>
-          </a:p>
-        </p:txBody>
-      </p:sp>
-      <p:sp>
-        <p:nvSpPr>
-          <p:cNvPr id="3" name="Content Placeholder 2">
-            <a:extLst>
-              <a:ext uri="{FF2B5EF4-FFF2-40B4-BE49-F238E27FC236}">
-                <a16:creationId xmlns:a16="http://schemas.microsoft.com/office/drawing/2014/main" id="{C94314EF-5629-E51D-1B12-06D336D4779E}"/>
-              </a:ext>
-            </a:extLst>
-          </p:cNvPr>
-          <p:cNvSpPr>
-            <a:spLocks noGrp="1"/>
-          </p:cNvSpPr>
-          <p:nvPr>
-            <p:ph idx="1"/>
-          </p:nvPr>
-        </p:nvSpPr>
-        <p:spPr/>
-        <p:txBody>
-          <a:bodyPr vert="horz" lIns="91440" tIns="45720" rIns="91440" bIns="45720" rtlCol="0" anchor="t">
-            <a:normAutofit/>
+          <a:bodyPr rot="0" spcFirstLastPara="0" vertOverflow="overflow" horzOverflow="overflow" vert="horz" wrap="square" lIns="91440" tIns="45720" rIns="91440" bIns="45720" numCol="1" spcCol="0" rtlCol="0" fromWordArt="0" anchor="t" anchorCtr="0" forceAA="0" compatLnSpc="1">
+            <a:prstTxWarp prst="textNoShape">
+              <a:avLst/>
+            </a:prstTxWarp>
+            <a:spAutoFit/>
           </a:bodyPr>
           <a:lstStyle/>
           <a:p>
-            <a:r>
-              <a:rPr lang="en-US" sz="1800">
-                <a:ea typeface="+mn-lt"/>
-                <a:cs typeface="+mn-lt"/>
+            <a:pPr algn="ctr"/>
+            <a:r>
+              <a:rPr lang="en-US" sz="5400">
+                <a:solidFill>
+                  <a:schemeClr val="bg1"/>
+                </a:solidFill>
               </a:rPr>
-              <a:t>From our analysis, we found that directors with higher average ratings often also receive more votes, suggesting that audience engagement is linked to perceived quality. </a:t>
-            </a:r>
-          </a:p>
-          <a:p>
-            <a:r>
-              <a:rPr lang="en-US" sz="1800">
-                <a:ea typeface="+mn-lt"/>
-                <a:cs typeface="+mn-lt"/>
-              </a:rPr>
-              <a:t>We also saw that certain genres have remained consistently popular, while others have fluctuated over time. </a:t>
-            </a:r>
-          </a:p>
-          <a:p>
-            <a:r>
-              <a:rPr lang="en-US" sz="1800">
-                <a:ea typeface="+mn-lt"/>
-                <a:cs typeface="+mn-lt"/>
-              </a:rPr>
-              <a:t>Additionally, cultural factors and the availability of platforms like IMDb and Rotten Tomatoes have influenced which directors and movies receive the most attention. </a:t>
-            </a:r>
-          </a:p>
-          <a:p>
-            <a:r>
-              <a:rPr lang="en-US" sz="1800">
-                <a:ea typeface="+mn-lt"/>
-                <a:cs typeface="+mn-lt"/>
-              </a:rPr>
-              <a:t>This suggests that both quality and accessibility play a role in how movies are rated and remembered.</a:t>
-            </a:r>
-            <a:endParaRPr lang="en-US" sz="1800"/>
+              <a:t>Thank you for watching </a:t>
+            </a:r>
+            <a:endParaRPr lang="en-US"/>
           </a:p>
         </p:txBody>
       </p:sp>
     </p:spTree>
     <p:extLst>
       <p:ext uri="{BB962C8B-B14F-4D97-AF65-F5344CB8AC3E}">
-        <p14:creationId xmlns:p14="http://schemas.microsoft.com/office/powerpoint/2010/main" val="2790612178"/>
-      </p:ext>
-    </p:extLst>
-  </p:cSld>
-  <p:clrMapOvr>
-    <a:masterClrMapping/>
-  </p:clrMapOvr>
-</p:sld>
-</file>
-
-<file path=ppt/slides/slide13.xml><?xml version="1.0" encoding="utf-8"?>
-<p:sld xmlns:a="http://schemas.openxmlformats.org/drawingml/2006/main" xmlns:r="http://schemas.openxmlformats.org/officeDocument/2006/relationships" xmlns:p="http://schemas.openxmlformats.org/presentationml/2006/main">
-  <p:cSld>
-    <p:spTree>
-      <p:nvGrpSpPr>
-        <p:cNvPr id="1" name=""/>
-        <p:cNvGrpSpPr/>
-        <p:nvPr/>
-      </p:nvGrpSpPr>
-      <p:grpSpPr>
-        <a:xfrm>
-          <a:off x="0" y="0"/>
-          <a:ext cx="0" cy="0"/>
-          <a:chOff x="0" y="0"/>
-          <a:chExt cx="0" cy="0"/>
-        </a:xfrm>
-      </p:grpSpPr>
-      <p:sp>
-        <p:nvSpPr>
-          <p:cNvPr id="2" name="Title 1">
-            <a:extLst>
-              <a:ext uri="{FF2B5EF4-FFF2-40B4-BE49-F238E27FC236}">
-                <a16:creationId xmlns:a16="http://schemas.microsoft.com/office/drawing/2014/main" id="{1AE6F879-327F-6E0E-0340-0A299004CCDF}"/>
-              </a:ext>
-            </a:extLst>
-          </p:cNvPr>
-          <p:cNvSpPr>
-            <a:spLocks noGrp="1"/>
-          </p:cNvSpPr>
-          <p:nvPr>
-            <p:ph type="title"/>
-          </p:nvPr>
-        </p:nvSpPr>
-        <p:spPr/>
-        <p:txBody>
-          <a:bodyPr/>
-          <a:lstStyle/>
-          <a:p>
-            <a:r>
-              <a:rPr lang="en-US"/>
-              <a:t>limitations/bias</a:t>
-            </a:r>
-          </a:p>
-          <a:p>
-            <a:endParaRPr lang="en-US"/>
-          </a:p>
-        </p:txBody>
-      </p:sp>
-      <p:sp>
-        <p:nvSpPr>
-          <p:cNvPr id="3" name="Content Placeholder 2">
-            <a:extLst>
-              <a:ext uri="{FF2B5EF4-FFF2-40B4-BE49-F238E27FC236}">
-                <a16:creationId xmlns:a16="http://schemas.microsoft.com/office/drawing/2014/main" id="{451D657F-B9AF-12A7-077C-2D2737950203}"/>
-              </a:ext>
-            </a:extLst>
-          </p:cNvPr>
-          <p:cNvSpPr>
-            <a:spLocks noGrp="1"/>
-          </p:cNvSpPr>
-          <p:nvPr>
-            <p:ph idx="1"/>
-          </p:nvPr>
-        </p:nvSpPr>
-        <p:spPr/>
-        <p:txBody>
-          <a:bodyPr vert="horz" lIns="91440" tIns="45720" rIns="91440" bIns="45720" rtlCol="0" anchor="t">
-            <a:normAutofit/>
-          </a:bodyPr>
-          <a:lstStyle/>
-          <a:p>
-            <a:r>
-              <a:rPr lang="en-US" sz="1800">
-                <a:ea typeface="+mn-lt"/>
-                <a:cs typeface="+mn-lt"/>
-              </a:rPr>
-              <a:t>As with any dataset, there are some limitations and biases to consider. </a:t>
-            </a:r>
-          </a:p>
-          <a:p>
-            <a:r>
-              <a:rPr lang="en-US" sz="1800">
-                <a:ea typeface="+mn-lt"/>
-                <a:cs typeface="+mn-lt"/>
-              </a:rPr>
-              <a:t>First, there’s a time-period bias, where more recent movies tend to get more ratings due to easier access on modern platforms. </a:t>
-            </a:r>
-          </a:p>
-          <a:p>
-            <a:r>
-              <a:rPr lang="en-US" sz="1800">
-                <a:ea typeface="+mn-lt"/>
-                <a:cs typeface="+mn-lt"/>
-              </a:rPr>
-              <a:t>Then we have cultural bias, where films and directors from certain regions are more represented than others, which could skew our results. </a:t>
-            </a:r>
-          </a:p>
-          <a:p>
-            <a:r>
-              <a:rPr lang="en-US" sz="1800">
-                <a:ea typeface="+mn-lt"/>
-                <a:cs typeface="+mn-lt"/>
-              </a:rPr>
-              <a:t>Finally, there’s a rating aggregation bias, where averaging ratings for each director oversimplifies the variation within their individual films. </a:t>
-            </a:r>
-          </a:p>
-          <a:p>
-            <a:r>
-              <a:rPr lang="en-US" sz="1800">
-                <a:ea typeface="+mn-lt"/>
-                <a:cs typeface="+mn-lt"/>
-              </a:rPr>
-              <a:t>These biases are important to keep in mind as they may affect the conclusions we’ve drawn.</a:t>
-            </a:r>
-            <a:endParaRPr lang="en-US" sz="1800"/>
-          </a:p>
-        </p:txBody>
-      </p:sp>
-    </p:spTree>
-    <p:extLst>
-      <p:ext uri="{BB962C8B-B14F-4D97-AF65-F5344CB8AC3E}">
-        <p14:creationId xmlns:p14="http://schemas.microsoft.com/office/powerpoint/2010/main" val="2060292827"/>
-      </p:ext>
-    </p:extLst>
-  </p:cSld>
-  <p:clrMapOvr>
-    <a:masterClrMapping/>
-  </p:clrMapOvr>
-</p:sld>
-</file>
-
-<file path=ppt/slides/slide14.xml><?xml version="1.0" encoding="utf-8"?>
-<p:sld xmlns:a="http://schemas.openxmlformats.org/drawingml/2006/main" xmlns:r="http://schemas.openxmlformats.org/officeDocument/2006/relationships" xmlns:p="http://schemas.openxmlformats.org/presentationml/2006/main">
-  <p:cSld>
-    <p:spTree>
-      <p:nvGrpSpPr>
-        <p:cNvPr id="1" name=""/>
-        <p:cNvGrpSpPr/>
-        <p:nvPr/>
-      </p:nvGrpSpPr>
-      <p:grpSpPr>
-        <a:xfrm>
-          <a:off x="0" y="0"/>
-          <a:ext cx="0" cy="0"/>
-          <a:chOff x="0" y="0"/>
-          <a:chExt cx="0" cy="0"/>
-        </a:xfrm>
-      </p:grpSpPr>
-      <p:sp>
-        <p:nvSpPr>
-          <p:cNvPr id="2" name="Title 1">
-            <a:extLst>
-              <a:ext uri="{FF2B5EF4-FFF2-40B4-BE49-F238E27FC236}">
-                <a16:creationId xmlns:a16="http://schemas.microsoft.com/office/drawing/2014/main" id="{5A3272FD-6D90-B5CD-6439-EB787809B30D}"/>
-              </a:ext>
-            </a:extLst>
-          </p:cNvPr>
-          <p:cNvSpPr>
-            <a:spLocks noGrp="1"/>
-          </p:cNvSpPr>
-          <p:nvPr>
-            <p:ph type="title"/>
-          </p:nvPr>
-        </p:nvSpPr>
-        <p:spPr/>
-        <p:txBody>
-          <a:bodyPr/>
-          <a:lstStyle/>
-          <a:p>
-            <a:r>
-              <a:rPr lang="en-US">
-                <a:solidFill>
-                  <a:srgbClr val="000000"/>
-                </a:solidFill>
-                <a:ea typeface="+mj-lt"/>
-                <a:cs typeface="+mj-lt"/>
-              </a:rPr>
-              <a:t>Future work</a:t>
-            </a:r>
-            <a:endParaRPr lang="en-US"/>
-          </a:p>
-          <a:p>
-            <a:endParaRPr lang="en-US"/>
-          </a:p>
-        </p:txBody>
-      </p:sp>
-      <p:sp>
-        <p:nvSpPr>
-          <p:cNvPr id="3" name="Content Placeholder 2">
-            <a:extLst>
-              <a:ext uri="{FF2B5EF4-FFF2-40B4-BE49-F238E27FC236}">
-                <a16:creationId xmlns:a16="http://schemas.microsoft.com/office/drawing/2014/main" id="{86CC9155-6697-746B-DB51-E36ABE79744F}"/>
-              </a:ext>
-            </a:extLst>
-          </p:cNvPr>
-          <p:cNvSpPr>
-            <a:spLocks noGrp="1"/>
-          </p:cNvSpPr>
-          <p:nvPr>
-            <p:ph idx="1"/>
-          </p:nvPr>
-        </p:nvSpPr>
-        <p:spPr/>
-        <p:txBody>
-          <a:bodyPr vert="horz" lIns="91440" tIns="45720" rIns="91440" bIns="45720" rtlCol="0" anchor="t">
-            <a:normAutofit/>
-          </a:bodyPr>
-          <a:lstStyle/>
-          <a:p>
-            <a:r>
-              <a:rPr lang="en-US" sz="1800">
-                <a:ea typeface="+mn-lt"/>
-                <a:cs typeface="+mn-lt"/>
-              </a:rPr>
-              <a:t>Looking ahead, we see several opportunities for expanding this project. </a:t>
-            </a:r>
-          </a:p>
-          <a:p>
-            <a:r>
-              <a:rPr lang="en-US" sz="1800">
-                <a:ea typeface="+mn-lt"/>
-                <a:cs typeface="+mn-lt"/>
-              </a:rPr>
-              <a:t>We could use machine learning models to predict future trends in movie genres and directorial success. </a:t>
-            </a:r>
-          </a:p>
-          <a:p>
-            <a:r>
-              <a:rPr lang="en-US" sz="1800">
-                <a:ea typeface="+mn-lt"/>
-                <a:cs typeface="+mn-lt"/>
-              </a:rPr>
-              <a:t>Incorporating additional factors, such as actor popularity or box office performance, could give us a more complete picture. </a:t>
-            </a:r>
-          </a:p>
-          <a:p>
-            <a:r>
-              <a:rPr lang="en-US" sz="1800">
-                <a:ea typeface="+mn-lt"/>
-                <a:cs typeface="+mn-lt"/>
-              </a:rPr>
-              <a:t>Lastly, addressing the biases we identified by weighing ratings or votes based on the time period or cultural context would provide more accurate insights. </a:t>
-            </a:r>
-          </a:p>
-          <a:p>
-            <a:r>
-              <a:rPr lang="en-US" sz="1800">
-                <a:ea typeface="+mn-lt"/>
-                <a:cs typeface="+mn-lt"/>
-              </a:rPr>
-              <a:t>These steps could further refine our analysis and help us draw even stronger conclusions.</a:t>
-            </a:r>
-            <a:endParaRPr lang="en-US" sz="1800"/>
-          </a:p>
-        </p:txBody>
-      </p:sp>
-    </p:spTree>
-    <p:extLst>
-      <p:ext uri="{BB962C8B-B14F-4D97-AF65-F5344CB8AC3E}">
-        <p14:creationId xmlns:p14="http://schemas.microsoft.com/office/powerpoint/2010/main" val="312204452"/>
+        <p14:creationId xmlns:p14="http://schemas.microsoft.com/office/powerpoint/2010/main" val="2072904181"/>
       </p:ext>
     </p:extLst>
   </p:cSld>
@@ -5033,7 +5878,7 @@
         <p:spPr>
           <a:xfrm>
             <a:off x="1328618" y="4215422"/>
-            <a:ext cx="1714498" cy="667497"/>
+            <a:ext cx="1714498" cy="338554"/>
           </a:xfrm>
           <a:prstGeom prst="rect">
             <a:avLst/>
@@ -5051,7 +5896,7 @@
           <a:p>
             <a:pPr algn="ctr"/>
             <a:r>
-              <a:rPr lang="en-US">
+              <a:rPr lang="en-US" sz="1600">
                 <a:solidFill>
                   <a:schemeClr val="bg1"/>
                 </a:solidFill>
@@ -5076,7 +5921,7 @@
         <p:spPr>
           <a:xfrm>
             <a:off x="3275950" y="4215421"/>
-            <a:ext cx="1714498" cy="667497"/>
+            <a:ext cx="1714498" cy="338554"/>
           </a:xfrm>
           <a:prstGeom prst="rect">
             <a:avLst/>
@@ -5094,7 +5939,7 @@
           <a:p>
             <a:pPr algn="ctr"/>
             <a:r>
-              <a:rPr lang="en-US">
+              <a:rPr lang="en-US" sz="1600">
                 <a:solidFill>
                   <a:schemeClr val="bg1"/>
                 </a:solidFill>
@@ -5118,8 +5963,8 @@
         </p:nvSpPr>
         <p:spPr>
           <a:xfrm>
-            <a:off x="5307136" y="4233332"/>
-            <a:ext cx="1598082" cy="646331"/>
+            <a:off x="5095470" y="4233332"/>
+            <a:ext cx="1957915" cy="584775"/>
           </a:xfrm>
           <a:prstGeom prst="rect">
             <a:avLst/>
@@ -5137,7 +5982,7 @@
           <a:p>
             <a:pPr algn="ctr"/>
             <a:r>
-              <a:rPr lang="en-US">
+              <a:rPr lang="en-US" sz="1600">
                 <a:solidFill>
                   <a:schemeClr val="bg1"/>
                 </a:solidFill>
@@ -5161,8 +6006,8 @@
         </p:nvSpPr>
         <p:spPr>
           <a:xfrm>
-            <a:off x="7306570" y="4212166"/>
-            <a:ext cx="1672165" cy="369332"/>
+            <a:off x="7232487" y="4233333"/>
+            <a:ext cx="1672165" cy="338554"/>
           </a:xfrm>
           <a:prstGeom prst="rect">
             <a:avLst/>
@@ -5180,14 +6025,13 @@
           <a:p>
             <a:pPr algn="ctr"/>
             <a:r>
-              <a:rPr lang="en-US">
+              <a:rPr lang="en-US" sz="1600">
                 <a:solidFill>
                   <a:schemeClr val="bg1"/>
                 </a:solidFill>
               </a:rPr>
               <a:t>Judith Landa</a:t>
             </a:r>
-            <a:endParaRPr lang="en-US"/>
           </a:p>
         </p:txBody>
       </p:sp>
@@ -5205,8 +6049,8 @@
         </p:nvSpPr>
         <p:spPr>
           <a:xfrm>
-            <a:off x="9698403" y="4241473"/>
-            <a:ext cx="910166" cy="369332"/>
+            <a:off x="9581986" y="4230890"/>
+            <a:ext cx="910166" cy="338554"/>
           </a:xfrm>
           <a:prstGeom prst="rect">
             <a:avLst/>
@@ -5224,14 +6068,13 @@
           <a:p>
             <a:pPr algn="ctr"/>
             <a:r>
-              <a:rPr lang="en-US">
+              <a:rPr lang="en-US" sz="1600">
                 <a:solidFill>
                   <a:schemeClr val="bg1"/>
                 </a:solidFill>
               </a:rPr>
               <a:t>Kids</a:t>
             </a:r>
-            <a:endParaRPr lang="en-US"/>
           </a:p>
         </p:txBody>
       </p:sp>
@@ -5250,15 +6093,27 @@
           <p:nvPr/>
         </p:nvPicPr>
         <p:blipFill>
-          <a:blip r:embed="rId3"/>
+          <a:blip r:embed="rId3">
+            <a:extLst>
+              <a:ext uri="{BEBA8EAE-BF5A-486C-A8C5-ECC9F3942E4B}">
+                <a14:imgProps xmlns:a14="http://schemas.microsoft.com/office/drawing/2010/main">
+                  <a14:imgLayer r:embed="rId4">
+                    <a14:imgEffect>
+                      <a14:brightnessContrast contrast="25000"/>
+                    </a14:imgEffect>
+                  </a14:imgLayer>
+                </a14:imgProps>
+              </a:ext>
+            </a:extLst>
+          </a:blip>
           <a:stretch>
             <a:fillRect/>
           </a:stretch>
         </p:blipFill>
         <p:spPr>
           <a:xfrm>
-            <a:off x="9879541" y="5793317"/>
-            <a:ext cx="2021417" cy="647700"/>
+            <a:off x="9879541" y="5817440"/>
+            <a:ext cx="2021417" cy="599454"/>
           </a:xfrm>
           <a:prstGeom prst="rect">
             <a:avLst/>
@@ -5279,7 +6134,7 @@
         </p:nvSpPr>
         <p:spPr>
           <a:xfrm>
-            <a:off x="4787901" y="1750484"/>
+            <a:off x="4639734" y="1729317"/>
             <a:ext cx="2605616" cy="461665"/>
           </a:xfrm>
           <a:prstGeom prst="rect">
@@ -5330,36 +6185,6 @@
             <a:extLst>
               <a:ext uri="{FF2B5EF4-FFF2-40B4-BE49-F238E27FC236}">
                 <a16:creationId xmlns:a16="http://schemas.microsoft.com/office/drawing/2014/main" id="{A1F78A61-2B55-8881-484A-41540E5019CC}"/>
-              </a:ext>
-            </a:extLst>
-          </p:cNvPr>
-          <p:cNvPicPr>
-            <a:picLocks noChangeAspect="1"/>
-          </p:cNvPicPr>
-          <p:nvPr/>
-        </p:nvPicPr>
-        <p:blipFill>
-          <a:blip r:embed="rId4"/>
-          <a:stretch>
-            <a:fillRect/>
-          </a:stretch>
-        </p:blipFill>
-        <p:spPr>
-          <a:xfrm>
-            <a:off x="1240325" y="2388333"/>
-            <a:ext cx="1808042" cy="1846874"/>
-          </a:xfrm>
-          <a:prstGeom prst="rect">
-            <a:avLst/>
-          </a:prstGeom>
-        </p:spPr>
-      </p:pic>
-      <p:pic>
-        <p:nvPicPr>
-          <p:cNvPr id="4" name="Picture 3" descr="A cartoon character with arms and legs&#10;&#10;Description automatically generated">
-            <a:extLst>
-              <a:ext uri="{FF2B5EF4-FFF2-40B4-BE49-F238E27FC236}">
-                <a16:creationId xmlns:a16="http://schemas.microsoft.com/office/drawing/2014/main" id="{C457F3B0-0C61-B41F-EE12-8D2209E46210}"/>
               </a:ext>
             </a:extLst>
           </p:cNvPr>
@@ -5376,8 +6201,8 @@
         </p:blipFill>
         <p:spPr>
           <a:xfrm>
-            <a:off x="3121024" y="2398099"/>
-            <a:ext cx="1954335" cy="1885951"/>
+            <a:off x="1240325" y="2388333"/>
+            <a:ext cx="1808042" cy="1846874"/>
           </a:xfrm>
           <a:prstGeom prst="rect">
             <a:avLst/>
@@ -5386,10 +6211,10 @@
       </p:pic>
       <p:pic>
         <p:nvPicPr>
-          <p:cNvPr id="5" name="Picture 4" descr="A cartoon character of a blue hedgehog&#10;&#10;Description automatically generated">
-            <a:extLst>
-              <a:ext uri="{FF2B5EF4-FFF2-40B4-BE49-F238E27FC236}">
-                <a16:creationId xmlns:a16="http://schemas.microsoft.com/office/drawing/2014/main" id="{27899BC4-2E88-598A-1908-2D59E98E292B}"/>
+          <p:cNvPr id="4" name="Picture 3" descr="A cartoon character with arms and legs&#10;&#10;Description automatically generated">
+            <a:extLst>
+              <a:ext uri="{FF2B5EF4-FFF2-40B4-BE49-F238E27FC236}">
+                <a16:creationId xmlns:a16="http://schemas.microsoft.com/office/drawing/2014/main" id="{C457F3B0-0C61-B41F-EE12-8D2209E46210}"/>
               </a:ext>
             </a:extLst>
           </p:cNvPr>
@@ -5406,8 +6231,8 @@
         </p:blipFill>
         <p:spPr>
           <a:xfrm>
-            <a:off x="5157786" y="2398100"/>
-            <a:ext cx="1886194" cy="1885951"/>
+            <a:off x="3121024" y="2398099"/>
+            <a:ext cx="1954335" cy="1885951"/>
           </a:xfrm>
           <a:prstGeom prst="rect">
             <a:avLst/>
@@ -5416,10 +6241,10 @@
       </p:pic>
       <p:pic>
         <p:nvPicPr>
-          <p:cNvPr id="6" name="Picture 5" descr="A cartoon of a cat&#10;&#10;Description automatically generated">
-            <a:extLst>
-              <a:ext uri="{FF2B5EF4-FFF2-40B4-BE49-F238E27FC236}">
-                <a16:creationId xmlns:a16="http://schemas.microsoft.com/office/drawing/2014/main" id="{B9477B21-419F-F9B9-7DFB-E22251F249CF}"/>
+          <p:cNvPr id="5" name="Picture 4" descr="A cartoon character of a blue hedgehog&#10;&#10;Description automatically generated">
+            <a:extLst>
+              <a:ext uri="{FF2B5EF4-FFF2-40B4-BE49-F238E27FC236}">
+                <a16:creationId xmlns:a16="http://schemas.microsoft.com/office/drawing/2014/main" id="{27899BC4-2E88-598A-1908-2D59E98E292B}"/>
               </a:ext>
             </a:extLst>
           </p:cNvPr>
@@ -5436,8 +6261,8 @@
         </p:blipFill>
         <p:spPr>
           <a:xfrm>
-            <a:off x="7175256" y="2432173"/>
-            <a:ext cx="1915258" cy="1866656"/>
+            <a:off x="5157786" y="2398100"/>
+            <a:ext cx="1886194" cy="1885951"/>
           </a:xfrm>
           <a:prstGeom prst="rect">
             <a:avLst/>
@@ -5446,10 +6271,10 @@
       </p:pic>
       <p:pic>
         <p:nvPicPr>
-          <p:cNvPr id="9" name="Picture 8" descr="A colorful background with a white text&#10;&#10;Description automatically generated">
-            <a:extLst>
-              <a:ext uri="{FF2B5EF4-FFF2-40B4-BE49-F238E27FC236}">
-                <a16:creationId xmlns:a16="http://schemas.microsoft.com/office/drawing/2014/main" id="{3129D332-F3CC-9D22-F8BB-2E27D6A84823}"/>
+          <p:cNvPr id="6" name="Picture 5" descr="A cartoon of a cat&#10;&#10;Description automatically generated">
+            <a:extLst>
+              <a:ext uri="{FF2B5EF4-FFF2-40B4-BE49-F238E27FC236}">
+                <a16:creationId xmlns:a16="http://schemas.microsoft.com/office/drawing/2014/main" id="{B9477B21-419F-F9B9-7DFB-E22251F249CF}"/>
               </a:ext>
             </a:extLst>
           </p:cNvPr>
@@ -5466,7 +6291,37 @@
         </p:blipFill>
         <p:spPr>
           <a:xfrm>
-            <a:off x="9202248" y="2432171"/>
+            <a:off x="7111756" y="2432173"/>
+            <a:ext cx="1915258" cy="1866656"/>
+          </a:xfrm>
+          <a:prstGeom prst="rect">
+            <a:avLst/>
+          </a:prstGeom>
+        </p:spPr>
+      </p:pic>
+      <p:pic>
+        <p:nvPicPr>
+          <p:cNvPr id="9" name="Picture 8" descr="A colorful background with a white text&#10;&#10;Description automatically generated">
+            <a:extLst>
+              <a:ext uri="{FF2B5EF4-FFF2-40B4-BE49-F238E27FC236}">
+                <a16:creationId xmlns:a16="http://schemas.microsoft.com/office/drawing/2014/main" id="{3129D332-F3CC-9D22-F8BB-2E27D6A84823}"/>
+              </a:ext>
+            </a:extLst>
+          </p:cNvPr>
+          <p:cNvPicPr>
+            <a:picLocks noChangeAspect="1"/>
+          </p:cNvPicPr>
+          <p:nvPr/>
+        </p:nvPicPr>
+        <p:blipFill>
+          <a:blip r:embed="rId9"/>
+          <a:stretch>
+            <a:fillRect/>
+          </a:stretch>
+        </p:blipFill>
+        <p:spPr>
+          <a:xfrm>
+            <a:off x="9085831" y="2432171"/>
             <a:ext cx="1895965" cy="1905734"/>
           </a:xfrm>
           <a:prstGeom prst="rect">
@@ -5527,15 +6382,27 @@
           <p:nvPr/>
         </p:nvPicPr>
         <p:blipFill>
-          <a:blip r:embed="rId2"/>
+          <a:blip r:embed="rId2">
+            <a:extLst>
+              <a:ext uri="{BEBA8EAE-BF5A-486C-A8C5-ECC9F3942E4B}">
+                <a14:imgProps xmlns:a14="http://schemas.microsoft.com/office/drawing/2010/main">
+                  <a14:imgLayer r:embed="rId3">
+                    <a14:imgEffect>
+                      <a14:brightnessContrast contrast="25000"/>
+                    </a14:imgEffect>
+                  </a14:imgLayer>
+                </a14:imgProps>
+              </a:ext>
+            </a:extLst>
+          </a:blip>
           <a:stretch>
             <a:fillRect/>
           </a:stretch>
         </p:blipFill>
         <p:spPr>
           <a:xfrm>
-            <a:off x="500063" y="470958"/>
-            <a:ext cx="2047875" cy="666750"/>
+            <a:off x="500063" y="500683"/>
+            <a:ext cx="2047875" cy="607300"/>
           </a:xfrm>
           <a:prstGeom prst="rect">
             <a:avLst/>
@@ -5548,36 +6415,6 @@
             <a:extLst>
               <a:ext uri="{FF2B5EF4-FFF2-40B4-BE49-F238E27FC236}">
                 <a16:creationId xmlns:a16="http://schemas.microsoft.com/office/drawing/2014/main" id="{89EE9E6A-6BFC-58D0-BEA7-A1C49B29A47C}"/>
-              </a:ext>
-            </a:extLst>
-          </p:cNvPr>
-          <p:cNvPicPr>
-            <a:picLocks noChangeAspect="1"/>
-          </p:cNvPicPr>
-          <p:nvPr/>
-        </p:nvPicPr>
-        <p:blipFill>
-          <a:blip r:embed="rId3"/>
-          <a:stretch>
-            <a:fillRect/>
-          </a:stretch>
-        </p:blipFill>
-        <p:spPr>
-          <a:xfrm>
-            <a:off x="2550583" y="693168"/>
-            <a:ext cx="11250084" cy="433998"/>
-          </a:xfrm>
-          <a:prstGeom prst="rect">
-            <a:avLst/>
-          </a:prstGeom>
-        </p:spPr>
-      </p:pic>
-      <p:pic>
-        <p:nvPicPr>
-          <p:cNvPr id="12" name="Picture 11" descr="A group on a black background&#10;&#10;Description automatically generated">
-            <a:extLst>
-              <a:ext uri="{FF2B5EF4-FFF2-40B4-BE49-F238E27FC236}">
-                <a16:creationId xmlns:a16="http://schemas.microsoft.com/office/drawing/2014/main" id="{5DF28C49-F5D8-7CB2-1C75-76D1DD7C3C3F}"/>
               </a:ext>
             </a:extLst>
           </p:cNvPr>
@@ -5594,8 +6431,8 @@
         </p:blipFill>
         <p:spPr>
           <a:xfrm>
-            <a:off x="9271000" y="695854"/>
-            <a:ext cx="1460500" cy="449792"/>
+            <a:off x="2550583" y="693168"/>
+            <a:ext cx="11250084" cy="433998"/>
           </a:xfrm>
           <a:prstGeom prst="rect">
             <a:avLst/>
@@ -5604,10 +6441,10 @@
       </p:pic>
       <p:pic>
         <p:nvPicPr>
-          <p:cNvPr id="3" name="Picture 2" descr="A cartoon face with a red mask&#10;&#10;Description automatically generated">
-            <a:extLst>
-              <a:ext uri="{FF2B5EF4-FFF2-40B4-BE49-F238E27FC236}">
-                <a16:creationId xmlns:a16="http://schemas.microsoft.com/office/drawing/2014/main" id="{620E36F0-E02D-0B62-91A8-9C72896CE469}"/>
+          <p:cNvPr id="12" name="Picture 11" descr="A group on a black background&#10;&#10;Description automatically generated">
+            <a:extLst>
+              <a:ext uri="{FF2B5EF4-FFF2-40B4-BE49-F238E27FC236}">
+                <a16:creationId xmlns:a16="http://schemas.microsoft.com/office/drawing/2014/main" id="{5DF28C49-F5D8-7CB2-1C75-76D1DD7C3C3F}"/>
               </a:ext>
             </a:extLst>
           </p:cNvPr>
@@ -5624,20 +6461,202 @@
         </p:blipFill>
         <p:spPr>
           <a:xfrm>
-            <a:off x="10876044" y="616845"/>
-            <a:ext cx="506293" cy="513375"/>
+            <a:off x="9271000" y="695854"/>
+            <a:ext cx="1460500" cy="449792"/>
           </a:xfrm>
           <a:prstGeom prst="rect">
             <a:avLst/>
           </a:prstGeom>
         </p:spPr>
       </p:pic>
+      <p:pic>
+        <p:nvPicPr>
+          <p:cNvPr id="3" name="Picture 2" descr="A cartoon face with a red mask&#10;&#10;Description automatically generated">
+            <a:extLst>
+              <a:ext uri="{FF2B5EF4-FFF2-40B4-BE49-F238E27FC236}">
+                <a16:creationId xmlns:a16="http://schemas.microsoft.com/office/drawing/2014/main" id="{620E36F0-E02D-0B62-91A8-9C72896CE469}"/>
+              </a:ext>
+            </a:extLst>
+          </p:cNvPr>
+          <p:cNvPicPr>
+            <a:picLocks noChangeAspect="1"/>
+          </p:cNvPicPr>
+          <p:nvPr/>
+        </p:nvPicPr>
+        <p:blipFill>
+          <a:blip r:embed="rId6"/>
+          <a:stretch>
+            <a:fillRect/>
+          </a:stretch>
+        </p:blipFill>
+        <p:spPr>
+          <a:xfrm>
+            <a:off x="10876044" y="616845"/>
+            <a:ext cx="506293" cy="513375"/>
+          </a:xfrm>
+          <a:prstGeom prst="rect">
+            <a:avLst/>
+          </a:prstGeom>
+        </p:spPr>
+      </p:pic>
       <p:sp>
         <p:nvSpPr>
-          <p:cNvPr id="4" name="TextBox 3">
-            <a:extLst>
-              <a:ext uri="{FF2B5EF4-FFF2-40B4-BE49-F238E27FC236}">
-                <a16:creationId xmlns:a16="http://schemas.microsoft.com/office/drawing/2014/main" id="{A16AACDC-19BF-868C-5E6B-EB980EA91FA0}"/>
+          <p:cNvPr id="4" name="Title 1">
+            <a:extLst>
+              <a:ext uri="{FF2B5EF4-FFF2-40B4-BE49-F238E27FC236}">
+                <a16:creationId xmlns:a16="http://schemas.microsoft.com/office/drawing/2014/main" id="{73546959-CD07-3910-80A4-C574D6DD46D7}"/>
+              </a:ext>
+            </a:extLst>
+          </p:cNvPr>
+          <p:cNvSpPr>
+            <a:spLocks noGrp="1"/>
+          </p:cNvSpPr>
+          <p:nvPr>
+            <p:ph type="title"/>
+          </p:nvPr>
+        </p:nvSpPr>
+        <p:spPr>
+          <a:xfrm>
+            <a:off x="558053" y="1306419"/>
+            <a:ext cx="10515600" cy="1325563"/>
+          </a:xfrm>
+        </p:spPr>
+        <p:txBody>
+          <a:bodyPr/>
+          <a:lstStyle/>
+          <a:p>
+            <a:r>
+              <a:rPr lang="en-US">
+                <a:solidFill>
+                  <a:schemeClr val="bg1"/>
+                </a:solidFill>
+              </a:rPr>
+              <a:t>Purpose</a:t>
+            </a:r>
+          </a:p>
+          <a:p>
+            <a:endParaRPr lang="en-US"/>
+          </a:p>
+        </p:txBody>
+      </p:sp>
+      <p:sp>
+        <p:nvSpPr>
+          <p:cNvPr id="6" name="Content Placeholder 2">
+            <a:extLst>
+              <a:ext uri="{FF2B5EF4-FFF2-40B4-BE49-F238E27FC236}">
+                <a16:creationId xmlns:a16="http://schemas.microsoft.com/office/drawing/2014/main" id="{D83DAF73-77FD-5EE3-2D3F-CF6E519CCF26}"/>
+              </a:ext>
+            </a:extLst>
+          </p:cNvPr>
+          <p:cNvSpPr>
+            <a:spLocks noGrp="1"/>
+          </p:cNvSpPr>
+          <p:nvPr>
+            <p:ph idx="1"/>
+          </p:nvPr>
+        </p:nvSpPr>
+        <p:spPr>
+          <a:xfrm>
+            <a:off x="558052" y="2217831"/>
+            <a:ext cx="5253487" cy="3029044"/>
+          </a:xfrm>
+        </p:spPr>
+        <p:txBody>
+          <a:bodyPr vert="horz" lIns="91440" tIns="45720" rIns="91440" bIns="45720" rtlCol="0" anchor="t">
+            <a:normAutofit/>
+          </a:bodyPr>
+          <a:lstStyle/>
+          <a:p>
+            <a:r>
+              <a:rPr lang="en-US" sz="1600">
+                <a:solidFill>
+                  <a:schemeClr val="bg1"/>
+                </a:solidFill>
+                <a:ea typeface="+mn-lt"/>
+                <a:cs typeface="+mn-lt"/>
+              </a:rPr>
+              <a:t>We chose this dataset because it offers a comprehensive collection of over 16,000 movies from 1910 to 2024, giving us a large timeline to explore trends in movie ratings, popularity, and the impact of directors. </a:t>
+            </a:r>
+          </a:p>
+          <a:p>
+            <a:r>
+              <a:rPr lang="en-US" sz="1600">
+                <a:solidFill>
+                  <a:schemeClr val="bg1"/>
+                </a:solidFill>
+                <a:ea typeface="+mn-lt"/>
+                <a:cs typeface="+mn-lt"/>
+              </a:rPr>
+              <a:t>By analyzing this data, we can see how ratings and votes have varied across different directors, time periods, and cultural backgrounds. </a:t>
+            </a:r>
+          </a:p>
+          <a:p>
+            <a:r>
+              <a:rPr lang="en-US" sz="1600">
+                <a:solidFill>
+                  <a:schemeClr val="bg1"/>
+                </a:solidFill>
+                <a:ea typeface="+mn-lt"/>
+                <a:cs typeface="+mn-lt"/>
+              </a:rPr>
+              <a:t>Our primary focus is to understand how directorial influence and genres have shaped movie reception over the years.</a:t>
+            </a:r>
+            <a:endParaRPr lang="en-US" sz="1600">
+              <a:solidFill>
+                <a:schemeClr val="bg1"/>
+              </a:solidFill>
+            </a:endParaRPr>
+          </a:p>
+        </p:txBody>
+      </p:sp>
+      <p:pic>
+        <p:nvPicPr>
+          <p:cNvPr id="14" name="Picture 13" descr="A screenshot of a television screen&#10;&#10;Description automatically generated">
+            <a:extLst>
+              <a:ext uri="{FF2B5EF4-FFF2-40B4-BE49-F238E27FC236}">
+                <a16:creationId xmlns:a16="http://schemas.microsoft.com/office/drawing/2014/main" id="{F22A6546-A0C9-8E8A-63E3-75C780067D62}"/>
+              </a:ext>
+            </a:extLst>
+          </p:cNvPr>
+          <p:cNvPicPr>
+            <a:picLocks noChangeAspect="1"/>
+          </p:cNvPicPr>
+          <p:nvPr/>
+        </p:nvPicPr>
+        <p:blipFill>
+          <a:blip r:embed="rId7">
+            <a:extLst>
+              <a:ext uri="{837473B0-CC2E-450A-ABE3-18F120FF3D39}">
+                <a1611:picAttrSrcUrl xmlns:a1611="http://schemas.microsoft.com/office/drawing/2016/11/main" r:id="rId8"/>
+              </a:ext>
+            </a:extLst>
+          </a:blip>
+          <a:stretch>
+            <a:fillRect/>
+          </a:stretch>
+        </p:blipFill>
+        <p:spPr>
+          <a:xfrm>
+            <a:off x="6230471" y="2152005"/>
+            <a:ext cx="4953000" cy="2790265"/>
+          </a:xfrm>
+          <a:prstGeom prst="rect">
+            <a:avLst/>
+          </a:prstGeom>
+          <a:ln>
+            <a:noFill/>
+          </a:ln>
+          <a:effectLst>
+            <a:softEdge rad="112500"/>
+          </a:effectLst>
+        </p:spPr>
+      </p:pic>
+      <p:sp>
+        <p:nvSpPr>
+          <p:cNvPr id="15" name="TextBox 14">
+            <a:extLst>
+              <a:ext uri="{FF2B5EF4-FFF2-40B4-BE49-F238E27FC236}">
+                <a16:creationId xmlns:a16="http://schemas.microsoft.com/office/drawing/2014/main" id="{ED085321-62BA-E54A-680E-8B6AA5DE8321}"/>
               </a:ext>
             </a:extLst>
           </p:cNvPr>
@@ -5646,78 +6665,30 @@
         </p:nvSpPr>
         <p:spPr>
           <a:xfrm>
-            <a:off x="5544273" y="1869311"/>
-            <a:ext cx="6283124" cy="923330"/>
+            <a:off x="6230471" y="4947397"/>
+            <a:ext cx="4953000" cy="171824"/>
           </a:xfrm>
           <a:prstGeom prst="rect">
             <a:avLst/>
           </a:prstGeom>
-          <a:noFill/>
         </p:spPr>
         <p:txBody>
-          <a:bodyPr rot="0" spcFirstLastPara="0" vertOverflow="overflow" horzOverflow="overflow" vert="horz" wrap="square" lIns="91440" tIns="45720" rIns="91440" bIns="45720" numCol="1" spcCol="0" rtlCol="0" fromWordArt="0" anchor="t" anchorCtr="0" forceAA="0" compatLnSpc="1">
-            <a:prstTxWarp prst="textNoShape">
-              <a:avLst/>
-            </a:prstTxWarp>
-            <a:spAutoFit/>
+          <a:bodyPr>
+            <a:normAutofit fontScale="32500" lnSpcReduction="20000"/>
           </a:bodyPr>
           <a:lstStyle/>
           <a:p>
             <a:r>
-              <a:rPr lang="en-US" i="1">
-                <a:solidFill>
-                  <a:srgbClr val="A6A6A6"/>
-                </a:solidFill>
-              </a:rPr>
-              <a:t>Note: I was thinking to use this background throughout our slides? And change the profile picture on the top right to reflect whoever is speaking for that slide.</a:t>
-            </a:r>
-            <a:endParaRPr lang="en-US"/>
+              <a:rPr lang="en-US"/>
+              <a:t>ThePhoto by PhotoAuthor is licensed under CCYYSA.</a:t>
+            </a:r>
           </a:p>
         </p:txBody>
       </p:sp>
-      <p:cxnSp>
-        <p:nvCxnSpPr>
-          <p:cNvPr id="5" name="Straight Arrow Connector 4">
-            <a:extLst>
-              <a:ext uri="{FF2B5EF4-FFF2-40B4-BE49-F238E27FC236}">
-                <a16:creationId xmlns:a16="http://schemas.microsoft.com/office/drawing/2014/main" id="{26DA8520-10F8-0167-8570-0CE00A558E12}"/>
-              </a:ext>
-            </a:extLst>
-          </p:cNvPr>
-          <p:cNvCxnSpPr/>
-          <p:nvPr/>
-        </p:nvCxnSpPr>
-        <p:spPr>
-          <a:xfrm flipV="1">
-            <a:off x="10741306" y="1175795"/>
-            <a:ext cx="326022" cy="1034004"/>
-          </a:xfrm>
-          <a:prstGeom prst="straightConnector1">
-            <a:avLst/>
-          </a:prstGeom>
-          <a:ln w="57150">
-            <a:tailEnd type="triangle"/>
-          </a:ln>
-        </p:spPr>
-        <p:style>
-          <a:lnRef idx="2">
-            <a:schemeClr val="accent1"/>
-          </a:lnRef>
-          <a:fillRef idx="0">
-            <a:schemeClr val="accent1"/>
-          </a:fillRef>
-          <a:effectRef idx="1">
-            <a:schemeClr val="accent1"/>
-          </a:effectRef>
-          <a:fontRef idx="minor">
-            <a:schemeClr val="tx1"/>
-          </a:fontRef>
-        </p:style>
-      </p:cxnSp>
     </p:spTree>
     <p:extLst>
       <p:ext uri="{BB962C8B-B14F-4D97-AF65-F5344CB8AC3E}">
-        <p14:creationId xmlns:p14="http://schemas.microsoft.com/office/powerpoint/2010/main" val="2615286322"/>
+        <p14:creationId xmlns:p14="http://schemas.microsoft.com/office/powerpoint/2010/main" val="6790699"/>
       </p:ext>
     </p:extLst>
   </p:cSld>
@@ -5754,10 +6725,10 @@
       </p:grpSpPr>
       <p:pic>
         <p:nvPicPr>
-          <p:cNvPr id="2" name="Picture 1" descr="Netflix">
-            <a:extLst>
-              <a:ext uri="{FF2B5EF4-FFF2-40B4-BE49-F238E27FC236}">
-                <a16:creationId xmlns:a16="http://schemas.microsoft.com/office/drawing/2014/main" id="{D66DC450-3382-91B5-5E23-A63ADA790576}"/>
+          <p:cNvPr id="9" name="Picture 8" descr="A red text on a black background&#10;&#10;Description automatically generated">
+            <a:extLst>
+              <a:ext uri="{FF2B5EF4-FFF2-40B4-BE49-F238E27FC236}">
+                <a16:creationId xmlns:a16="http://schemas.microsoft.com/office/drawing/2014/main" id="{9619230F-463F-E28A-A19D-A99CA2FEC8AF}"/>
               </a:ext>
             </a:extLst>
           </p:cNvPr>
@@ -5767,15 +6738,315 @@
           <p:nvPr/>
         </p:nvPicPr>
         <p:blipFill>
-          <a:blip r:embed="rId2"/>
+          <a:blip r:embed="rId2">
+            <a:extLst>
+              <a:ext uri="{BEBA8EAE-BF5A-486C-A8C5-ECC9F3942E4B}">
+                <a14:imgProps xmlns:a14="http://schemas.microsoft.com/office/drawing/2010/main">
+                  <a14:imgLayer r:embed="rId3">
+                    <a14:imgEffect>
+                      <a14:brightnessContrast contrast="25000"/>
+                    </a14:imgEffect>
+                  </a14:imgLayer>
+                </a14:imgProps>
+              </a:ext>
+            </a:extLst>
+          </a:blip>
           <a:stretch>
             <a:fillRect/>
           </a:stretch>
         </p:blipFill>
         <p:spPr>
           <a:xfrm>
-            <a:off x="1524000" y="391967"/>
-            <a:ext cx="9144000" cy="6074065"/>
+            <a:off x="500063" y="500683"/>
+            <a:ext cx="2047875" cy="607300"/>
+          </a:xfrm>
+          <a:prstGeom prst="rect">
+            <a:avLst/>
+          </a:prstGeom>
+        </p:spPr>
+      </p:pic>
+      <p:pic>
+        <p:nvPicPr>
+          <p:cNvPr id="10" name="Picture 9">
+            <a:extLst>
+              <a:ext uri="{FF2B5EF4-FFF2-40B4-BE49-F238E27FC236}">
+                <a16:creationId xmlns:a16="http://schemas.microsoft.com/office/drawing/2014/main" id="{89EE9E6A-6BFC-58D0-BEA7-A1C49B29A47C}"/>
+              </a:ext>
+            </a:extLst>
+          </p:cNvPr>
+          <p:cNvPicPr>
+            <a:picLocks noChangeAspect="1"/>
+          </p:cNvPicPr>
+          <p:nvPr/>
+        </p:nvPicPr>
+        <p:blipFill>
+          <a:blip r:embed="rId4"/>
+          <a:stretch>
+            <a:fillRect/>
+          </a:stretch>
+        </p:blipFill>
+        <p:spPr>
+          <a:xfrm>
+            <a:off x="2550583" y="693168"/>
+            <a:ext cx="11250084" cy="433998"/>
+          </a:xfrm>
+          <a:prstGeom prst="rect">
+            <a:avLst/>
+          </a:prstGeom>
+        </p:spPr>
+      </p:pic>
+      <p:pic>
+        <p:nvPicPr>
+          <p:cNvPr id="12" name="Picture 11" descr="A group on a black background&#10;&#10;Description automatically generated">
+            <a:extLst>
+              <a:ext uri="{FF2B5EF4-FFF2-40B4-BE49-F238E27FC236}">
+                <a16:creationId xmlns:a16="http://schemas.microsoft.com/office/drawing/2014/main" id="{5DF28C49-F5D8-7CB2-1C75-76D1DD7C3C3F}"/>
+              </a:ext>
+            </a:extLst>
+          </p:cNvPr>
+          <p:cNvPicPr>
+            <a:picLocks noChangeAspect="1"/>
+          </p:cNvPicPr>
+          <p:nvPr/>
+        </p:nvPicPr>
+        <p:blipFill>
+          <a:blip r:embed="rId5"/>
+          <a:stretch>
+            <a:fillRect/>
+          </a:stretch>
+        </p:blipFill>
+        <p:spPr>
+          <a:xfrm>
+            <a:off x="9271000" y="695854"/>
+            <a:ext cx="1460500" cy="449792"/>
+          </a:xfrm>
+          <a:prstGeom prst="rect">
+            <a:avLst/>
+          </a:prstGeom>
+        </p:spPr>
+      </p:pic>
+      <p:pic>
+        <p:nvPicPr>
+          <p:cNvPr id="3" name="Picture 2" descr="A cartoon face with a red mask&#10;&#10;Description automatically generated">
+            <a:extLst>
+              <a:ext uri="{FF2B5EF4-FFF2-40B4-BE49-F238E27FC236}">
+                <a16:creationId xmlns:a16="http://schemas.microsoft.com/office/drawing/2014/main" id="{620E36F0-E02D-0B62-91A8-9C72896CE469}"/>
+              </a:ext>
+            </a:extLst>
+          </p:cNvPr>
+          <p:cNvPicPr>
+            <a:picLocks noChangeAspect="1"/>
+          </p:cNvPicPr>
+          <p:nvPr/>
+        </p:nvPicPr>
+        <p:blipFill>
+          <a:blip r:embed="rId6"/>
+          <a:stretch>
+            <a:fillRect/>
+          </a:stretch>
+        </p:blipFill>
+        <p:spPr>
+          <a:xfrm>
+            <a:off x="10876044" y="616845"/>
+            <a:ext cx="506293" cy="513375"/>
+          </a:xfrm>
+          <a:prstGeom prst="rect">
+            <a:avLst/>
+          </a:prstGeom>
+        </p:spPr>
+      </p:pic>
+      <p:sp>
+        <p:nvSpPr>
+          <p:cNvPr id="6" name="Title 1">
+            <a:extLst>
+              <a:ext uri="{FF2B5EF4-FFF2-40B4-BE49-F238E27FC236}">
+                <a16:creationId xmlns:a16="http://schemas.microsoft.com/office/drawing/2014/main" id="{9C4548D2-5F19-57BA-9C69-02528552C436}"/>
+              </a:ext>
+            </a:extLst>
+          </p:cNvPr>
+          <p:cNvSpPr>
+            <a:spLocks noGrp="1"/>
+          </p:cNvSpPr>
+          <p:nvPr>
+            <p:ph type="title"/>
+          </p:nvPr>
+        </p:nvSpPr>
+        <p:spPr>
+          <a:xfrm>
+            <a:off x="502024" y="1508125"/>
+            <a:ext cx="3220571" cy="866122"/>
+          </a:xfrm>
+        </p:spPr>
+        <p:txBody>
+          <a:bodyPr/>
+          <a:lstStyle/>
+          <a:p>
+            <a:r>
+              <a:rPr lang="en-US">
+                <a:solidFill>
+                  <a:schemeClr val="bg1"/>
+                </a:solidFill>
+              </a:rPr>
+              <a:t>Inspiration</a:t>
+            </a:r>
+          </a:p>
+          <a:p>
+            <a:endParaRPr lang="en-US"/>
+          </a:p>
+        </p:txBody>
+      </p:sp>
+      <p:sp>
+        <p:nvSpPr>
+          <p:cNvPr id="8" name="Content Placeholder 2">
+            <a:extLst>
+              <a:ext uri="{FF2B5EF4-FFF2-40B4-BE49-F238E27FC236}">
+                <a16:creationId xmlns:a16="http://schemas.microsoft.com/office/drawing/2014/main" id="{0E27D051-C264-2BA6-959D-64D8A83E034C}"/>
+              </a:ext>
+            </a:extLst>
+          </p:cNvPr>
+          <p:cNvSpPr>
+            <a:spLocks noGrp="1"/>
+          </p:cNvSpPr>
+          <p:nvPr>
+            <p:ph idx="1"/>
+          </p:nvPr>
+        </p:nvSpPr>
+        <p:spPr>
+          <a:xfrm>
+            <a:off x="502024" y="2173007"/>
+            <a:ext cx="4853016" cy="2827338"/>
+          </a:xfrm>
+        </p:spPr>
+        <p:txBody>
+          <a:bodyPr vert="horz" lIns="91440" tIns="45720" rIns="91440" bIns="45720" rtlCol="0" anchor="t">
+            <a:normAutofit lnSpcReduction="10000"/>
+          </a:bodyPr>
+          <a:lstStyle/>
+          <a:p>
+            <a:r>
+              <a:rPr lang="en-US" sz="1600">
+                <a:solidFill>
+                  <a:schemeClr val="bg1"/>
+                </a:solidFill>
+                <a:ea typeface="+mn-lt"/>
+                <a:cs typeface="+mn-lt"/>
+              </a:rPr>
+              <a:t>For our visualizations, we drew inspiration from several Tableau Public dashboards. </a:t>
+            </a:r>
+          </a:p>
+          <a:p>
+            <a:r>
+              <a:rPr lang="en-US" sz="1600">
+                <a:solidFill>
+                  <a:schemeClr val="bg1"/>
+                </a:solidFill>
+                <a:ea typeface="+mn-lt"/>
+                <a:cs typeface="+mn-lt"/>
+              </a:rPr>
+              <a:t>These examples showcase different approaches to analyzing time-series data and genre trends. </a:t>
+            </a:r>
+            <a:endParaRPr lang="en-US" sz="1600">
+              <a:solidFill>
+                <a:schemeClr val="bg1"/>
+              </a:solidFill>
+            </a:endParaRPr>
+          </a:p>
+          <a:p>
+            <a:r>
+              <a:rPr lang="en-US" sz="1600">
+                <a:solidFill>
+                  <a:schemeClr val="bg1"/>
+                </a:solidFill>
+                <a:ea typeface="+mn-lt"/>
+                <a:cs typeface="+mn-lt"/>
+              </a:rPr>
+              <a:t>One example helped us understand how to present long-term trends, while others offered ways to visualize ratings and popularity in genres similar to our movie dataset. </a:t>
+            </a:r>
+            <a:endParaRPr lang="en-US" sz="1600">
+              <a:solidFill>
+                <a:schemeClr val="bg1"/>
+              </a:solidFill>
+            </a:endParaRPr>
+          </a:p>
+          <a:p>
+            <a:r>
+              <a:rPr lang="en-US" sz="1600">
+                <a:solidFill>
+                  <a:schemeClr val="bg1"/>
+                </a:solidFill>
+                <a:ea typeface="+mn-lt"/>
+                <a:cs typeface="+mn-lt"/>
+              </a:rPr>
+              <a:t>These sources guided us in designing dashboards that clearly show the patterns we wanted to explore in our dataset.</a:t>
+            </a:r>
+            <a:endParaRPr lang="en-US" sz="1400">
+              <a:solidFill>
+                <a:schemeClr val="bg1"/>
+              </a:solidFill>
+            </a:endParaRPr>
+          </a:p>
+        </p:txBody>
+      </p:sp>
+      <p:pic>
+        <p:nvPicPr>
+          <p:cNvPr id="13" name="Picture 12" descr="A cartoon character with arms and legs&#10;&#10;Description automatically generated">
+            <a:extLst>
+              <a:ext uri="{FF2B5EF4-FFF2-40B4-BE49-F238E27FC236}">
+                <a16:creationId xmlns:a16="http://schemas.microsoft.com/office/drawing/2014/main" id="{753890CD-DCD5-8FE7-98D1-3C7F049336C0}"/>
+              </a:ext>
+            </a:extLst>
+          </p:cNvPr>
+          <p:cNvPicPr>
+            <a:picLocks noChangeAspect="1"/>
+          </p:cNvPicPr>
+          <p:nvPr/>
+        </p:nvPicPr>
+        <p:blipFill>
+          <a:blip r:embed="rId7"/>
+          <a:stretch>
+            <a:fillRect/>
+          </a:stretch>
+        </p:blipFill>
+        <p:spPr>
+          <a:xfrm>
+            <a:off x="10875495" y="616363"/>
+            <a:ext cx="508777" cy="518834"/>
+          </a:xfrm>
+          <a:prstGeom prst="rect">
+            <a:avLst/>
+          </a:prstGeom>
+        </p:spPr>
+      </p:pic>
+      <p:pic>
+        <p:nvPicPr>
+          <p:cNvPr id="29" name="Picture 28" descr="A person&amp;#39;s feet and a bowl of popcorn&#10;&#10;Description automatically generated">
+            <a:extLst>
+              <a:ext uri="{FF2B5EF4-FFF2-40B4-BE49-F238E27FC236}">
+                <a16:creationId xmlns:a16="http://schemas.microsoft.com/office/drawing/2014/main" id="{C1C3BF3A-6959-1595-64CF-BC5FEA03A7C9}"/>
+              </a:ext>
+            </a:extLst>
+          </p:cNvPr>
+          <p:cNvPicPr>
+            <a:picLocks noChangeAspect="1"/>
+          </p:cNvPicPr>
+          <p:nvPr/>
+        </p:nvPicPr>
+        <p:blipFill>
+          <a:blip r:embed="rId8">
+            <a:extLst>
+              <a:ext uri="{837473B0-CC2E-450A-ABE3-18F120FF3D39}">
+                <a1611:picAttrSrcUrl xmlns:a1611="http://schemas.microsoft.com/office/drawing/2016/11/main" r:id="rId9"/>
+              </a:ext>
+            </a:extLst>
+          </a:blip>
+          <a:stretch>
+            <a:fillRect/>
+          </a:stretch>
+        </p:blipFill>
+        <p:spPr>
+          <a:xfrm>
+            <a:off x="6174441" y="1937128"/>
+            <a:ext cx="4953000" cy="3297506"/>
           </a:xfrm>
           <a:prstGeom prst="rect">
             <a:avLst/>
@@ -5790,10 +7061,10 @@
       </p:pic>
       <p:sp>
         <p:nvSpPr>
-          <p:cNvPr id="3" name="TextBox 2">
-            <a:extLst>
-              <a:ext uri="{FF2B5EF4-FFF2-40B4-BE49-F238E27FC236}">
-                <a16:creationId xmlns:a16="http://schemas.microsoft.com/office/drawing/2014/main" id="{C4F8EE46-DD0F-F157-7794-73E9DB591183}"/>
+          <p:cNvPr id="30" name="TextBox 29">
+            <a:extLst>
+              <a:ext uri="{FF2B5EF4-FFF2-40B4-BE49-F238E27FC236}">
+                <a16:creationId xmlns:a16="http://schemas.microsoft.com/office/drawing/2014/main" id="{DFDB0F88-12D8-8E06-00C3-776A4011E5C7}"/>
               </a:ext>
             </a:extLst>
           </p:cNvPr>
@@ -5802,40 +7073,30 @@
         </p:nvSpPr>
         <p:spPr>
           <a:xfrm>
-            <a:off x="5683249" y="2328334"/>
-            <a:ext cx="4106333" cy="1754326"/>
+            <a:off x="1524000" y="6657882"/>
+            <a:ext cx="3899648" cy="138206"/>
           </a:xfrm>
           <a:prstGeom prst="rect">
             <a:avLst/>
           </a:prstGeom>
-          <a:noFill/>
         </p:spPr>
         <p:txBody>
-          <a:bodyPr rot="0" spcFirstLastPara="0" vertOverflow="overflow" horzOverflow="overflow" vert="horz" wrap="square" lIns="91440" tIns="45720" rIns="91440" bIns="45720" numCol="1" spcCol="0" rtlCol="0" fromWordArt="0" anchor="t" anchorCtr="0" forceAA="0" compatLnSpc="1">
-            <a:prstTxWarp prst="textNoShape">
-              <a:avLst/>
-            </a:prstTxWarp>
-            <a:spAutoFit/>
+          <a:bodyPr>
+            <a:normAutofit fontScale="25000" lnSpcReduction="20000"/>
           </a:bodyPr>
           <a:lstStyle/>
           <a:p>
-            <a:pPr algn="ctr"/>
-            <a:r>
-              <a:rPr lang="en-US" sz="5400">
-                <a:solidFill>
-                  <a:schemeClr val="bg1"/>
-                </a:solidFill>
-              </a:rPr>
-              <a:t>Thank you for watching </a:t>
-            </a:r>
-            <a:endParaRPr lang="en-US"/>
+            <a:r>
+              <a:rPr lang="en-US"/>
+              <a:t>ThePhoto by PhotoAuthor is licensed under CCYYSA.</a:t>
+            </a:r>
           </a:p>
         </p:txBody>
       </p:sp>
     </p:spTree>
     <p:extLst>
       <p:ext uri="{BB962C8B-B14F-4D97-AF65-F5344CB8AC3E}">
-        <p14:creationId xmlns:p14="http://schemas.microsoft.com/office/powerpoint/2010/main" val="2072904181"/>
+        <p14:creationId xmlns:p14="http://schemas.microsoft.com/office/powerpoint/2010/main" val="2615286322"/>
       </p:ext>
     </p:extLst>
   </p:cSld>
@@ -5848,6 +7109,14 @@
 <file path=ppt/slides/slide5.xml><?xml version="1.0" encoding="utf-8"?>
 <p:sld xmlns:a="http://schemas.openxmlformats.org/drawingml/2006/main" xmlns:r="http://schemas.openxmlformats.org/officeDocument/2006/relationships" xmlns:p="http://schemas.openxmlformats.org/presentationml/2006/main">
   <p:cSld>
+    <p:bg>
+      <p:bgPr>
+        <a:solidFill>
+          <a:schemeClr val="tx1"/>
+        </a:solidFill>
+        <a:effectLst/>
+      </p:bgPr>
+    </p:bg>
     <p:spTree>
       <p:nvGrpSpPr>
         <p:cNvPr id="1" name=""/>
@@ -5862,12 +7131,144 @@
           <a:chExt cx="0" cy="0"/>
         </a:xfrm>
       </p:grpSpPr>
+      <p:pic>
+        <p:nvPicPr>
+          <p:cNvPr id="9" name="Picture 8" descr="A red text on a black background&#10;&#10;Description automatically generated">
+            <a:extLst>
+              <a:ext uri="{FF2B5EF4-FFF2-40B4-BE49-F238E27FC236}">
+                <a16:creationId xmlns:a16="http://schemas.microsoft.com/office/drawing/2014/main" id="{9619230F-463F-E28A-A19D-A99CA2FEC8AF}"/>
+              </a:ext>
+            </a:extLst>
+          </p:cNvPr>
+          <p:cNvPicPr>
+            <a:picLocks noChangeAspect="1"/>
+          </p:cNvPicPr>
+          <p:nvPr/>
+        </p:nvPicPr>
+        <p:blipFill>
+          <a:blip r:embed="rId2">
+            <a:extLst>
+              <a:ext uri="{BEBA8EAE-BF5A-486C-A8C5-ECC9F3942E4B}">
+                <a14:imgProps xmlns:a14="http://schemas.microsoft.com/office/drawing/2010/main">
+                  <a14:imgLayer r:embed="rId3">
+                    <a14:imgEffect>
+                      <a14:brightnessContrast contrast="25000"/>
+                    </a14:imgEffect>
+                  </a14:imgLayer>
+                </a14:imgProps>
+              </a:ext>
+            </a:extLst>
+          </a:blip>
+          <a:stretch>
+            <a:fillRect/>
+          </a:stretch>
+        </p:blipFill>
+        <p:spPr>
+          <a:xfrm>
+            <a:off x="500063" y="500683"/>
+            <a:ext cx="2047875" cy="607300"/>
+          </a:xfrm>
+          <a:prstGeom prst="rect">
+            <a:avLst/>
+          </a:prstGeom>
+        </p:spPr>
+      </p:pic>
+      <p:pic>
+        <p:nvPicPr>
+          <p:cNvPr id="10" name="Picture 9">
+            <a:extLst>
+              <a:ext uri="{FF2B5EF4-FFF2-40B4-BE49-F238E27FC236}">
+                <a16:creationId xmlns:a16="http://schemas.microsoft.com/office/drawing/2014/main" id="{89EE9E6A-6BFC-58D0-BEA7-A1C49B29A47C}"/>
+              </a:ext>
+            </a:extLst>
+          </p:cNvPr>
+          <p:cNvPicPr>
+            <a:picLocks noChangeAspect="1"/>
+          </p:cNvPicPr>
+          <p:nvPr/>
+        </p:nvPicPr>
+        <p:blipFill>
+          <a:blip r:embed="rId4"/>
+          <a:stretch>
+            <a:fillRect/>
+          </a:stretch>
+        </p:blipFill>
+        <p:spPr>
+          <a:xfrm>
+            <a:off x="2550583" y="693168"/>
+            <a:ext cx="11250084" cy="433998"/>
+          </a:xfrm>
+          <a:prstGeom prst="rect">
+            <a:avLst/>
+          </a:prstGeom>
+        </p:spPr>
+      </p:pic>
+      <p:pic>
+        <p:nvPicPr>
+          <p:cNvPr id="12" name="Picture 11" descr="A group on a black background&#10;&#10;Description automatically generated">
+            <a:extLst>
+              <a:ext uri="{FF2B5EF4-FFF2-40B4-BE49-F238E27FC236}">
+                <a16:creationId xmlns:a16="http://schemas.microsoft.com/office/drawing/2014/main" id="{5DF28C49-F5D8-7CB2-1C75-76D1DD7C3C3F}"/>
+              </a:ext>
+            </a:extLst>
+          </p:cNvPr>
+          <p:cNvPicPr>
+            <a:picLocks noChangeAspect="1"/>
+          </p:cNvPicPr>
+          <p:nvPr/>
+        </p:nvPicPr>
+        <p:blipFill>
+          <a:blip r:embed="rId5"/>
+          <a:stretch>
+            <a:fillRect/>
+          </a:stretch>
+        </p:blipFill>
+        <p:spPr>
+          <a:xfrm>
+            <a:off x="9271000" y="695854"/>
+            <a:ext cx="1460500" cy="449792"/>
+          </a:xfrm>
+          <a:prstGeom prst="rect">
+            <a:avLst/>
+          </a:prstGeom>
+        </p:spPr>
+      </p:pic>
+      <p:pic>
+        <p:nvPicPr>
+          <p:cNvPr id="3" name="Picture 2" descr="A cartoon face with a red mask&#10;&#10;Description automatically generated">
+            <a:extLst>
+              <a:ext uri="{FF2B5EF4-FFF2-40B4-BE49-F238E27FC236}">
+                <a16:creationId xmlns:a16="http://schemas.microsoft.com/office/drawing/2014/main" id="{620E36F0-E02D-0B62-91A8-9C72896CE469}"/>
+              </a:ext>
+            </a:extLst>
+          </p:cNvPr>
+          <p:cNvPicPr>
+            <a:picLocks noChangeAspect="1"/>
+          </p:cNvPicPr>
+          <p:nvPr/>
+        </p:nvPicPr>
+        <p:blipFill>
+          <a:blip r:embed="rId6"/>
+          <a:stretch>
+            <a:fillRect/>
+          </a:stretch>
+        </p:blipFill>
+        <p:spPr>
+          <a:xfrm>
+            <a:off x="10876044" y="616845"/>
+            <a:ext cx="506293" cy="513375"/>
+          </a:xfrm>
+          <a:prstGeom prst="rect">
+            <a:avLst/>
+          </a:prstGeom>
+        </p:spPr>
+      </p:pic>
       <p:sp>
         <p:nvSpPr>
-          <p:cNvPr id="2" name="Title 1">
-            <a:extLst>
-              <a:ext uri="{FF2B5EF4-FFF2-40B4-BE49-F238E27FC236}">
-                <a16:creationId xmlns:a16="http://schemas.microsoft.com/office/drawing/2014/main" id="{59D5688A-404C-5E8A-E6E5-A18363F8D56A}"/>
+          <p:cNvPr id="13" name="Title 1">
+            <a:extLst>
+              <a:ext uri="{FF2B5EF4-FFF2-40B4-BE49-F238E27FC236}">
+                <a16:creationId xmlns:a16="http://schemas.microsoft.com/office/drawing/2014/main" id="{6E8E6165-6E2E-2EEF-1D8B-07676E157FA0}"/>
               </a:ext>
             </a:extLst>
           </p:cNvPr>
@@ -5875,77 +7276,67 @@
             <a:spLocks noGrp="1"/>
           </p:cNvSpPr>
           <p:nvPr>
-            <p:ph type="ctrTitle"/>
+            <p:ph type="title"/>
           </p:nvPr>
         </p:nvSpPr>
         <p:spPr>
           <a:xfrm>
-            <a:off x="1524000" y="1571747"/>
-            <a:ext cx="9144000" cy="1225062"/>
+            <a:off x="499533" y="1508126"/>
+            <a:ext cx="10515600" cy="881063"/>
           </a:xfrm>
         </p:spPr>
         <p:txBody>
-          <a:bodyPr>
-            <a:normAutofit/>
-          </a:bodyPr>
+          <a:bodyPr/>
           <a:lstStyle/>
           <a:p>
             <a:r>
-              <a:rPr lang="en-US" sz="6600">
+              <a:rPr lang="en-US">
                 <a:solidFill>
-                  <a:srgbClr val="002060"/>
+                  <a:schemeClr val="bg1"/>
                 </a:solidFill>
               </a:rPr>
-              <a:t>Project 4 – Group 8 </a:t>
-            </a:r>
+              <a:t>Design concepts</a:t>
+            </a:r>
+          </a:p>
+          <a:p>
+            <a:endParaRPr lang="en-US"/>
           </a:p>
         </p:txBody>
       </p:sp>
-      <p:sp>
-        <p:nvSpPr>
-          <p:cNvPr id="3" name="Subtitle 2">
-            <a:extLst>
-              <a:ext uri="{FF2B5EF4-FFF2-40B4-BE49-F238E27FC236}">
-                <a16:creationId xmlns:a16="http://schemas.microsoft.com/office/drawing/2014/main" id="{CE49DEAC-C5CF-2BED-7A2C-F633D375E8B4}"/>
-              </a:ext>
-            </a:extLst>
-          </p:cNvPr>
-          <p:cNvSpPr>
-            <a:spLocks noGrp="1"/>
-          </p:cNvSpPr>
-          <p:nvPr>
-            <p:ph type="subTitle" idx="1"/>
-          </p:nvPr>
-        </p:nvSpPr>
-        <p:spPr>
-          <a:xfrm>
-            <a:off x="2911231" y="3826730"/>
-            <a:ext cx="6076460" cy="1450608"/>
-          </a:xfrm>
-        </p:spPr>
-        <p:txBody>
-          <a:bodyPr vert="horz" lIns="91440" tIns="45720" rIns="91440" bIns="45720" rtlCol="0" anchor="t">
-            <a:normAutofit/>
-          </a:bodyPr>
-          <a:lstStyle/>
-          <a:p>
-            <a:r>
-              <a:rPr lang="en-US"/>
-              <a:t>Andrew Montemayor, Mason DeJesus,</a:t>
-            </a:r>
-          </a:p>
-          <a:p>
-            <a:r>
-              <a:rPr lang="en-US"/>
-              <a:t> Judith Landa, Mathias Carnero</a:t>
-            </a:r>
-          </a:p>
-        </p:txBody>
-      </p:sp>
+      <p:pic>
+        <p:nvPicPr>
+          <p:cNvPr id="15" name="Picture 14" descr="A cartoon character of a blue hedgehog&#10;&#10;Description automatically generated">
+            <a:extLst>
+              <a:ext uri="{FF2B5EF4-FFF2-40B4-BE49-F238E27FC236}">
+                <a16:creationId xmlns:a16="http://schemas.microsoft.com/office/drawing/2014/main" id="{0B05822D-07FF-7A79-84D2-5AD65B3E05D5}"/>
+              </a:ext>
+            </a:extLst>
+          </p:cNvPr>
+          <p:cNvPicPr>
+            <a:picLocks noChangeAspect="1"/>
+          </p:cNvPicPr>
+          <p:nvPr/>
+        </p:nvPicPr>
+        <p:blipFill>
+          <a:blip r:embed="rId7"/>
+          <a:stretch>
+            <a:fillRect/>
+          </a:stretch>
+        </p:blipFill>
+        <p:spPr>
+          <a:xfrm>
+            <a:off x="10872786" y="598934"/>
+            <a:ext cx="552694" cy="541868"/>
+          </a:xfrm>
+          <a:prstGeom prst="rect">
+            <a:avLst/>
+          </a:prstGeom>
+        </p:spPr>
+      </p:pic>
     </p:spTree>
     <p:extLst>
       <p:ext uri="{BB962C8B-B14F-4D97-AF65-F5344CB8AC3E}">
-        <p14:creationId xmlns:p14="http://schemas.microsoft.com/office/powerpoint/2010/main" val="3180097618"/>
+        <p14:creationId xmlns:p14="http://schemas.microsoft.com/office/powerpoint/2010/main" val="4263720766"/>
       </p:ext>
     </p:extLst>
   </p:cSld>
@@ -5958,6 +7349,14 @@
 <file path=ppt/slides/slide6.xml><?xml version="1.0" encoding="utf-8"?>
 <p:sld xmlns:a="http://schemas.openxmlformats.org/drawingml/2006/main" xmlns:r="http://schemas.openxmlformats.org/officeDocument/2006/relationships" xmlns:p="http://schemas.openxmlformats.org/presentationml/2006/main">
   <p:cSld>
+    <p:bg>
+      <p:bgPr>
+        <a:solidFill>
+          <a:schemeClr val="tx1"/>
+        </a:solidFill>
+        <a:effectLst/>
+      </p:bgPr>
+    </p:bg>
     <p:spTree>
       <p:nvGrpSpPr>
         <p:cNvPr id="1" name=""/>
@@ -5972,12 +7371,144 @@
           <a:chExt cx="0" cy="0"/>
         </a:xfrm>
       </p:grpSpPr>
+      <p:pic>
+        <p:nvPicPr>
+          <p:cNvPr id="9" name="Picture 8" descr="A red text on a black background&#10;&#10;Description automatically generated">
+            <a:extLst>
+              <a:ext uri="{FF2B5EF4-FFF2-40B4-BE49-F238E27FC236}">
+                <a16:creationId xmlns:a16="http://schemas.microsoft.com/office/drawing/2014/main" id="{9619230F-463F-E28A-A19D-A99CA2FEC8AF}"/>
+              </a:ext>
+            </a:extLst>
+          </p:cNvPr>
+          <p:cNvPicPr>
+            <a:picLocks noChangeAspect="1"/>
+          </p:cNvPicPr>
+          <p:nvPr/>
+        </p:nvPicPr>
+        <p:blipFill>
+          <a:blip r:embed="rId2">
+            <a:extLst>
+              <a:ext uri="{BEBA8EAE-BF5A-486C-A8C5-ECC9F3942E4B}">
+                <a14:imgProps xmlns:a14="http://schemas.microsoft.com/office/drawing/2010/main">
+                  <a14:imgLayer r:embed="rId3">
+                    <a14:imgEffect>
+                      <a14:brightnessContrast contrast="25000"/>
+                    </a14:imgEffect>
+                  </a14:imgLayer>
+                </a14:imgProps>
+              </a:ext>
+            </a:extLst>
+          </a:blip>
+          <a:stretch>
+            <a:fillRect/>
+          </a:stretch>
+        </p:blipFill>
+        <p:spPr>
+          <a:xfrm>
+            <a:off x="500063" y="500683"/>
+            <a:ext cx="2047875" cy="607300"/>
+          </a:xfrm>
+          <a:prstGeom prst="rect">
+            <a:avLst/>
+          </a:prstGeom>
+        </p:spPr>
+      </p:pic>
+      <p:pic>
+        <p:nvPicPr>
+          <p:cNvPr id="10" name="Picture 9">
+            <a:extLst>
+              <a:ext uri="{FF2B5EF4-FFF2-40B4-BE49-F238E27FC236}">
+                <a16:creationId xmlns:a16="http://schemas.microsoft.com/office/drawing/2014/main" id="{89EE9E6A-6BFC-58D0-BEA7-A1C49B29A47C}"/>
+              </a:ext>
+            </a:extLst>
+          </p:cNvPr>
+          <p:cNvPicPr>
+            <a:picLocks noChangeAspect="1"/>
+          </p:cNvPicPr>
+          <p:nvPr/>
+        </p:nvPicPr>
+        <p:blipFill>
+          <a:blip r:embed="rId4"/>
+          <a:stretch>
+            <a:fillRect/>
+          </a:stretch>
+        </p:blipFill>
+        <p:spPr>
+          <a:xfrm>
+            <a:off x="2550583" y="693168"/>
+            <a:ext cx="11250084" cy="433998"/>
+          </a:xfrm>
+          <a:prstGeom prst="rect">
+            <a:avLst/>
+          </a:prstGeom>
+        </p:spPr>
+      </p:pic>
+      <p:pic>
+        <p:nvPicPr>
+          <p:cNvPr id="12" name="Picture 11" descr="A group on a black background&#10;&#10;Description automatically generated">
+            <a:extLst>
+              <a:ext uri="{FF2B5EF4-FFF2-40B4-BE49-F238E27FC236}">
+                <a16:creationId xmlns:a16="http://schemas.microsoft.com/office/drawing/2014/main" id="{5DF28C49-F5D8-7CB2-1C75-76D1DD7C3C3F}"/>
+              </a:ext>
+            </a:extLst>
+          </p:cNvPr>
+          <p:cNvPicPr>
+            <a:picLocks noChangeAspect="1"/>
+          </p:cNvPicPr>
+          <p:nvPr/>
+        </p:nvPicPr>
+        <p:blipFill>
+          <a:blip r:embed="rId5"/>
+          <a:stretch>
+            <a:fillRect/>
+          </a:stretch>
+        </p:blipFill>
+        <p:spPr>
+          <a:xfrm>
+            <a:off x="9271000" y="695854"/>
+            <a:ext cx="1460500" cy="449792"/>
+          </a:xfrm>
+          <a:prstGeom prst="rect">
+            <a:avLst/>
+          </a:prstGeom>
+        </p:spPr>
+      </p:pic>
+      <p:pic>
+        <p:nvPicPr>
+          <p:cNvPr id="3" name="Picture 2" descr="A cartoon face with a red mask&#10;&#10;Description automatically generated">
+            <a:extLst>
+              <a:ext uri="{FF2B5EF4-FFF2-40B4-BE49-F238E27FC236}">
+                <a16:creationId xmlns:a16="http://schemas.microsoft.com/office/drawing/2014/main" id="{620E36F0-E02D-0B62-91A8-9C72896CE469}"/>
+              </a:ext>
+            </a:extLst>
+          </p:cNvPr>
+          <p:cNvPicPr>
+            <a:picLocks noChangeAspect="1"/>
+          </p:cNvPicPr>
+          <p:nvPr/>
+        </p:nvPicPr>
+        <p:blipFill>
+          <a:blip r:embed="rId6"/>
+          <a:stretch>
+            <a:fillRect/>
+          </a:stretch>
+        </p:blipFill>
+        <p:spPr>
+          <a:xfrm>
+            <a:off x="10876044" y="616845"/>
+            <a:ext cx="506293" cy="513375"/>
+          </a:xfrm>
+          <a:prstGeom prst="rect">
+            <a:avLst/>
+          </a:prstGeom>
+        </p:spPr>
+      </p:pic>
       <p:sp>
         <p:nvSpPr>
-          <p:cNvPr id="2" name="Title 1">
-            <a:extLst>
-              <a:ext uri="{FF2B5EF4-FFF2-40B4-BE49-F238E27FC236}">
-                <a16:creationId xmlns:a16="http://schemas.microsoft.com/office/drawing/2014/main" id="{85ABA4BA-C99C-F70D-BF31-8EEBE2D3686A}"/>
+          <p:cNvPr id="4" name="Title 1">
+            <a:extLst>
+              <a:ext uri="{FF2B5EF4-FFF2-40B4-BE49-F238E27FC236}">
+                <a16:creationId xmlns:a16="http://schemas.microsoft.com/office/drawing/2014/main" id="{CD76FFA8-6D60-5C05-CB53-C728B6C5AA38}"/>
               </a:ext>
             </a:extLst>
           </p:cNvPr>
@@ -5988,14 +7519,23 @@
             <p:ph type="title"/>
           </p:nvPr>
         </p:nvSpPr>
-        <p:spPr/>
+        <p:spPr>
+          <a:xfrm>
+            <a:off x="520700" y="1338791"/>
+            <a:ext cx="10515600" cy="1209146"/>
+          </a:xfrm>
+        </p:spPr>
         <p:txBody>
           <a:bodyPr/>
           <a:lstStyle/>
           <a:p>
             <a:r>
-              <a:rPr lang="en-US"/>
-              <a:t>Purpose</a:t>
+              <a:rPr lang="en-US">
+                <a:solidFill>
+                  <a:schemeClr val="bg1"/>
+                </a:solidFill>
+              </a:rPr>
+              <a:t>Research Question #1</a:t>
             </a:r>
           </a:p>
           <a:p>
@@ -6005,10 +7545,10 @@
       </p:sp>
       <p:sp>
         <p:nvSpPr>
-          <p:cNvPr id="3" name="Content Placeholder 2">
-            <a:extLst>
-              <a:ext uri="{FF2B5EF4-FFF2-40B4-BE49-F238E27FC236}">
-                <a16:creationId xmlns:a16="http://schemas.microsoft.com/office/drawing/2014/main" id="{976BB7BB-FF72-E0B6-6843-106EA108B8A3}"/>
+          <p:cNvPr id="6" name="Content Placeholder 2">
+            <a:extLst>
+              <a:ext uri="{FF2B5EF4-FFF2-40B4-BE49-F238E27FC236}">
+                <a16:creationId xmlns:a16="http://schemas.microsoft.com/office/drawing/2014/main" id="{53251867-A632-55FD-D7F8-6A7B54504BD0}"/>
               </a:ext>
             </a:extLst>
           </p:cNvPr>
@@ -6021,8 +7561,8 @@
         </p:nvSpPr>
         <p:spPr>
           <a:xfrm>
-            <a:off x="838200" y="1825625"/>
-            <a:ext cx="5253487" cy="4351338"/>
+            <a:off x="604343" y="2330551"/>
+            <a:ext cx="10515600" cy="1356255"/>
           </a:xfrm>
         </p:spPr>
         <p:txBody>
@@ -6032,38 +7572,69 @@
           <a:lstStyle/>
           <a:p>
             <a:r>
-              <a:rPr lang="en-US" sz="1600">
+              <a:rPr lang="en-US" sz="1800">
+                <a:solidFill>
+                  <a:schemeClr val="bg1"/>
+                </a:solidFill>
                 <a:ea typeface="+mn-lt"/>
                 <a:cs typeface="+mn-lt"/>
               </a:rPr>
-              <a:t>We chose this dataset because it offers a comprehensive collection of over 16,000 movies from 1910 to 2024, giving us a large timeline to explore trends in movie ratings, popularity, and the impact of directors. </a:t>
-            </a:r>
-          </a:p>
-          <a:p>
-            <a:r>
-              <a:rPr lang="en-US" sz="1600">
+              <a:t>Our analysis focused on two primary research questions: </a:t>
+            </a:r>
+          </a:p>
+          <a:p>
+            <a:r>
+              <a:rPr lang="en-US" sz="1800">
+                <a:solidFill>
+                  <a:schemeClr val="bg1"/>
+                </a:solidFill>
                 <a:ea typeface="+mn-lt"/>
                 <a:cs typeface="+mn-lt"/>
               </a:rPr>
-              <a:t>By analyzing this data, we can see how ratings and votes have varied across different directors, time periods, and cultural backgrounds. </a:t>
-            </a:r>
-          </a:p>
-          <a:p>
-            <a:r>
-              <a:rPr lang="en-US" sz="1600">
-                <a:ea typeface="+mn-lt"/>
-                <a:cs typeface="+mn-lt"/>
-              </a:rPr>
-              <a:t>Our primary focus is to understand how directorial influence and genres have shaped movie reception over the years.</a:t>
-            </a:r>
-            <a:endParaRPr lang="en-US" sz="1600"/>
+              <a:t>First, which directors have the highest average ratings and the most votes? </a:t>
+            </a:r>
+            <a:endParaRPr lang="en-US" sz="1800">
+              <a:solidFill>
+                <a:schemeClr val="bg1"/>
+              </a:solidFill>
+            </a:endParaRPr>
           </a:p>
         </p:txBody>
       </p:sp>
+      <p:pic>
+        <p:nvPicPr>
+          <p:cNvPr id="8" name="Picture 7" descr="A cartoon character of a blue hedgehog&#10;&#10;Description automatically generated">
+            <a:extLst>
+              <a:ext uri="{FF2B5EF4-FFF2-40B4-BE49-F238E27FC236}">
+                <a16:creationId xmlns:a16="http://schemas.microsoft.com/office/drawing/2014/main" id="{C9809CCE-5C9A-06C9-0060-97A94D8A4C46}"/>
+              </a:ext>
+            </a:extLst>
+          </p:cNvPr>
+          <p:cNvPicPr>
+            <a:picLocks noChangeAspect="1"/>
+          </p:cNvPicPr>
+          <p:nvPr/>
+        </p:nvPicPr>
+        <p:blipFill>
+          <a:blip r:embed="rId7"/>
+          <a:stretch>
+            <a:fillRect/>
+          </a:stretch>
+        </p:blipFill>
+        <p:spPr>
+          <a:xfrm>
+            <a:off x="10872786" y="598934"/>
+            <a:ext cx="552694" cy="541868"/>
+          </a:xfrm>
+          <a:prstGeom prst="rect">
+            <a:avLst/>
+          </a:prstGeom>
+        </p:spPr>
+      </p:pic>
     </p:spTree>
     <p:extLst>
       <p:ext uri="{BB962C8B-B14F-4D97-AF65-F5344CB8AC3E}">
-        <p14:creationId xmlns:p14="http://schemas.microsoft.com/office/powerpoint/2010/main" val="3606985356"/>
+        <p14:creationId xmlns:p14="http://schemas.microsoft.com/office/powerpoint/2010/main" val="1574859843"/>
       </p:ext>
     </p:extLst>
   </p:cSld>
@@ -6076,6 +7647,14 @@
 <file path=ppt/slides/slide7.xml><?xml version="1.0" encoding="utf-8"?>
 <p:sld xmlns:a="http://schemas.openxmlformats.org/drawingml/2006/main" xmlns:r="http://schemas.openxmlformats.org/officeDocument/2006/relationships" xmlns:p="http://schemas.openxmlformats.org/presentationml/2006/main">
   <p:cSld>
+    <p:bg>
+      <p:bgPr>
+        <a:solidFill>
+          <a:schemeClr val="tx1"/>
+        </a:solidFill>
+        <a:effectLst/>
+      </p:bgPr>
+    </p:bg>
     <p:spTree>
       <p:nvGrpSpPr>
         <p:cNvPr id="1" name=""/>
@@ -6090,12 +7669,72 @@
           <a:chExt cx="0" cy="0"/>
         </a:xfrm>
       </p:grpSpPr>
+      <p:pic>
+        <p:nvPicPr>
+          <p:cNvPr id="10" name="Picture 9">
+            <a:extLst>
+              <a:ext uri="{FF2B5EF4-FFF2-40B4-BE49-F238E27FC236}">
+                <a16:creationId xmlns:a16="http://schemas.microsoft.com/office/drawing/2014/main" id="{89EE9E6A-6BFC-58D0-BEA7-A1C49B29A47C}"/>
+              </a:ext>
+            </a:extLst>
+          </p:cNvPr>
+          <p:cNvPicPr>
+            <a:picLocks noChangeAspect="1"/>
+          </p:cNvPicPr>
+          <p:nvPr/>
+        </p:nvPicPr>
+        <p:blipFill>
+          <a:blip r:embed="rId2"/>
+          <a:stretch>
+            <a:fillRect/>
+          </a:stretch>
+        </p:blipFill>
+        <p:spPr>
+          <a:xfrm>
+            <a:off x="2550583" y="693168"/>
+            <a:ext cx="11250084" cy="433998"/>
+          </a:xfrm>
+          <a:prstGeom prst="rect">
+            <a:avLst/>
+          </a:prstGeom>
+        </p:spPr>
+      </p:pic>
+      <p:pic>
+        <p:nvPicPr>
+          <p:cNvPr id="12" name="Picture 11" descr="A group on a black background&#10;&#10;Description automatically generated">
+            <a:extLst>
+              <a:ext uri="{FF2B5EF4-FFF2-40B4-BE49-F238E27FC236}">
+                <a16:creationId xmlns:a16="http://schemas.microsoft.com/office/drawing/2014/main" id="{5DF28C49-F5D8-7CB2-1C75-76D1DD7C3C3F}"/>
+              </a:ext>
+            </a:extLst>
+          </p:cNvPr>
+          <p:cNvPicPr>
+            <a:picLocks noChangeAspect="1"/>
+          </p:cNvPicPr>
+          <p:nvPr/>
+        </p:nvPicPr>
+        <p:blipFill>
+          <a:blip r:embed="rId3"/>
+          <a:stretch>
+            <a:fillRect/>
+          </a:stretch>
+        </p:blipFill>
+        <p:spPr>
+          <a:xfrm>
+            <a:off x="9271000" y="695854"/>
+            <a:ext cx="1460500" cy="449792"/>
+          </a:xfrm>
+          <a:prstGeom prst="rect">
+            <a:avLst/>
+          </a:prstGeom>
+        </p:spPr>
+      </p:pic>
       <p:sp>
         <p:nvSpPr>
-          <p:cNvPr id="2" name="Title 1">
-            <a:extLst>
-              <a:ext uri="{FF2B5EF4-FFF2-40B4-BE49-F238E27FC236}">
-                <a16:creationId xmlns:a16="http://schemas.microsoft.com/office/drawing/2014/main" id="{B2920169-6750-EA8A-568F-8A86E87135F5}"/>
+          <p:cNvPr id="4" name="Title 1">
+            <a:extLst>
+              <a:ext uri="{FF2B5EF4-FFF2-40B4-BE49-F238E27FC236}">
+                <a16:creationId xmlns:a16="http://schemas.microsoft.com/office/drawing/2014/main" id="{6AFA14BB-EB0A-2E48-0763-F1DB55F547DC}"/>
               </a:ext>
             </a:extLst>
           </p:cNvPr>
@@ -6106,14 +7745,25 @@
             <p:ph type="title"/>
           </p:nvPr>
         </p:nvSpPr>
-        <p:spPr/>
+        <p:spPr>
+          <a:xfrm>
+            <a:off x="520700" y="1603376"/>
+            <a:ext cx="10515600" cy="669397"/>
+          </a:xfrm>
+        </p:spPr>
         <p:txBody>
-          <a:bodyPr/>
+          <a:bodyPr vert="horz" lIns="91440" tIns="45720" rIns="91440" bIns="45720" rtlCol="0" anchor="ctr">
+            <a:noAutofit/>
+          </a:bodyPr>
           <a:lstStyle/>
           <a:p>
             <a:r>
-              <a:rPr lang="en-US"/>
-              <a:t>Inspiration</a:t>
+              <a:rPr lang="en-US">
+                <a:solidFill>
+                  <a:schemeClr val="bg1"/>
+                </a:solidFill>
+              </a:rPr>
+              <a:t>Research Question #2</a:t>
             </a:r>
           </a:p>
           <a:p>
@@ -6123,10 +7773,10 @@
       </p:sp>
       <p:sp>
         <p:nvSpPr>
-          <p:cNvPr id="3" name="Content Placeholder 2">
-            <a:extLst>
-              <a:ext uri="{FF2B5EF4-FFF2-40B4-BE49-F238E27FC236}">
-                <a16:creationId xmlns:a16="http://schemas.microsoft.com/office/drawing/2014/main" id="{AE6A74FB-295B-5866-FC2D-F905DF7A2A66}"/>
+          <p:cNvPr id="6" name="Content Placeholder 2">
+            <a:extLst>
+              <a:ext uri="{FF2B5EF4-FFF2-40B4-BE49-F238E27FC236}">
+                <a16:creationId xmlns:a16="http://schemas.microsoft.com/office/drawing/2014/main" id="{03805CBD-6CEC-ABAB-0222-2B70E79A74F2}"/>
               </a:ext>
             </a:extLst>
           </p:cNvPr>
@@ -6139,8 +7789,8 @@
         </p:nvSpPr>
         <p:spPr>
           <a:xfrm>
-            <a:off x="838200" y="1825625"/>
-            <a:ext cx="6029633" cy="4351338"/>
+            <a:off x="572592" y="1938970"/>
+            <a:ext cx="10515600" cy="2202922"/>
           </a:xfrm>
         </p:spPr>
         <p:txBody>
@@ -6150,49 +7800,257 @@
           <a:lstStyle/>
           <a:p>
             <a:r>
-              <a:rPr lang="en-US" sz="1600">
+              <a:rPr lang="en-US" sz="1800">
+                <a:solidFill>
+                  <a:schemeClr val="bg1"/>
+                </a:solidFill>
                 <a:ea typeface="+mn-lt"/>
                 <a:cs typeface="+mn-lt"/>
               </a:rPr>
-              <a:t>For our visualizations, we drew inspiration from several Tableau Public dashboards. </a:t>
-            </a:r>
-          </a:p>
-          <a:p>
-            <a:r>
-              <a:rPr lang="en-US" sz="1600">
-                <a:ea typeface="+mn-lt"/>
-                <a:cs typeface="+mn-lt"/>
-              </a:rPr>
-              <a:t>These examples showcase different approaches to analyzing time-series data and genre trends. </a:t>
-            </a:r>
-            <a:endParaRPr lang="en-US" sz="1600"/>
-          </a:p>
-          <a:p>
-            <a:r>
-              <a:rPr lang="en-US" sz="1600">
-                <a:ea typeface="+mn-lt"/>
-                <a:cs typeface="+mn-lt"/>
-              </a:rPr>
-              <a:t>One example helped us understand how to present long-term trends, while others offered ways to visualize ratings and popularity in genres similar to our movie dataset. </a:t>
-            </a:r>
-            <a:endParaRPr lang="en-US" sz="1600"/>
-          </a:p>
-          <a:p>
-            <a:r>
-              <a:rPr lang="en-US" sz="1600">
-                <a:ea typeface="+mn-lt"/>
-                <a:cs typeface="+mn-lt"/>
-              </a:rPr>
-              <a:t>These sources guided us in designing dashboards that clearly show the patterns we wanted to explore in our dataset.</a:t>
-            </a:r>
-            <a:endParaRPr lang="en-US" sz="1400"/>
+              <a:t>Second, what are the most popular genres over time, and how do their ratings compare? </a:t>
+            </a:r>
           </a:p>
         </p:txBody>
       </p:sp>
+      <p:pic>
+        <p:nvPicPr>
+          <p:cNvPr id="14" name="Picture 13" descr="A red text on a black background&#10;&#10;Description automatically generated">
+            <a:extLst>
+              <a:ext uri="{FF2B5EF4-FFF2-40B4-BE49-F238E27FC236}">
+                <a16:creationId xmlns:a16="http://schemas.microsoft.com/office/drawing/2014/main" id="{D2C12464-B888-CB19-0632-084675763A80}"/>
+              </a:ext>
+            </a:extLst>
+          </p:cNvPr>
+          <p:cNvPicPr>
+            <a:picLocks noChangeAspect="1"/>
+          </p:cNvPicPr>
+          <p:nvPr/>
+        </p:nvPicPr>
+        <p:blipFill>
+          <a:blip r:embed="rId4">
+            <a:extLst>
+              <a:ext uri="{BEBA8EAE-BF5A-486C-A8C5-ECC9F3942E4B}">
+                <a14:imgProps xmlns:a14="http://schemas.microsoft.com/office/drawing/2010/main">
+                  <a14:imgLayer r:embed="rId5">
+                    <a14:imgEffect>
+                      <a14:brightnessContrast contrast="25000"/>
+                    </a14:imgEffect>
+                  </a14:imgLayer>
+                </a14:imgProps>
+              </a:ext>
+            </a:extLst>
+          </a:blip>
+          <a:stretch>
+            <a:fillRect/>
+          </a:stretch>
+        </p:blipFill>
+        <p:spPr>
+          <a:xfrm>
+            <a:off x="500063" y="511266"/>
+            <a:ext cx="2047875" cy="607300"/>
+          </a:xfrm>
+          <a:prstGeom prst="rect">
+            <a:avLst/>
+          </a:prstGeom>
+        </p:spPr>
+      </p:pic>
+      <p:pic>
+        <p:nvPicPr>
+          <p:cNvPr id="16" name="Picture 15" descr="A cartoon of a cat&#10;&#10;Description automatically generated">
+            <a:extLst>
+              <a:ext uri="{FF2B5EF4-FFF2-40B4-BE49-F238E27FC236}">
+                <a16:creationId xmlns:a16="http://schemas.microsoft.com/office/drawing/2014/main" id="{6EE0C1D2-0A49-ECF2-1D44-16D5CC13CAA9}"/>
+              </a:ext>
+            </a:extLst>
+          </p:cNvPr>
+          <p:cNvPicPr>
+            <a:picLocks noChangeAspect="1"/>
+          </p:cNvPicPr>
+          <p:nvPr/>
+        </p:nvPicPr>
+        <p:blipFill>
+          <a:blip r:embed="rId6"/>
+          <a:stretch>
+            <a:fillRect/>
+          </a:stretch>
+        </p:blipFill>
+        <p:spPr>
+          <a:xfrm>
+            <a:off x="10837089" y="601257"/>
+            <a:ext cx="518258" cy="522573"/>
+          </a:xfrm>
+          <a:prstGeom prst="rect">
+            <a:avLst/>
+          </a:prstGeom>
+        </p:spPr>
+      </p:pic>
+      <p:pic>
+        <p:nvPicPr>
+          <p:cNvPr id="17" name="Picture 16" descr="A graph of different colored lines&#10;&#10;Description automatically generated">
+            <a:extLst>
+              <a:ext uri="{FF2B5EF4-FFF2-40B4-BE49-F238E27FC236}">
+                <a16:creationId xmlns:a16="http://schemas.microsoft.com/office/drawing/2014/main" id="{A315506D-5A6A-A4B2-9B5B-A38978BC43B9}"/>
+              </a:ext>
+            </a:extLst>
+          </p:cNvPr>
+          <p:cNvPicPr>
+            <a:picLocks noChangeAspect="1"/>
+          </p:cNvPicPr>
+          <p:nvPr/>
+        </p:nvPicPr>
+        <p:blipFill>
+          <a:blip r:embed="rId7"/>
+          <a:stretch>
+            <a:fillRect/>
+          </a:stretch>
+        </p:blipFill>
+        <p:spPr>
+          <a:xfrm>
+            <a:off x="232833" y="2386330"/>
+            <a:ext cx="6180667" cy="3217757"/>
+          </a:xfrm>
+          <a:prstGeom prst="rect">
+            <a:avLst/>
+          </a:prstGeom>
+          <a:solidFill>
+            <a:srgbClr val="FFFFFF">
+              <a:shade val="85000"/>
+            </a:srgbClr>
+          </a:solidFill>
+          <a:ln w="88900" cap="sq">
+            <a:solidFill>
+              <a:srgbClr val="FFFFFF"/>
+            </a:solidFill>
+            <a:miter lim="800000"/>
+          </a:ln>
+          <a:effectLst>
+            <a:outerShdw blurRad="55000" dist="18000" dir="5400000" algn="tl" rotWithShape="0">
+              <a:srgbClr val="000000">
+                <a:alpha val="40000"/>
+              </a:srgbClr>
+            </a:outerShdw>
+          </a:effectLst>
+          <a:scene3d>
+            <a:camera prst="orthographicFront"/>
+            <a:lightRig rig="twoPt" dir="t">
+              <a:rot lat="0" lon="0" rev="7200000"/>
+            </a:lightRig>
+          </a:scene3d>
+          <a:sp3d>
+            <a:bevelT w="25400" h="19050"/>
+            <a:contourClr>
+              <a:srgbClr val="FFFFFF"/>
+            </a:contourClr>
+          </a:sp3d>
+        </p:spPr>
+      </p:pic>
+      <p:sp>
+        <p:nvSpPr>
+          <p:cNvPr id="18" name="TextBox 17">
+            <a:extLst>
+              <a:ext uri="{FF2B5EF4-FFF2-40B4-BE49-F238E27FC236}">
+                <a16:creationId xmlns:a16="http://schemas.microsoft.com/office/drawing/2014/main" id="{3A48D459-5C20-025E-DBD0-2E0BD38EFF58}"/>
+              </a:ext>
+            </a:extLst>
+          </p:cNvPr>
+          <p:cNvSpPr txBox="1"/>
+          <p:nvPr/>
+        </p:nvSpPr>
+        <p:spPr>
+          <a:xfrm>
+            <a:off x="575734" y="5835650"/>
+            <a:ext cx="11146366" cy="646331"/>
+          </a:xfrm>
+          <a:prstGeom prst="rect">
+            <a:avLst/>
+          </a:prstGeom>
+          <a:noFill/>
+        </p:spPr>
+        <p:txBody>
+          <a:bodyPr rot="0" spcFirstLastPara="0" vertOverflow="overflow" horzOverflow="overflow" vert="horz" wrap="square" lIns="91440" tIns="45720" rIns="91440" bIns="45720" numCol="1" spcCol="0" rtlCol="0" fromWordArt="0" anchor="t" anchorCtr="0" forceAA="0" compatLnSpc="1">
+            <a:prstTxWarp prst="textNoShape">
+              <a:avLst/>
+            </a:prstTxWarp>
+            <a:spAutoFit/>
+          </a:bodyPr>
+          <a:lstStyle/>
+          <a:p>
+            <a:r>
+              <a:rPr lang="en-US">
+                <a:solidFill>
+                  <a:srgbClr val="FFFFFF"/>
+                </a:solidFill>
+              </a:rPr>
+              <a:t>These questions guided the development of our dashboards and visualizations, allowing us to explore directorial success and trends in genre popularity in greater detail.</a:t>
+            </a:r>
+            <a:endParaRPr lang="en-US"/>
+          </a:p>
+        </p:txBody>
+      </p:sp>
+      <p:pic>
+        <p:nvPicPr>
+          <p:cNvPr id="19" name="Picture 18">
+            <a:extLst>
+              <a:ext uri="{FF2B5EF4-FFF2-40B4-BE49-F238E27FC236}">
+                <a16:creationId xmlns:a16="http://schemas.microsoft.com/office/drawing/2014/main" id="{5FF4C8AE-D397-7553-1293-33512C64E026}"/>
+              </a:ext>
+            </a:extLst>
+          </p:cNvPr>
+          <p:cNvPicPr>
+            <a:picLocks noChangeAspect="1"/>
+          </p:cNvPicPr>
+          <p:nvPr/>
+        </p:nvPicPr>
+        <p:blipFill>
+          <a:blip r:embed="rId8"/>
+          <a:stretch>
+            <a:fillRect/>
+          </a:stretch>
+        </p:blipFill>
+        <p:spPr>
+          <a:xfrm>
+            <a:off x="6630988" y="2382837"/>
+            <a:ext cx="1808691" cy="3224741"/>
+          </a:xfrm>
+          <a:prstGeom prst="rect">
+            <a:avLst/>
+          </a:prstGeom>
+        </p:spPr>
+      </p:pic>
+      <p:pic>
+        <p:nvPicPr>
+          <p:cNvPr id="20" name="Picture 19" descr="A screen shot of a diagram&#10;&#10;Description automatically generated">
+            <a:extLst>
+              <a:ext uri="{FF2B5EF4-FFF2-40B4-BE49-F238E27FC236}">
+                <a16:creationId xmlns:a16="http://schemas.microsoft.com/office/drawing/2014/main" id="{4BA2A86D-9DD7-1ADB-6401-F378DE6562CD}"/>
+              </a:ext>
+            </a:extLst>
+          </p:cNvPr>
+          <p:cNvPicPr>
+            <a:picLocks noChangeAspect="1"/>
+          </p:cNvPicPr>
+          <p:nvPr/>
+        </p:nvPicPr>
+        <p:blipFill>
+          <a:blip r:embed="rId9"/>
+          <a:stretch>
+            <a:fillRect/>
+          </a:stretch>
+        </p:blipFill>
+        <p:spPr>
+          <a:xfrm>
+            <a:off x="8714699" y="2381250"/>
+            <a:ext cx="3239853" cy="3227917"/>
+          </a:xfrm>
+          <a:prstGeom prst="rect">
+            <a:avLst/>
+          </a:prstGeom>
+        </p:spPr>
+      </p:pic>
     </p:spTree>
     <p:extLst>
       <p:ext uri="{BB962C8B-B14F-4D97-AF65-F5344CB8AC3E}">
-        <p14:creationId xmlns:p14="http://schemas.microsoft.com/office/powerpoint/2010/main" val="1492970871"/>
+        <p14:creationId xmlns:p14="http://schemas.microsoft.com/office/powerpoint/2010/main" val="825667891"/>
       </p:ext>
     </p:extLst>
   </p:cSld>
@@ -6205,6 +8063,14 @@
 <file path=ppt/slides/slide8.xml><?xml version="1.0" encoding="utf-8"?>
 <p:sld xmlns:a="http://schemas.openxmlformats.org/drawingml/2006/main" xmlns:r="http://schemas.openxmlformats.org/officeDocument/2006/relationships" xmlns:p="http://schemas.openxmlformats.org/presentationml/2006/main">
   <p:cSld>
+    <p:bg>
+      <p:bgPr>
+        <a:solidFill>
+          <a:schemeClr val="tx1"/>
+        </a:solidFill>
+        <a:effectLst/>
+      </p:bgPr>
+    </p:bg>
     <p:spTree>
       <p:nvGrpSpPr>
         <p:cNvPr id="1" name=""/>
@@ -6219,12 +8085,144 @@
           <a:chExt cx="0" cy="0"/>
         </a:xfrm>
       </p:grpSpPr>
+      <p:pic>
+        <p:nvPicPr>
+          <p:cNvPr id="9" name="Picture 8" descr="A red text on a black background&#10;&#10;Description automatically generated">
+            <a:extLst>
+              <a:ext uri="{FF2B5EF4-FFF2-40B4-BE49-F238E27FC236}">
+                <a16:creationId xmlns:a16="http://schemas.microsoft.com/office/drawing/2014/main" id="{9619230F-463F-E28A-A19D-A99CA2FEC8AF}"/>
+              </a:ext>
+            </a:extLst>
+          </p:cNvPr>
+          <p:cNvPicPr>
+            <a:picLocks noChangeAspect="1"/>
+          </p:cNvPicPr>
+          <p:nvPr/>
+        </p:nvPicPr>
+        <p:blipFill>
+          <a:blip r:embed="rId2">
+            <a:extLst>
+              <a:ext uri="{BEBA8EAE-BF5A-486C-A8C5-ECC9F3942E4B}">
+                <a14:imgProps xmlns:a14="http://schemas.microsoft.com/office/drawing/2010/main">
+                  <a14:imgLayer r:embed="rId3">
+                    <a14:imgEffect>
+                      <a14:brightnessContrast contrast="25000"/>
+                    </a14:imgEffect>
+                  </a14:imgLayer>
+                </a14:imgProps>
+              </a:ext>
+            </a:extLst>
+          </a:blip>
+          <a:stretch>
+            <a:fillRect/>
+          </a:stretch>
+        </p:blipFill>
+        <p:spPr>
+          <a:xfrm>
+            <a:off x="500063" y="500683"/>
+            <a:ext cx="2047875" cy="607300"/>
+          </a:xfrm>
+          <a:prstGeom prst="rect">
+            <a:avLst/>
+          </a:prstGeom>
+        </p:spPr>
+      </p:pic>
+      <p:pic>
+        <p:nvPicPr>
+          <p:cNvPr id="10" name="Picture 9">
+            <a:extLst>
+              <a:ext uri="{FF2B5EF4-FFF2-40B4-BE49-F238E27FC236}">
+                <a16:creationId xmlns:a16="http://schemas.microsoft.com/office/drawing/2014/main" id="{89EE9E6A-6BFC-58D0-BEA7-A1C49B29A47C}"/>
+              </a:ext>
+            </a:extLst>
+          </p:cNvPr>
+          <p:cNvPicPr>
+            <a:picLocks noChangeAspect="1"/>
+          </p:cNvPicPr>
+          <p:nvPr/>
+        </p:nvPicPr>
+        <p:blipFill>
+          <a:blip r:embed="rId4"/>
+          <a:stretch>
+            <a:fillRect/>
+          </a:stretch>
+        </p:blipFill>
+        <p:spPr>
+          <a:xfrm>
+            <a:off x="2550583" y="693168"/>
+            <a:ext cx="11250084" cy="433998"/>
+          </a:xfrm>
+          <a:prstGeom prst="rect">
+            <a:avLst/>
+          </a:prstGeom>
+        </p:spPr>
+      </p:pic>
+      <p:pic>
+        <p:nvPicPr>
+          <p:cNvPr id="12" name="Picture 11" descr="A group on a black background&#10;&#10;Description automatically generated">
+            <a:extLst>
+              <a:ext uri="{FF2B5EF4-FFF2-40B4-BE49-F238E27FC236}">
+                <a16:creationId xmlns:a16="http://schemas.microsoft.com/office/drawing/2014/main" id="{5DF28C49-F5D8-7CB2-1C75-76D1DD7C3C3F}"/>
+              </a:ext>
+            </a:extLst>
+          </p:cNvPr>
+          <p:cNvPicPr>
+            <a:picLocks noChangeAspect="1"/>
+          </p:cNvPicPr>
+          <p:nvPr/>
+        </p:nvPicPr>
+        <p:blipFill>
+          <a:blip r:embed="rId5"/>
+          <a:stretch>
+            <a:fillRect/>
+          </a:stretch>
+        </p:blipFill>
+        <p:spPr>
+          <a:xfrm>
+            <a:off x="9271000" y="695854"/>
+            <a:ext cx="1460500" cy="449792"/>
+          </a:xfrm>
+          <a:prstGeom prst="rect">
+            <a:avLst/>
+          </a:prstGeom>
+        </p:spPr>
+      </p:pic>
+      <p:pic>
+        <p:nvPicPr>
+          <p:cNvPr id="3" name="Picture 2" descr="A cartoon face with a red mask&#10;&#10;Description automatically generated">
+            <a:extLst>
+              <a:ext uri="{FF2B5EF4-FFF2-40B4-BE49-F238E27FC236}">
+                <a16:creationId xmlns:a16="http://schemas.microsoft.com/office/drawing/2014/main" id="{620E36F0-E02D-0B62-91A8-9C72896CE469}"/>
+              </a:ext>
+            </a:extLst>
+          </p:cNvPr>
+          <p:cNvPicPr>
+            <a:picLocks noChangeAspect="1"/>
+          </p:cNvPicPr>
+          <p:nvPr/>
+        </p:nvPicPr>
+        <p:blipFill>
+          <a:blip r:embed="rId6"/>
+          <a:stretch>
+            <a:fillRect/>
+          </a:stretch>
+        </p:blipFill>
+        <p:spPr>
+          <a:xfrm>
+            <a:off x="10876044" y="616845"/>
+            <a:ext cx="506293" cy="513375"/>
+          </a:xfrm>
+          <a:prstGeom prst="rect">
+            <a:avLst/>
+          </a:prstGeom>
+        </p:spPr>
+      </p:pic>
       <p:sp>
         <p:nvSpPr>
-          <p:cNvPr id="2" name="Title 1">
-            <a:extLst>
-              <a:ext uri="{FF2B5EF4-FFF2-40B4-BE49-F238E27FC236}">
-                <a16:creationId xmlns:a16="http://schemas.microsoft.com/office/drawing/2014/main" id="{105BE496-0F3A-16EF-BD83-365E89CEF816}"/>
+          <p:cNvPr id="4" name="Title 1">
+            <a:extLst>
+              <a:ext uri="{FF2B5EF4-FFF2-40B4-BE49-F238E27FC236}">
+                <a16:creationId xmlns:a16="http://schemas.microsoft.com/office/drawing/2014/main" id="{BD9D08F5-6038-CB9C-17E3-A9D2BEA9E2C8}"/>
               </a:ext>
             </a:extLst>
           </p:cNvPr>
@@ -6235,14 +8233,23 @@
             <p:ph type="title"/>
           </p:nvPr>
         </p:nvSpPr>
-        <p:spPr/>
+        <p:spPr>
+          <a:xfrm>
+            <a:off x="563034" y="1328208"/>
+            <a:ext cx="10515600" cy="1325563"/>
+          </a:xfrm>
+        </p:spPr>
         <p:txBody>
           <a:bodyPr/>
           <a:lstStyle/>
           <a:p>
             <a:r>
-              <a:rPr lang="en-US"/>
-              <a:t>Design concepts</a:t>
+              <a:rPr lang="en-US">
+                <a:solidFill>
+                  <a:schemeClr val="bg1"/>
+                </a:solidFill>
+              </a:rPr>
+              <a:t>PIVOT TO LIVE DEMO</a:t>
             </a:r>
           </a:p>
           <a:p>
@@ -6252,10 +8259,10 @@
       </p:sp>
       <p:sp>
         <p:nvSpPr>
-          <p:cNvPr id="3" name="Content Placeholder 2">
-            <a:extLst>
-              <a:ext uri="{FF2B5EF4-FFF2-40B4-BE49-F238E27FC236}">
-                <a16:creationId xmlns:a16="http://schemas.microsoft.com/office/drawing/2014/main" id="{29B77415-F9F6-3D47-CDC7-962D53E76D4C}"/>
+          <p:cNvPr id="6" name="Content Placeholder 2">
+            <a:extLst>
+              <a:ext uri="{FF2B5EF4-FFF2-40B4-BE49-F238E27FC236}">
+                <a16:creationId xmlns:a16="http://schemas.microsoft.com/office/drawing/2014/main" id="{80951F0A-493F-C95E-7CB3-6A1814168FDA}"/>
               </a:ext>
             </a:extLst>
           </p:cNvPr>
@@ -6266,19 +8273,103 @@
             <p:ph idx="1"/>
           </p:nvPr>
         </p:nvSpPr>
-        <p:spPr/>
+        <p:spPr>
+          <a:xfrm>
+            <a:off x="563034" y="2788708"/>
+            <a:ext cx="10515600" cy="2827338"/>
+          </a:xfrm>
+        </p:spPr>
         <p:txBody>
-          <a:bodyPr/>
+          <a:bodyPr vert="horz" lIns="91440" tIns="45720" rIns="91440" bIns="45720" rtlCol="0" anchor="t">
+            <a:normAutofit/>
+          </a:bodyPr>
           <a:lstStyle/>
+          <a:p>
+            <a:endParaRPr lang="en-US" sz="1100">
+              <a:solidFill>
+                <a:schemeClr val="bg1"/>
+              </a:solidFill>
+            </a:endParaRPr>
+          </a:p>
+          <a:p>
+            <a:r>
+              <a:rPr lang="en-US">
+                <a:solidFill>
+                  <a:schemeClr val="bg1"/>
+                </a:solidFill>
+              </a:rPr>
+              <a:t>Walk us through all the html pages of your application</a:t>
+            </a:r>
+          </a:p>
+          <a:p>
+            <a:r>
+              <a:rPr lang="en-US">
+                <a:solidFill>
+                  <a:schemeClr val="bg1"/>
+                </a:solidFill>
+              </a:rPr>
+              <a:t>Show us how live ML page performs</a:t>
+            </a:r>
+          </a:p>
+          <a:p>
+            <a:r>
+              <a:rPr lang="en-US">
+                <a:solidFill>
+                  <a:schemeClr val="bg1"/>
+                </a:solidFill>
+              </a:rPr>
+              <a:t>Show us your BI visuals</a:t>
+            </a:r>
+          </a:p>
+          <a:p>
+            <a:r>
+              <a:rPr lang="en-US">
+                <a:solidFill>
+                  <a:schemeClr val="bg1"/>
+                </a:solidFill>
+              </a:rPr>
+              <a:t>How does this answer your research questions?</a:t>
+            </a:r>
+          </a:p>
           <a:p>
             <a:endParaRPr lang="en-US"/>
           </a:p>
         </p:txBody>
       </p:sp>
+      <p:pic>
+        <p:nvPicPr>
+          <p:cNvPr id="8" name="Picture 7" descr="A colorful background with a white text&#10;&#10;Description automatically generated">
+            <a:extLst>
+              <a:ext uri="{FF2B5EF4-FFF2-40B4-BE49-F238E27FC236}">
+                <a16:creationId xmlns:a16="http://schemas.microsoft.com/office/drawing/2014/main" id="{8EDD6CBD-C817-DCE3-41AF-498FC1B5E0AC}"/>
+              </a:ext>
+            </a:extLst>
+          </p:cNvPr>
+          <p:cNvPicPr>
+            <a:picLocks noChangeAspect="1"/>
+          </p:cNvPicPr>
+          <p:nvPr/>
+        </p:nvPicPr>
+        <p:blipFill>
+          <a:blip r:embed="rId7"/>
+          <a:stretch>
+            <a:fillRect/>
+          </a:stretch>
+        </p:blipFill>
+        <p:spPr>
+          <a:xfrm>
+            <a:off x="10884997" y="611837"/>
+            <a:ext cx="498965" cy="519318"/>
+          </a:xfrm>
+          <a:prstGeom prst="rect">
+            <a:avLst/>
+          </a:prstGeom>
+        </p:spPr>
+      </p:pic>
     </p:spTree>
     <p:extLst>
       <p:ext uri="{BB962C8B-B14F-4D97-AF65-F5344CB8AC3E}">
-        <p14:creationId xmlns:p14="http://schemas.microsoft.com/office/powerpoint/2010/main" val="2054291234"/>
+        <p14:creationId xmlns:p14="http://schemas.microsoft.com/office/powerpoint/2010/main" val="2168197265"/>
       </p:ext>
     </p:extLst>
   </p:cSld>
@@ -6291,6 +8382,14 @@
 <file path=ppt/slides/slide9.xml><?xml version="1.0" encoding="utf-8"?>
 <p:sld xmlns:a="http://schemas.openxmlformats.org/drawingml/2006/main" xmlns:r="http://schemas.openxmlformats.org/officeDocument/2006/relationships" xmlns:p="http://schemas.openxmlformats.org/presentationml/2006/main">
   <p:cSld>
+    <p:bg>
+      <p:bgPr>
+        <a:solidFill>
+          <a:schemeClr val="tx1"/>
+        </a:solidFill>
+        <a:effectLst/>
+      </p:bgPr>
+    </p:bg>
     <p:spTree>
       <p:nvGrpSpPr>
         <p:cNvPr id="1" name=""/>
@@ -6305,12 +8404,144 @@
           <a:chExt cx="0" cy="0"/>
         </a:xfrm>
       </p:grpSpPr>
+      <p:pic>
+        <p:nvPicPr>
+          <p:cNvPr id="9" name="Picture 8" descr="A red text on a black background&#10;&#10;Description automatically generated">
+            <a:extLst>
+              <a:ext uri="{FF2B5EF4-FFF2-40B4-BE49-F238E27FC236}">
+                <a16:creationId xmlns:a16="http://schemas.microsoft.com/office/drawing/2014/main" id="{9619230F-463F-E28A-A19D-A99CA2FEC8AF}"/>
+              </a:ext>
+            </a:extLst>
+          </p:cNvPr>
+          <p:cNvPicPr>
+            <a:picLocks noChangeAspect="1"/>
+          </p:cNvPicPr>
+          <p:nvPr/>
+        </p:nvPicPr>
+        <p:blipFill>
+          <a:blip r:embed="rId2">
+            <a:extLst>
+              <a:ext uri="{BEBA8EAE-BF5A-486C-A8C5-ECC9F3942E4B}">
+                <a14:imgProps xmlns:a14="http://schemas.microsoft.com/office/drawing/2010/main">
+                  <a14:imgLayer r:embed="rId3">
+                    <a14:imgEffect>
+                      <a14:brightnessContrast contrast="25000"/>
+                    </a14:imgEffect>
+                  </a14:imgLayer>
+                </a14:imgProps>
+              </a:ext>
+            </a:extLst>
+          </a:blip>
+          <a:stretch>
+            <a:fillRect/>
+          </a:stretch>
+        </p:blipFill>
+        <p:spPr>
+          <a:xfrm>
+            <a:off x="500063" y="500683"/>
+            <a:ext cx="2047875" cy="607300"/>
+          </a:xfrm>
+          <a:prstGeom prst="rect">
+            <a:avLst/>
+          </a:prstGeom>
+        </p:spPr>
+      </p:pic>
+      <p:pic>
+        <p:nvPicPr>
+          <p:cNvPr id="10" name="Picture 9">
+            <a:extLst>
+              <a:ext uri="{FF2B5EF4-FFF2-40B4-BE49-F238E27FC236}">
+                <a16:creationId xmlns:a16="http://schemas.microsoft.com/office/drawing/2014/main" id="{89EE9E6A-6BFC-58D0-BEA7-A1C49B29A47C}"/>
+              </a:ext>
+            </a:extLst>
+          </p:cNvPr>
+          <p:cNvPicPr>
+            <a:picLocks noChangeAspect="1"/>
+          </p:cNvPicPr>
+          <p:nvPr/>
+        </p:nvPicPr>
+        <p:blipFill>
+          <a:blip r:embed="rId4"/>
+          <a:stretch>
+            <a:fillRect/>
+          </a:stretch>
+        </p:blipFill>
+        <p:spPr>
+          <a:xfrm>
+            <a:off x="2550583" y="693168"/>
+            <a:ext cx="11250084" cy="433998"/>
+          </a:xfrm>
+          <a:prstGeom prst="rect">
+            <a:avLst/>
+          </a:prstGeom>
+        </p:spPr>
+      </p:pic>
+      <p:pic>
+        <p:nvPicPr>
+          <p:cNvPr id="12" name="Picture 11" descr="A group on a black background&#10;&#10;Description automatically generated">
+            <a:extLst>
+              <a:ext uri="{FF2B5EF4-FFF2-40B4-BE49-F238E27FC236}">
+                <a16:creationId xmlns:a16="http://schemas.microsoft.com/office/drawing/2014/main" id="{5DF28C49-F5D8-7CB2-1C75-76D1DD7C3C3F}"/>
+              </a:ext>
+            </a:extLst>
+          </p:cNvPr>
+          <p:cNvPicPr>
+            <a:picLocks noChangeAspect="1"/>
+          </p:cNvPicPr>
+          <p:nvPr/>
+        </p:nvPicPr>
+        <p:blipFill>
+          <a:blip r:embed="rId5"/>
+          <a:stretch>
+            <a:fillRect/>
+          </a:stretch>
+        </p:blipFill>
+        <p:spPr>
+          <a:xfrm>
+            <a:off x="9271000" y="695854"/>
+            <a:ext cx="1460500" cy="449792"/>
+          </a:xfrm>
+          <a:prstGeom prst="rect">
+            <a:avLst/>
+          </a:prstGeom>
+        </p:spPr>
+      </p:pic>
+      <p:pic>
+        <p:nvPicPr>
+          <p:cNvPr id="3" name="Picture 2" descr="A cartoon face with a red mask&#10;&#10;Description automatically generated">
+            <a:extLst>
+              <a:ext uri="{FF2B5EF4-FFF2-40B4-BE49-F238E27FC236}">
+                <a16:creationId xmlns:a16="http://schemas.microsoft.com/office/drawing/2014/main" id="{620E36F0-E02D-0B62-91A8-9C72896CE469}"/>
+              </a:ext>
+            </a:extLst>
+          </p:cNvPr>
+          <p:cNvPicPr>
+            <a:picLocks noChangeAspect="1"/>
+          </p:cNvPicPr>
+          <p:nvPr/>
+        </p:nvPicPr>
+        <p:blipFill>
+          <a:blip r:embed="rId6"/>
+          <a:stretch>
+            <a:fillRect/>
+          </a:stretch>
+        </p:blipFill>
+        <p:spPr>
+          <a:xfrm>
+            <a:off x="10876044" y="616845"/>
+            <a:ext cx="506293" cy="513375"/>
+          </a:xfrm>
+          <a:prstGeom prst="rect">
+            <a:avLst/>
+          </a:prstGeom>
+        </p:spPr>
+      </p:pic>
       <p:sp>
         <p:nvSpPr>
-          <p:cNvPr id="2" name="Title 1">
-            <a:extLst>
-              <a:ext uri="{FF2B5EF4-FFF2-40B4-BE49-F238E27FC236}">
-                <a16:creationId xmlns:a16="http://schemas.microsoft.com/office/drawing/2014/main" id="{F8E0A64B-7633-5C32-336C-B025736EF223}"/>
+          <p:cNvPr id="4" name="Title 1">
+            <a:extLst>
+              <a:ext uri="{FF2B5EF4-FFF2-40B4-BE49-F238E27FC236}">
+                <a16:creationId xmlns:a16="http://schemas.microsoft.com/office/drawing/2014/main" id="{FD042849-23EE-BDB4-5B77-9DF3695D518D}"/>
               </a:ext>
             </a:extLst>
           </p:cNvPr>
@@ -6321,14 +8552,23 @@
             <p:ph type="title"/>
           </p:nvPr>
         </p:nvSpPr>
-        <p:spPr/>
+        <p:spPr>
+          <a:xfrm>
+            <a:off x="520700" y="1338791"/>
+            <a:ext cx="10515600" cy="1325563"/>
+          </a:xfrm>
+        </p:spPr>
         <p:txBody>
           <a:bodyPr/>
           <a:lstStyle/>
           <a:p>
             <a:r>
-              <a:rPr lang="en-US"/>
-              <a:t>Research Question #1</a:t>
+              <a:rPr lang="en-US">
+                <a:solidFill>
+                  <a:schemeClr val="bg1"/>
+                </a:solidFill>
+              </a:rPr>
+              <a:t>Conclusions</a:t>
             </a:r>
           </a:p>
           <a:p>
@@ -6338,10 +8578,10 @@
       </p:sp>
       <p:sp>
         <p:nvSpPr>
-          <p:cNvPr id="3" name="Content Placeholder 2">
-            <a:extLst>
-              <a:ext uri="{FF2B5EF4-FFF2-40B4-BE49-F238E27FC236}">
-                <a16:creationId xmlns:a16="http://schemas.microsoft.com/office/drawing/2014/main" id="{EF6C9BD8-56C2-C557-558C-01D86D3AE0EE}"/>
+          <p:cNvPr id="6" name="Content Placeholder 2">
+            <a:extLst>
+              <a:ext uri="{FF2B5EF4-FFF2-40B4-BE49-F238E27FC236}">
+                <a16:creationId xmlns:a16="http://schemas.microsoft.com/office/drawing/2014/main" id="{1DF9DA9E-10FB-B333-2938-F4D569AB339E}"/>
               </a:ext>
             </a:extLst>
           </p:cNvPr>
@@ -6354,8 +8594,8 @@
         </p:nvSpPr>
         <p:spPr>
           <a:xfrm>
-            <a:off x="678426" y="1346302"/>
-            <a:ext cx="10515600" cy="4351338"/>
+            <a:off x="520700" y="2799291"/>
+            <a:ext cx="10515600" cy="2679172"/>
           </a:xfrm>
         </p:spPr>
         <p:txBody>
@@ -6366,28 +8606,92 @@
           <a:p>
             <a:r>
               <a:rPr lang="en-US" sz="1800">
+                <a:solidFill>
+                  <a:schemeClr val="bg1"/>
+                </a:solidFill>
                 <a:ea typeface="+mn-lt"/>
                 <a:cs typeface="+mn-lt"/>
               </a:rPr>
-              <a:t>Our analysis focused on two primary research questions: </a:t>
+              <a:t>From our analysis, we found that directors with higher average ratings often also receive more votes, suggesting that audience engagement is linked to perceived quality. </a:t>
             </a:r>
           </a:p>
           <a:p>
             <a:r>
               <a:rPr lang="en-US" sz="1800">
+                <a:solidFill>
+                  <a:schemeClr val="bg1"/>
+                </a:solidFill>
                 <a:ea typeface="+mn-lt"/>
                 <a:cs typeface="+mn-lt"/>
               </a:rPr>
-              <a:t>First, which directors have the highest average ratings and the most votes? </a:t>
-            </a:r>
-            <a:endParaRPr lang="en-US" sz="1800"/>
+              <a:t>We also saw that certain genres have remained consistently popular, while others have fluctuated over time. </a:t>
+            </a:r>
+          </a:p>
+          <a:p>
+            <a:r>
+              <a:rPr lang="en-US" sz="1800">
+                <a:solidFill>
+                  <a:schemeClr val="bg1"/>
+                </a:solidFill>
+                <a:ea typeface="+mn-lt"/>
+                <a:cs typeface="+mn-lt"/>
+              </a:rPr>
+              <a:t>Additionally, cultural factors and the availability of platforms like IMDb and Rotten Tomatoes have influenced which directors and movies receive the most attention. </a:t>
+            </a:r>
+          </a:p>
+          <a:p>
+            <a:r>
+              <a:rPr lang="en-US" sz="1800">
+                <a:solidFill>
+                  <a:schemeClr val="bg1"/>
+                </a:solidFill>
+                <a:ea typeface="+mn-lt"/>
+                <a:cs typeface="+mn-lt"/>
+              </a:rPr>
+              <a:t>This suggests that both quality and accessibility play a role in how movies are rated and remembered.</a:t>
+            </a:r>
+            <a:endParaRPr lang="en-US" sz="1800">
+              <a:solidFill>
+                <a:schemeClr val="bg1"/>
+              </a:solidFill>
+            </a:endParaRPr>
           </a:p>
         </p:txBody>
       </p:sp>
+      <p:pic>
+        <p:nvPicPr>
+          <p:cNvPr id="8" name="Picture 7" descr="A cartoon of a cat&#10;&#10;Description automatically generated">
+            <a:extLst>
+              <a:ext uri="{FF2B5EF4-FFF2-40B4-BE49-F238E27FC236}">
+                <a16:creationId xmlns:a16="http://schemas.microsoft.com/office/drawing/2014/main" id="{92B6D090-DB4D-7F0C-6527-B1A13467ACB0}"/>
+              </a:ext>
+            </a:extLst>
+          </p:cNvPr>
+          <p:cNvPicPr>
+            <a:picLocks noChangeAspect="1"/>
+          </p:cNvPicPr>
+          <p:nvPr/>
+        </p:nvPicPr>
+        <p:blipFill>
+          <a:blip r:embed="rId7"/>
+          <a:stretch>
+            <a:fillRect/>
+          </a:stretch>
+        </p:blipFill>
+        <p:spPr>
+          <a:xfrm>
+            <a:off x="10868839" y="601257"/>
+            <a:ext cx="518258" cy="522573"/>
+          </a:xfrm>
+          <a:prstGeom prst="rect">
+            <a:avLst/>
+          </a:prstGeom>
+        </p:spPr>
+      </p:pic>
     </p:spTree>
     <p:extLst>
       <p:ext uri="{BB962C8B-B14F-4D97-AF65-F5344CB8AC3E}">
-        <p14:creationId xmlns:p14="http://schemas.microsoft.com/office/powerpoint/2010/main" val="3006699998"/>
+        <p14:creationId xmlns:p14="http://schemas.microsoft.com/office/powerpoint/2010/main" val="2293221413"/>
       </p:ext>
     </p:extLst>
   </p:cSld>

--- a/Project 4_Group 8_Slide Deck.pptx
+++ b/Project 4_Group 8_Slide Deck.pptx
@@ -16,7 +16,8 @@
     <p:sldId id="273" r:id="rId10"/>
     <p:sldId id="278" r:id="rId11"/>
     <p:sldId id="277" r:id="rId12"/>
-    <p:sldId id="267" r:id="rId13"/>
+    <p:sldId id="279" r:id="rId13"/>
+    <p:sldId id="267" r:id="rId14"/>
   </p:sldIdLst>
   <p:sldSz cx="12192000" cy="6858000"/>
   <p:notesSz cx="6858000" cy="9144000"/>
@@ -127,7 +128,7 @@
 <p1510:revInfo xmlns:a="http://schemas.openxmlformats.org/drawingml/2006/main" xmlns:r="http://schemas.openxmlformats.org/officeDocument/2006/relationships" xmlns:p1510="http://schemas.microsoft.com/office/powerpoint/2015/10/main">
   <p1510:revLst>
     <p1510:client id="{2097147D-7F3E-4BAA-A137-5C21ECE2DD43}" v="647" dt="2024-10-01T03:41:36.043"/>
-    <p1510:client id="{385EF587-D4F5-4A65-9464-A987A02548CC}" v="605" dt="2024-10-02T02:05:22.798"/>
+    <p1510:client id="{385EF587-D4F5-4A65-9464-A987A02548CC}" v="1274" dt="2024-10-02T03:24:37.571"/>
     <p1510:client id="{B7878E07-9FE0-457B-86CD-8216E8595628}" v="99" dt="2024-10-01T01:41:09.769"/>
   </p1510:revLst>
 </p1510:revInfo>
@@ -773,7 +774,7 @@
   <pc:docChgLst>
     <pc:chgData name="Judith Landa" userId="12b9e8b93ae54123" providerId="Windows Live" clId="Web-{385EF587-D4F5-4A65-9464-A987A02548CC}"/>
     <pc:docChg chg="addSld delSld modSld sldOrd">
-      <pc:chgData name="Judith Landa" userId="12b9e8b93ae54123" providerId="Windows Live" clId="Web-{385EF587-D4F5-4A65-9464-A987A02548CC}" dt="2024-10-02T02:05:22.798" v="556"/>
+      <pc:chgData name="Judith Landa" userId="12b9e8b93ae54123" providerId="Windows Live" clId="Web-{385EF587-D4F5-4A65-9464-A987A02548CC}" dt="2024-10-02T03:24:37.571" v="1060"/>
       <pc:docMkLst>
         <pc:docMk/>
       </pc:docMkLst>
@@ -785,7 +786,7 @@
         </pc:sldMkLst>
       </pc:sldChg>
       <pc:sldChg chg="addSp delSp modSp">
-        <pc:chgData name="Judith Landa" userId="12b9e8b93ae54123" providerId="Windows Live" clId="Web-{385EF587-D4F5-4A65-9464-A987A02548CC}" dt="2024-10-02T01:56:37.076" v="447" actId="1076"/>
+        <pc:chgData name="Judith Landa" userId="12b9e8b93ae54123" providerId="Windows Live" clId="Web-{385EF587-D4F5-4A65-9464-A987A02548CC}" dt="2024-10-02T03:24:37.571" v="1060"/>
         <pc:sldMkLst>
           <pc:docMk/>
           <pc:sldMk cId="2615286322" sldId="257"/>
@@ -814,8 +815,8 @@
             <ac:spMk id="8" creationId="{0E27D051-C264-2BA6-959D-64D8A83E034C}"/>
           </ac:spMkLst>
         </pc:spChg>
-        <pc:spChg chg="add mod">
-          <ac:chgData name="Judith Landa" userId="12b9e8b93ae54123" providerId="Windows Live" clId="Web-{385EF587-D4F5-4A65-9464-A987A02548CC}" dt="2024-10-02T01:56:10.638" v="439" actId="14100"/>
+        <pc:spChg chg="add del mod">
+          <ac:chgData name="Judith Landa" userId="12b9e8b93ae54123" providerId="Windows Live" clId="Web-{385EF587-D4F5-4A65-9464-A987A02548CC}" dt="2024-10-02T03:24:37.571" v="1060"/>
           <ac:spMkLst>
             <pc:docMk/>
             <pc:sldMk cId="2615286322" sldId="257"/>
@@ -1111,8 +1112,8 @@
           </ac:picMkLst>
         </pc:picChg>
       </pc:sldChg>
-      <pc:sldChg chg="ord">
-        <pc:chgData name="Judith Landa" userId="12b9e8b93ae54123" providerId="Windows Live" clId="Web-{385EF587-D4F5-4A65-9464-A987A02548CC}" dt="2024-10-02T00:47:36.147" v="130"/>
+      <pc:sldChg chg="ord addAnim delAnim">
+        <pc:chgData name="Judith Landa" userId="12b9e8b93ae54123" providerId="Windows Live" clId="Web-{385EF587-D4F5-4A65-9464-A987A02548CC}" dt="2024-10-02T03:05:17.246" v="1000"/>
         <pc:sldMkLst>
           <pc:docMk/>
           <pc:sldMk cId="2072904181" sldId="267"/>
@@ -1157,7 +1158,7 @@
         </pc:spChg>
       </pc:sldChg>
       <pc:sldChg chg="addSp delSp modSp add ord replId">
-        <pc:chgData name="Judith Landa" userId="12b9e8b93ae54123" providerId="Windows Live" clId="Web-{385EF587-D4F5-4A65-9464-A987A02548CC}" dt="2024-10-02T01:35:13.360" v="383"/>
+        <pc:chgData name="Judith Landa" userId="12b9e8b93ae54123" providerId="Windows Live" clId="Web-{385EF587-D4F5-4A65-9464-A987A02548CC}" dt="2024-10-02T03:24:18.460" v="1059" actId="1076"/>
         <pc:sldMkLst>
           <pc:docMk/>
           <pc:sldMk cId="6790699" sldId="271"/>
@@ -1178,8 +1179,8 @@
             <ac:spMk id="6" creationId="{D83DAF73-77FD-5EE3-2D3F-CF6E519CCF26}"/>
           </ac:spMkLst>
         </pc:spChg>
-        <pc:spChg chg="add mod">
-          <ac:chgData name="Judith Landa" userId="12b9e8b93ae54123" providerId="Windows Live" clId="Web-{385EF587-D4F5-4A65-9464-A987A02548CC}" dt="2024-10-02T01:34:49.515" v="380" actId="1076"/>
+        <pc:spChg chg="add del mod">
+          <ac:chgData name="Judith Landa" userId="12b9e8b93ae54123" providerId="Windows Live" clId="Web-{385EF587-D4F5-4A65-9464-A987A02548CC}" dt="2024-10-02T02:36:49.451" v="792"/>
           <ac:spMkLst>
             <pc:docMk/>
             <pc:sldMk cId="6790699" sldId="271"/>
@@ -1211,7 +1212,7 @@
           </ac:picMkLst>
         </pc:picChg>
         <pc:picChg chg="add mod">
-          <ac:chgData name="Judith Landa" userId="12b9e8b93ae54123" providerId="Windows Live" clId="Web-{385EF587-D4F5-4A65-9464-A987A02548CC}" dt="2024-10-02T01:35:13.360" v="383"/>
+          <ac:chgData name="Judith Landa" userId="12b9e8b93ae54123" providerId="Windows Live" clId="Web-{385EF587-D4F5-4A65-9464-A987A02548CC}" dt="2024-10-02T03:24:18.460" v="1059" actId="1076"/>
           <ac:picMkLst>
             <pc:docMk/>
             <pc:sldMk cId="6790699" sldId="271"/>
@@ -1234,7 +1235,7 @@
         </pc:sldMkLst>
       </pc:sldChg>
       <pc:sldChg chg="addSp delSp modSp add replId">
-        <pc:chgData name="Judith Landa" userId="12b9e8b93ae54123" providerId="Windows Live" clId="Web-{385EF587-D4F5-4A65-9464-A987A02548CC}" dt="2024-10-02T01:44:59.849" v="397"/>
+        <pc:chgData name="Judith Landa" userId="12b9e8b93ae54123" providerId="Windows Live" clId="Web-{385EF587-D4F5-4A65-9464-A987A02548CC}" dt="2024-10-02T03:22:58.083" v="1057"/>
         <pc:sldMkLst>
           <pc:docMk/>
           <pc:sldMk cId="4263720766" sldId="272"/>
@@ -1295,9 +1296,33 @@
             <ac:picMk id="15" creationId="{0B05822D-07FF-7A79-84D2-5AD65B3E05D5}"/>
           </ac:picMkLst>
         </pc:picChg>
+        <pc:picChg chg="add mod">
+          <ac:chgData name="Judith Landa" userId="12b9e8b93ae54123" providerId="Windows Live" clId="Web-{385EF587-D4F5-4A65-9464-A987A02548CC}" dt="2024-10-02T02:37:53.906" v="794" actId="14100"/>
+          <ac:picMkLst>
+            <pc:docMk/>
+            <pc:sldMk cId="4263720766" sldId="272"/>
+            <ac:picMk id="17" creationId="{90C38F3F-17C3-6CC7-9CD4-D2A2E5F8CF08}"/>
+          </ac:picMkLst>
+        </pc:picChg>
+        <pc:picChg chg="add del mod">
+          <ac:chgData name="Judith Landa" userId="12b9e8b93ae54123" providerId="Windows Live" clId="Web-{385EF587-D4F5-4A65-9464-A987A02548CC}" dt="2024-10-02T03:22:58.083" v="1057"/>
+          <ac:picMkLst>
+            <pc:docMk/>
+            <pc:sldMk cId="4263720766" sldId="272"/>
+            <ac:picMk id="18" creationId="{926C4D62-0043-A8AE-E670-AA87780B72FA}"/>
+          </ac:picMkLst>
+        </pc:picChg>
+        <pc:picChg chg="add del mod">
+          <ac:chgData name="Judith Landa" userId="12b9e8b93ae54123" providerId="Windows Live" clId="Web-{385EF587-D4F5-4A65-9464-A987A02548CC}" dt="2024-10-02T03:21:36.752" v="1054"/>
+          <ac:picMkLst>
+            <pc:docMk/>
+            <pc:sldMk cId="4263720766" sldId="272"/>
+            <ac:picMk id="19" creationId="{39FBF2EF-0856-F47F-4A3F-4889381F0AD1}"/>
+          </ac:picMkLst>
+        </pc:picChg>
       </pc:sldChg>
-      <pc:sldChg chg="addSp modSp add replId">
-        <pc:chgData name="Judith Landa" userId="12b9e8b93ae54123" providerId="Windows Live" clId="Web-{385EF587-D4F5-4A65-9464-A987A02548CC}" dt="2024-10-02T01:47:18.713" v="401" actId="1076"/>
+      <pc:sldChg chg="addSp delSp modSp add replId">
+        <pc:chgData name="Judith Landa" userId="12b9e8b93ae54123" providerId="Windows Live" clId="Web-{385EF587-D4F5-4A65-9464-A987A02548CC}" dt="2024-10-02T02:40:10.302" v="799"/>
         <pc:sldMkLst>
           <pc:docMk/>
           <pc:sldMk cId="2293221413" sldId="273"/>
@@ -1311,15 +1336,23 @@
           </ac:spMkLst>
         </pc:spChg>
         <pc:spChg chg="add mod">
-          <ac:chgData name="Judith Landa" userId="12b9e8b93ae54123" providerId="Windows Live" clId="Web-{385EF587-D4F5-4A65-9464-A987A02548CC}" dt="2024-10-02T01:07:28.739" v="259" actId="1076"/>
+          <ac:chgData name="Judith Landa" userId="12b9e8b93ae54123" providerId="Windows Live" clId="Web-{385EF587-D4F5-4A65-9464-A987A02548CC}" dt="2024-10-02T02:14:38.146" v="568" actId="1076"/>
           <ac:spMkLst>
             <pc:docMk/>
             <pc:sldMk cId="2293221413" sldId="273"/>
             <ac:spMk id="6" creationId="{1DF9DA9E-10FB-B333-2938-F4D569AB339E}"/>
           </ac:spMkLst>
         </pc:spChg>
-        <pc:picChg chg="add mod">
-          <ac:chgData name="Judith Landa" userId="12b9e8b93ae54123" providerId="Windows Live" clId="Web-{385EF587-D4F5-4A65-9464-A987A02548CC}" dt="2024-10-02T01:47:18.713" v="401" actId="1076"/>
+        <pc:picChg chg="del">
+          <ac:chgData name="Judith Landa" userId="12b9e8b93ae54123" providerId="Windows Live" clId="Web-{385EF587-D4F5-4A65-9464-A987A02548CC}" dt="2024-10-02T02:40:09.927" v="798"/>
+          <ac:picMkLst>
+            <pc:docMk/>
+            <pc:sldMk cId="2293221413" sldId="273"/>
+            <ac:picMk id="3" creationId="{620E36F0-E02D-0B62-91A8-9C72896CE469}"/>
+          </ac:picMkLst>
+        </pc:picChg>
+        <pc:picChg chg="add del mod">
+          <ac:chgData name="Judith Landa" userId="12b9e8b93ae54123" providerId="Windows Live" clId="Web-{385EF587-D4F5-4A65-9464-A987A02548CC}" dt="2024-10-02T02:40:07.864" v="797"/>
           <ac:picMkLst>
             <pc:docMk/>
             <pc:sldMk cId="2293221413" sldId="273"/>
@@ -1332,6 +1365,38 @@
             <pc:docMk/>
             <pc:sldMk cId="2293221413" sldId="273"/>
             <ac:picMk id="9" creationId="{9619230F-463F-E28A-A19D-A99CA2FEC8AF}"/>
+          </ac:picMkLst>
+        </pc:picChg>
+        <pc:picChg chg="add del mod">
+          <ac:chgData name="Judith Landa" userId="12b9e8b93ae54123" providerId="Windows Live" clId="Web-{385EF587-D4F5-4A65-9464-A987A02548CC}" dt="2024-10-02T02:11:56.624" v="560"/>
+          <ac:picMkLst>
+            <pc:docMk/>
+            <pc:sldMk cId="2293221413" sldId="273"/>
+            <ac:picMk id="11" creationId="{AEB7CBBF-D323-30EF-B8C9-85728569730C}"/>
+          </ac:picMkLst>
+        </pc:picChg>
+        <pc:picChg chg="add mod">
+          <ac:chgData name="Judith Landa" userId="12b9e8b93ae54123" providerId="Windows Live" clId="Web-{385EF587-D4F5-4A65-9464-A987A02548CC}" dt="2024-10-02T02:14:58.646" v="570"/>
+          <ac:picMkLst>
+            <pc:docMk/>
+            <pc:sldMk cId="2293221413" sldId="273"/>
+            <ac:picMk id="13" creationId="{D5FB90B8-7E5F-AFAB-329C-56466FD1E665}"/>
+          </ac:picMkLst>
+        </pc:picChg>
+        <pc:picChg chg="add del">
+          <ac:chgData name="Judith Landa" userId="12b9e8b93ae54123" providerId="Windows Live" clId="Web-{385EF587-D4F5-4A65-9464-A987A02548CC}" dt="2024-10-02T02:40:05.802" v="796"/>
+          <ac:picMkLst>
+            <pc:docMk/>
+            <pc:sldMk cId="2293221413" sldId="273"/>
+            <ac:picMk id="15" creationId="{4370D787-970C-E29E-71D8-4D7EAC9DD2E0}"/>
+          </ac:picMkLst>
+        </pc:picChg>
+        <pc:picChg chg="add">
+          <ac:chgData name="Judith Landa" userId="12b9e8b93ae54123" providerId="Windows Live" clId="Web-{385EF587-D4F5-4A65-9464-A987A02548CC}" dt="2024-10-02T02:40:10.302" v="799"/>
+          <ac:picMkLst>
+            <pc:docMk/>
+            <pc:sldMk cId="2293221413" sldId="273"/>
+            <ac:picMk id="17" creationId="{19CA9D0C-D4A1-F49D-3C44-5635437A30C5}"/>
           </ac:picMkLst>
         </pc:picChg>
       </pc:sldChg>
@@ -1525,7 +1590,7 @@
         </pc:picChg>
       </pc:sldChg>
       <pc:sldChg chg="addSp delSp modSp add replId">
-        <pc:chgData name="Judith Landa" userId="12b9e8b93ae54123" providerId="Windows Live" clId="Web-{385EF587-D4F5-4A65-9464-A987A02548CC}" dt="2024-10-02T01:26:44.248" v="343"/>
+        <pc:chgData name="Judith Landa" userId="12b9e8b93ae54123" providerId="Windows Live" clId="Web-{385EF587-D4F5-4A65-9464-A987A02548CC}" dt="2024-10-02T03:22:31.394" v="1056"/>
         <pc:sldMkLst>
           <pc:docMk/>
           <pc:sldMk cId="3267295080" sldId="277"/>
@@ -1539,7 +1604,7 @@
           </ac:spMkLst>
         </pc:spChg>
         <pc:spChg chg="add mod">
-          <ac:chgData name="Judith Landa" userId="12b9e8b93ae54123" providerId="Windows Live" clId="Web-{385EF587-D4F5-4A65-9464-A987A02548CC}" dt="2024-10-02T01:08:55.399" v="275" actId="1076"/>
+          <ac:chgData name="Judith Landa" userId="12b9e8b93ae54123" providerId="Windows Live" clId="Web-{385EF587-D4F5-4A65-9464-A987A02548CC}" dt="2024-10-02T03:15:05.988" v="1042" actId="14100"/>
           <ac:spMkLst>
             <pc:docMk/>
             <pc:sldMk cId="3267295080" sldId="277"/>
@@ -1554,6 +1619,14 @@
             <ac:spMk id="7" creationId="{BAE726BC-8851-E004-E3B3-AF74F81F87EB}"/>
           </ac:spMkLst>
         </pc:spChg>
+        <pc:picChg chg="del">
+          <ac:chgData name="Judith Landa" userId="12b9e8b93ae54123" providerId="Windows Live" clId="Web-{385EF587-D4F5-4A65-9464-A987A02548CC}" dt="2024-10-02T02:43:46.747" v="803"/>
+          <ac:picMkLst>
+            <pc:docMk/>
+            <pc:sldMk cId="3267295080" sldId="277"/>
+            <ac:picMk id="3" creationId="{620E36F0-E02D-0B62-91A8-9C72896CE469}"/>
+          </ac:picMkLst>
+        </pc:picChg>
         <pc:picChg chg="mod">
           <ac:chgData name="Judith Landa" userId="12b9e8b93ae54123" providerId="Windows Live" clId="Web-{385EF587-D4F5-4A65-9464-A987A02548CC}" dt="2024-10-02T01:26:44.248" v="343"/>
           <ac:picMkLst>
@@ -1562,9 +1635,57 @@
             <ac:picMk id="9" creationId="{9619230F-463F-E28A-A19D-A99CA2FEC8AF}"/>
           </ac:picMkLst>
         </pc:picChg>
+        <pc:picChg chg="add del mod">
+          <ac:chgData name="Judith Landa" userId="12b9e8b93ae54123" providerId="Windows Live" clId="Web-{385EF587-D4F5-4A65-9464-A987A02548CC}" dt="2024-10-02T02:43:45.762" v="802"/>
+          <ac:picMkLst>
+            <pc:docMk/>
+            <pc:sldMk cId="3267295080" sldId="277"/>
+            <ac:picMk id="11" creationId="{5CD45488-F6A6-38F5-AEC2-8DC17FB5DEFE}"/>
+          </ac:picMkLst>
+        </pc:picChg>
+        <pc:picChg chg="add">
+          <ac:chgData name="Judith Landa" userId="12b9e8b93ae54123" providerId="Windows Live" clId="Web-{385EF587-D4F5-4A65-9464-A987A02548CC}" dt="2024-10-02T02:43:47.716" v="804"/>
+          <ac:picMkLst>
+            <pc:docMk/>
+            <pc:sldMk cId="3267295080" sldId="277"/>
+            <ac:picMk id="14" creationId="{64685208-0957-F19A-D934-D4052F97F005}"/>
+          </ac:picMkLst>
+        </pc:picChg>
+        <pc:picChg chg="add del mod">
+          <ac:chgData name="Judith Landa" userId="12b9e8b93ae54123" providerId="Windows Live" clId="Web-{385EF587-D4F5-4A65-9464-A987A02548CC}" dt="2024-10-02T03:17:39.744" v="1046"/>
+          <ac:picMkLst>
+            <pc:docMk/>
+            <pc:sldMk cId="3267295080" sldId="277"/>
+            <ac:picMk id="15" creationId="{43499AA7-C1E0-265C-D545-6382A5BB692D}"/>
+          </ac:picMkLst>
+        </pc:picChg>
+        <pc:picChg chg="add del mod">
+          <ac:chgData name="Judith Landa" userId="12b9e8b93ae54123" providerId="Windows Live" clId="Web-{385EF587-D4F5-4A65-9464-A987A02548CC}" dt="2024-10-02T03:18:53.965" v="1050"/>
+          <ac:picMkLst>
+            <pc:docMk/>
+            <pc:sldMk cId="3267295080" sldId="277"/>
+            <ac:picMk id="16" creationId="{59C42D77-FCA7-B20A-FB5A-ADDEBBE832DB}"/>
+          </ac:picMkLst>
+        </pc:picChg>
+        <pc:picChg chg="add del mod">
+          <ac:chgData name="Judith Landa" userId="12b9e8b93ae54123" providerId="Windows Live" clId="Web-{385EF587-D4F5-4A65-9464-A987A02548CC}" dt="2024-10-02T03:19:36.654" v="1052"/>
+          <ac:picMkLst>
+            <pc:docMk/>
+            <pc:sldMk cId="3267295080" sldId="277"/>
+            <ac:picMk id="17" creationId="{AD08D39C-6475-06DC-08F8-1F05A33A10F1}"/>
+          </ac:picMkLst>
+        </pc:picChg>
+        <pc:picChg chg="add del mod">
+          <ac:chgData name="Judith Landa" userId="12b9e8b93ae54123" providerId="Windows Live" clId="Web-{385EF587-D4F5-4A65-9464-A987A02548CC}" dt="2024-10-02T03:22:31.394" v="1056"/>
+          <ac:picMkLst>
+            <pc:docMk/>
+            <pc:sldMk cId="3267295080" sldId="277"/>
+            <ac:picMk id="18" creationId="{3921907E-B5EF-5CDA-AB2C-F22579A5D86E}"/>
+          </ac:picMkLst>
+        </pc:picChg>
       </pc:sldChg>
-      <pc:sldChg chg="addSp modSp add replId">
-        <pc:chgData name="Judith Landa" userId="12b9e8b93ae54123" providerId="Windows Live" clId="Web-{385EF587-D4F5-4A65-9464-A987A02548CC}" dt="2024-10-02T01:46:40.509" v="400" actId="14100"/>
+      <pc:sldChg chg="addSp delSp modSp add replId">
+        <pc:chgData name="Judith Landa" userId="12b9e8b93ae54123" providerId="Windows Live" clId="Web-{385EF587-D4F5-4A65-9464-A987A02548CC}" dt="2024-10-02T03:15:39.489" v="1044"/>
         <pc:sldMkLst>
           <pc:docMk/>
           <pc:sldMk cId="1878095641" sldId="278"/>
@@ -1578,15 +1699,23 @@
           </ac:spMkLst>
         </pc:spChg>
         <pc:spChg chg="add mod">
-          <ac:chgData name="Judith Landa" userId="12b9e8b93ae54123" providerId="Windows Live" clId="Web-{385EF587-D4F5-4A65-9464-A987A02548CC}" dt="2024-10-02T01:07:52.084" v="265" actId="1076"/>
+          <ac:chgData name="Judith Landa" userId="12b9e8b93ae54123" providerId="Windows Live" clId="Web-{385EF587-D4F5-4A65-9464-A987A02548CC}" dt="2024-10-02T03:09:51.943" v="1016" actId="1076"/>
           <ac:spMkLst>
             <pc:docMk/>
             <pc:sldMk cId="1878095641" sldId="278"/>
             <ac:spMk id="6" creationId="{77D2A317-3AB5-77F2-B640-81E756873C05}"/>
           </ac:spMkLst>
         </pc:spChg>
-        <pc:picChg chg="add">
-          <ac:chgData name="Judith Landa" userId="12b9e8b93ae54123" providerId="Windows Live" clId="Web-{385EF587-D4F5-4A65-9464-A987A02548CC}" dt="2024-10-02T01:42:07.921" v="396"/>
+        <pc:spChg chg="add del mod">
+          <ac:chgData name="Judith Landa" userId="12b9e8b93ae54123" providerId="Windows Live" clId="Web-{385EF587-D4F5-4A65-9464-A987A02548CC}" dt="2024-10-02T03:15:39.489" v="1044"/>
+          <ac:spMkLst>
+            <pc:docMk/>
+            <pc:sldMk cId="1878095641" sldId="278"/>
+            <ac:spMk id="15" creationId="{D3A8968D-6459-DBFE-33C1-E28F8207B5BA}"/>
+          </ac:spMkLst>
+        </pc:spChg>
+        <pc:picChg chg="add del">
+          <ac:chgData name="Judith Landa" userId="12b9e8b93ae54123" providerId="Windows Live" clId="Web-{385EF587-D4F5-4A65-9464-A987A02548CC}" dt="2024-10-02T02:43:59.435" v="806"/>
           <ac:picMkLst>
             <pc:docMk/>
             <pc:sldMk cId="1878095641" sldId="278"/>
@@ -1601,14 +1730,37 @@
             <ac:picMk id="9" creationId="{9619230F-463F-E28A-A19D-A99CA2FEC8AF}"/>
           </ac:picMkLst>
         </pc:picChg>
-        <pc:picChg chg="add mod">
-          <ac:chgData name="Judith Landa" userId="12b9e8b93ae54123" providerId="Windows Live" clId="Web-{385EF587-D4F5-4A65-9464-A987A02548CC}" dt="2024-10-02T01:46:40.509" v="400" actId="14100"/>
+        <pc:picChg chg="add del mod">
+          <ac:chgData name="Judith Landa" userId="12b9e8b93ae54123" providerId="Windows Live" clId="Web-{385EF587-D4F5-4A65-9464-A987A02548CC}" dt="2024-10-02T02:43:58.419" v="805"/>
           <ac:picMkLst>
             <pc:docMk/>
             <pc:sldMk cId="1878095641" sldId="278"/>
             <ac:picMk id="13" creationId="{9D85EC63-FD2A-4E2D-A0EC-3316B020079F}"/>
           </ac:picMkLst>
         </pc:picChg>
+        <pc:picChg chg="add mod ord">
+          <ac:chgData name="Judith Landa" userId="12b9e8b93ae54123" providerId="Windows Live" clId="Web-{385EF587-D4F5-4A65-9464-A987A02548CC}" dt="2024-10-02T03:10:01.959" v="1017" actId="1076"/>
+          <ac:picMkLst>
+            <pc:docMk/>
+            <pc:sldMk cId="1878095641" sldId="278"/>
+            <ac:picMk id="14" creationId="{47095E52-44CA-BD74-8C42-89EDC9F6B56E}"/>
+          </ac:picMkLst>
+        </pc:picChg>
+      </pc:sldChg>
+      <pc:sldChg chg="addSp modSp new mod setBg addAnim modAnim">
+        <pc:chgData name="Judith Landa" userId="12b9e8b93ae54123" providerId="Windows Live" clId="Web-{385EF587-D4F5-4A65-9464-A987A02548CC}" dt="2024-10-02T03:04:17.901" v="999" actId="20577"/>
+        <pc:sldMkLst>
+          <pc:docMk/>
+          <pc:sldMk cId="2533692429" sldId="279"/>
+        </pc:sldMkLst>
+        <pc:spChg chg="add mod">
+          <ac:chgData name="Judith Landa" userId="12b9e8b93ae54123" providerId="Windows Live" clId="Web-{385EF587-D4F5-4A65-9464-A987A02548CC}" dt="2024-10-02T03:04:17.901" v="999" actId="20577"/>
+          <ac:spMkLst>
+            <pc:docMk/>
+            <pc:sldMk cId="2533692429" sldId="279"/>
+            <ac:spMk id="2" creationId="{175D9375-4FC5-DD03-C423-8121141CC6E4}"/>
+          </ac:spMkLst>
+        </pc:spChg>
       </pc:sldChg>
     </pc:docChg>
   </pc:docChgLst>
@@ -5042,10 +5194,10 @@
       </p:grpSpPr>
       <p:pic>
         <p:nvPicPr>
-          <p:cNvPr id="9" name="Picture 8" descr="A red text on a black background&#10;&#10;Description automatically generated">
-            <a:extLst>
-              <a:ext uri="{FF2B5EF4-FFF2-40B4-BE49-F238E27FC236}">
-                <a16:creationId xmlns:a16="http://schemas.microsoft.com/office/drawing/2014/main" id="{9619230F-463F-E28A-A19D-A99CA2FEC8AF}"/>
+          <p:cNvPr id="14" name="Picture 13" descr="A film reel with a black background&#10;&#10;Description automatically generated">
+            <a:extLst>
+              <a:ext uri="{FF2B5EF4-FFF2-40B4-BE49-F238E27FC236}">
+                <a16:creationId xmlns:a16="http://schemas.microsoft.com/office/drawing/2014/main" id="{47095E52-44CA-BD74-8C42-89EDC9F6B56E}"/>
               </a:ext>
             </a:extLst>
           </p:cNvPr>
@@ -5057,14 +5209,8 @@
         <p:blipFill>
           <a:blip r:embed="rId2">
             <a:extLst>
-              <a:ext uri="{BEBA8EAE-BF5A-486C-A8C5-ECC9F3942E4B}">
-                <a14:imgProps xmlns:a14="http://schemas.microsoft.com/office/drawing/2010/main">
-                  <a14:imgLayer r:embed="rId3">
-                    <a14:imgEffect>
-                      <a14:brightnessContrast contrast="25000"/>
-                    </a14:imgEffect>
-                  </a14:imgLayer>
-                </a14:imgProps>
+              <a:ext uri="{837473B0-CC2E-450A-ABE3-18F120FF3D39}">
+                <a1611:picAttrSrcUrl xmlns:a1611="http://schemas.microsoft.com/office/drawing/2016/11/main" r:id="rId3"/>
               </a:ext>
             </a:extLst>
           </a:blip>
@@ -5074,8 +5220,8 @@
         </p:blipFill>
         <p:spPr>
           <a:xfrm>
-            <a:off x="500063" y="500683"/>
-            <a:ext cx="2047875" cy="607300"/>
+            <a:off x="7274858" y="4233"/>
+            <a:ext cx="4246285" cy="6309783"/>
           </a:xfrm>
           <a:prstGeom prst="rect">
             <a:avLst/>
@@ -5084,10 +5230,10 @@
       </p:pic>
       <p:pic>
         <p:nvPicPr>
-          <p:cNvPr id="10" name="Picture 9">
-            <a:extLst>
-              <a:ext uri="{FF2B5EF4-FFF2-40B4-BE49-F238E27FC236}">
-                <a16:creationId xmlns:a16="http://schemas.microsoft.com/office/drawing/2014/main" id="{89EE9E6A-6BFC-58D0-BEA7-A1C49B29A47C}"/>
+          <p:cNvPr id="9" name="Picture 8" descr="A red text on a black background&#10;&#10;Description automatically generated">
+            <a:extLst>
+              <a:ext uri="{FF2B5EF4-FFF2-40B4-BE49-F238E27FC236}">
+                <a16:creationId xmlns:a16="http://schemas.microsoft.com/office/drawing/2014/main" id="{9619230F-463F-E28A-A19D-A99CA2FEC8AF}"/>
               </a:ext>
             </a:extLst>
           </p:cNvPr>
@@ -5097,15 +5243,27 @@
           <p:nvPr/>
         </p:nvPicPr>
         <p:blipFill>
-          <a:blip r:embed="rId4"/>
+          <a:blip r:embed="rId4">
+            <a:extLst>
+              <a:ext uri="{BEBA8EAE-BF5A-486C-A8C5-ECC9F3942E4B}">
+                <a14:imgProps xmlns:a14="http://schemas.microsoft.com/office/drawing/2010/main">
+                  <a14:imgLayer r:embed="rId5">
+                    <a14:imgEffect>
+                      <a14:brightnessContrast contrast="25000"/>
+                    </a14:imgEffect>
+                  </a14:imgLayer>
+                </a14:imgProps>
+              </a:ext>
+            </a:extLst>
+          </a:blip>
           <a:stretch>
             <a:fillRect/>
           </a:stretch>
         </p:blipFill>
         <p:spPr>
           <a:xfrm>
-            <a:off x="2550583" y="693168"/>
-            <a:ext cx="11250084" cy="433998"/>
+            <a:off x="500063" y="500683"/>
+            <a:ext cx="2047875" cy="607300"/>
           </a:xfrm>
           <a:prstGeom prst="rect">
             <a:avLst/>
@@ -5114,40 +5272,10 @@
       </p:pic>
       <p:pic>
         <p:nvPicPr>
-          <p:cNvPr id="12" name="Picture 11" descr="A group on a black background&#10;&#10;Description automatically generated">
-            <a:extLst>
-              <a:ext uri="{FF2B5EF4-FFF2-40B4-BE49-F238E27FC236}">
-                <a16:creationId xmlns:a16="http://schemas.microsoft.com/office/drawing/2014/main" id="{5DF28C49-F5D8-7CB2-1C75-76D1DD7C3C3F}"/>
-              </a:ext>
-            </a:extLst>
-          </p:cNvPr>
-          <p:cNvPicPr>
-            <a:picLocks noChangeAspect="1"/>
-          </p:cNvPicPr>
-          <p:nvPr/>
-        </p:nvPicPr>
-        <p:blipFill>
-          <a:blip r:embed="rId5"/>
-          <a:stretch>
-            <a:fillRect/>
-          </a:stretch>
-        </p:blipFill>
-        <p:spPr>
-          <a:xfrm>
-            <a:off x="9271000" y="695854"/>
-            <a:ext cx="1460500" cy="449792"/>
-          </a:xfrm>
-          <a:prstGeom prst="rect">
-            <a:avLst/>
-          </a:prstGeom>
-        </p:spPr>
-      </p:pic>
-      <p:pic>
-        <p:nvPicPr>
-          <p:cNvPr id="3" name="Picture 2" descr="A cartoon face with a red mask&#10;&#10;Description automatically generated">
-            <a:extLst>
-              <a:ext uri="{FF2B5EF4-FFF2-40B4-BE49-F238E27FC236}">
-                <a16:creationId xmlns:a16="http://schemas.microsoft.com/office/drawing/2014/main" id="{620E36F0-E02D-0B62-91A8-9C72896CE469}"/>
+          <p:cNvPr id="10" name="Picture 9">
+            <a:extLst>
+              <a:ext uri="{FF2B5EF4-FFF2-40B4-BE49-F238E27FC236}">
+                <a16:creationId xmlns:a16="http://schemas.microsoft.com/office/drawing/2014/main" id="{89EE9E6A-6BFC-58D0-BEA7-A1C49B29A47C}"/>
               </a:ext>
             </a:extLst>
           </p:cNvPr>
@@ -5164,154 +5292,20 @@
         </p:blipFill>
         <p:spPr>
           <a:xfrm>
-            <a:off x="10876044" y="616845"/>
-            <a:ext cx="506293" cy="513375"/>
+            <a:off x="2550583" y="693168"/>
+            <a:ext cx="11250084" cy="433998"/>
           </a:xfrm>
           <a:prstGeom prst="rect">
             <a:avLst/>
           </a:prstGeom>
         </p:spPr>
       </p:pic>
-      <p:sp>
-        <p:nvSpPr>
-          <p:cNvPr id="4" name="Title 1">
-            <a:extLst>
-              <a:ext uri="{FF2B5EF4-FFF2-40B4-BE49-F238E27FC236}">
-                <a16:creationId xmlns:a16="http://schemas.microsoft.com/office/drawing/2014/main" id="{3EBB228B-9F7E-10B4-E474-A692E17E2318}"/>
-              </a:ext>
-            </a:extLst>
-          </p:cNvPr>
-          <p:cNvSpPr>
-            <a:spLocks noGrp="1"/>
-          </p:cNvSpPr>
-          <p:nvPr>
-            <p:ph type="title"/>
-          </p:nvPr>
-        </p:nvSpPr>
-        <p:spPr>
-          <a:xfrm>
-            <a:off x="552450" y="1359958"/>
-            <a:ext cx="10515600" cy="1325563"/>
-          </a:xfrm>
-        </p:spPr>
-        <p:txBody>
-          <a:bodyPr/>
-          <a:lstStyle/>
-          <a:p>
-            <a:r>
-              <a:rPr lang="en-US">
-                <a:solidFill>
-                  <a:schemeClr val="bg1"/>
-                </a:solidFill>
-              </a:rPr>
-              <a:t>limitations/bias</a:t>
-            </a:r>
-          </a:p>
-          <a:p>
-            <a:endParaRPr lang="en-US"/>
-          </a:p>
-        </p:txBody>
-      </p:sp>
-      <p:sp>
-        <p:nvSpPr>
-          <p:cNvPr id="6" name="Content Placeholder 2">
-            <a:extLst>
-              <a:ext uri="{FF2B5EF4-FFF2-40B4-BE49-F238E27FC236}">
-                <a16:creationId xmlns:a16="http://schemas.microsoft.com/office/drawing/2014/main" id="{77D2A317-3AB5-77F2-B640-81E756873C05}"/>
-              </a:ext>
-            </a:extLst>
-          </p:cNvPr>
-          <p:cNvSpPr>
-            <a:spLocks noGrp="1"/>
-          </p:cNvSpPr>
-          <p:nvPr>
-            <p:ph idx="1"/>
-          </p:nvPr>
-        </p:nvSpPr>
-        <p:spPr>
-          <a:xfrm>
-            <a:off x="552450" y="2820458"/>
-            <a:ext cx="10515600" cy="2848505"/>
-          </a:xfrm>
-        </p:spPr>
-        <p:txBody>
-          <a:bodyPr vert="horz" lIns="91440" tIns="45720" rIns="91440" bIns="45720" rtlCol="0" anchor="t">
-            <a:normAutofit/>
-          </a:bodyPr>
-          <a:lstStyle/>
-          <a:p>
-            <a:r>
-              <a:rPr lang="en-US" sz="1800">
-                <a:solidFill>
-                  <a:schemeClr val="bg1"/>
-                </a:solidFill>
-                <a:ea typeface="+mn-lt"/>
-                <a:cs typeface="+mn-lt"/>
-              </a:rPr>
-              <a:t>As with any dataset, there are some limitations and biases to consider. </a:t>
-            </a:r>
-          </a:p>
-          <a:p>
-            <a:r>
-              <a:rPr lang="en-US" sz="1800">
-                <a:solidFill>
-                  <a:schemeClr val="bg1"/>
-                </a:solidFill>
-                <a:ea typeface="+mn-lt"/>
-                <a:cs typeface="+mn-lt"/>
-              </a:rPr>
-              <a:t>First, there’s a time-period bias, where more recent movies tend to get more ratings due to easier access on modern platforms. </a:t>
-            </a:r>
-          </a:p>
-          <a:p>
-            <a:r>
-              <a:rPr lang="en-US" sz="1800">
-                <a:solidFill>
-                  <a:schemeClr val="bg1"/>
-                </a:solidFill>
-                <a:ea typeface="+mn-lt"/>
-                <a:cs typeface="+mn-lt"/>
-              </a:rPr>
-              <a:t>Then we have cultural bias, where films and directors from certain regions are more represented than others, which could skew our results. </a:t>
-            </a:r>
-          </a:p>
-          <a:p>
-            <a:r>
-              <a:rPr lang="en-US" sz="1800">
-                <a:solidFill>
-                  <a:schemeClr val="bg1"/>
-                </a:solidFill>
-                <a:ea typeface="+mn-lt"/>
-                <a:cs typeface="+mn-lt"/>
-              </a:rPr>
-              <a:t>Finally, there’s a rating aggregation bias, where averaging ratings for each director oversimplifies the variation within their individual films. </a:t>
-            </a:r>
-          </a:p>
-          <a:p>
-            <a:r>
-              <a:rPr lang="en-US" sz="1800">
-                <a:solidFill>
-                  <a:schemeClr val="bg1"/>
-                </a:solidFill>
-                <a:ea typeface="+mn-lt"/>
-                <a:cs typeface="+mn-lt"/>
-              </a:rPr>
-              <a:t>These biases are important to keep in mind as they may affect the conclusions we’ve drawn.</a:t>
-            </a:r>
-            <a:endParaRPr lang="en-US" sz="1800">
-              <a:solidFill>
-                <a:schemeClr val="bg1"/>
-              </a:solidFill>
-            </a:endParaRPr>
-          </a:p>
-        </p:txBody>
-      </p:sp>
       <p:pic>
         <p:nvPicPr>
-          <p:cNvPr id="8" name="Picture 7" descr="A cartoon character of a blue hedgehog&#10;&#10;Description automatically generated">
-            <a:extLst>
-              <a:ext uri="{FF2B5EF4-FFF2-40B4-BE49-F238E27FC236}">
-                <a16:creationId xmlns:a16="http://schemas.microsoft.com/office/drawing/2014/main" id="{17550F57-0B0E-1AC3-F96B-5F02F7521BBC}"/>
+          <p:cNvPr id="12" name="Picture 11" descr="A group on a black background&#10;&#10;Description automatically generated">
+            <a:extLst>
+              <a:ext uri="{FF2B5EF4-FFF2-40B4-BE49-F238E27FC236}">
+                <a16:creationId xmlns:a16="http://schemas.microsoft.com/office/drawing/2014/main" id="{5DF28C49-F5D8-7CB2-1C75-76D1DD7C3C3F}"/>
               </a:ext>
             </a:extLst>
           </p:cNvPr>
@@ -5328,8 +5322,8 @@
         </p:blipFill>
         <p:spPr>
           <a:xfrm>
-            <a:off x="10872786" y="598934"/>
-            <a:ext cx="552694" cy="541868"/>
+            <a:off x="9271000" y="695854"/>
+            <a:ext cx="1460500" cy="449792"/>
           </a:xfrm>
           <a:prstGeom prst="rect">
             <a:avLst/>
@@ -5338,10 +5332,10 @@
       </p:pic>
       <p:pic>
         <p:nvPicPr>
-          <p:cNvPr id="13" name="Picture 12" descr="A cartoon character with arms and legs&#10;&#10;Description automatically generated">
-            <a:extLst>
-              <a:ext uri="{FF2B5EF4-FFF2-40B4-BE49-F238E27FC236}">
-                <a16:creationId xmlns:a16="http://schemas.microsoft.com/office/drawing/2014/main" id="{9D85EC63-FD2A-4E2D-A0EC-3316B020079F}"/>
+          <p:cNvPr id="3" name="Picture 2" descr="A cartoon face with a red mask&#10;&#10;Description automatically generated">
+            <a:extLst>
+              <a:ext uri="{FF2B5EF4-FFF2-40B4-BE49-F238E27FC236}">
+                <a16:creationId xmlns:a16="http://schemas.microsoft.com/office/drawing/2014/main" id="{620E36F0-E02D-0B62-91A8-9C72896CE469}"/>
               </a:ext>
             </a:extLst>
           </p:cNvPr>
@@ -5358,14 +5352,148 @@
         </p:blipFill>
         <p:spPr>
           <a:xfrm>
-            <a:off x="10875495" y="595197"/>
-            <a:ext cx="561693" cy="540000"/>
+            <a:off x="10876044" y="616845"/>
+            <a:ext cx="506293" cy="513375"/>
           </a:xfrm>
           <a:prstGeom prst="rect">
             <a:avLst/>
           </a:prstGeom>
         </p:spPr>
       </p:pic>
+      <p:sp>
+        <p:nvSpPr>
+          <p:cNvPr id="4" name="Title 1">
+            <a:extLst>
+              <a:ext uri="{FF2B5EF4-FFF2-40B4-BE49-F238E27FC236}">
+                <a16:creationId xmlns:a16="http://schemas.microsoft.com/office/drawing/2014/main" id="{3EBB228B-9F7E-10B4-E474-A692E17E2318}"/>
+              </a:ext>
+            </a:extLst>
+          </p:cNvPr>
+          <p:cNvSpPr>
+            <a:spLocks noGrp="1"/>
+          </p:cNvSpPr>
+          <p:nvPr>
+            <p:ph type="title"/>
+          </p:nvPr>
+        </p:nvSpPr>
+        <p:spPr>
+          <a:xfrm>
+            <a:off x="552450" y="1359958"/>
+            <a:ext cx="10515600" cy="1325563"/>
+          </a:xfrm>
+        </p:spPr>
+        <p:txBody>
+          <a:bodyPr/>
+          <a:lstStyle/>
+          <a:p>
+            <a:r>
+              <a:rPr lang="en-US">
+                <a:solidFill>
+                  <a:schemeClr val="bg1"/>
+                </a:solidFill>
+              </a:rPr>
+              <a:t>limitations/bias</a:t>
+            </a:r>
+          </a:p>
+          <a:p>
+            <a:endParaRPr lang="en-US"/>
+          </a:p>
+        </p:txBody>
+      </p:sp>
+      <p:sp>
+        <p:nvSpPr>
+          <p:cNvPr id="6" name="Content Placeholder 2">
+            <a:extLst>
+              <a:ext uri="{FF2B5EF4-FFF2-40B4-BE49-F238E27FC236}">
+                <a16:creationId xmlns:a16="http://schemas.microsoft.com/office/drawing/2014/main" id="{77D2A317-3AB5-77F2-B640-81E756873C05}"/>
+              </a:ext>
+            </a:extLst>
+          </p:cNvPr>
+          <p:cNvSpPr>
+            <a:spLocks noGrp="1"/>
+          </p:cNvSpPr>
+          <p:nvPr>
+            <p:ph idx="1"/>
+          </p:nvPr>
+        </p:nvSpPr>
+        <p:spPr>
+          <a:xfrm>
+            <a:off x="605367" y="2344208"/>
+            <a:ext cx="10515600" cy="2848505"/>
+          </a:xfrm>
+        </p:spPr>
+        <p:txBody>
+          <a:bodyPr vert="horz" lIns="91440" tIns="45720" rIns="91440" bIns="45720" rtlCol="0" anchor="t">
+            <a:normAutofit/>
+          </a:bodyPr>
+          <a:lstStyle/>
+          <a:p>
+            <a:r>
+              <a:rPr lang="en-US" sz="1800">
+                <a:solidFill>
+                  <a:schemeClr val="bg1"/>
+                </a:solidFill>
+                <a:ea typeface="+mn-lt"/>
+                <a:cs typeface="+mn-lt"/>
+              </a:rPr>
+              <a:t>As with any dataset, there are some limitations and biases to consider. </a:t>
+            </a:r>
+          </a:p>
+          <a:p>
+            <a:r>
+              <a:rPr lang="en-US" sz="1800">
+                <a:solidFill>
+                  <a:schemeClr val="bg1"/>
+                </a:solidFill>
+                <a:ea typeface="+mn-lt"/>
+                <a:cs typeface="+mn-lt"/>
+              </a:rPr>
+              <a:t>First, there’s a time-period bias, where more recent movies tend to get more ratings due to easier access on modern platforms. </a:t>
+            </a:r>
+          </a:p>
+          <a:p>
+            <a:r>
+              <a:rPr lang="en-US" sz="1800">
+                <a:solidFill>
+                  <a:schemeClr val="bg1"/>
+                </a:solidFill>
+                <a:ea typeface="+mn-lt"/>
+                <a:cs typeface="+mn-lt"/>
+              </a:rPr>
+              <a:t>Then we have cultural bias, where films and directors from certain regions are more represented than others, which could skew our results. </a:t>
+            </a:r>
+          </a:p>
+          <a:p>
+            <a:r>
+              <a:rPr lang="en-US" sz="1800">
+                <a:solidFill>
+                  <a:schemeClr val="bg1"/>
+                </a:solidFill>
+                <a:ea typeface="+mn-lt"/>
+                <a:cs typeface="+mn-lt"/>
+              </a:rPr>
+              <a:t>Finally, there’s a rating aggregation bias, where averaging ratings for each director oversimplifies the variation within their individual films. </a:t>
+            </a:r>
+          </a:p>
+          <a:p>
+            <a:r>
+              <a:rPr lang="en-US" sz="1800">
+                <a:solidFill>
+                  <a:schemeClr val="bg1"/>
+                </a:solidFill>
+                <a:ea typeface="+mn-lt"/>
+                <a:cs typeface="+mn-lt"/>
+              </a:rPr>
+              <a:t>These biases are important to keep in mind as they may affect the conclusions we’ve drawn.</a:t>
+            </a:r>
+            <a:endParaRPr lang="en-US" sz="1800">
+              <a:solidFill>
+                <a:schemeClr val="bg1"/>
+              </a:solidFill>
+            </a:endParaRPr>
+          </a:p>
+        </p:txBody>
+      </p:sp>
     </p:spTree>
     <p:extLst>
       <p:ext uri="{BB962C8B-B14F-4D97-AF65-F5344CB8AC3E}">
@@ -5506,12 +5634,153 @@
           </a:prstGeom>
         </p:spPr>
       </p:pic>
+      <p:sp>
+        <p:nvSpPr>
+          <p:cNvPr id="4" name="Title 1">
+            <a:extLst>
+              <a:ext uri="{FF2B5EF4-FFF2-40B4-BE49-F238E27FC236}">
+                <a16:creationId xmlns:a16="http://schemas.microsoft.com/office/drawing/2014/main" id="{90ECA6D2-29DB-C705-3607-5257F02F00BD}"/>
+              </a:ext>
+            </a:extLst>
+          </p:cNvPr>
+          <p:cNvSpPr>
+            <a:spLocks noGrp="1"/>
+          </p:cNvSpPr>
+          <p:nvPr>
+            <p:ph type="title"/>
+          </p:nvPr>
+        </p:nvSpPr>
+        <p:spPr>
+          <a:xfrm>
+            <a:off x="531284" y="1603375"/>
+            <a:ext cx="10515600" cy="870480"/>
+          </a:xfrm>
+        </p:spPr>
+        <p:txBody>
+          <a:bodyPr/>
+          <a:lstStyle/>
+          <a:p>
+            <a:r>
+              <a:rPr lang="en-US">
+                <a:solidFill>
+                  <a:schemeClr val="bg1"/>
+                </a:solidFill>
+                <a:ea typeface="+mj-lt"/>
+                <a:cs typeface="+mj-lt"/>
+              </a:rPr>
+              <a:t>Future work</a:t>
+            </a:r>
+            <a:endParaRPr lang="en-US">
+              <a:solidFill>
+                <a:schemeClr val="bg1"/>
+              </a:solidFill>
+            </a:endParaRPr>
+          </a:p>
+          <a:p>
+            <a:endParaRPr lang="en-US"/>
+          </a:p>
+        </p:txBody>
+      </p:sp>
+      <p:sp>
+        <p:nvSpPr>
+          <p:cNvPr id="6" name="Content Placeholder 2">
+            <a:extLst>
+              <a:ext uri="{FF2B5EF4-FFF2-40B4-BE49-F238E27FC236}">
+                <a16:creationId xmlns:a16="http://schemas.microsoft.com/office/drawing/2014/main" id="{8B090B5B-2AF2-D5D1-20E1-EA81CC242B87}"/>
+              </a:ext>
+            </a:extLst>
+          </p:cNvPr>
+          <p:cNvSpPr>
+            <a:spLocks noGrp="1"/>
+          </p:cNvSpPr>
+          <p:nvPr>
+            <p:ph idx="1"/>
+          </p:nvPr>
+        </p:nvSpPr>
+        <p:spPr>
+          <a:xfrm>
+            <a:off x="499534" y="2344209"/>
+            <a:ext cx="10928350" cy="2816755"/>
+          </a:xfrm>
+        </p:spPr>
+        <p:txBody>
+          <a:bodyPr vert="horz" lIns="91440" tIns="45720" rIns="91440" bIns="45720" rtlCol="0" anchor="t">
+            <a:normAutofit/>
+          </a:bodyPr>
+          <a:lstStyle/>
+          <a:p>
+            <a:r>
+              <a:rPr lang="en-US" sz="1800">
+                <a:solidFill>
+                  <a:schemeClr val="bg1"/>
+                </a:solidFill>
+                <a:ea typeface="+mn-lt"/>
+                <a:cs typeface="+mn-lt"/>
+              </a:rPr>
+              <a:t>Looking ahead, we see several opportunities for expanding this project. </a:t>
+            </a:r>
+          </a:p>
+          <a:p>
+            <a:r>
+              <a:rPr lang="en-US" sz="1800">
+                <a:solidFill>
+                  <a:schemeClr val="bg1"/>
+                </a:solidFill>
+                <a:ea typeface="+mn-lt"/>
+                <a:cs typeface="+mn-lt"/>
+              </a:rPr>
+              <a:t>We could use machine learning models to predict future trends in movie genres and directorial success. </a:t>
+            </a:r>
+          </a:p>
+          <a:p>
+            <a:r>
+              <a:rPr lang="en-US" sz="1800">
+                <a:solidFill>
+                  <a:schemeClr val="bg1"/>
+                </a:solidFill>
+                <a:ea typeface="+mn-lt"/>
+                <a:cs typeface="+mn-lt"/>
+              </a:rPr>
+              <a:t>Incorporating additional factors, such as actor popularity or box office performance, could give us a more complete picture. </a:t>
+            </a:r>
+          </a:p>
+          <a:p>
+            <a:r>
+              <a:rPr lang="en-US" sz="1800">
+                <a:solidFill>
+                  <a:schemeClr val="bg1"/>
+                </a:solidFill>
+                <a:ea typeface="+mn-lt"/>
+                <a:cs typeface="+mn-lt"/>
+              </a:rPr>
+              <a:t>Lastly, addressing the biases we identified by weighing ratings or votes based on the time period or cultural context would provide more accurate insights. </a:t>
+            </a:r>
+          </a:p>
+          <a:p>
+            <a:r>
+              <a:rPr lang="en-US" sz="1800">
+                <a:solidFill>
+                  <a:schemeClr val="bg1"/>
+                </a:solidFill>
+                <a:ea typeface="+mn-lt"/>
+                <a:cs typeface="+mn-lt"/>
+              </a:rPr>
+              <a:t>These steps could further refine our analysis and help us draw even stronger conclusions.</a:t>
+            </a:r>
+            <a:endParaRPr lang="en-US" sz="1800">
+              <a:solidFill>
+                <a:schemeClr val="bg1"/>
+              </a:solidFill>
+            </a:endParaRPr>
+          </a:p>
+        </p:txBody>
+      </p:sp>
       <p:pic>
         <p:nvPicPr>
-          <p:cNvPr id="3" name="Picture 2" descr="A cartoon face with a red mask&#10;&#10;Description automatically generated">
-            <a:extLst>
-              <a:ext uri="{FF2B5EF4-FFF2-40B4-BE49-F238E27FC236}">
-                <a16:creationId xmlns:a16="http://schemas.microsoft.com/office/drawing/2014/main" id="{620E36F0-E02D-0B62-91A8-9C72896CE469}"/>
+          <p:cNvPr id="14" name="Picture 13" descr="A cartoon character of a blue hedgehog&#10;&#10;Description automatically generated">
+            <a:extLst>
+              <a:ext uri="{FF2B5EF4-FFF2-40B4-BE49-F238E27FC236}">
+                <a16:creationId xmlns:a16="http://schemas.microsoft.com/office/drawing/2014/main" id="{64685208-0957-F19A-D934-D4052F97F005}"/>
               </a:ext>
             </a:extLst>
           </p:cNvPr>
@@ -5528,155 +5797,14 @@
         </p:blipFill>
         <p:spPr>
           <a:xfrm>
-            <a:off x="10876044" y="616845"/>
-            <a:ext cx="506293" cy="513375"/>
+            <a:off x="10872786" y="598934"/>
+            <a:ext cx="552694" cy="541868"/>
           </a:xfrm>
           <a:prstGeom prst="rect">
             <a:avLst/>
           </a:prstGeom>
         </p:spPr>
       </p:pic>
-      <p:sp>
-        <p:nvSpPr>
-          <p:cNvPr id="4" name="Title 1">
-            <a:extLst>
-              <a:ext uri="{FF2B5EF4-FFF2-40B4-BE49-F238E27FC236}">
-                <a16:creationId xmlns:a16="http://schemas.microsoft.com/office/drawing/2014/main" id="{90ECA6D2-29DB-C705-3607-5257F02F00BD}"/>
-              </a:ext>
-            </a:extLst>
-          </p:cNvPr>
-          <p:cNvSpPr>
-            <a:spLocks noGrp="1"/>
-          </p:cNvSpPr>
-          <p:nvPr>
-            <p:ph type="title"/>
-          </p:nvPr>
-        </p:nvSpPr>
-        <p:spPr>
-          <a:xfrm>
-            <a:off x="531284" y="1603375"/>
-            <a:ext cx="10515600" cy="870480"/>
-          </a:xfrm>
-        </p:spPr>
-        <p:txBody>
-          <a:bodyPr/>
-          <a:lstStyle/>
-          <a:p>
-            <a:r>
-              <a:rPr lang="en-US">
-                <a:solidFill>
-                  <a:schemeClr val="bg1"/>
-                </a:solidFill>
-                <a:ea typeface="+mj-lt"/>
-                <a:cs typeface="+mj-lt"/>
-              </a:rPr>
-              <a:t>Future work</a:t>
-            </a:r>
-            <a:endParaRPr lang="en-US">
-              <a:solidFill>
-                <a:schemeClr val="bg1"/>
-              </a:solidFill>
-            </a:endParaRPr>
-          </a:p>
-          <a:p>
-            <a:endParaRPr lang="en-US"/>
-          </a:p>
-        </p:txBody>
-      </p:sp>
-      <p:sp>
-        <p:nvSpPr>
-          <p:cNvPr id="6" name="Content Placeholder 2">
-            <a:extLst>
-              <a:ext uri="{FF2B5EF4-FFF2-40B4-BE49-F238E27FC236}">
-                <a16:creationId xmlns:a16="http://schemas.microsoft.com/office/drawing/2014/main" id="{8B090B5B-2AF2-D5D1-20E1-EA81CC242B87}"/>
-              </a:ext>
-            </a:extLst>
-          </p:cNvPr>
-          <p:cNvSpPr>
-            <a:spLocks noGrp="1"/>
-          </p:cNvSpPr>
-          <p:nvPr>
-            <p:ph idx="1"/>
-          </p:nvPr>
-        </p:nvSpPr>
-        <p:spPr>
-          <a:xfrm>
-            <a:off x="531284" y="2481792"/>
-            <a:ext cx="10515600" cy="2816755"/>
-          </a:xfrm>
-        </p:spPr>
-        <p:txBody>
-          <a:bodyPr vert="horz" lIns="91440" tIns="45720" rIns="91440" bIns="45720" rtlCol="0" anchor="t">
-            <a:normAutofit/>
-          </a:bodyPr>
-          <a:lstStyle/>
-          <a:p>
-            <a:r>
-              <a:rPr lang="en-US" sz="1800">
-                <a:solidFill>
-                  <a:schemeClr val="bg1"/>
-                </a:solidFill>
-                <a:ea typeface="+mn-lt"/>
-                <a:cs typeface="+mn-lt"/>
-              </a:rPr>
-              <a:t>Looking ahead, we see several opportunities for expanding this project. </a:t>
-            </a:r>
-          </a:p>
-          <a:p>
-            <a:r>
-              <a:rPr lang="en-US" sz="1800">
-                <a:solidFill>
-                  <a:schemeClr val="bg1"/>
-                </a:solidFill>
-                <a:ea typeface="+mn-lt"/>
-                <a:cs typeface="+mn-lt"/>
-              </a:rPr>
-              <a:t>We could use machine learning models to predict future trends in movie genres and directorial success. </a:t>
-            </a:r>
-          </a:p>
-          <a:p>
-            <a:r>
-              <a:rPr lang="en-US" sz="1800">
-                <a:solidFill>
-                  <a:schemeClr val="bg1"/>
-                </a:solidFill>
-                <a:ea typeface="+mn-lt"/>
-                <a:cs typeface="+mn-lt"/>
-              </a:rPr>
-              <a:t>Incorporating additional factors, such as actor popularity or box office performance, could give us a more complete picture. </a:t>
-            </a:r>
-          </a:p>
-          <a:p>
-            <a:r>
-              <a:rPr lang="en-US" sz="1800">
-                <a:solidFill>
-                  <a:schemeClr val="bg1"/>
-                </a:solidFill>
-                <a:ea typeface="+mn-lt"/>
-                <a:cs typeface="+mn-lt"/>
-              </a:rPr>
-              <a:t>Lastly, addressing the biases we identified by weighing ratings or votes based on the time period or cultural context would provide more accurate insights. </a:t>
-            </a:r>
-          </a:p>
-          <a:p>
-            <a:r>
-              <a:rPr lang="en-US" sz="1800">
-                <a:solidFill>
-                  <a:schemeClr val="bg1"/>
-                </a:solidFill>
-                <a:ea typeface="+mn-lt"/>
-                <a:cs typeface="+mn-lt"/>
-              </a:rPr>
-              <a:t>These steps could further refine our analysis and help us draw even stronger conclusions.</a:t>
-            </a:r>
-            <a:endParaRPr lang="en-US" sz="1800">
-              <a:solidFill>
-                <a:schemeClr val="bg1"/>
-              </a:solidFill>
-            </a:endParaRPr>
-          </a:p>
-        </p:txBody>
-      </p:sp>
     </p:spTree>
     <p:extLst>
       <p:ext uri="{BB962C8B-B14F-4D97-AF65-F5344CB8AC3E}">
@@ -5691,6 +5819,1396 @@
 </file>
 
 <file path=ppt/slides/slide12.xml><?xml version="1.0" encoding="utf-8"?>
+<p:sld xmlns:a="http://schemas.openxmlformats.org/drawingml/2006/main" xmlns:r="http://schemas.openxmlformats.org/officeDocument/2006/relationships" xmlns:p="http://schemas.openxmlformats.org/presentationml/2006/main">
+  <p:cSld>
+    <p:bg>
+      <p:bgPr>
+        <a:solidFill>
+          <a:schemeClr val="tx1"/>
+        </a:solidFill>
+        <a:effectLst/>
+      </p:bgPr>
+    </p:bg>
+    <p:spTree>
+      <p:nvGrpSpPr>
+        <p:cNvPr id="1" name=""/>
+        <p:cNvGrpSpPr/>
+        <p:nvPr/>
+      </p:nvGrpSpPr>
+      <p:grpSpPr>
+        <a:xfrm>
+          <a:off x="0" y="0"/>
+          <a:ext cx="0" cy="0"/>
+          <a:chOff x="0" y="0"/>
+          <a:chExt cx="0" cy="0"/>
+        </a:xfrm>
+      </p:grpSpPr>
+      <p:sp>
+        <p:nvSpPr>
+          <p:cNvPr id="2" name="TextBox 1">
+            <a:extLst>
+              <a:ext uri="{FF2B5EF4-FFF2-40B4-BE49-F238E27FC236}">
+                <a16:creationId xmlns:a16="http://schemas.microsoft.com/office/drawing/2014/main" id="{175D9375-4FC5-DD03-C423-8121141CC6E4}"/>
+              </a:ext>
+            </a:extLst>
+          </p:cNvPr>
+          <p:cNvSpPr txBox="1"/>
+          <p:nvPr/>
+        </p:nvSpPr>
+        <p:spPr>
+          <a:xfrm>
+            <a:off x="3043518" y="-4482"/>
+            <a:ext cx="6116170" cy="10433625"/>
+          </a:xfrm>
+          <a:prstGeom prst="rect">
+            <a:avLst/>
+          </a:prstGeom>
+          <a:noFill/>
+        </p:spPr>
+        <p:txBody>
+          <a:bodyPr rot="0" spcFirstLastPara="0" vertOverflow="overflow" horzOverflow="overflow" vert="horz" wrap="square" lIns="91440" tIns="45720" rIns="91440" bIns="45720" numCol="1" spcCol="0" rtlCol="0" fromWordArt="0" anchor="t" anchorCtr="0" forceAA="0" compatLnSpc="1">
+            <a:prstTxWarp prst="textNoShape">
+              <a:avLst/>
+            </a:prstTxWarp>
+            <a:spAutoFit/>
+          </a:bodyPr>
+          <a:lstStyle/>
+          <a:p>
+            <a:pPr algn="ctr"/>
+            <a:r>
+              <a:rPr lang="en-US" b="1">
+                <a:solidFill>
+                  <a:schemeClr val="bg1"/>
+                </a:solidFill>
+                <a:latin typeface="Calibri"/>
+                <a:ea typeface="Calibri"/>
+                <a:cs typeface="Arial"/>
+              </a:rPr>
+              <a:t>Credits </a:t>
+            </a:r>
+          </a:p>
+          <a:p>
+            <a:pPr algn="ctr"/>
+            <a:endParaRPr lang="en-US" sz="1000" b="1">
+              <a:solidFill>
+                <a:schemeClr val="bg1"/>
+              </a:solidFill>
+              <a:latin typeface="Calibri"/>
+              <a:ea typeface="Calibri"/>
+              <a:cs typeface="Arial"/>
+            </a:endParaRPr>
+          </a:p>
+          <a:p>
+            <a:pPr algn="ctr"/>
+            <a:r>
+              <a:rPr lang="en-US" sz="1400" b="1">
+                <a:solidFill>
+                  <a:srgbClr val="C00000"/>
+                </a:solidFill>
+                <a:latin typeface="Calibri"/>
+                <a:ea typeface="Calibri"/>
+                <a:cs typeface="Calibri"/>
+              </a:rPr>
+              <a:t>Starring</a:t>
+            </a:r>
+            <a:endParaRPr lang="en-US" sz="1400">
+              <a:solidFill>
+                <a:srgbClr val="C00000"/>
+              </a:solidFill>
+              <a:latin typeface="Calibri"/>
+              <a:ea typeface="Calibri"/>
+              <a:cs typeface="Calibri"/>
+            </a:endParaRPr>
+          </a:p>
+          <a:p>
+            <a:pPr algn="ctr"/>
+            <a:r>
+              <a:rPr lang="en-US" sz="1000" b="1">
+                <a:solidFill>
+                  <a:schemeClr val="bg1"/>
+                </a:solidFill>
+                <a:latin typeface="Calibri"/>
+                <a:ea typeface="+mn-lt"/>
+                <a:cs typeface="+mn-lt"/>
+              </a:rPr>
+              <a:t>Judith Landa</a:t>
+            </a:r>
+            <a:endParaRPr lang="en-US" sz="1000">
+              <a:solidFill>
+                <a:schemeClr val="bg1"/>
+              </a:solidFill>
+              <a:latin typeface="Calibri"/>
+              <a:ea typeface="Calibri"/>
+              <a:cs typeface="Calibri"/>
+            </a:endParaRPr>
+          </a:p>
+          <a:p>
+            <a:pPr algn="ctr"/>
+            <a:r>
+              <a:rPr lang="en-US" sz="1000" i="1">
+                <a:solidFill>
+                  <a:schemeClr val="bg1"/>
+                </a:solidFill>
+                <a:latin typeface="Calibri"/>
+                <a:ea typeface="+mn-lt"/>
+                <a:cs typeface="+mn-lt"/>
+              </a:rPr>
+              <a:t>Tableau Visualizations 2, Slide Creation</a:t>
+            </a:r>
+            <a:endParaRPr lang="en-US" sz="1000" i="1">
+              <a:solidFill>
+                <a:schemeClr val="bg1"/>
+              </a:solidFill>
+              <a:latin typeface="Aptos"/>
+              <a:ea typeface="Calibri"/>
+              <a:cs typeface="Calibri"/>
+            </a:endParaRPr>
+          </a:p>
+          <a:p>
+            <a:pPr algn="ctr"/>
+            <a:endParaRPr lang="en-US" sz="1000" i="1">
+              <a:solidFill>
+                <a:schemeClr val="bg1"/>
+              </a:solidFill>
+              <a:latin typeface="Calibri"/>
+              <a:ea typeface="+mn-lt"/>
+              <a:cs typeface="+mn-lt"/>
+            </a:endParaRPr>
+          </a:p>
+          <a:p>
+            <a:pPr algn="ctr"/>
+            <a:r>
+              <a:rPr lang="en-US" sz="1000" b="1">
+                <a:solidFill>
+                  <a:schemeClr val="bg1"/>
+                </a:solidFill>
+                <a:latin typeface="Calibri"/>
+                <a:ea typeface="+mn-lt"/>
+                <a:cs typeface="+mn-lt"/>
+              </a:rPr>
+              <a:t>Andrew Montemayor</a:t>
+            </a:r>
+            <a:endParaRPr lang="en-US" sz="1000">
+              <a:solidFill>
+                <a:schemeClr val="bg1"/>
+              </a:solidFill>
+              <a:latin typeface="Calibri"/>
+              <a:ea typeface="Calibri"/>
+              <a:cs typeface="Calibri"/>
+            </a:endParaRPr>
+          </a:p>
+          <a:p>
+            <a:pPr algn="ctr"/>
+            <a:r>
+              <a:rPr lang="en-US" sz="1000" i="1">
+                <a:solidFill>
+                  <a:schemeClr val="bg1"/>
+                </a:solidFill>
+                <a:latin typeface="Calibri"/>
+                <a:ea typeface="+mn-lt"/>
+                <a:cs typeface="+mn-lt"/>
+              </a:rPr>
+              <a:t>Tableau Visualizations 1, Web App Development</a:t>
+            </a:r>
+            <a:endParaRPr lang="en-US" sz="1000" i="1">
+              <a:solidFill>
+                <a:schemeClr val="bg1"/>
+              </a:solidFill>
+              <a:latin typeface="Aptos"/>
+              <a:ea typeface="Calibri"/>
+              <a:cs typeface="Calibri"/>
+            </a:endParaRPr>
+          </a:p>
+          <a:p>
+            <a:pPr algn="ctr"/>
+            <a:endParaRPr lang="en-US" sz="1000" i="1">
+              <a:solidFill>
+                <a:schemeClr val="bg1"/>
+              </a:solidFill>
+              <a:latin typeface="Calibri"/>
+              <a:ea typeface="+mn-lt"/>
+              <a:cs typeface="+mn-lt"/>
+            </a:endParaRPr>
+          </a:p>
+          <a:p>
+            <a:pPr algn="ctr"/>
+            <a:r>
+              <a:rPr lang="en-US" sz="1000" b="1">
+                <a:solidFill>
+                  <a:schemeClr val="bg1"/>
+                </a:solidFill>
+                <a:latin typeface="Calibri"/>
+                <a:ea typeface="+mn-lt"/>
+                <a:cs typeface="+mn-lt"/>
+              </a:rPr>
+              <a:t>Mason DeJesus</a:t>
+            </a:r>
+            <a:endParaRPr lang="en-US" sz="1000">
+              <a:solidFill>
+                <a:schemeClr val="bg1"/>
+              </a:solidFill>
+              <a:latin typeface="Calibri"/>
+              <a:ea typeface="Calibri"/>
+              <a:cs typeface="Calibri"/>
+            </a:endParaRPr>
+          </a:p>
+          <a:p>
+            <a:pPr algn="ctr"/>
+            <a:r>
+              <a:rPr lang="en-US" sz="1000" i="1">
+                <a:solidFill>
+                  <a:schemeClr val="bg1"/>
+                </a:solidFill>
+                <a:latin typeface="Calibri"/>
+                <a:ea typeface="+mn-lt"/>
+                <a:cs typeface="+mn-lt"/>
+              </a:rPr>
+              <a:t>Machine Learning Models, Data Analysis</a:t>
+            </a:r>
+            <a:endParaRPr lang="en-US" sz="1000" i="1">
+              <a:solidFill>
+                <a:schemeClr val="bg1"/>
+              </a:solidFill>
+              <a:latin typeface="Aptos"/>
+              <a:ea typeface="Calibri"/>
+              <a:cs typeface="Calibri"/>
+            </a:endParaRPr>
+          </a:p>
+          <a:p>
+            <a:pPr algn="ctr"/>
+            <a:endParaRPr lang="en-US" sz="1000" i="1">
+              <a:solidFill>
+                <a:schemeClr val="bg1"/>
+              </a:solidFill>
+              <a:latin typeface="Calibri"/>
+              <a:ea typeface="+mn-lt"/>
+              <a:cs typeface="+mn-lt"/>
+            </a:endParaRPr>
+          </a:p>
+          <a:p>
+            <a:pPr algn="ctr"/>
+            <a:r>
+              <a:rPr lang="en-US" sz="1000" b="1">
+                <a:solidFill>
+                  <a:schemeClr val="bg1"/>
+                </a:solidFill>
+                <a:latin typeface="Calibri"/>
+                <a:ea typeface="+mn-lt"/>
+                <a:cs typeface="+mn-lt"/>
+              </a:rPr>
+              <a:t>Mathias Carnero</a:t>
+            </a:r>
+            <a:endParaRPr lang="en-US" sz="1000">
+              <a:solidFill>
+                <a:schemeClr val="bg1"/>
+              </a:solidFill>
+              <a:latin typeface="Calibri"/>
+              <a:ea typeface="Calibri"/>
+              <a:cs typeface="Calibri"/>
+            </a:endParaRPr>
+          </a:p>
+          <a:p>
+            <a:pPr algn="ctr"/>
+            <a:r>
+              <a:rPr lang="en-US" sz="1000" i="1">
+                <a:solidFill>
+                  <a:schemeClr val="bg1"/>
+                </a:solidFill>
+                <a:latin typeface="Calibri"/>
+                <a:ea typeface="+mn-lt"/>
+                <a:cs typeface="+mn-lt"/>
+              </a:rPr>
+              <a:t>Web App Hosting, Development Support</a:t>
+            </a:r>
+            <a:endParaRPr lang="en-US" sz="1000" i="1">
+              <a:solidFill>
+                <a:schemeClr val="bg1"/>
+              </a:solidFill>
+              <a:latin typeface="Aptos"/>
+              <a:ea typeface="Calibri"/>
+              <a:cs typeface="Calibri"/>
+            </a:endParaRPr>
+          </a:p>
+          <a:p>
+            <a:pPr algn="ctr"/>
+            <a:endParaRPr lang="en-US" sz="1000" b="1">
+              <a:solidFill>
+                <a:schemeClr val="bg1"/>
+              </a:solidFill>
+              <a:latin typeface="Calibri"/>
+              <a:ea typeface="Calibri"/>
+              <a:cs typeface="Calibri"/>
+            </a:endParaRPr>
+          </a:p>
+          <a:p>
+            <a:pPr algn="ctr"/>
+            <a:r>
+              <a:rPr lang="en-US" sz="1000" b="1">
+                <a:solidFill>
+                  <a:schemeClr val="bg1"/>
+                </a:solidFill>
+                <a:latin typeface="Calibri"/>
+                <a:ea typeface="Calibri"/>
+                <a:cs typeface="Calibri"/>
+              </a:rPr>
+              <a:t>Andrew Montemayor, Judith Landa, Mason DeJesus, Mathias Carnero</a:t>
+            </a:r>
+            <a:endParaRPr lang="en-US" sz="1000">
+              <a:solidFill>
+                <a:schemeClr val="bg1"/>
+              </a:solidFill>
+              <a:latin typeface="Calibri"/>
+              <a:ea typeface="Calibri"/>
+              <a:cs typeface="Calibri"/>
+            </a:endParaRPr>
+          </a:p>
+          <a:p>
+            <a:pPr algn="ctr"/>
+            <a:r>
+              <a:rPr lang="en-US" sz="1000" i="1">
+                <a:solidFill>
+                  <a:schemeClr val="bg1"/>
+                </a:solidFill>
+                <a:latin typeface="Calibri"/>
+                <a:ea typeface="Calibri"/>
+                <a:cs typeface="Calibri"/>
+              </a:rPr>
+              <a:t>Write-up</a:t>
+            </a:r>
+            <a:endParaRPr lang="en-US">
+              <a:solidFill>
+                <a:schemeClr val="bg1"/>
+              </a:solidFill>
+              <a:latin typeface="Calibri"/>
+              <a:ea typeface="Calibri"/>
+              <a:cs typeface="Calibri"/>
+            </a:endParaRPr>
+          </a:p>
+          <a:p>
+            <a:pPr algn="ctr"/>
+            <a:endParaRPr lang="en-US" sz="1000" i="1">
+              <a:solidFill>
+                <a:schemeClr val="bg1"/>
+              </a:solidFill>
+              <a:latin typeface="Calibri"/>
+              <a:ea typeface="Calibri"/>
+              <a:cs typeface="Arial"/>
+            </a:endParaRPr>
+          </a:p>
+          <a:p>
+            <a:pPr algn="ctr"/>
+            <a:r>
+              <a:rPr lang="en-US" sz="1400" b="1">
+                <a:solidFill>
+                  <a:srgbClr val="C00000"/>
+                </a:solidFill>
+                <a:latin typeface="Calibri"/>
+                <a:ea typeface="Calibri"/>
+                <a:cs typeface="Calibri"/>
+              </a:rPr>
+              <a:t>Produced By</a:t>
+            </a:r>
+            <a:endParaRPr lang="en-US" sz="1200">
+              <a:solidFill>
+                <a:srgbClr val="C00000"/>
+              </a:solidFill>
+              <a:latin typeface="Calibri"/>
+              <a:ea typeface="Calibri"/>
+              <a:cs typeface="Calibri"/>
+            </a:endParaRPr>
+          </a:p>
+          <a:p>
+            <a:pPr algn="ctr"/>
+            <a:r>
+              <a:rPr lang="en-US" sz="1000" b="1">
+                <a:solidFill>
+                  <a:schemeClr val="bg1"/>
+                </a:solidFill>
+                <a:latin typeface="Calibri"/>
+                <a:ea typeface="+mn-lt"/>
+                <a:cs typeface="+mn-lt"/>
+              </a:rPr>
+              <a:t>Project 4, Group 8</a:t>
+            </a:r>
+            <a:endParaRPr lang="en-US" sz="1000" b="1">
+              <a:solidFill>
+                <a:schemeClr val="bg1"/>
+              </a:solidFill>
+              <a:latin typeface="Calibri"/>
+              <a:ea typeface="Calibri"/>
+              <a:cs typeface="Calibri"/>
+            </a:endParaRPr>
+          </a:p>
+          <a:p>
+            <a:pPr algn="ctr"/>
+            <a:endParaRPr lang="en-US" sz="1000" b="1">
+              <a:solidFill>
+                <a:schemeClr val="bg1"/>
+              </a:solidFill>
+              <a:latin typeface="Calibri"/>
+              <a:ea typeface="Calibri"/>
+              <a:cs typeface="Arial"/>
+            </a:endParaRPr>
+          </a:p>
+          <a:p>
+            <a:pPr algn="ctr"/>
+            <a:r>
+              <a:rPr lang="en-US" sz="1400" b="1">
+                <a:solidFill>
+                  <a:srgbClr val="C00000"/>
+                </a:solidFill>
+                <a:latin typeface="Calibri"/>
+                <a:ea typeface="Calibri"/>
+                <a:cs typeface="Calibri"/>
+              </a:rPr>
+              <a:t>Written By</a:t>
+            </a:r>
+            <a:endParaRPr lang="en-US" sz="1200">
+              <a:solidFill>
+                <a:srgbClr val="C00000"/>
+              </a:solidFill>
+              <a:latin typeface="Calibri"/>
+              <a:ea typeface="Calibri"/>
+              <a:cs typeface="Calibri"/>
+            </a:endParaRPr>
+          </a:p>
+          <a:p>
+            <a:pPr algn="ctr"/>
+            <a:r>
+              <a:rPr lang="en-US" sz="1000" b="1">
+                <a:solidFill>
+                  <a:schemeClr val="bg1"/>
+                </a:solidFill>
+                <a:latin typeface="Calibri"/>
+                <a:ea typeface="+mn-lt"/>
+                <a:cs typeface="+mn-lt"/>
+              </a:rPr>
+              <a:t>Andrew Montemayor</a:t>
+            </a:r>
+            <a:endParaRPr lang="en-US" sz="1000" b="1">
+              <a:solidFill>
+                <a:schemeClr val="bg1"/>
+              </a:solidFill>
+              <a:latin typeface="Aptos"/>
+              <a:ea typeface="Calibri"/>
+              <a:cs typeface="Calibri"/>
+            </a:endParaRPr>
+          </a:p>
+          <a:p>
+            <a:pPr algn="ctr"/>
+            <a:r>
+              <a:rPr lang="en-US" sz="1000" b="1">
+                <a:solidFill>
+                  <a:schemeClr val="bg1"/>
+                </a:solidFill>
+                <a:latin typeface="Calibri"/>
+                <a:ea typeface="Calibri"/>
+                <a:cs typeface="Calibri"/>
+              </a:rPr>
+              <a:t>Judith Landa</a:t>
+            </a:r>
+            <a:endParaRPr lang="en-US">
+              <a:solidFill>
+                <a:schemeClr val="bg1"/>
+              </a:solidFill>
+              <a:latin typeface="Calibri"/>
+              <a:ea typeface="Calibri"/>
+              <a:cs typeface="Calibri"/>
+            </a:endParaRPr>
+          </a:p>
+          <a:p>
+            <a:pPr algn="ctr"/>
+            <a:r>
+              <a:rPr lang="en-US" sz="1000" b="1">
+                <a:solidFill>
+                  <a:schemeClr val="bg1"/>
+                </a:solidFill>
+                <a:latin typeface="Calibri"/>
+                <a:ea typeface="+mn-lt"/>
+                <a:cs typeface="+mn-lt"/>
+              </a:rPr>
+              <a:t>Mason DeJesus</a:t>
+            </a:r>
+            <a:endParaRPr lang="en-US" sz="1000">
+              <a:solidFill>
+                <a:schemeClr val="bg1"/>
+              </a:solidFill>
+              <a:latin typeface="Calibri"/>
+              <a:ea typeface="Calibri"/>
+              <a:cs typeface="Calibri"/>
+            </a:endParaRPr>
+          </a:p>
+          <a:p>
+            <a:pPr algn="ctr"/>
+            <a:r>
+              <a:rPr lang="en-US" sz="1000" b="1">
+                <a:solidFill>
+                  <a:schemeClr val="bg1"/>
+                </a:solidFill>
+                <a:latin typeface="Calibri"/>
+                <a:ea typeface="+mn-lt"/>
+                <a:cs typeface="+mn-lt"/>
+              </a:rPr>
+              <a:t>Mathias Carnero</a:t>
+            </a:r>
+            <a:endParaRPr lang="en-US" sz="1000">
+              <a:solidFill>
+                <a:schemeClr val="bg1"/>
+              </a:solidFill>
+              <a:latin typeface="Calibri"/>
+              <a:ea typeface="Calibri"/>
+              <a:cs typeface="Calibri"/>
+            </a:endParaRPr>
+          </a:p>
+          <a:p>
+            <a:pPr algn="ctr"/>
+            <a:endParaRPr lang="en-US" sz="1000" b="1">
+              <a:solidFill>
+                <a:schemeClr val="bg1"/>
+              </a:solidFill>
+              <a:latin typeface="Calibri"/>
+              <a:ea typeface="Calibri"/>
+              <a:cs typeface="Arial"/>
+            </a:endParaRPr>
+          </a:p>
+          <a:p>
+            <a:pPr algn="ctr"/>
+            <a:r>
+              <a:rPr lang="en-US" sz="1400" b="1">
+                <a:solidFill>
+                  <a:srgbClr val="C00000"/>
+                </a:solidFill>
+                <a:latin typeface="Calibri"/>
+                <a:ea typeface="+mn-lt"/>
+                <a:cs typeface="+mn-lt"/>
+              </a:rPr>
+              <a:t>Special Thanks To</a:t>
+            </a:r>
+            <a:endParaRPr lang="en-US" sz="1400" b="1">
+              <a:solidFill>
+                <a:srgbClr val="C00000"/>
+              </a:solidFill>
+              <a:latin typeface="Calibri"/>
+              <a:ea typeface="Calibri"/>
+              <a:cs typeface="Calibri"/>
+            </a:endParaRPr>
+          </a:p>
+          <a:p>
+            <a:pPr algn="ctr"/>
+            <a:r>
+              <a:rPr lang="en-US" sz="1000" b="1">
+                <a:solidFill>
+                  <a:schemeClr val="bg1"/>
+                </a:solidFill>
+                <a:latin typeface="Calibri"/>
+                <a:ea typeface="+mn-lt"/>
+                <a:cs typeface="+mn-lt"/>
+              </a:rPr>
+              <a:t>Kaggle</a:t>
+            </a:r>
+            <a:endParaRPr lang="en-US" sz="1000">
+              <a:solidFill>
+                <a:schemeClr val="bg1"/>
+              </a:solidFill>
+              <a:latin typeface="Calibri"/>
+              <a:ea typeface="Calibri"/>
+              <a:cs typeface="Calibri"/>
+            </a:endParaRPr>
+          </a:p>
+          <a:p>
+            <a:pPr algn="ctr"/>
+            <a:r>
+              <a:rPr lang="en-US" sz="1000" i="1">
+                <a:solidFill>
+                  <a:schemeClr val="bg1"/>
+                </a:solidFill>
+                <a:latin typeface="Calibri"/>
+                <a:ea typeface="+mn-lt"/>
+                <a:cs typeface="+mn-lt"/>
+              </a:rPr>
+              <a:t>For providing the dataset of over 16,000 movies spanning from 1910-2024</a:t>
+            </a:r>
+            <a:endParaRPr lang="en-US" sz="1000">
+              <a:solidFill>
+                <a:schemeClr val="bg1"/>
+              </a:solidFill>
+              <a:latin typeface="Calibri"/>
+              <a:ea typeface="Calibri"/>
+              <a:cs typeface="Calibri"/>
+            </a:endParaRPr>
+          </a:p>
+          <a:p>
+            <a:pPr algn="ctr"/>
+            <a:endParaRPr lang="en-US" sz="1000" i="1">
+              <a:solidFill>
+                <a:schemeClr val="bg1"/>
+              </a:solidFill>
+              <a:latin typeface="Calibri"/>
+              <a:ea typeface="+mn-lt"/>
+              <a:cs typeface="+mn-lt"/>
+            </a:endParaRPr>
+          </a:p>
+          <a:p>
+            <a:pPr algn="ctr"/>
+            <a:r>
+              <a:rPr lang="en-US" sz="1000" b="1">
+                <a:solidFill>
+                  <a:schemeClr val="bg1"/>
+                </a:solidFill>
+                <a:latin typeface="Calibri"/>
+                <a:ea typeface="+mn-lt"/>
+                <a:cs typeface="+mn-lt"/>
+              </a:rPr>
+              <a:t>Metacritic</a:t>
+            </a:r>
+            <a:endParaRPr lang="en-US" sz="1000">
+              <a:solidFill>
+                <a:schemeClr val="bg1"/>
+              </a:solidFill>
+              <a:latin typeface="Calibri"/>
+              <a:ea typeface="Calibri"/>
+              <a:cs typeface="Calibri"/>
+            </a:endParaRPr>
+          </a:p>
+          <a:p>
+            <a:pPr algn="ctr"/>
+            <a:r>
+              <a:rPr lang="en-US" sz="1000" i="1">
+                <a:solidFill>
+                  <a:schemeClr val="bg1"/>
+                </a:solidFill>
+                <a:latin typeface="Calibri"/>
+                <a:ea typeface="+mn-lt"/>
+                <a:cs typeface="+mn-lt"/>
+              </a:rPr>
+              <a:t>For being the source of ratings and votes for the dataset</a:t>
+            </a:r>
+            <a:endParaRPr lang="en-US" sz="1000">
+              <a:solidFill>
+                <a:schemeClr val="bg1"/>
+              </a:solidFill>
+              <a:latin typeface="Calibri"/>
+              <a:ea typeface="Calibri"/>
+              <a:cs typeface="Calibri"/>
+            </a:endParaRPr>
+          </a:p>
+          <a:p>
+            <a:pPr algn="ctr"/>
+            <a:endParaRPr lang="en-US" sz="1000" i="1">
+              <a:solidFill>
+                <a:schemeClr val="bg1"/>
+              </a:solidFill>
+              <a:latin typeface="Calibri"/>
+              <a:ea typeface="+mn-lt"/>
+              <a:cs typeface="+mn-lt"/>
+            </a:endParaRPr>
+          </a:p>
+          <a:p>
+            <a:pPr algn="ctr"/>
+            <a:r>
+              <a:rPr lang="en-US" sz="1000" b="1">
+                <a:solidFill>
+                  <a:schemeClr val="bg1"/>
+                </a:solidFill>
+                <a:latin typeface="Calibri"/>
+                <a:ea typeface="+mn-lt"/>
+                <a:cs typeface="+mn-lt"/>
+              </a:rPr>
+              <a:t>GitHub Community</a:t>
+            </a:r>
+            <a:endParaRPr lang="en-US" sz="1000">
+              <a:solidFill>
+                <a:schemeClr val="bg1"/>
+              </a:solidFill>
+              <a:latin typeface="Calibri"/>
+              <a:ea typeface="Calibri"/>
+              <a:cs typeface="Calibri"/>
+            </a:endParaRPr>
+          </a:p>
+          <a:p>
+            <a:pPr algn="ctr"/>
+            <a:r>
+              <a:rPr lang="en-US" sz="1000" i="1">
+                <a:solidFill>
+                  <a:schemeClr val="bg1"/>
+                </a:solidFill>
+                <a:latin typeface="Calibri"/>
+                <a:ea typeface="+mn-lt"/>
+                <a:cs typeface="+mn-lt"/>
+              </a:rPr>
+              <a:t>For hosting the project repository and code</a:t>
+            </a:r>
+            <a:endParaRPr lang="en-US" sz="1000">
+              <a:solidFill>
+                <a:schemeClr val="bg1"/>
+              </a:solidFill>
+              <a:latin typeface="Calibri"/>
+              <a:ea typeface="Calibri"/>
+              <a:cs typeface="Calibri"/>
+            </a:endParaRPr>
+          </a:p>
+          <a:p>
+            <a:pPr algn="ctr"/>
+            <a:endParaRPr lang="en-US" sz="1000" i="1">
+              <a:solidFill>
+                <a:schemeClr val="bg1"/>
+              </a:solidFill>
+              <a:latin typeface="Calibri"/>
+              <a:ea typeface="+mn-lt"/>
+              <a:cs typeface="+mn-lt"/>
+            </a:endParaRPr>
+          </a:p>
+          <a:p>
+            <a:pPr algn="ctr"/>
+            <a:r>
+              <a:rPr lang="en-US" sz="1000" b="1">
+                <a:solidFill>
+                  <a:schemeClr val="bg1"/>
+                </a:solidFill>
+                <a:latin typeface="Calibri"/>
+                <a:ea typeface="+mn-lt"/>
+                <a:cs typeface="+mn-lt"/>
+              </a:rPr>
+              <a:t>Tableau Public</a:t>
+            </a:r>
+            <a:endParaRPr lang="en-US" sz="1000">
+              <a:solidFill>
+                <a:schemeClr val="bg1"/>
+              </a:solidFill>
+              <a:latin typeface="Calibri"/>
+              <a:ea typeface="Calibri"/>
+              <a:cs typeface="Calibri"/>
+            </a:endParaRPr>
+          </a:p>
+          <a:p>
+            <a:pPr algn="ctr"/>
+            <a:r>
+              <a:rPr lang="en-US" sz="1000" i="1">
+                <a:solidFill>
+                  <a:schemeClr val="bg1"/>
+                </a:solidFill>
+                <a:latin typeface="Calibri"/>
+                <a:ea typeface="+mn-lt"/>
+                <a:cs typeface="+mn-lt"/>
+              </a:rPr>
+              <a:t>For visualization inspiration and design ideas</a:t>
+            </a:r>
+            <a:endParaRPr lang="en-US" sz="1000">
+              <a:solidFill>
+                <a:schemeClr val="bg1"/>
+              </a:solidFill>
+              <a:latin typeface="Calibri"/>
+              <a:ea typeface="Calibri"/>
+              <a:cs typeface="Calibri"/>
+            </a:endParaRPr>
+          </a:p>
+          <a:p>
+            <a:pPr algn="ctr"/>
+            <a:endParaRPr lang="en-US" sz="1000" b="1">
+              <a:solidFill>
+                <a:schemeClr val="bg1"/>
+              </a:solidFill>
+              <a:latin typeface="Calibri"/>
+              <a:ea typeface="Calibri"/>
+              <a:cs typeface="Arial"/>
+            </a:endParaRPr>
+          </a:p>
+          <a:p>
+            <a:pPr algn="ctr"/>
+            <a:r>
+              <a:rPr lang="en-US" sz="1000" b="1">
+                <a:solidFill>
+                  <a:schemeClr val="bg1"/>
+                </a:solidFill>
+                <a:latin typeface="Calibri"/>
+                <a:ea typeface="Calibri"/>
+                <a:cs typeface="Arial"/>
+              </a:rPr>
+              <a:t>Link to GitHub Repository:</a:t>
+            </a:r>
+            <a:br>
+              <a:rPr lang="en-US" sz="1000">
+                <a:latin typeface="Calibri"/>
+              </a:rPr>
+            </a:br>
+            <a:r>
+              <a:rPr lang="en-US" sz="1000">
+                <a:solidFill>
+                  <a:schemeClr val="bg1"/>
+                </a:solidFill>
+                <a:latin typeface="Calibri"/>
+                <a:ea typeface="Calibri"/>
+                <a:cs typeface="Arial"/>
+                <a:hlinkClick r:id="rId2">
+                  <a:extLst>
+                    <a:ext uri="{A12FA001-AC4F-418D-AE19-62706E023703}">
+                      <ahyp:hlinkClr xmlns:ahyp="http://schemas.microsoft.com/office/drawing/2018/hyperlinkcolor" val="tx"/>
+                    </a:ext>
+                  </a:extLst>
+                </a:hlinkClick>
+              </a:rPr>
+              <a:t>https://github.com/ajmonte0920/BootCamp24-project-4-group-08</a:t>
+            </a:r>
+            <a:endParaRPr lang="en-US" sz="1000">
+              <a:solidFill>
+                <a:schemeClr val="bg1"/>
+              </a:solidFill>
+              <a:latin typeface="Calibri"/>
+              <a:ea typeface="Calibri"/>
+              <a:cs typeface="Arial"/>
+            </a:endParaRPr>
+          </a:p>
+          <a:p>
+            <a:pPr algn="ctr"/>
+            <a:endParaRPr lang="en-US" sz="1000">
+              <a:solidFill>
+                <a:schemeClr val="bg1"/>
+              </a:solidFill>
+              <a:latin typeface="Calibri"/>
+              <a:ea typeface="Calibri"/>
+              <a:cs typeface="Arial"/>
+            </a:endParaRPr>
+          </a:p>
+          <a:p>
+            <a:pPr algn="ctr"/>
+            <a:r>
+              <a:rPr lang="en-US" sz="1000" b="1">
+                <a:solidFill>
+                  <a:schemeClr val="bg1"/>
+                </a:solidFill>
+                <a:latin typeface="Calibri"/>
+                <a:ea typeface="Calibri"/>
+                <a:cs typeface="Arial"/>
+              </a:rPr>
+              <a:t>Inspiration:</a:t>
+            </a:r>
+            <a:br>
+              <a:rPr lang="en-US" sz="1000">
+                <a:latin typeface="Calibri"/>
+              </a:rPr>
+            </a:br>
+            <a:r>
+              <a:rPr lang="en-US" sz="1000">
+                <a:solidFill>
+                  <a:schemeClr val="bg1"/>
+                </a:solidFill>
+                <a:latin typeface="Calibri"/>
+                <a:ea typeface="Calibri"/>
+                <a:cs typeface="Arial"/>
+                <a:hlinkClick r:id="rId3">
+                  <a:extLst>
+                    <a:ext uri="{A12FA001-AC4F-418D-AE19-62706E023703}">
+                      <ahyp:hlinkClr xmlns:ahyp="http://schemas.microsoft.com/office/drawing/2018/hyperlinkcolor" val="tx"/>
+                    </a:ext>
+                  </a:extLst>
+                </a:hlinkClick>
+              </a:rPr>
+              <a:t>https://public.tableau.com/app/profile/angela.drucioc/viz/TimeSeriesAnalyse/Tableaudebord2</a:t>
+            </a:r>
+            <a:endParaRPr lang="en-US" sz="1000">
+              <a:solidFill>
+                <a:schemeClr val="bg1"/>
+              </a:solidFill>
+              <a:latin typeface="Calibri"/>
+              <a:ea typeface="Calibri"/>
+              <a:cs typeface="Arial"/>
+            </a:endParaRPr>
+          </a:p>
+          <a:p>
+            <a:pPr algn="ctr"/>
+            <a:br>
+              <a:rPr lang="en-US" sz="1000">
+                <a:latin typeface="Calibri"/>
+              </a:rPr>
+            </a:br>
+            <a:r>
+              <a:rPr lang="en-US" sz="1000">
+                <a:solidFill>
+                  <a:schemeClr val="bg1"/>
+                </a:solidFill>
+                <a:latin typeface="Calibri"/>
+                <a:ea typeface="Calibri"/>
+                <a:cs typeface="Arial"/>
+                <a:hlinkClick r:id="rId4">
+                  <a:extLst>
+                    <a:ext uri="{A12FA001-AC4F-418D-AE19-62706E023703}">
+                      <ahyp:hlinkClr xmlns:ahyp="http://schemas.microsoft.com/office/drawing/2018/hyperlinkcolor" val="tx"/>
+                    </a:ext>
+                  </a:extLst>
+                </a:hlinkClick>
+              </a:rPr>
+              <a:t>https://public.tableau.com/app/profile/ryansoares/viz/TrendsinTVShowGenres/TrendsinTVShowGenres</a:t>
+            </a:r>
+            <a:endParaRPr lang="en-US" sz="1000">
+              <a:solidFill>
+                <a:schemeClr val="bg1"/>
+              </a:solidFill>
+              <a:latin typeface="Calibri"/>
+              <a:ea typeface="Calibri"/>
+              <a:cs typeface="Arial"/>
+            </a:endParaRPr>
+          </a:p>
+          <a:p>
+            <a:pPr algn="ctr"/>
+            <a:br>
+              <a:rPr lang="en-US" sz="1000">
+                <a:latin typeface="Calibri"/>
+              </a:rPr>
+            </a:br>
+            <a:r>
+              <a:rPr lang="en-US" sz="1000">
+                <a:solidFill>
+                  <a:schemeClr val="bg1"/>
+                </a:solidFill>
+                <a:latin typeface="Calibri"/>
+                <a:ea typeface="Calibri"/>
+                <a:cs typeface="Arial"/>
+                <a:hlinkClick r:id="rId5">
+                  <a:extLst>
+                    <a:ext uri="{A12FA001-AC4F-418D-AE19-62706E023703}">
+                      <ahyp:hlinkClr xmlns:ahyp="http://schemas.microsoft.com/office/drawing/2018/hyperlinkcolor" val="tx"/>
+                    </a:ext>
+                  </a:extLst>
+                </a:hlinkClick>
+              </a:rPr>
+              <a:t>https://public.tableau.com/app/profile/jules.claeys/viz/VancouverCanucksSeasonRecapSportsVizSunday/TeamDashboard</a:t>
+            </a:r>
+            <a:endParaRPr lang="en-US" sz="1000">
+              <a:solidFill>
+                <a:schemeClr val="bg1"/>
+              </a:solidFill>
+              <a:latin typeface="Calibri"/>
+              <a:ea typeface="Calibri"/>
+              <a:cs typeface="Arial"/>
+            </a:endParaRPr>
+          </a:p>
+          <a:p>
+            <a:pPr algn="ctr"/>
+            <a:br>
+              <a:rPr lang="en-US" sz="1000">
+                <a:latin typeface="Calibri"/>
+              </a:rPr>
+            </a:br>
+            <a:r>
+              <a:rPr lang="en-US" sz="1000" b="1">
+                <a:solidFill>
+                  <a:schemeClr val="bg1"/>
+                </a:solidFill>
+                <a:latin typeface="Calibri"/>
+                <a:ea typeface="Calibri"/>
+                <a:cs typeface="Arial"/>
+              </a:rPr>
+              <a:t>Color Theme:</a:t>
+            </a:r>
+            <a:br>
+              <a:rPr lang="en-US" sz="1000">
+                <a:latin typeface="Calibri"/>
+              </a:rPr>
+            </a:br>
+            <a:r>
+              <a:rPr lang="en-US" sz="1000">
+                <a:solidFill>
+                  <a:schemeClr val="bg1"/>
+                </a:solidFill>
+                <a:latin typeface="Calibri"/>
+                <a:ea typeface="Calibri"/>
+                <a:cs typeface="Arial"/>
+                <a:hlinkClick r:id="rId6">
+                  <a:extLst>
+                    <a:ext uri="{A12FA001-AC4F-418D-AE19-62706E023703}">
+                      <ahyp:hlinkClr xmlns:ahyp="http://schemas.microsoft.com/office/drawing/2018/hyperlinkcolor" val="tx"/>
+                    </a:ext>
+                  </a:extLst>
+                </a:hlinkClick>
+              </a:rPr>
+              <a:t>https://coolors.co/palette/353535-3c6e71-ffffff-d9d9d9-284b63</a:t>
+            </a:r>
+            <a:endParaRPr lang="en-US" sz="1000">
+              <a:solidFill>
+                <a:schemeClr val="bg1"/>
+              </a:solidFill>
+              <a:latin typeface="Calibri"/>
+              <a:ea typeface="Calibri"/>
+              <a:cs typeface="Arial"/>
+            </a:endParaRPr>
+          </a:p>
+          <a:p>
+            <a:pPr algn="ctr"/>
+            <a:br>
+              <a:rPr lang="en-US" sz="1000">
+                <a:latin typeface="Calibri"/>
+              </a:rPr>
+            </a:br>
+            <a:r>
+              <a:rPr lang="en-US" sz="1000">
+                <a:solidFill>
+                  <a:schemeClr val="bg1"/>
+                </a:solidFill>
+                <a:latin typeface="Calibri"/>
+                <a:ea typeface="Calibri"/>
+                <a:cs typeface="Arial"/>
+                <a:hlinkClick r:id="rId7">
+                  <a:extLst>
+                    <a:ext uri="{A12FA001-AC4F-418D-AE19-62706E023703}">
+                      <ahyp:hlinkClr xmlns:ahyp="http://schemas.microsoft.com/office/drawing/2018/hyperlinkcolor" val="tx"/>
+                    </a:ext>
+                  </a:extLst>
+                </a:hlinkClick>
+              </a:rPr>
+              <a:t>https://coolors.co/palette/0466c8-0353a4-023e7d-002855-001845-001233-33415c-5c677d-7d8597-979dac</a:t>
+            </a:r>
+            <a:endParaRPr lang="en-US" sz="1000">
+              <a:solidFill>
+                <a:schemeClr val="bg1"/>
+              </a:solidFill>
+              <a:latin typeface="Calibri"/>
+              <a:ea typeface="Calibri"/>
+              <a:cs typeface="Arial"/>
+            </a:endParaRPr>
+          </a:p>
+          <a:p>
+            <a:pPr algn="ctr"/>
+            <a:br>
+              <a:rPr lang="en-US" sz="1000">
+                <a:latin typeface="Calibri"/>
+              </a:rPr>
+            </a:br>
+            <a:r>
+              <a:rPr lang="en-US" sz="1000">
+                <a:solidFill>
+                  <a:schemeClr val="bg1"/>
+                </a:solidFill>
+                <a:latin typeface="Calibri"/>
+                <a:ea typeface="Calibri"/>
+                <a:cs typeface="Arial"/>
+                <a:hlinkClick r:id="rId8">
+                  <a:extLst>
+                    <a:ext uri="{A12FA001-AC4F-418D-AE19-62706E023703}">
+                      <ahyp:hlinkClr xmlns:ahyp="http://schemas.microsoft.com/office/drawing/2018/hyperlinkcolor" val="tx"/>
+                    </a:ext>
+                  </a:extLst>
+                </a:hlinkClick>
+              </a:rPr>
+              <a:t>https://coolors.co/palette/000000-14213d-fca311-e5e5e5-ffffff</a:t>
+            </a:r>
+            <a:endParaRPr lang="en-US" sz="1000">
+              <a:solidFill>
+                <a:schemeClr val="bg1"/>
+              </a:solidFill>
+              <a:latin typeface="Calibri"/>
+              <a:ea typeface="Calibri"/>
+              <a:cs typeface="Arial"/>
+              <a:hlinkClick r:id="" action="ppaction://noaction">
+                <a:extLst>
+                  <a:ext uri="{A12FA001-AC4F-418D-AE19-62706E023703}">
+                    <ahyp:hlinkClr xmlns:ahyp="http://schemas.microsoft.com/office/drawing/2018/hyperlinkcolor" val="tx"/>
+                  </a:ext>
+                </a:extLst>
+              </a:hlinkClick>
+            </a:endParaRPr>
+          </a:p>
+          <a:p>
+            <a:pPr algn="ctr"/>
+            <a:br>
+              <a:rPr lang="en-US" sz="1000">
+                <a:latin typeface="Calibri"/>
+              </a:rPr>
+            </a:br>
+            <a:r>
+              <a:rPr lang="en-US" sz="1000">
+                <a:solidFill>
+                  <a:schemeClr val="bg1"/>
+                </a:solidFill>
+                <a:latin typeface="Calibri"/>
+                <a:ea typeface="Calibri"/>
+                <a:cs typeface="Arial"/>
+                <a:hlinkClick r:id="rId9">
+                  <a:extLst>
+                    <a:ext uri="{A12FA001-AC4F-418D-AE19-62706E023703}">
+                      <ahyp:hlinkClr xmlns:ahyp="http://schemas.microsoft.com/office/drawing/2018/hyperlinkcolor" val="tx"/>
+                    </a:ext>
+                  </a:extLst>
+                </a:hlinkClick>
+              </a:rPr>
+              <a:t>https://coolors.co/palette/0d1321-1d2d44-3e5c76-748cab-f0ebd8</a:t>
+            </a:r>
+            <a:endParaRPr lang="en-US" sz="1000">
+              <a:solidFill>
+                <a:schemeClr val="bg1"/>
+              </a:solidFill>
+              <a:latin typeface="Calibri"/>
+              <a:ea typeface="Calibri"/>
+              <a:cs typeface="Calibri"/>
+            </a:endParaRPr>
+          </a:p>
+          <a:p>
+            <a:pPr algn="ctr"/>
+            <a:endParaRPr lang="en-US" sz="1000">
+              <a:solidFill>
+                <a:schemeClr val="bg1"/>
+              </a:solidFill>
+              <a:latin typeface="Calibri"/>
+              <a:ea typeface="+mn-lt"/>
+              <a:cs typeface="+mn-lt"/>
+            </a:endParaRPr>
+          </a:p>
+          <a:p>
+            <a:pPr algn="ctr"/>
+            <a:endParaRPr lang="en-US" sz="1000">
+              <a:solidFill>
+                <a:schemeClr val="bg1"/>
+              </a:solidFill>
+              <a:latin typeface="Calibri"/>
+              <a:ea typeface="+mn-lt"/>
+              <a:cs typeface="+mn-lt"/>
+            </a:endParaRPr>
+          </a:p>
+          <a:p>
+            <a:pPr algn="ctr"/>
+            <a:r>
+              <a:rPr lang="en-US" b="1">
+                <a:solidFill>
+                  <a:srgbClr val="C00000"/>
+                </a:solidFill>
+                <a:latin typeface="Calibri"/>
+                <a:ea typeface="+mn-lt"/>
+                <a:cs typeface="+mn-lt"/>
+              </a:rPr>
+              <a:t>The End</a:t>
+            </a:r>
+            <a:endParaRPr lang="en-US" b="1">
+              <a:solidFill>
+                <a:srgbClr val="C00000"/>
+              </a:solidFill>
+              <a:latin typeface="Calibri"/>
+            </a:endParaRPr>
+          </a:p>
+        </p:txBody>
+      </p:sp>
+    </p:spTree>
+    <p:extLst>
+      <p:ext uri="{BB962C8B-B14F-4D97-AF65-F5344CB8AC3E}">
+        <p14:creationId xmlns:p14="http://schemas.microsoft.com/office/powerpoint/2010/main" val="2533692429"/>
+      </p:ext>
+    </p:extLst>
+  </p:cSld>
+  <p:clrMapOvr>
+    <a:masterClrMapping/>
+  </p:clrMapOvr>
+  <p:timing>
+    <p:tnLst>
+      <p:par>
+        <p:cTn id="1" dur="indefinite" restart="never" nodeType="tmRoot">
+          <p:childTnLst>
+            <p:seq concurrent="1" nextAc="seek">
+              <p:cTn id="2" dur="indefinite" nodeType="mainSeq">
+                <p:childTnLst>
+                  <p:par>
+                    <p:cTn id="3" fill="hold">
+                      <p:stCondLst>
+                        <p:cond delay="indefinite"/>
+                        <p:cond evt="onBegin" delay="0">
+                          <p:tn val="2"/>
+                        </p:cond>
+                      </p:stCondLst>
+                      <p:childTnLst>
+                        <p:par>
+                          <p:cTn id="4" fill="hold">
+                            <p:stCondLst>
+                              <p:cond delay="0"/>
+                            </p:stCondLst>
+                            <p:childTnLst>
+                              <p:par>
+                                <p:cTn id="5" presetID="2" presetClass="entr" presetSubtype="4" fill="hold" grpId="0" nodeType="afterEffect">
+                                  <p:stCondLst>
+                                    <p:cond delay="0"/>
+                                  </p:stCondLst>
+                                  <p:childTnLst>
+                                    <p:set>
+                                      <p:cBhvr>
+                                        <p:cTn id="6" dur="1" fill="hold">
+                                          <p:stCondLst>
+                                            <p:cond delay="0"/>
+                                          </p:stCondLst>
+                                        </p:cTn>
+                                        <p:tgtEl>
+                                          <p:spTgt spid="2"/>
+                                        </p:tgtEl>
+                                        <p:attrNameLst>
+                                          <p:attrName>style.visibility</p:attrName>
+                                        </p:attrNameLst>
+                                      </p:cBhvr>
+                                      <p:to>
+                                        <p:strVal val="visible"/>
+                                      </p:to>
+                                    </p:set>
+                                    <p:anim calcmode="lin" valueType="num">
+                                      <p:cBhvr additive="base">
+                                        <p:cTn id="7" dur="7000" fill="hold"/>
+                                        <p:tgtEl>
+                                          <p:spTgt spid="2"/>
+                                        </p:tgtEl>
+                                        <p:attrNameLst>
+                                          <p:attrName>ppt_x</p:attrName>
+                                        </p:attrNameLst>
+                                      </p:cBhvr>
+                                      <p:tavLst>
+                                        <p:tav tm="0">
+                                          <p:val>
+                                            <p:strVal val="#ppt_x"/>
+                                          </p:val>
+                                        </p:tav>
+                                        <p:tav tm="100000">
+                                          <p:val>
+                                            <p:strVal val="#ppt_x"/>
+                                          </p:val>
+                                        </p:tav>
+                                      </p:tavLst>
+                                    </p:anim>
+                                    <p:anim calcmode="lin" valueType="num">
+                                      <p:cBhvr additive="base">
+                                        <p:cTn id="8" dur="7000" fill="hold"/>
+                                        <p:tgtEl>
+                                          <p:spTgt spid="2"/>
+                                        </p:tgtEl>
+                                        <p:attrNameLst>
+                                          <p:attrName>ppt_y</p:attrName>
+                                        </p:attrNameLst>
+                                      </p:cBhvr>
+                                      <p:tavLst>
+                                        <p:tav tm="0">
+                                          <p:val>
+                                            <p:strVal val="1+#ppt_h/2"/>
+                                          </p:val>
+                                        </p:tav>
+                                        <p:tav tm="100000">
+                                          <p:val>
+                                            <p:strVal val="#ppt_y"/>
+                                          </p:val>
+                                        </p:tav>
+                                      </p:tavLst>
+                                    </p:anim>
+                                  </p:childTnLst>
+                                </p:cTn>
+                              </p:par>
+                            </p:childTnLst>
+                          </p:cTn>
+                        </p:par>
+                        <p:par>
+                          <p:cTn id="9" fill="hold">
+                            <p:stCondLst>
+                              <p:cond delay="7000"/>
+                            </p:stCondLst>
+                            <p:childTnLst>
+                              <p:par>
+                                <p:cTn id="10" presetID="2" presetClass="exit" presetSubtype="1" fill="hold" grpId="1" nodeType="afterEffect">
+                                  <p:stCondLst>
+                                    <p:cond delay="0"/>
+                                  </p:stCondLst>
+                                  <p:childTnLst>
+                                    <p:anim calcmode="lin" valueType="num">
+                                      <p:cBhvr additive="base">
+                                        <p:cTn id="11" dur="8000"/>
+                                        <p:tgtEl>
+                                          <p:spTgt spid="2"/>
+                                        </p:tgtEl>
+                                        <p:attrNameLst>
+                                          <p:attrName>ppt_x</p:attrName>
+                                        </p:attrNameLst>
+                                      </p:cBhvr>
+                                      <p:tavLst>
+                                        <p:tav tm="0">
+                                          <p:val>
+                                            <p:strVal val="ppt_x"/>
+                                          </p:val>
+                                        </p:tav>
+                                        <p:tav tm="100000">
+                                          <p:val>
+                                            <p:strVal val="ppt_x"/>
+                                          </p:val>
+                                        </p:tav>
+                                      </p:tavLst>
+                                    </p:anim>
+                                    <p:anim calcmode="lin" valueType="num">
+                                      <p:cBhvr additive="base">
+                                        <p:cTn id="12" dur="8000"/>
+                                        <p:tgtEl>
+                                          <p:spTgt spid="2"/>
+                                        </p:tgtEl>
+                                        <p:attrNameLst>
+                                          <p:attrName>ppt_y</p:attrName>
+                                        </p:attrNameLst>
+                                      </p:cBhvr>
+                                      <p:tavLst>
+                                        <p:tav tm="0">
+                                          <p:val>
+                                            <p:strVal val="ppt_y"/>
+                                          </p:val>
+                                        </p:tav>
+                                        <p:tav tm="100000">
+                                          <p:val>
+                                            <p:strVal val="0-ppt_h/2"/>
+                                          </p:val>
+                                        </p:tav>
+                                      </p:tavLst>
+                                    </p:anim>
+                                    <p:set>
+                                      <p:cBhvr>
+                                        <p:cTn id="13" dur="1" fill="hold">
+                                          <p:stCondLst>
+                                            <p:cond delay="7999"/>
+                                          </p:stCondLst>
+                                        </p:cTn>
+                                        <p:tgtEl>
+                                          <p:spTgt spid="2"/>
+                                        </p:tgtEl>
+                                        <p:attrNameLst>
+                                          <p:attrName>style.visibility</p:attrName>
+                                        </p:attrNameLst>
+                                      </p:cBhvr>
+                                      <p:to>
+                                        <p:strVal val="hidden"/>
+                                      </p:to>
+                                    </p:set>
+                                  </p:childTnLst>
+                                </p:cTn>
+                              </p:par>
+                            </p:childTnLst>
+                          </p:cTn>
+                        </p:par>
+                      </p:childTnLst>
+                    </p:cTn>
+                  </p:par>
+                </p:childTnLst>
+              </p:cTn>
+              <p:prevCondLst>
+                <p:cond evt="onPrev" delay="0">
+                  <p:tgtEl>
+                    <p:sldTgt/>
+                  </p:tgtEl>
+                </p:cond>
+              </p:prevCondLst>
+              <p:nextCondLst>
+                <p:cond evt="onNext" delay="0">
+                  <p:tgtEl>
+                    <p:sldTgt/>
+                  </p:tgtEl>
+                </p:cond>
+              </p:nextCondLst>
+            </p:seq>
+          </p:childTnLst>
+        </p:cTn>
+      </p:par>
+    </p:tnLst>
+    <p:bldLst>
+      <p:bldP spid="2" grpId="0"/>
+      <p:bldP spid="2" grpId="1"/>
+    </p:bldLst>
+  </p:timing>
+</p:sld>
+</file>
+
+<file path=ppt/slides/slide13.xml><?xml version="1.0" encoding="utf-8"?>
 <p:sld xmlns:a="http://schemas.openxmlformats.org/drawingml/2006/main" xmlns:r="http://schemas.openxmlformats.org/officeDocument/2006/relationships" xmlns:p="http://schemas.openxmlformats.org/presentationml/2006/main">
   <p:cSld>
     <p:bg>
@@ -6637,8 +8155,8 @@
         </p:blipFill>
         <p:spPr>
           <a:xfrm>
-            <a:off x="6230471" y="2152005"/>
-            <a:ext cx="4953000" cy="2790265"/>
+            <a:off x="5807138" y="2056756"/>
+            <a:ext cx="6032499" cy="3351181"/>
           </a:xfrm>
           <a:prstGeom prst="rect">
             <a:avLst/>
@@ -6651,40 +8169,6 @@
           </a:effectLst>
         </p:spPr>
       </p:pic>
-      <p:sp>
-        <p:nvSpPr>
-          <p:cNvPr id="15" name="TextBox 14">
-            <a:extLst>
-              <a:ext uri="{FF2B5EF4-FFF2-40B4-BE49-F238E27FC236}">
-                <a16:creationId xmlns:a16="http://schemas.microsoft.com/office/drawing/2014/main" id="{ED085321-62BA-E54A-680E-8B6AA5DE8321}"/>
-              </a:ext>
-            </a:extLst>
-          </p:cNvPr>
-          <p:cNvSpPr txBox="1"/>
-          <p:nvPr/>
-        </p:nvSpPr>
-        <p:spPr>
-          <a:xfrm>
-            <a:off x="6230471" y="4947397"/>
-            <a:ext cx="4953000" cy="171824"/>
-          </a:xfrm>
-          <a:prstGeom prst="rect">
-            <a:avLst/>
-          </a:prstGeom>
-        </p:spPr>
-        <p:txBody>
-          <a:bodyPr>
-            <a:normAutofit fontScale="32500" lnSpcReduction="20000"/>
-          </a:bodyPr>
-          <a:lstStyle/>
-          <a:p>
-            <a:r>
-              <a:rPr lang="en-US"/>
-              <a:t>ThePhoto by PhotoAuthor is licensed under CCYYSA.</a:t>
-            </a:r>
-          </a:p>
-        </p:txBody>
-      </p:sp>
     </p:spTree>
     <p:extLst>
       <p:ext uri="{BB962C8B-B14F-4D97-AF65-F5344CB8AC3E}">
@@ -7059,40 +8543,6 @@
           </a:effectLst>
         </p:spPr>
       </p:pic>
-      <p:sp>
-        <p:nvSpPr>
-          <p:cNvPr id="30" name="TextBox 29">
-            <a:extLst>
-              <a:ext uri="{FF2B5EF4-FFF2-40B4-BE49-F238E27FC236}">
-                <a16:creationId xmlns:a16="http://schemas.microsoft.com/office/drawing/2014/main" id="{DFDB0F88-12D8-8E06-00C3-776A4011E5C7}"/>
-              </a:ext>
-            </a:extLst>
-          </p:cNvPr>
-          <p:cNvSpPr txBox="1"/>
-          <p:nvPr/>
-        </p:nvSpPr>
-        <p:spPr>
-          <a:xfrm>
-            <a:off x="1524000" y="6657882"/>
-            <a:ext cx="3899648" cy="138206"/>
-          </a:xfrm>
-          <a:prstGeom prst="rect">
-            <a:avLst/>
-          </a:prstGeom>
-        </p:spPr>
-        <p:txBody>
-          <a:bodyPr>
-            <a:normAutofit fontScale="25000" lnSpcReduction="20000"/>
-          </a:bodyPr>
-          <a:lstStyle/>
-          <a:p>
-            <a:r>
-              <a:rPr lang="en-US"/>
-              <a:t>ThePhoto by PhotoAuthor is licensed under CCYYSA.</a:t>
-            </a:r>
-          </a:p>
-        </p:txBody>
-      </p:sp>
     </p:spTree>
     <p:extLst>
       <p:ext uri="{BB962C8B-B14F-4D97-AF65-F5344CB8AC3E}">
@@ -7327,6 +8777,36 @@
           <a:xfrm>
             <a:off x="10872786" y="598934"/>
             <a:ext cx="552694" cy="541868"/>
+          </a:xfrm>
+          <a:prstGeom prst="rect">
+            <a:avLst/>
+          </a:prstGeom>
+        </p:spPr>
+      </p:pic>
+      <p:pic>
+        <p:nvPicPr>
+          <p:cNvPr id="17" name="Picture 16" descr="A cartoon of a cat&#10;&#10;Description automatically generated">
+            <a:extLst>
+              <a:ext uri="{FF2B5EF4-FFF2-40B4-BE49-F238E27FC236}">
+                <a16:creationId xmlns:a16="http://schemas.microsoft.com/office/drawing/2014/main" id="{90C38F3F-17C3-6CC7-9CD4-D2A2E5F8CF08}"/>
+              </a:ext>
+            </a:extLst>
+          </p:cNvPr>
+          <p:cNvPicPr>
+            <a:picLocks noChangeAspect="1"/>
+          </p:cNvPicPr>
+          <p:nvPr/>
+        </p:nvPicPr>
+        <p:blipFill>
+          <a:blip r:embed="rId8"/>
+          <a:stretch>
+            <a:fillRect/>
+          </a:stretch>
+        </p:blipFill>
+        <p:spPr>
+          <a:xfrm>
+            <a:off x="10868839" y="601257"/>
+            <a:ext cx="560591" cy="511990"/>
           </a:xfrm>
           <a:prstGeom prst="rect">
             <a:avLst/>
@@ -8506,12 +9986,134 @@
           </a:prstGeom>
         </p:spPr>
       </p:pic>
+      <p:sp>
+        <p:nvSpPr>
+          <p:cNvPr id="4" name="Title 1">
+            <a:extLst>
+              <a:ext uri="{FF2B5EF4-FFF2-40B4-BE49-F238E27FC236}">
+                <a16:creationId xmlns:a16="http://schemas.microsoft.com/office/drawing/2014/main" id="{FD042849-23EE-BDB4-5B77-9DF3695D518D}"/>
+              </a:ext>
+            </a:extLst>
+          </p:cNvPr>
+          <p:cNvSpPr>
+            <a:spLocks noGrp="1"/>
+          </p:cNvSpPr>
+          <p:nvPr>
+            <p:ph type="title"/>
+          </p:nvPr>
+        </p:nvSpPr>
+        <p:spPr>
+          <a:xfrm>
+            <a:off x="520700" y="1338791"/>
+            <a:ext cx="10515600" cy="1325563"/>
+          </a:xfrm>
+        </p:spPr>
+        <p:txBody>
+          <a:bodyPr/>
+          <a:lstStyle/>
+          <a:p>
+            <a:r>
+              <a:rPr lang="en-US">
+                <a:solidFill>
+                  <a:schemeClr val="bg1"/>
+                </a:solidFill>
+              </a:rPr>
+              <a:t>Conclusions</a:t>
+            </a:r>
+          </a:p>
+          <a:p>
+            <a:endParaRPr lang="en-US"/>
+          </a:p>
+        </p:txBody>
+      </p:sp>
+      <p:sp>
+        <p:nvSpPr>
+          <p:cNvPr id="6" name="Content Placeholder 2">
+            <a:extLst>
+              <a:ext uri="{FF2B5EF4-FFF2-40B4-BE49-F238E27FC236}">
+                <a16:creationId xmlns:a16="http://schemas.microsoft.com/office/drawing/2014/main" id="{1DF9DA9E-10FB-B333-2938-F4D569AB339E}"/>
+              </a:ext>
+            </a:extLst>
+          </p:cNvPr>
+          <p:cNvSpPr>
+            <a:spLocks noGrp="1"/>
+          </p:cNvSpPr>
+          <p:nvPr>
+            <p:ph idx="1"/>
+          </p:nvPr>
+        </p:nvSpPr>
+        <p:spPr>
+          <a:xfrm>
+            <a:off x="499533" y="2090208"/>
+            <a:ext cx="11669184" cy="2679172"/>
+          </a:xfrm>
+        </p:spPr>
+        <p:txBody>
+          <a:bodyPr vert="horz" lIns="91440" tIns="45720" rIns="91440" bIns="45720" rtlCol="0" anchor="t">
+            <a:normAutofit/>
+          </a:bodyPr>
+          <a:lstStyle/>
+          <a:p>
+            <a:r>
+              <a:rPr lang="en-US" sz="1800">
+                <a:solidFill>
+                  <a:schemeClr val="bg1"/>
+                </a:solidFill>
+                <a:ea typeface="+mn-lt"/>
+                <a:cs typeface="+mn-lt"/>
+              </a:rPr>
+              <a:t>From our analysis, we found that directors with higher average ratings often also receive more votes, suggesting that audience engagement is linked to perceived quality. </a:t>
+            </a:r>
+          </a:p>
+          <a:p>
+            <a:r>
+              <a:rPr lang="en-US" sz="1800">
+                <a:solidFill>
+                  <a:schemeClr val="bg1"/>
+                </a:solidFill>
+                <a:ea typeface="+mn-lt"/>
+                <a:cs typeface="+mn-lt"/>
+              </a:rPr>
+              <a:t>We also saw that certain genres have remained consistently popular, while others have fluctuated over time. </a:t>
+            </a:r>
+          </a:p>
+          <a:p>
+            <a:r>
+              <a:rPr lang="en-US" sz="1800">
+                <a:solidFill>
+                  <a:schemeClr val="bg1"/>
+                </a:solidFill>
+                <a:ea typeface="+mn-lt"/>
+                <a:cs typeface="+mn-lt"/>
+              </a:rPr>
+              <a:t>Additionally, cultural factors and the availability of platforms like IMDb and Rotten Tomatoes have influenced which directors and movies receive the most attention. </a:t>
+            </a:r>
+          </a:p>
+          <a:p>
+            <a:r>
+              <a:rPr lang="en-US" sz="1800">
+                <a:solidFill>
+                  <a:schemeClr val="bg1"/>
+                </a:solidFill>
+                <a:ea typeface="+mn-lt"/>
+                <a:cs typeface="+mn-lt"/>
+              </a:rPr>
+              <a:t>This suggests that both quality and accessibility play a role in how movies are rated and remembered.</a:t>
+            </a:r>
+            <a:endParaRPr lang="en-US" sz="1800">
+              <a:solidFill>
+                <a:schemeClr val="bg1"/>
+              </a:solidFill>
+            </a:endParaRPr>
+          </a:p>
+        </p:txBody>
+      </p:sp>
       <p:pic>
         <p:nvPicPr>
-          <p:cNvPr id="3" name="Picture 2" descr="A cartoon face with a red mask&#10;&#10;Description automatically generated">
-            <a:extLst>
-              <a:ext uri="{FF2B5EF4-FFF2-40B4-BE49-F238E27FC236}">
-                <a16:creationId xmlns:a16="http://schemas.microsoft.com/office/drawing/2014/main" id="{620E36F0-E02D-0B62-91A8-9C72896CE469}"/>
+          <p:cNvPr id="13" name="Picture 12" descr="有关netflix公司, 一對, 一起的免费素材图片">
+            <a:extLst>
+              <a:ext uri="{FF2B5EF4-FFF2-40B4-BE49-F238E27FC236}">
+                <a16:creationId xmlns:a16="http://schemas.microsoft.com/office/drawing/2014/main" id="{D5FB90B8-7E5F-AFAB-329C-56466FD1E665}"/>
               </a:ext>
             </a:extLst>
           </p:cNvPr>
@@ -8528,142 +10130,26 @@
         </p:blipFill>
         <p:spPr>
           <a:xfrm>
-            <a:off x="10876044" y="616845"/>
-            <a:ext cx="506293" cy="513375"/>
+            <a:off x="3280833" y="4119879"/>
+            <a:ext cx="4995334" cy="2608158"/>
           </a:xfrm>
           <a:prstGeom prst="rect">
             <a:avLst/>
           </a:prstGeom>
+          <a:ln>
+            <a:noFill/>
+          </a:ln>
+          <a:effectLst>
+            <a:softEdge rad="112500"/>
+          </a:effectLst>
         </p:spPr>
       </p:pic>
-      <p:sp>
-        <p:nvSpPr>
-          <p:cNvPr id="4" name="Title 1">
-            <a:extLst>
-              <a:ext uri="{FF2B5EF4-FFF2-40B4-BE49-F238E27FC236}">
-                <a16:creationId xmlns:a16="http://schemas.microsoft.com/office/drawing/2014/main" id="{FD042849-23EE-BDB4-5B77-9DF3695D518D}"/>
-              </a:ext>
-            </a:extLst>
-          </p:cNvPr>
-          <p:cNvSpPr>
-            <a:spLocks noGrp="1"/>
-          </p:cNvSpPr>
-          <p:nvPr>
-            <p:ph type="title"/>
-          </p:nvPr>
-        </p:nvSpPr>
-        <p:spPr>
-          <a:xfrm>
-            <a:off x="520700" y="1338791"/>
-            <a:ext cx="10515600" cy="1325563"/>
-          </a:xfrm>
-        </p:spPr>
-        <p:txBody>
-          <a:bodyPr/>
-          <a:lstStyle/>
-          <a:p>
-            <a:r>
-              <a:rPr lang="en-US">
-                <a:solidFill>
-                  <a:schemeClr val="bg1"/>
-                </a:solidFill>
-              </a:rPr>
-              <a:t>Conclusions</a:t>
-            </a:r>
-          </a:p>
-          <a:p>
-            <a:endParaRPr lang="en-US"/>
-          </a:p>
-        </p:txBody>
-      </p:sp>
-      <p:sp>
-        <p:nvSpPr>
-          <p:cNvPr id="6" name="Content Placeholder 2">
-            <a:extLst>
-              <a:ext uri="{FF2B5EF4-FFF2-40B4-BE49-F238E27FC236}">
-                <a16:creationId xmlns:a16="http://schemas.microsoft.com/office/drawing/2014/main" id="{1DF9DA9E-10FB-B333-2938-F4D569AB339E}"/>
-              </a:ext>
-            </a:extLst>
-          </p:cNvPr>
-          <p:cNvSpPr>
-            <a:spLocks noGrp="1"/>
-          </p:cNvSpPr>
-          <p:nvPr>
-            <p:ph idx="1"/>
-          </p:nvPr>
-        </p:nvSpPr>
-        <p:spPr>
-          <a:xfrm>
-            <a:off x="520700" y="2799291"/>
-            <a:ext cx="10515600" cy="2679172"/>
-          </a:xfrm>
-        </p:spPr>
-        <p:txBody>
-          <a:bodyPr vert="horz" lIns="91440" tIns="45720" rIns="91440" bIns="45720" rtlCol="0" anchor="t">
-            <a:normAutofit/>
-          </a:bodyPr>
-          <a:lstStyle/>
-          <a:p>
-            <a:r>
-              <a:rPr lang="en-US" sz="1800">
-                <a:solidFill>
-                  <a:schemeClr val="bg1"/>
-                </a:solidFill>
-                <a:ea typeface="+mn-lt"/>
-                <a:cs typeface="+mn-lt"/>
-              </a:rPr>
-              <a:t>From our analysis, we found that directors with higher average ratings often also receive more votes, suggesting that audience engagement is linked to perceived quality. </a:t>
-            </a:r>
-          </a:p>
-          <a:p>
-            <a:r>
-              <a:rPr lang="en-US" sz="1800">
-                <a:solidFill>
-                  <a:schemeClr val="bg1"/>
-                </a:solidFill>
-                <a:ea typeface="+mn-lt"/>
-                <a:cs typeface="+mn-lt"/>
-              </a:rPr>
-              <a:t>We also saw that certain genres have remained consistently popular, while others have fluctuated over time. </a:t>
-            </a:r>
-          </a:p>
-          <a:p>
-            <a:r>
-              <a:rPr lang="en-US" sz="1800">
-                <a:solidFill>
-                  <a:schemeClr val="bg1"/>
-                </a:solidFill>
-                <a:ea typeface="+mn-lt"/>
-                <a:cs typeface="+mn-lt"/>
-              </a:rPr>
-              <a:t>Additionally, cultural factors and the availability of platforms like IMDb and Rotten Tomatoes have influenced which directors and movies receive the most attention. </a:t>
-            </a:r>
-          </a:p>
-          <a:p>
-            <a:r>
-              <a:rPr lang="en-US" sz="1800">
-                <a:solidFill>
-                  <a:schemeClr val="bg1"/>
-                </a:solidFill>
-                <a:ea typeface="+mn-lt"/>
-                <a:cs typeface="+mn-lt"/>
-              </a:rPr>
-              <a:t>This suggests that both quality and accessibility play a role in how movies are rated and remembered.</a:t>
-            </a:r>
-            <a:endParaRPr lang="en-US" sz="1800">
-              <a:solidFill>
-                <a:schemeClr val="bg1"/>
-              </a:solidFill>
-            </a:endParaRPr>
-          </a:p>
-        </p:txBody>
-      </p:sp>
       <p:pic>
         <p:nvPicPr>
-          <p:cNvPr id="8" name="Picture 7" descr="A cartoon of a cat&#10;&#10;Description automatically generated">
-            <a:extLst>
-              <a:ext uri="{FF2B5EF4-FFF2-40B4-BE49-F238E27FC236}">
-                <a16:creationId xmlns:a16="http://schemas.microsoft.com/office/drawing/2014/main" id="{92B6D090-DB4D-7F0C-6527-B1A13467ACB0}"/>
+          <p:cNvPr id="17" name="Picture 16" descr="A cartoon character with arms and legs&#10;&#10;Description automatically generated">
+            <a:extLst>
+              <a:ext uri="{FF2B5EF4-FFF2-40B4-BE49-F238E27FC236}">
+                <a16:creationId xmlns:a16="http://schemas.microsoft.com/office/drawing/2014/main" id="{19CA9D0C-D4A1-F49D-3C44-5635437A30C5}"/>
               </a:ext>
             </a:extLst>
           </p:cNvPr>
@@ -8680,8 +10166,8 @@
         </p:blipFill>
         <p:spPr>
           <a:xfrm>
-            <a:off x="10868839" y="601257"/>
-            <a:ext cx="518258" cy="522573"/>
+            <a:off x="10875495" y="616363"/>
+            <a:ext cx="508777" cy="518834"/>
           </a:xfrm>
           <a:prstGeom prst="rect">
             <a:avLst/>
